--- a/SPRINT2/slide pi.pptx
+++ b/SPRINT2/slide pi.pptx
@@ -5,7 +5,7 @@
     <p:sldMasterId id="2147483660" r:id="rId1"/>
   </p:sldMasterIdLst>
   <p:notesMasterIdLst>
-    <p:notesMasterId r:id="rId16"/>
+    <p:notesMasterId r:id="rId18"/>
   </p:notesMasterIdLst>
   <p:sldIdLst>
     <p:sldId id="256" r:id="rId2"/>
@@ -22,30 +22,32 @@
     <p:sldId id="293" r:id="rId13"/>
     <p:sldId id="299" r:id="rId14"/>
     <p:sldId id="278" r:id="rId15"/>
+    <p:sldId id="301" r:id="rId16"/>
+    <p:sldId id="303" r:id="rId17"/>
   </p:sldIdLst>
   <p:sldSz cx="9144000" cy="5143500" type="screen16x9"/>
   <p:notesSz cx="6858000" cy="9144000"/>
   <p:embeddedFontLst>
     <p:embeddedFont>
       <p:font typeface="Calibri" panose="020F0502020204030204" pitchFamily="34" charset="0"/>
-      <p:regular r:id="rId17"/>
-      <p:bold r:id="rId18"/>
-      <p:italic r:id="rId19"/>
-      <p:boldItalic r:id="rId20"/>
+      <p:regular r:id="rId19"/>
+      <p:bold r:id="rId20"/>
+      <p:italic r:id="rId21"/>
+      <p:boldItalic r:id="rId22"/>
     </p:embeddedFont>
     <p:embeddedFont>
       <p:font typeface="Kulim Park" panose="020B0604020202020204" charset="0"/>
-      <p:regular r:id="rId21"/>
-      <p:bold r:id="rId22"/>
-      <p:italic r:id="rId23"/>
-      <p:boldItalic r:id="rId24"/>
+      <p:regular r:id="rId23"/>
+      <p:bold r:id="rId24"/>
+      <p:italic r:id="rId25"/>
+      <p:boldItalic r:id="rId26"/>
     </p:embeddedFont>
     <p:embeddedFont>
       <p:font typeface="Kulim Park Light" panose="020B0604020202020204" charset="0"/>
-      <p:regular r:id="rId25"/>
-      <p:bold r:id="rId26"/>
-      <p:italic r:id="rId27"/>
-      <p:boldItalic r:id="rId28"/>
+      <p:regular r:id="rId27"/>
+      <p:bold r:id="rId28"/>
+      <p:italic r:id="rId29"/>
+      <p:boldItalic r:id="rId30"/>
     </p:embeddedFont>
   </p:embeddedFontLst>
   <p:defaultTextStyle>
@@ -296,6 +298,8 @@
             <p14:sldId id="293"/>
             <p14:sldId id="299"/>
             <p14:sldId id="278"/>
+            <p14:sldId id="301"/>
+            <p14:sldId id="303"/>
           </p14:sldIdLst>
         </p14:section>
       </p14:sectionLst>
@@ -310,13 +314,1595 @@
 <file path=ppt/revisionInfo.xml><?xml version="1.0" encoding="utf-8"?>
 <p1510:revInfo xmlns:a="http://schemas.openxmlformats.org/drawingml/2006/main" xmlns:r="http://schemas.openxmlformats.org/officeDocument/2006/relationships" xmlns:p1510="http://schemas.microsoft.com/office/powerpoint/2015/10/main">
   <p1510:revLst>
-    <p1510:client id="{75030DD4-B3C0-44EB-BEEC-92BA66146314}" v="1" dt="2021-03-11T18:19:09.722"/>
+    <p1510:client id="{B85036F9-EEBA-4C90-BC61-FDB5AB647748}" v="24" dt="2021-03-23T15:34:50.903"/>
   </p1510:revLst>
 </p1510:revInfo>
 </file>
 
 <file path=ppt/changesInfos/changesInfo1.xml><?xml version="1.0" encoding="utf-8"?>
 <pc:chgInfo xmlns:a="http://schemas.openxmlformats.org/drawingml/2006/main" xmlns:r="http://schemas.openxmlformats.org/officeDocument/2006/relationships" xmlns:ac="http://schemas.microsoft.com/office/drawing/2013/main/command" xmlns:pc="http://schemas.microsoft.com/office/powerpoint/2013/main/command">
+  <pc:docChgLst>
+    <pc:chgData name="Antonio" userId="d42371d61bd3278c" providerId="LiveId" clId="{B85036F9-EEBA-4C90-BC61-FDB5AB647748}"/>
+    <pc:docChg chg="undo custSel addSld delSld modSld modMainMaster modSection modNotesMaster">
+      <pc:chgData name="Antonio" userId="d42371d61bd3278c" providerId="LiveId" clId="{B85036F9-EEBA-4C90-BC61-FDB5AB647748}" dt="2021-03-23T19:33:37.358" v="683" actId="1076"/>
+      <pc:docMkLst>
+        <pc:docMk/>
+      </pc:docMkLst>
+      <pc:sldChg chg="modSp modNotes">
+        <pc:chgData name="Antonio" userId="d42371d61bd3278c" providerId="LiveId" clId="{B85036F9-EEBA-4C90-BC61-FDB5AB647748}" dt="2021-03-23T15:18:38.722" v="303"/>
+        <pc:sldMkLst>
+          <pc:docMk/>
+          <pc:sldMk cId="0" sldId="256"/>
+        </pc:sldMkLst>
+        <pc:spChg chg="mod">
+          <ac:chgData name="Antonio" userId="d42371d61bd3278c" providerId="LiveId" clId="{B85036F9-EEBA-4C90-BC61-FDB5AB647748}" dt="2021-03-23T15:18:38.722" v="303"/>
+          <ac:spMkLst>
+            <pc:docMk/>
+            <pc:sldMk cId="0" sldId="256"/>
+            <ac:spMk id="147" creationId="{00000000-0000-0000-0000-000000000000}"/>
+          </ac:spMkLst>
+        </pc:spChg>
+        <pc:picChg chg="mod">
+          <ac:chgData name="Antonio" userId="d42371d61bd3278c" providerId="LiveId" clId="{B85036F9-EEBA-4C90-BC61-FDB5AB647748}" dt="2021-03-23T15:18:38.722" v="303"/>
+          <ac:picMkLst>
+            <pc:docMk/>
+            <pc:sldMk cId="0" sldId="256"/>
+            <ac:picMk id="3" creationId="{FF0A55FE-4913-4715-B29B-96F3DEB8DDB3}"/>
+          </ac:picMkLst>
+        </pc:picChg>
+      </pc:sldChg>
+      <pc:sldChg chg="modSp modNotes">
+        <pc:chgData name="Antonio" userId="d42371d61bd3278c" providerId="LiveId" clId="{B85036F9-EEBA-4C90-BC61-FDB5AB647748}" dt="2021-03-23T15:18:38.722" v="303"/>
+        <pc:sldMkLst>
+          <pc:docMk/>
+          <pc:sldMk cId="0" sldId="258"/>
+        </pc:sldMkLst>
+        <pc:spChg chg="mod">
+          <ac:chgData name="Antonio" userId="d42371d61bd3278c" providerId="LiveId" clId="{B85036F9-EEBA-4C90-BC61-FDB5AB647748}" dt="2021-03-23T15:18:38.722" v="303"/>
+          <ac:spMkLst>
+            <pc:docMk/>
+            <pc:sldMk cId="0" sldId="258"/>
+            <ac:spMk id="161" creationId="{00000000-0000-0000-0000-000000000000}"/>
+          </ac:spMkLst>
+        </pc:spChg>
+        <pc:picChg chg="mod">
+          <ac:chgData name="Antonio" userId="d42371d61bd3278c" providerId="LiveId" clId="{B85036F9-EEBA-4C90-BC61-FDB5AB647748}" dt="2021-03-23T15:18:38.722" v="303"/>
+          <ac:picMkLst>
+            <pc:docMk/>
+            <pc:sldMk cId="0" sldId="258"/>
+            <ac:picMk id="6" creationId="{890C7D8E-2DF3-4F3A-8DFD-02DC1838D0DF}"/>
+          </ac:picMkLst>
+        </pc:picChg>
+        <pc:picChg chg="mod">
+          <ac:chgData name="Antonio" userId="d42371d61bd3278c" providerId="LiveId" clId="{B85036F9-EEBA-4C90-BC61-FDB5AB647748}" dt="2021-03-23T15:18:38.722" v="303"/>
+          <ac:picMkLst>
+            <pc:docMk/>
+            <pc:sldMk cId="0" sldId="258"/>
+            <ac:picMk id="7" creationId="{64B68D0D-FB4E-4B6F-B6EB-932F3A04467A}"/>
+          </ac:picMkLst>
+        </pc:picChg>
+      </pc:sldChg>
+      <pc:sldChg chg="modSp modNotes">
+        <pc:chgData name="Antonio" userId="d42371d61bd3278c" providerId="LiveId" clId="{B85036F9-EEBA-4C90-BC61-FDB5AB647748}" dt="2021-03-23T15:18:38.722" v="303"/>
+        <pc:sldMkLst>
+          <pc:docMk/>
+          <pc:sldMk cId="0" sldId="259"/>
+        </pc:sldMkLst>
+        <pc:picChg chg="mod">
+          <ac:chgData name="Antonio" userId="d42371d61bd3278c" providerId="LiveId" clId="{B85036F9-EEBA-4C90-BC61-FDB5AB647748}" dt="2021-03-23T15:18:38.722" v="303"/>
+          <ac:picMkLst>
+            <pc:docMk/>
+            <pc:sldMk cId="0" sldId="259"/>
+            <ac:picMk id="3" creationId="{86E8DE5E-D280-40F9-94B5-D1354F82BFCE}"/>
+          </ac:picMkLst>
+        </pc:picChg>
+      </pc:sldChg>
+      <pc:sldChg chg="modSp modNotes">
+        <pc:chgData name="Antonio" userId="d42371d61bd3278c" providerId="LiveId" clId="{B85036F9-EEBA-4C90-BC61-FDB5AB647748}" dt="2021-03-23T15:18:38.722" v="303"/>
+        <pc:sldMkLst>
+          <pc:docMk/>
+          <pc:sldMk cId="0" sldId="261"/>
+        </pc:sldMkLst>
+        <pc:spChg chg="mod">
+          <ac:chgData name="Antonio" userId="d42371d61bd3278c" providerId="LiveId" clId="{B85036F9-EEBA-4C90-BC61-FDB5AB647748}" dt="2021-03-23T15:18:38.722" v="303"/>
+          <ac:spMkLst>
+            <pc:docMk/>
+            <pc:sldMk cId="0" sldId="261"/>
+            <ac:spMk id="184" creationId="{00000000-0000-0000-0000-000000000000}"/>
+          </ac:spMkLst>
+        </pc:spChg>
+        <pc:picChg chg="mod">
+          <ac:chgData name="Antonio" userId="d42371d61bd3278c" providerId="LiveId" clId="{B85036F9-EEBA-4C90-BC61-FDB5AB647748}" dt="2021-03-23T15:18:38.722" v="303"/>
+          <ac:picMkLst>
+            <pc:docMk/>
+            <pc:sldMk cId="0" sldId="261"/>
+            <ac:picMk id="6" creationId="{20244AFA-C221-45B2-BFB8-802E00B3000B}"/>
+          </ac:picMkLst>
+        </pc:picChg>
+      </pc:sldChg>
+      <pc:sldChg chg="modSp modNotes">
+        <pc:chgData name="Antonio" userId="d42371d61bd3278c" providerId="LiveId" clId="{B85036F9-EEBA-4C90-BC61-FDB5AB647748}" dt="2021-03-23T15:18:38.722" v="303"/>
+        <pc:sldMkLst>
+          <pc:docMk/>
+          <pc:sldMk cId="0" sldId="264"/>
+        </pc:sldMkLst>
+        <pc:spChg chg="mod">
+          <ac:chgData name="Antonio" userId="d42371d61bd3278c" providerId="LiveId" clId="{B85036F9-EEBA-4C90-BC61-FDB5AB647748}" dt="2021-03-23T15:18:38.722" v="303"/>
+          <ac:spMkLst>
+            <pc:docMk/>
+            <pc:sldMk cId="0" sldId="264"/>
+            <ac:spMk id="226" creationId="{00000000-0000-0000-0000-000000000000}"/>
+          </ac:spMkLst>
+        </pc:spChg>
+        <pc:spChg chg="mod">
+          <ac:chgData name="Antonio" userId="d42371d61bd3278c" providerId="LiveId" clId="{B85036F9-EEBA-4C90-BC61-FDB5AB647748}" dt="2021-03-23T15:18:38.722" v="303"/>
+          <ac:spMkLst>
+            <pc:docMk/>
+            <pc:sldMk cId="0" sldId="264"/>
+            <ac:spMk id="227" creationId="{00000000-0000-0000-0000-000000000000}"/>
+          </ac:spMkLst>
+        </pc:spChg>
+        <pc:spChg chg="mod">
+          <ac:chgData name="Antonio" userId="d42371d61bd3278c" providerId="LiveId" clId="{B85036F9-EEBA-4C90-BC61-FDB5AB647748}" dt="2021-03-23T15:18:38.722" v="303"/>
+          <ac:spMkLst>
+            <pc:docMk/>
+            <pc:sldMk cId="0" sldId="264"/>
+            <ac:spMk id="230" creationId="{00000000-0000-0000-0000-000000000000}"/>
+          </ac:spMkLst>
+        </pc:spChg>
+        <pc:spChg chg="mod">
+          <ac:chgData name="Antonio" userId="d42371d61bd3278c" providerId="LiveId" clId="{B85036F9-EEBA-4C90-BC61-FDB5AB647748}" dt="2021-03-23T15:18:38.722" v="303"/>
+          <ac:spMkLst>
+            <pc:docMk/>
+            <pc:sldMk cId="0" sldId="264"/>
+            <ac:spMk id="231" creationId="{00000000-0000-0000-0000-000000000000}"/>
+          </ac:spMkLst>
+        </pc:spChg>
+        <pc:spChg chg="mod">
+          <ac:chgData name="Antonio" userId="d42371d61bd3278c" providerId="LiveId" clId="{B85036F9-EEBA-4C90-BC61-FDB5AB647748}" dt="2021-03-23T15:18:38.722" v="303"/>
+          <ac:spMkLst>
+            <pc:docMk/>
+            <pc:sldMk cId="0" sldId="264"/>
+            <ac:spMk id="232" creationId="{00000000-0000-0000-0000-000000000000}"/>
+          </ac:spMkLst>
+        </pc:spChg>
+        <pc:grpChg chg="mod">
+          <ac:chgData name="Antonio" userId="d42371d61bd3278c" providerId="LiveId" clId="{B85036F9-EEBA-4C90-BC61-FDB5AB647748}" dt="2021-03-23T15:18:38.722" v="303"/>
+          <ac:grpSpMkLst>
+            <pc:docMk/>
+            <pc:sldMk cId="0" sldId="264"/>
+            <ac:grpSpMk id="229" creationId="{00000000-0000-0000-0000-000000000000}"/>
+          </ac:grpSpMkLst>
+        </pc:grpChg>
+        <pc:picChg chg="mod">
+          <ac:chgData name="Antonio" userId="d42371d61bd3278c" providerId="LiveId" clId="{B85036F9-EEBA-4C90-BC61-FDB5AB647748}" dt="2021-03-23T15:18:38.722" v="303"/>
+          <ac:picMkLst>
+            <pc:docMk/>
+            <pc:sldMk cId="0" sldId="264"/>
+            <ac:picMk id="11" creationId="{094EC4E7-49F8-4461-A7E8-13A116CE00F4}"/>
+          </ac:picMkLst>
+        </pc:picChg>
+      </pc:sldChg>
+      <pc:sldChg chg="modSp modNotes">
+        <pc:chgData name="Antonio" userId="d42371d61bd3278c" providerId="LiveId" clId="{B85036F9-EEBA-4C90-BC61-FDB5AB647748}" dt="2021-03-23T15:18:38.722" v="303"/>
+        <pc:sldMkLst>
+          <pc:docMk/>
+          <pc:sldMk cId="0" sldId="278"/>
+        </pc:sldMkLst>
+        <pc:spChg chg="mod">
+          <ac:chgData name="Antonio" userId="d42371d61bd3278c" providerId="LiveId" clId="{B85036F9-EEBA-4C90-BC61-FDB5AB647748}" dt="2021-03-23T15:18:38.722" v="303"/>
+          <ac:spMkLst>
+            <pc:docMk/>
+            <pc:sldMk cId="0" sldId="278"/>
+            <ac:spMk id="386" creationId="{00000000-0000-0000-0000-000000000000}"/>
+          </ac:spMkLst>
+        </pc:spChg>
+        <pc:spChg chg="mod">
+          <ac:chgData name="Antonio" userId="d42371d61bd3278c" providerId="LiveId" clId="{B85036F9-EEBA-4C90-BC61-FDB5AB647748}" dt="2021-03-23T15:18:38.722" v="303"/>
+          <ac:spMkLst>
+            <pc:docMk/>
+            <pc:sldMk cId="0" sldId="278"/>
+            <ac:spMk id="387" creationId="{00000000-0000-0000-0000-000000000000}"/>
+          </ac:spMkLst>
+        </pc:spChg>
+        <pc:picChg chg="mod">
+          <ac:chgData name="Antonio" userId="d42371d61bd3278c" providerId="LiveId" clId="{B85036F9-EEBA-4C90-BC61-FDB5AB647748}" dt="2021-03-23T15:18:38.722" v="303"/>
+          <ac:picMkLst>
+            <pc:docMk/>
+            <pc:sldMk cId="0" sldId="278"/>
+            <ac:picMk id="7" creationId="{C2AD5F2F-2C52-481A-8601-5D0DD9754C45}"/>
+          </ac:picMkLst>
+        </pc:picChg>
+      </pc:sldChg>
+      <pc:sldChg chg="modSp">
+        <pc:chgData name="Antonio" userId="d42371d61bd3278c" providerId="LiveId" clId="{B85036F9-EEBA-4C90-BC61-FDB5AB647748}" dt="2021-03-23T15:18:38.722" v="303"/>
+        <pc:sldMkLst>
+          <pc:docMk/>
+          <pc:sldMk cId="3999652898" sldId="286"/>
+        </pc:sldMkLst>
+        <pc:spChg chg="mod">
+          <ac:chgData name="Antonio" userId="d42371d61bd3278c" providerId="LiveId" clId="{B85036F9-EEBA-4C90-BC61-FDB5AB647748}" dt="2021-03-23T15:18:38.722" v="303"/>
+          <ac:spMkLst>
+            <pc:docMk/>
+            <pc:sldMk cId="3999652898" sldId="286"/>
+            <ac:spMk id="2" creationId="{051FF890-D2ED-40D1-9239-6B3E5B169701}"/>
+          </ac:spMkLst>
+        </pc:spChg>
+        <pc:spChg chg="mod">
+          <ac:chgData name="Antonio" userId="d42371d61bd3278c" providerId="LiveId" clId="{B85036F9-EEBA-4C90-BC61-FDB5AB647748}" dt="2021-03-23T15:18:38.722" v="303"/>
+          <ac:spMkLst>
+            <pc:docMk/>
+            <pc:sldMk cId="3999652898" sldId="286"/>
+            <ac:spMk id="3" creationId="{C0475109-7880-4C4A-B506-591DD68380BA}"/>
+          </ac:spMkLst>
+        </pc:spChg>
+        <pc:picChg chg="mod">
+          <ac:chgData name="Antonio" userId="d42371d61bd3278c" providerId="LiveId" clId="{B85036F9-EEBA-4C90-BC61-FDB5AB647748}" dt="2021-03-23T15:18:38.722" v="303"/>
+          <ac:picMkLst>
+            <pc:docMk/>
+            <pc:sldMk cId="3999652898" sldId="286"/>
+            <ac:picMk id="5" creationId="{CC63DB24-6FEF-4851-88B3-FAAAE72DC9CA}"/>
+          </ac:picMkLst>
+        </pc:picChg>
+      </pc:sldChg>
+      <pc:sldChg chg="modSp modNotes">
+        <pc:chgData name="Antonio" userId="d42371d61bd3278c" providerId="LiveId" clId="{B85036F9-EEBA-4C90-BC61-FDB5AB647748}" dt="2021-03-23T15:18:38.722" v="303"/>
+        <pc:sldMkLst>
+          <pc:docMk/>
+          <pc:sldMk cId="3909148501" sldId="287"/>
+        </pc:sldMkLst>
+        <pc:spChg chg="mod">
+          <ac:chgData name="Antonio" userId="d42371d61bd3278c" providerId="LiveId" clId="{B85036F9-EEBA-4C90-BC61-FDB5AB647748}" dt="2021-03-23T15:18:38.722" v="303"/>
+          <ac:spMkLst>
+            <pc:docMk/>
+            <pc:sldMk cId="3909148501" sldId="287"/>
+            <ac:spMk id="3" creationId="{CB3ADACC-6939-4623-8CAB-9F0D4E3D8F2D}"/>
+          </ac:spMkLst>
+        </pc:spChg>
+        <pc:picChg chg="mod">
+          <ac:chgData name="Antonio" userId="d42371d61bd3278c" providerId="LiveId" clId="{B85036F9-EEBA-4C90-BC61-FDB5AB647748}" dt="2021-03-23T15:18:38.722" v="303"/>
+          <ac:picMkLst>
+            <pc:docMk/>
+            <pc:sldMk cId="3909148501" sldId="287"/>
+            <ac:picMk id="7" creationId="{D4D33D13-F2C2-4836-AA27-37674997DC7A}"/>
+          </ac:picMkLst>
+        </pc:picChg>
+      </pc:sldChg>
+      <pc:sldChg chg="modSp">
+        <pc:chgData name="Antonio" userId="d42371d61bd3278c" providerId="LiveId" clId="{B85036F9-EEBA-4C90-BC61-FDB5AB647748}" dt="2021-03-23T15:18:38.722" v="303"/>
+        <pc:sldMkLst>
+          <pc:docMk/>
+          <pc:sldMk cId="2490777966" sldId="292"/>
+        </pc:sldMkLst>
+        <pc:spChg chg="mod">
+          <ac:chgData name="Antonio" userId="d42371d61bd3278c" providerId="LiveId" clId="{B85036F9-EEBA-4C90-BC61-FDB5AB647748}" dt="2021-03-23T15:18:38.722" v="303"/>
+          <ac:spMkLst>
+            <pc:docMk/>
+            <pc:sldMk cId="2490777966" sldId="292"/>
+            <ac:spMk id="3" creationId="{1E99C471-03E2-46F6-914A-3F177CD67D13}"/>
+          </ac:spMkLst>
+        </pc:spChg>
+        <pc:spChg chg="mod">
+          <ac:chgData name="Antonio" userId="d42371d61bd3278c" providerId="LiveId" clId="{B85036F9-EEBA-4C90-BC61-FDB5AB647748}" dt="2021-03-23T15:18:38.722" v="303"/>
+          <ac:spMkLst>
+            <pc:docMk/>
+            <pc:sldMk cId="2490777966" sldId="292"/>
+            <ac:spMk id="4" creationId="{9D9F508E-6C1E-47B2-B36D-DAFCD2A31BB7}"/>
+          </ac:spMkLst>
+        </pc:spChg>
+        <pc:spChg chg="mod">
+          <ac:chgData name="Antonio" userId="d42371d61bd3278c" providerId="LiveId" clId="{B85036F9-EEBA-4C90-BC61-FDB5AB647748}" dt="2021-03-23T15:18:38.722" v="303"/>
+          <ac:spMkLst>
+            <pc:docMk/>
+            <pc:sldMk cId="2490777966" sldId="292"/>
+            <ac:spMk id="5" creationId="{87AB2ED1-25E6-429D-B703-4F46ADA43042}"/>
+          </ac:spMkLst>
+        </pc:spChg>
+        <pc:picChg chg="mod">
+          <ac:chgData name="Antonio" userId="d42371d61bd3278c" providerId="LiveId" clId="{B85036F9-EEBA-4C90-BC61-FDB5AB647748}" dt="2021-03-23T15:18:38.722" v="303"/>
+          <ac:picMkLst>
+            <pc:docMk/>
+            <pc:sldMk cId="2490777966" sldId="292"/>
+            <ac:picMk id="7" creationId="{8B603A32-E583-49A5-80EC-A933354600C7}"/>
+          </ac:picMkLst>
+        </pc:picChg>
+      </pc:sldChg>
+      <pc:sldChg chg="modSp">
+        <pc:chgData name="Antonio" userId="d42371d61bd3278c" providerId="LiveId" clId="{B85036F9-EEBA-4C90-BC61-FDB5AB647748}" dt="2021-03-23T15:18:38.722" v="303"/>
+        <pc:sldMkLst>
+          <pc:docMk/>
+          <pc:sldMk cId="1885425496" sldId="293"/>
+        </pc:sldMkLst>
+        <pc:spChg chg="mod">
+          <ac:chgData name="Antonio" userId="d42371d61bd3278c" providerId="LiveId" clId="{B85036F9-EEBA-4C90-BC61-FDB5AB647748}" dt="2021-03-23T15:18:38.722" v="303"/>
+          <ac:spMkLst>
+            <pc:docMk/>
+            <pc:sldMk cId="1885425496" sldId="293"/>
+            <ac:spMk id="2" creationId="{051FF890-D2ED-40D1-9239-6B3E5B169701}"/>
+          </ac:spMkLst>
+        </pc:spChg>
+        <pc:spChg chg="mod">
+          <ac:chgData name="Antonio" userId="d42371d61bd3278c" providerId="LiveId" clId="{B85036F9-EEBA-4C90-BC61-FDB5AB647748}" dt="2021-03-23T15:18:38.722" v="303"/>
+          <ac:spMkLst>
+            <pc:docMk/>
+            <pc:sldMk cId="1885425496" sldId="293"/>
+            <ac:spMk id="3" creationId="{C0475109-7880-4C4A-B506-591DD68380BA}"/>
+          </ac:spMkLst>
+        </pc:spChg>
+        <pc:picChg chg="mod">
+          <ac:chgData name="Antonio" userId="d42371d61bd3278c" providerId="LiveId" clId="{B85036F9-EEBA-4C90-BC61-FDB5AB647748}" dt="2021-03-23T15:18:38.722" v="303"/>
+          <ac:picMkLst>
+            <pc:docMk/>
+            <pc:sldMk cId="1885425496" sldId="293"/>
+            <ac:picMk id="5" creationId="{CC63DB24-6FEF-4851-88B3-FAAAE72DC9CA}"/>
+          </ac:picMkLst>
+        </pc:picChg>
+      </pc:sldChg>
+      <pc:sldChg chg="modSp">
+        <pc:chgData name="Antonio" userId="d42371d61bd3278c" providerId="LiveId" clId="{B85036F9-EEBA-4C90-BC61-FDB5AB647748}" dt="2021-03-23T15:18:38.722" v="303"/>
+        <pc:sldMkLst>
+          <pc:docMk/>
+          <pc:sldMk cId="3373884945" sldId="295"/>
+        </pc:sldMkLst>
+        <pc:spChg chg="mod">
+          <ac:chgData name="Antonio" userId="d42371d61bd3278c" providerId="LiveId" clId="{B85036F9-EEBA-4C90-BC61-FDB5AB647748}" dt="2021-03-23T15:18:38.722" v="303"/>
+          <ac:spMkLst>
+            <pc:docMk/>
+            <pc:sldMk cId="3373884945" sldId="295"/>
+            <ac:spMk id="2" creationId="{051FF890-D2ED-40D1-9239-6B3E5B169701}"/>
+          </ac:spMkLst>
+        </pc:spChg>
+        <pc:picChg chg="mod">
+          <ac:chgData name="Antonio" userId="d42371d61bd3278c" providerId="LiveId" clId="{B85036F9-EEBA-4C90-BC61-FDB5AB647748}" dt="2021-03-23T15:18:38.722" v="303"/>
+          <ac:picMkLst>
+            <pc:docMk/>
+            <pc:sldMk cId="3373884945" sldId="295"/>
+            <ac:picMk id="5" creationId="{CC63DB24-6FEF-4851-88B3-FAAAE72DC9CA}"/>
+          </ac:picMkLst>
+        </pc:picChg>
+      </pc:sldChg>
+      <pc:sldChg chg="modSp modNotes">
+        <pc:chgData name="Antonio" userId="d42371d61bd3278c" providerId="LiveId" clId="{B85036F9-EEBA-4C90-BC61-FDB5AB647748}" dt="2021-03-23T15:18:38.722" v="303"/>
+        <pc:sldMkLst>
+          <pc:docMk/>
+          <pc:sldMk cId="4112275463" sldId="297"/>
+        </pc:sldMkLst>
+        <pc:picChg chg="mod">
+          <ac:chgData name="Antonio" userId="d42371d61bd3278c" providerId="LiveId" clId="{B85036F9-EEBA-4C90-BC61-FDB5AB647748}" dt="2021-03-23T15:18:38.722" v="303"/>
+          <ac:picMkLst>
+            <pc:docMk/>
+            <pc:sldMk cId="4112275463" sldId="297"/>
+            <ac:picMk id="3" creationId="{86E8DE5E-D280-40F9-94B5-D1354F82BFCE}"/>
+          </ac:picMkLst>
+        </pc:picChg>
+      </pc:sldChg>
+      <pc:sldChg chg="modSp modNotes">
+        <pc:chgData name="Antonio" userId="d42371d61bd3278c" providerId="LiveId" clId="{B85036F9-EEBA-4C90-BC61-FDB5AB647748}" dt="2021-03-23T15:18:38.722" v="303"/>
+        <pc:sldMkLst>
+          <pc:docMk/>
+          <pc:sldMk cId="953804295" sldId="298"/>
+        </pc:sldMkLst>
+        <pc:spChg chg="mod">
+          <ac:chgData name="Antonio" userId="d42371d61bd3278c" providerId="LiveId" clId="{B85036F9-EEBA-4C90-BC61-FDB5AB647748}" dt="2021-03-23T15:18:38.722" v="303"/>
+          <ac:spMkLst>
+            <pc:docMk/>
+            <pc:sldMk cId="953804295" sldId="298"/>
+            <ac:spMk id="169" creationId="{00000000-0000-0000-0000-000000000000}"/>
+          </ac:spMkLst>
+        </pc:spChg>
+        <pc:spChg chg="mod">
+          <ac:chgData name="Antonio" userId="d42371d61bd3278c" providerId="LiveId" clId="{B85036F9-EEBA-4C90-BC61-FDB5AB647748}" dt="2021-03-23T15:18:38.722" v="303"/>
+          <ac:spMkLst>
+            <pc:docMk/>
+            <pc:sldMk cId="953804295" sldId="298"/>
+            <ac:spMk id="170" creationId="{00000000-0000-0000-0000-000000000000}"/>
+          </ac:spMkLst>
+        </pc:spChg>
+        <pc:picChg chg="mod">
+          <ac:chgData name="Antonio" userId="d42371d61bd3278c" providerId="LiveId" clId="{B85036F9-EEBA-4C90-BC61-FDB5AB647748}" dt="2021-03-23T15:18:38.722" v="303"/>
+          <ac:picMkLst>
+            <pc:docMk/>
+            <pc:sldMk cId="953804295" sldId="298"/>
+            <ac:picMk id="3" creationId="{86E8DE5E-D280-40F9-94B5-D1354F82BFCE}"/>
+          </ac:picMkLst>
+        </pc:picChg>
+      </pc:sldChg>
+      <pc:sldChg chg="modSp">
+        <pc:chgData name="Antonio" userId="d42371d61bd3278c" providerId="LiveId" clId="{B85036F9-EEBA-4C90-BC61-FDB5AB647748}" dt="2021-03-23T15:18:38.722" v="303"/>
+        <pc:sldMkLst>
+          <pc:docMk/>
+          <pc:sldMk cId="3113295613" sldId="299"/>
+        </pc:sldMkLst>
+        <pc:spChg chg="mod">
+          <ac:chgData name="Antonio" userId="d42371d61bd3278c" providerId="LiveId" clId="{B85036F9-EEBA-4C90-BC61-FDB5AB647748}" dt="2021-03-23T15:18:38.722" v="303"/>
+          <ac:spMkLst>
+            <pc:docMk/>
+            <pc:sldMk cId="3113295613" sldId="299"/>
+            <ac:spMk id="2" creationId="{051FF890-D2ED-40D1-9239-6B3E5B169701}"/>
+          </ac:spMkLst>
+        </pc:spChg>
+        <pc:spChg chg="mod">
+          <ac:chgData name="Antonio" userId="d42371d61bd3278c" providerId="LiveId" clId="{B85036F9-EEBA-4C90-BC61-FDB5AB647748}" dt="2021-03-23T15:18:38.722" v="303"/>
+          <ac:spMkLst>
+            <pc:docMk/>
+            <pc:sldMk cId="3113295613" sldId="299"/>
+            <ac:spMk id="3" creationId="{C0475109-7880-4C4A-B506-591DD68380BA}"/>
+          </ac:spMkLst>
+        </pc:spChg>
+        <pc:picChg chg="mod">
+          <ac:chgData name="Antonio" userId="d42371d61bd3278c" providerId="LiveId" clId="{B85036F9-EEBA-4C90-BC61-FDB5AB647748}" dt="2021-03-23T15:18:38.722" v="303"/>
+          <ac:picMkLst>
+            <pc:docMk/>
+            <pc:sldMk cId="3113295613" sldId="299"/>
+            <ac:picMk id="5" creationId="{CC63DB24-6FEF-4851-88B3-FAAAE72DC9CA}"/>
+          </ac:picMkLst>
+        </pc:picChg>
+      </pc:sldChg>
+      <pc:sldChg chg="addSp modSp new add del mod modClrScheme chgLayout">
+        <pc:chgData name="Antonio" userId="d42371d61bd3278c" providerId="LiveId" clId="{B85036F9-EEBA-4C90-BC61-FDB5AB647748}" dt="2021-03-23T15:06:41.134" v="32" actId="47"/>
+        <pc:sldMkLst>
+          <pc:docMk/>
+          <pc:sldMk cId="1683839894" sldId="300"/>
+        </pc:sldMkLst>
+        <pc:spChg chg="mod">
+          <ac:chgData name="Antonio" userId="d42371d61bd3278c" providerId="LiveId" clId="{B85036F9-EEBA-4C90-BC61-FDB5AB647748}" dt="2021-03-23T15:04:49.903" v="1" actId="26606"/>
+          <ac:spMkLst>
+            <pc:docMk/>
+            <pc:sldMk cId="1683839894" sldId="300"/>
+            <ac:spMk id="2" creationId="{20792256-D5C7-4781-B750-8588A8ED865D}"/>
+          </ac:spMkLst>
+        </pc:spChg>
+        <pc:spChg chg="add mod">
+          <ac:chgData name="Antonio" userId="d42371d61bd3278c" providerId="LiveId" clId="{B85036F9-EEBA-4C90-BC61-FDB5AB647748}" dt="2021-03-23T15:05:20.109" v="8" actId="1076"/>
+          <ac:spMkLst>
+            <pc:docMk/>
+            <pc:sldMk cId="1683839894" sldId="300"/>
+            <ac:spMk id="3" creationId="{250EE35A-63C6-4F8A-A067-CE523D4957FE}"/>
+          </ac:spMkLst>
+        </pc:spChg>
+        <pc:spChg chg="add mod">
+          <ac:chgData name="Antonio" userId="d42371d61bd3278c" providerId="LiveId" clId="{B85036F9-EEBA-4C90-BC61-FDB5AB647748}" dt="2021-03-23T15:05:21.540" v="9" actId="1076"/>
+          <ac:spMkLst>
+            <pc:docMk/>
+            <pc:sldMk cId="1683839894" sldId="300"/>
+            <ac:spMk id="4" creationId="{4476F0E6-7C04-4EB6-852B-2104D8A35A0C}"/>
+          </ac:spMkLst>
+        </pc:spChg>
+        <pc:spChg chg="add mod">
+          <ac:chgData name="Antonio" userId="d42371d61bd3278c" providerId="LiveId" clId="{B85036F9-EEBA-4C90-BC61-FDB5AB647748}" dt="2021-03-23T15:05:24.262" v="11" actId="1076"/>
+          <ac:spMkLst>
+            <pc:docMk/>
+            <pc:sldMk cId="1683839894" sldId="300"/>
+            <ac:spMk id="5" creationId="{D6E75989-3760-47E0-94F4-869B07EAD227}"/>
+          </ac:spMkLst>
+        </pc:spChg>
+        <pc:spChg chg="add mod">
+          <ac:chgData name="Antonio" userId="d42371d61bd3278c" providerId="LiveId" clId="{B85036F9-EEBA-4C90-BC61-FDB5AB647748}" dt="2021-03-23T15:06:04.952" v="24" actId="403"/>
+          <ac:spMkLst>
+            <pc:docMk/>
+            <pc:sldMk cId="1683839894" sldId="300"/>
+            <ac:spMk id="6" creationId="{8404C453-9398-4158-A594-486645F42478}"/>
+          </ac:spMkLst>
+        </pc:spChg>
+      </pc:sldChg>
+      <pc:sldChg chg="new del">
+        <pc:chgData name="Antonio" userId="d42371d61bd3278c" providerId="LiveId" clId="{B85036F9-EEBA-4C90-BC61-FDB5AB647748}" dt="2021-03-23T15:06:25.514" v="28" actId="680"/>
+        <pc:sldMkLst>
+          <pc:docMk/>
+          <pc:sldMk cId="1146458264" sldId="301"/>
+        </pc:sldMkLst>
+      </pc:sldChg>
+      <pc:sldChg chg="addSp delSp modSp new mod">
+        <pc:chgData name="Antonio" userId="d42371d61bd3278c" providerId="LiveId" clId="{B85036F9-EEBA-4C90-BC61-FDB5AB647748}" dt="2021-03-23T19:31:05.415" v="669" actId="14100"/>
+        <pc:sldMkLst>
+          <pc:docMk/>
+          <pc:sldMk cId="3945037735" sldId="301"/>
+        </pc:sldMkLst>
+        <pc:spChg chg="add mod">
+          <ac:chgData name="Antonio" userId="d42371d61bd3278c" providerId="LiveId" clId="{B85036F9-EEBA-4C90-BC61-FDB5AB647748}" dt="2021-03-23T15:18:38.722" v="303"/>
+          <ac:spMkLst>
+            <pc:docMk/>
+            <pc:sldMk cId="3945037735" sldId="301"/>
+            <ac:spMk id="3" creationId="{EE7F9E00-EF24-419B-A7FB-496625AF1920}"/>
+          </ac:spMkLst>
+        </pc:spChg>
+        <pc:spChg chg="add mod">
+          <ac:chgData name="Antonio" userId="d42371d61bd3278c" providerId="LiveId" clId="{B85036F9-EEBA-4C90-BC61-FDB5AB647748}" dt="2021-03-23T15:18:38.722" v="303"/>
+          <ac:spMkLst>
+            <pc:docMk/>
+            <pc:sldMk cId="3945037735" sldId="301"/>
+            <ac:spMk id="4" creationId="{DA00C368-2900-4336-B960-F24210FB6DF0}"/>
+          </ac:spMkLst>
+        </pc:spChg>
+        <pc:spChg chg="add mod">
+          <ac:chgData name="Antonio" userId="d42371d61bd3278c" providerId="LiveId" clId="{B85036F9-EEBA-4C90-BC61-FDB5AB647748}" dt="2021-03-23T15:18:38.722" v="303"/>
+          <ac:spMkLst>
+            <pc:docMk/>
+            <pc:sldMk cId="3945037735" sldId="301"/>
+            <ac:spMk id="5" creationId="{DE199502-B34A-4A6F-A814-5DB6DCF442E9}"/>
+          </ac:spMkLst>
+        </pc:spChg>
+        <pc:spChg chg="add mod">
+          <ac:chgData name="Antonio" userId="d42371d61bd3278c" providerId="LiveId" clId="{B85036F9-EEBA-4C90-BC61-FDB5AB647748}" dt="2021-03-23T19:31:05.415" v="669" actId="14100"/>
+          <ac:spMkLst>
+            <pc:docMk/>
+            <pc:sldMk cId="3945037735" sldId="301"/>
+            <ac:spMk id="6" creationId="{18B062DC-A371-498D-AB61-573DEED4A4D1}"/>
+          </ac:spMkLst>
+        </pc:spChg>
+        <pc:spChg chg="add mod">
+          <ac:chgData name="Antonio" userId="d42371d61bd3278c" providerId="LiveId" clId="{B85036F9-EEBA-4C90-BC61-FDB5AB647748}" dt="2021-03-23T15:07:01.423" v="37" actId="571"/>
+          <ac:spMkLst>
+            <pc:docMk/>
+            <pc:sldMk cId="3945037735" sldId="301"/>
+            <ac:spMk id="7" creationId="{EF8AB8C3-91A5-4037-9847-62E1FF307D0C}"/>
+          </ac:spMkLst>
+        </pc:spChg>
+        <pc:spChg chg="add mod">
+          <ac:chgData name="Antonio" userId="d42371d61bd3278c" providerId="LiveId" clId="{B85036F9-EEBA-4C90-BC61-FDB5AB647748}" dt="2021-03-23T15:07:01.423" v="37" actId="571"/>
+          <ac:spMkLst>
+            <pc:docMk/>
+            <pc:sldMk cId="3945037735" sldId="301"/>
+            <ac:spMk id="8" creationId="{5C74D02C-A08D-4FC9-9B88-2671CCC5F3FE}"/>
+          </ac:spMkLst>
+        </pc:spChg>
+        <pc:spChg chg="add mod">
+          <ac:chgData name="Antonio" userId="d42371d61bd3278c" providerId="LiveId" clId="{B85036F9-EEBA-4C90-BC61-FDB5AB647748}" dt="2021-03-23T15:18:38.722" v="303"/>
+          <ac:spMkLst>
+            <pc:docMk/>
+            <pc:sldMk cId="3945037735" sldId="301"/>
+            <ac:spMk id="9" creationId="{834537AB-87A1-4D91-8C58-72C52B750D85}"/>
+          </ac:spMkLst>
+        </pc:spChg>
+        <pc:spChg chg="add mod">
+          <ac:chgData name="Antonio" userId="d42371d61bd3278c" providerId="LiveId" clId="{B85036F9-EEBA-4C90-BC61-FDB5AB647748}" dt="2021-03-23T15:18:38.722" v="303"/>
+          <ac:spMkLst>
+            <pc:docMk/>
+            <pc:sldMk cId="3945037735" sldId="301"/>
+            <ac:spMk id="10" creationId="{DBD247D0-1A35-4A42-B011-F381A8E12E99}"/>
+          </ac:spMkLst>
+        </pc:spChg>
+        <pc:spChg chg="add del mod">
+          <ac:chgData name="Antonio" userId="d42371d61bd3278c" providerId="LiveId" clId="{B85036F9-EEBA-4C90-BC61-FDB5AB647748}" dt="2021-03-23T15:10:17.262" v="192" actId="478"/>
+          <ac:spMkLst>
+            <pc:docMk/>
+            <pc:sldMk cId="3945037735" sldId="301"/>
+            <ac:spMk id="11" creationId="{893178F9-20D3-470B-B49A-DCE508E3AFBB}"/>
+          </ac:spMkLst>
+        </pc:spChg>
+        <pc:spChg chg="add mod">
+          <ac:chgData name="Antonio" userId="d42371d61bd3278c" providerId="LiveId" clId="{B85036F9-EEBA-4C90-BC61-FDB5AB647748}" dt="2021-03-23T15:18:38.722" v="303"/>
+          <ac:spMkLst>
+            <pc:docMk/>
+            <pc:sldMk cId="3945037735" sldId="301"/>
+            <ac:spMk id="12" creationId="{FCFA3DF2-A14A-4FAF-8C38-37716A9991A5}"/>
+          </ac:spMkLst>
+        </pc:spChg>
+        <pc:spChg chg="add mod">
+          <ac:chgData name="Antonio" userId="d42371d61bd3278c" providerId="LiveId" clId="{B85036F9-EEBA-4C90-BC61-FDB5AB647748}" dt="2021-03-23T15:18:38.722" v="303"/>
+          <ac:spMkLst>
+            <pc:docMk/>
+            <pc:sldMk cId="3945037735" sldId="301"/>
+            <ac:spMk id="13" creationId="{A8E562CF-FEC8-4157-B8C3-BF9D8B858E52}"/>
+          </ac:spMkLst>
+        </pc:spChg>
+      </pc:sldChg>
+      <pc:sldChg chg="modSp add del mod">
+        <pc:chgData name="Antonio" userId="d42371d61bd3278c" providerId="LiveId" clId="{B85036F9-EEBA-4C90-BC61-FDB5AB647748}" dt="2021-03-23T15:11:32.661" v="204" actId="47"/>
+        <pc:sldMkLst>
+          <pc:docMk/>
+          <pc:sldMk cId="3560095870" sldId="302"/>
+        </pc:sldMkLst>
+        <pc:spChg chg="mod">
+          <ac:chgData name="Antonio" userId="d42371d61bd3278c" providerId="LiveId" clId="{B85036F9-EEBA-4C90-BC61-FDB5AB647748}" dt="2021-03-23T15:10:32.811" v="199" actId="20577"/>
+          <ac:spMkLst>
+            <pc:docMk/>
+            <pc:sldMk cId="3560095870" sldId="302"/>
+            <ac:spMk id="6" creationId="{18B062DC-A371-498D-AB61-573DEED4A4D1}"/>
+          </ac:spMkLst>
+        </pc:spChg>
+      </pc:sldChg>
+      <pc:sldChg chg="addSp delSp modSp add mod">
+        <pc:chgData name="Antonio" userId="d42371d61bd3278c" providerId="LiveId" clId="{B85036F9-EEBA-4C90-BC61-FDB5AB647748}" dt="2021-03-23T19:33:37.358" v="683" actId="1076"/>
+        <pc:sldMkLst>
+          <pc:docMk/>
+          <pc:sldMk cId="3823909170" sldId="303"/>
+        </pc:sldMkLst>
+        <pc:spChg chg="mod">
+          <ac:chgData name="Antonio" userId="d42371d61bd3278c" providerId="LiveId" clId="{B85036F9-EEBA-4C90-BC61-FDB5AB647748}" dt="2021-03-23T15:18:38.722" v="303"/>
+          <ac:spMkLst>
+            <pc:docMk/>
+            <pc:sldMk cId="3823909170" sldId="303"/>
+            <ac:spMk id="2" creationId="{FD709210-B8DB-45BF-98F7-A3C6DBCED629}"/>
+          </ac:spMkLst>
+        </pc:spChg>
+        <pc:spChg chg="mod">
+          <ac:chgData name="Antonio" userId="d42371d61bd3278c" providerId="LiveId" clId="{B85036F9-EEBA-4C90-BC61-FDB5AB647748}" dt="2021-03-23T19:32:37.941" v="673" actId="122"/>
+          <ac:spMkLst>
+            <pc:docMk/>
+            <pc:sldMk cId="3823909170" sldId="303"/>
+            <ac:spMk id="3" creationId="{EE7F9E00-EF24-419B-A7FB-496625AF1920}"/>
+          </ac:spMkLst>
+        </pc:spChg>
+        <pc:spChg chg="mod">
+          <ac:chgData name="Antonio" userId="d42371d61bd3278c" providerId="LiveId" clId="{B85036F9-EEBA-4C90-BC61-FDB5AB647748}" dt="2021-03-23T15:21:10.470" v="364" actId="20577"/>
+          <ac:spMkLst>
+            <pc:docMk/>
+            <pc:sldMk cId="3823909170" sldId="303"/>
+            <ac:spMk id="4" creationId="{DA00C368-2900-4336-B960-F24210FB6DF0}"/>
+          </ac:spMkLst>
+        </pc:spChg>
+        <pc:spChg chg="mod">
+          <ac:chgData name="Antonio" userId="d42371d61bd3278c" providerId="LiveId" clId="{B85036F9-EEBA-4C90-BC61-FDB5AB647748}" dt="2021-03-23T15:18:38.722" v="303"/>
+          <ac:spMkLst>
+            <pc:docMk/>
+            <pc:sldMk cId="3823909170" sldId="303"/>
+            <ac:spMk id="5" creationId="{DE199502-B34A-4A6F-A814-5DB6DCF442E9}"/>
+          </ac:spMkLst>
+        </pc:spChg>
+        <pc:spChg chg="mod">
+          <ac:chgData name="Antonio" userId="d42371d61bd3278c" providerId="LiveId" clId="{B85036F9-EEBA-4C90-BC61-FDB5AB647748}" dt="2021-03-23T15:18:58.565" v="309" actId="1076"/>
+          <ac:spMkLst>
+            <pc:docMk/>
+            <pc:sldMk cId="3823909170" sldId="303"/>
+            <ac:spMk id="6" creationId="{18B062DC-A371-498D-AB61-573DEED4A4D1}"/>
+          </ac:spMkLst>
+        </pc:spChg>
+        <pc:spChg chg="add mod">
+          <ac:chgData name="Antonio" userId="d42371d61bd3278c" providerId="LiveId" clId="{B85036F9-EEBA-4C90-BC61-FDB5AB647748}" dt="2021-03-23T15:33:58.031" v="642" actId="1076"/>
+          <ac:spMkLst>
+            <pc:docMk/>
+            <pc:sldMk cId="3823909170" sldId="303"/>
+            <ac:spMk id="7" creationId="{59971874-B2BC-405D-BEEA-81395BE983E5}"/>
+          </ac:spMkLst>
+        </pc:spChg>
+        <pc:spChg chg="add mod">
+          <ac:chgData name="Antonio" userId="d42371d61bd3278c" providerId="LiveId" clId="{B85036F9-EEBA-4C90-BC61-FDB5AB647748}" dt="2021-03-23T19:33:37.358" v="683" actId="1076"/>
+          <ac:spMkLst>
+            <pc:docMk/>
+            <pc:sldMk cId="3823909170" sldId="303"/>
+            <ac:spMk id="8" creationId="{7152056F-35AA-4723-8F0E-53D19B5E705A}"/>
+          </ac:spMkLst>
+        </pc:spChg>
+        <pc:spChg chg="add del">
+          <ac:chgData name="Antonio" userId="d42371d61bd3278c" providerId="LiveId" clId="{B85036F9-EEBA-4C90-BC61-FDB5AB647748}" dt="2021-03-23T15:24:35.629" v="436" actId="478"/>
+          <ac:spMkLst>
+            <pc:docMk/>
+            <pc:sldMk cId="3823909170" sldId="303"/>
+            <ac:spMk id="8" creationId="{7754BFEB-C456-4E6E-A965-F9A7C9C97936}"/>
+          </ac:spMkLst>
+        </pc:spChg>
+        <pc:spChg chg="mod">
+          <ac:chgData name="Antonio" userId="d42371d61bd3278c" providerId="LiveId" clId="{B85036F9-EEBA-4C90-BC61-FDB5AB647748}" dt="2021-03-23T15:34:49.131" v="659" actId="1076"/>
+          <ac:spMkLst>
+            <pc:docMk/>
+            <pc:sldMk cId="3823909170" sldId="303"/>
+            <ac:spMk id="9" creationId="{834537AB-87A1-4D91-8C58-72C52B750D85}"/>
+          </ac:spMkLst>
+        </pc:spChg>
+        <pc:spChg chg="del mod">
+          <ac:chgData name="Antonio" userId="d42371d61bd3278c" providerId="LiveId" clId="{B85036F9-EEBA-4C90-BC61-FDB5AB647748}" dt="2021-03-23T15:20:14.714" v="326" actId="478"/>
+          <ac:spMkLst>
+            <pc:docMk/>
+            <pc:sldMk cId="3823909170" sldId="303"/>
+            <ac:spMk id="10" creationId="{DBD247D0-1A35-4A42-B011-F381A8E12E99}"/>
+          </ac:spMkLst>
+        </pc:spChg>
+        <pc:spChg chg="add mod">
+          <ac:chgData name="Antonio" userId="d42371d61bd3278c" providerId="LiveId" clId="{B85036F9-EEBA-4C90-BC61-FDB5AB647748}" dt="2021-03-23T15:29:46.364" v="586" actId="1076"/>
+          <ac:spMkLst>
+            <pc:docMk/>
+            <pc:sldMk cId="3823909170" sldId="303"/>
+            <ac:spMk id="11" creationId="{3C556A10-6B1C-419D-BD32-2D9D7D1DEB6F}"/>
+          </ac:spMkLst>
+        </pc:spChg>
+        <pc:spChg chg="del mod">
+          <ac:chgData name="Antonio" userId="d42371d61bd3278c" providerId="LiveId" clId="{B85036F9-EEBA-4C90-BC61-FDB5AB647748}" dt="2021-03-23T15:20:15.540" v="327" actId="478"/>
+          <ac:spMkLst>
+            <pc:docMk/>
+            <pc:sldMk cId="3823909170" sldId="303"/>
+            <ac:spMk id="12" creationId="{FCFA3DF2-A14A-4FAF-8C38-37716A9991A5}"/>
+          </ac:spMkLst>
+        </pc:spChg>
+        <pc:spChg chg="del mod">
+          <ac:chgData name="Antonio" userId="d42371d61bd3278c" providerId="LiveId" clId="{B85036F9-EEBA-4C90-BC61-FDB5AB647748}" dt="2021-03-23T15:20:16.133" v="328" actId="478"/>
+          <ac:spMkLst>
+            <pc:docMk/>
+            <pc:sldMk cId="3823909170" sldId="303"/>
+            <ac:spMk id="13" creationId="{A8E562CF-FEC8-4157-B8C3-BF9D8B858E52}"/>
+          </ac:spMkLst>
+        </pc:spChg>
+        <pc:spChg chg="add del mod">
+          <ac:chgData name="Antonio" userId="d42371d61bd3278c" providerId="LiveId" clId="{B85036F9-EEBA-4C90-BC61-FDB5AB647748}" dt="2021-03-23T15:14:08.904" v="243" actId="478"/>
+          <ac:spMkLst>
+            <pc:docMk/>
+            <pc:sldMk cId="3823909170" sldId="303"/>
+            <ac:spMk id="14" creationId="{C3FDD0EB-796A-42C2-8B36-F89DC3DF9A5D}"/>
+          </ac:spMkLst>
+        </pc:spChg>
+        <pc:spChg chg="add mod">
+          <ac:chgData name="Antonio" userId="d42371d61bd3278c" providerId="LiveId" clId="{B85036F9-EEBA-4C90-BC61-FDB5AB647748}" dt="2021-03-23T15:24:02.388" v="427" actId="20577"/>
+          <ac:spMkLst>
+            <pc:docMk/>
+            <pc:sldMk cId="3823909170" sldId="303"/>
+            <ac:spMk id="15" creationId="{D5A8620B-0C85-4D6F-87A7-7F29EEA387D2}"/>
+          </ac:spMkLst>
+        </pc:spChg>
+        <pc:spChg chg="add mod">
+          <ac:chgData name="Antonio" userId="d42371d61bd3278c" providerId="LiveId" clId="{B85036F9-EEBA-4C90-BC61-FDB5AB647748}" dt="2021-03-23T15:26:57.154" v="498" actId="20577"/>
+          <ac:spMkLst>
+            <pc:docMk/>
+            <pc:sldMk cId="3823909170" sldId="303"/>
+            <ac:spMk id="16" creationId="{EAD8D1B2-83DB-473D-A41F-B32F55C7D089}"/>
+          </ac:spMkLst>
+        </pc:spChg>
+        <pc:spChg chg="add del mod">
+          <ac:chgData name="Antonio" userId="d42371d61bd3278c" providerId="LiveId" clId="{B85036F9-EEBA-4C90-BC61-FDB5AB647748}" dt="2021-03-23T15:24:26.317" v="434" actId="478"/>
+          <ac:spMkLst>
+            <pc:docMk/>
+            <pc:sldMk cId="3823909170" sldId="303"/>
+            <ac:spMk id="17" creationId="{EB65ED0F-090E-4481-A439-8627634F86E1}"/>
+          </ac:spMkLst>
+        </pc:spChg>
+        <pc:spChg chg="add del">
+          <ac:chgData name="Antonio" userId="d42371d61bd3278c" providerId="LiveId" clId="{B85036F9-EEBA-4C90-BC61-FDB5AB647748}" dt="2021-03-23T15:24:44.958" v="438" actId="478"/>
+          <ac:spMkLst>
+            <pc:docMk/>
+            <pc:sldMk cId="3823909170" sldId="303"/>
+            <ac:spMk id="18" creationId="{40F3ADFD-6FC1-42A6-A44C-180439BB9728}"/>
+          </ac:spMkLst>
+        </pc:spChg>
+        <pc:spChg chg="add del mod">
+          <ac:chgData name="Antonio" userId="d42371d61bd3278c" providerId="LiveId" clId="{B85036F9-EEBA-4C90-BC61-FDB5AB647748}" dt="2021-03-23T15:25:03.314" v="441" actId="478"/>
+          <ac:spMkLst>
+            <pc:docMk/>
+            <pc:sldMk cId="3823909170" sldId="303"/>
+            <ac:spMk id="19" creationId="{18AF6039-1BB3-4091-AFF2-F52D9AA93D65}"/>
+          </ac:spMkLst>
+        </pc:spChg>
+        <pc:spChg chg="add del">
+          <ac:chgData name="Antonio" userId="d42371d61bd3278c" providerId="LiveId" clId="{B85036F9-EEBA-4C90-BC61-FDB5AB647748}" dt="2021-03-23T15:25:19.245" v="443" actId="478"/>
+          <ac:spMkLst>
+            <pc:docMk/>
+            <pc:sldMk cId="3823909170" sldId="303"/>
+            <ac:spMk id="20" creationId="{2DFD13A0-1F5B-489A-B9A1-B215D6E91539}"/>
+          </ac:spMkLst>
+        </pc:spChg>
+        <pc:spChg chg="add del">
+          <ac:chgData name="Antonio" userId="d42371d61bd3278c" providerId="LiveId" clId="{B85036F9-EEBA-4C90-BC61-FDB5AB647748}" dt="2021-03-23T15:25:39.279" v="445" actId="478"/>
+          <ac:spMkLst>
+            <pc:docMk/>
+            <pc:sldMk cId="3823909170" sldId="303"/>
+            <ac:spMk id="21" creationId="{CCC893F4-14D1-4124-8BD5-E42F844BD780}"/>
+          </ac:spMkLst>
+        </pc:spChg>
+        <pc:spChg chg="add del mod">
+          <ac:chgData name="Antonio" userId="d42371d61bd3278c" providerId="LiveId" clId="{B85036F9-EEBA-4C90-BC61-FDB5AB647748}" dt="2021-03-23T15:25:56.817" v="448" actId="478"/>
+          <ac:spMkLst>
+            <pc:docMk/>
+            <pc:sldMk cId="3823909170" sldId="303"/>
+            <ac:spMk id="22" creationId="{32417B27-4D6A-4444-92D2-E4FB2DDAA4A2}"/>
+          </ac:spMkLst>
+        </pc:spChg>
+        <pc:spChg chg="add mod">
+          <ac:chgData name="Antonio" userId="d42371d61bd3278c" providerId="LiveId" clId="{B85036F9-EEBA-4C90-BC61-FDB5AB647748}" dt="2021-03-23T15:34:25.069" v="649" actId="1076"/>
+          <ac:spMkLst>
+            <pc:docMk/>
+            <pc:sldMk cId="3823909170" sldId="303"/>
+            <ac:spMk id="23" creationId="{F146E32B-FF26-4707-884E-76F09E1DA1D7}"/>
+          </ac:spMkLst>
+        </pc:spChg>
+        <pc:spChg chg="add mod">
+          <ac:chgData name="Antonio" userId="d42371d61bd3278c" providerId="LiveId" clId="{B85036F9-EEBA-4C90-BC61-FDB5AB647748}" dt="2021-03-23T15:35:07.937" v="667" actId="1076"/>
+          <ac:spMkLst>
+            <pc:docMk/>
+            <pc:sldMk cId="3823909170" sldId="303"/>
+            <ac:spMk id="24" creationId="{519F9132-A572-4471-972E-59F35189DA9D}"/>
+          </ac:spMkLst>
+        </pc:spChg>
+        <pc:spChg chg="add mod">
+          <ac:chgData name="Antonio" userId="d42371d61bd3278c" providerId="LiveId" clId="{B85036F9-EEBA-4C90-BC61-FDB5AB647748}" dt="2021-03-23T15:30:16.897" v="622" actId="20577"/>
+          <ac:spMkLst>
+            <pc:docMk/>
+            <pc:sldMk cId="3823909170" sldId="303"/>
+            <ac:spMk id="25" creationId="{E515D1EF-3F2F-47C1-B56B-4713095C9BDA}"/>
+          </ac:spMkLst>
+        </pc:spChg>
+        <pc:spChg chg="add mod">
+          <ac:chgData name="Antonio" userId="d42371d61bd3278c" providerId="LiveId" clId="{B85036F9-EEBA-4C90-BC61-FDB5AB647748}" dt="2021-03-23T15:33:28.151" v="633" actId="1076"/>
+          <ac:spMkLst>
+            <pc:docMk/>
+            <pc:sldMk cId="3823909170" sldId="303"/>
+            <ac:spMk id="26" creationId="{69855F6C-155D-4379-8E19-E15504DB445A}"/>
+          </ac:spMkLst>
+        </pc:spChg>
+        <pc:spChg chg="add del">
+          <ac:chgData name="Antonio" userId="d42371d61bd3278c" providerId="LiveId" clId="{B85036F9-EEBA-4C90-BC61-FDB5AB647748}" dt="2021-03-23T15:32:52.496" v="630" actId="478"/>
+          <ac:spMkLst>
+            <pc:docMk/>
+            <pc:sldMk cId="3823909170" sldId="303"/>
+            <ac:spMk id="27" creationId="{A0D2A946-F073-41BC-B282-3852AC2C3996}"/>
+          </ac:spMkLst>
+        </pc:spChg>
+        <pc:spChg chg="add mod">
+          <ac:chgData name="Antonio" userId="d42371d61bd3278c" providerId="LiveId" clId="{B85036F9-EEBA-4C90-BC61-FDB5AB647748}" dt="2021-03-23T15:33:48.941" v="640" actId="14100"/>
+          <ac:spMkLst>
+            <pc:docMk/>
+            <pc:sldMk cId="3823909170" sldId="303"/>
+            <ac:spMk id="28" creationId="{B6FD9753-6A85-494D-A179-59DC19C30C85}"/>
+          </ac:spMkLst>
+        </pc:spChg>
+        <pc:spChg chg="add mod">
+          <ac:chgData name="Antonio" userId="d42371d61bd3278c" providerId="LiveId" clId="{B85036F9-EEBA-4C90-BC61-FDB5AB647748}" dt="2021-03-23T15:34:21.906" v="648" actId="14100"/>
+          <ac:spMkLst>
+            <pc:docMk/>
+            <pc:sldMk cId="3823909170" sldId="303"/>
+            <ac:spMk id="29" creationId="{F3251006-0E1D-407B-8D47-1BCE4870CC0D}"/>
+          </ac:spMkLst>
+        </pc:spChg>
+        <pc:spChg chg="add mod">
+          <ac:chgData name="Antonio" userId="d42371d61bd3278c" providerId="LiveId" clId="{B85036F9-EEBA-4C90-BC61-FDB5AB647748}" dt="2021-03-23T15:34:47.492" v="658" actId="14100"/>
+          <ac:spMkLst>
+            <pc:docMk/>
+            <pc:sldMk cId="3823909170" sldId="303"/>
+            <ac:spMk id="30" creationId="{12568B9A-4B68-4C36-ADA7-234C84195238}"/>
+          </ac:spMkLst>
+        </pc:spChg>
+        <pc:spChg chg="add mod">
+          <ac:chgData name="Antonio" userId="d42371d61bd3278c" providerId="LiveId" clId="{B85036F9-EEBA-4C90-BC61-FDB5AB647748}" dt="2021-03-23T15:35:00.474" v="665" actId="14100"/>
+          <ac:spMkLst>
+            <pc:docMk/>
+            <pc:sldMk cId="3823909170" sldId="303"/>
+            <ac:spMk id="31" creationId="{BEE83C21-E99E-4C3E-A0F9-F7B84EC44C10}"/>
+          </ac:spMkLst>
+        </pc:spChg>
+      </pc:sldChg>
+      <pc:sldMasterChg chg="modSp modSldLayout">
+        <pc:chgData name="Antonio" userId="d42371d61bd3278c" providerId="LiveId" clId="{B85036F9-EEBA-4C90-BC61-FDB5AB647748}" dt="2021-03-23T15:18:38.722" v="303"/>
+        <pc:sldMasterMkLst>
+          <pc:docMk/>
+          <pc:sldMasterMk cId="0" sldId="2147483660"/>
+        </pc:sldMasterMkLst>
+        <pc:spChg chg="mod">
+          <ac:chgData name="Antonio" userId="d42371d61bd3278c" providerId="LiveId" clId="{B85036F9-EEBA-4C90-BC61-FDB5AB647748}" dt="2021-03-23T15:18:38.722" v="303"/>
+          <ac:spMkLst>
+            <pc:docMk/>
+            <pc:sldMasterMk cId="0" sldId="2147483660"/>
+            <ac:spMk id="6" creationId="{00000000-0000-0000-0000-000000000000}"/>
+          </ac:spMkLst>
+        </pc:spChg>
+        <pc:spChg chg="mod">
+          <ac:chgData name="Antonio" userId="d42371d61bd3278c" providerId="LiveId" clId="{B85036F9-EEBA-4C90-BC61-FDB5AB647748}" dt="2021-03-23T15:18:38.722" v="303"/>
+          <ac:spMkLst>
+            <pc:docMk/>
+            <pc:sldMasterMk cId="0" sldId="2147483660"/>
+            <ac:spMk id="7" creationId="{00000000-0000-0000-0000-000000000000}"/>
+          </ac:spMkLst>
+        </pc:spChg>
+        <pc:spChg chg="mod">
+          <ac:chgData name="Antonio" userId="d42371d61bd3278c" providerId="LiveId" clId="{B85036F9-EEBA-4C90-BC61-FDB5AB647748}" dt="2021-03-23T15:18:38.722" v="303"/>
+          <ac:spMkLst>
+            <pc:docMk/>
+            <pc:sldMasterMk cId="0" sldId="2147483660"/>
+            <ac:spMk id="8" creationId="{00000000-0000-0000-0000-000000000000}"/>
+          </ac:spMkLst>
+        </pc:spChg>
+        <pc:sldLayoutChg chg="modSp">
+          <pc:chgData name="Antonio" userId="d42371d61bd3278c" providerId="LiveId" clId="{B85036F9-EEBA-4C90-BC61-FDB5AB647748}" dt="2021-03-23T15:18:38.722" v="303"/>
+          <pc:sldLayoutMkLst>
+            <pc:docMk/>
+            <pc:sldMasterMk cId="0" sldId="2147483660"/>
+            <pc:sldLayoutMk cId="0" sldId="2147483648"/>
+          </pc:sldLayoutMkLst>
+          <pc:spChg chg="mod">
+            <ac:chgData name="Antonio" userId="d42371d61bd3278c" providerId="LiveId" clId="{B85036F9-EEBA-4C90-BC61-FDB5AB647748}" dt="2021-03-23T15:18:38.722" v="303"/>
+            <ac:spMkLst>
+              <pc:docMk/>
+              <pc:sldMasterMk cId="0" sldId="2147483660"/>
+              <pc:sldLayoutMk cId="0" sldId="2147483648"/>
+              <ac:spMk id="11" creationId="{00000000-0000-0000-0000-000000000000}"/>
+            </ac:spMkLst>
+          </pc:spChg>
+          <pc:spChg chg="mod">
+            <ac:chgData name="Antonio" userId="d42371d61bd3278c" providerId="LiveId" clId="{B85036F9-EEBA-4C90-BC61-FDB5AB647748}" dt="2021-03-23T15:18:38.722" v="303"/>
+            <ac:spMkLst>
+              <pc:docMk/>
+              <pc:sldMasterMk cId="0" sldId="2147483660"/>
+              <pc:sldLayoutMk cId="0" sldId="2147483648"/>
+              <ac:spMk id="12" creationId="{00000000-0000-0000-0000-000000000000}"/>
+            </ac:spMkLst>
+          </pc:spChg>
+          <pc:spChg chg="mod">
+            <ac:chgData name="Antonio" userId="d42371d61bd3278c" providerId="LiveId" clId="{B85036F9-EEBA-4C90-BC61-FDB5AB647748}" dt="2021-03-23T15:18:38.722" v="303"/>
+            <ac:spMkLst>
+              <pc:docMk/>
+              <pc:sldMasterMk cId="0" sldId="2147483660"/>
+              <pc:sldLayoutMk cId="0" sldId="2147483648"/>
+              <ac:spMk id="13" creationId="{00000000-0000-0000-0000-000000000000}"/>
+            </ac:spMkLst>
+          </pc:spChg>
+          <pc:spChg chg="mod">
+            <ac:chgData name="Antonio" userId="d42371d61bd3278c" providerId="LiveId" clId="{B85036F9-EEBA-4C90-BC61-FDB5AB647748}" dt="2021-03-23T15:18:38.722" v="303"/>
+            <ac:spMkLst>
+              <pc:docMk/>
+              <pc:sldMasterMk cId="0" sldId="2147483660"/>
+              <pc:sldLayoutMk cId="0" sldId="2147483648"/>
+              <ac:spMk id="14" creationId="{00000000-0000-0000-0000-000000000000}"/>
+            </ac:spMkLst>
+          </pc:spChg>
+          <pc:spChg chg="mod">
+            <ac:chgData name="Antonio" userId="d42371d61bd3278c" providerId="LiveId" clId="{B85036F9-EEBA-4C90-BC61-FDB5AB647748}" dt="2021-03-23T15:18:38.722" v="303"/>
+            <ac:spMkLst>
+              <pc:docMk/>
+              <pc:sldMasterMk cId="0" sldId="2147483660"/>
+              <pc:sldLayoutMk cId="0" sldId="2147483648"/>
+              <ac:spMk id="15" creationId="{00000000-0000-0000-0000-000000000000}"/>
+            </ac:spMkLst>
+          </pc:spChg>
+          <pc:spChg chg="mod">
+            <ac:chgData name="Antonio" userId="d42371d61bd3278c" providerId="LiveId" clId="{B85036F9-EEBA-4C90-BC61-FDB5AB647748}" dt="2021-03-23T15:18:38.722" v="303"/>
+            <ac:spMkLst>
+              <pc:docMk/>
+              <pc:sldMasterMk cId="0" sldId="2147483660"/>
+              <pc:sldLayoutMk cId="0" sldId="2147483648"/>
+              <ac:spMk id="16" creationId="{00000000-0000-0000-0000-000000000000}"/>
+            </ac:spMkLst>
+          </pc:spChg>
+          <pc:spChg chg="mod">
+            <ac:chgData name="Antonio" userId="d42371d61bd3278c" providerId="LiveId" clId="{B85036F9-EEBA-4C90-BC61-FDB5AB647748}" dt="2021-03-23T15:18:38.722" v="303"/>
+            <ac:spMkLst>
+              <pc:docMk/>
+              <pc:sldMasterMk cId="0" sldId="2147483660"/>
+              <pc:sldLayoutMk cId="0" sldId="2147483648"/>
+              <ac:spMk id="17" creationId="{00000000-0000-0000-0000-000000000000}"/>
+            </ac:spMkLst>
+          </pc:spChg>
+          <pc:grpChg chg="mod">
+            <ac:chgData name="Antonio" userId="d42371d61bd3278c" providerId="LiveId" clId="{B85036F9-EEBA-4C90-BC61-FDB5AB647748}" dt="2021-03-23T15:18:38.722" v="303"/>
+            <ac:grpSpMkLst>
+              <pc:docMk/>
+              <pc:sldMasterMk cId="0" sldId="2147483660"/>
+              <pc:sldLayoutMk cId="0" sldId="2147483648"/>
+              <ac:grpSpMk id="10" creationId="{00000000-0000-0000-0000-000000000000}"/>
+            </ac:grpSpMkLst>
+          </pc:grpChg>
+        </pc:sldLayoutChg>
+        <pc:sldLayoutChg chg="modSp">
+          <pc:chgData name="Antonio" userId="d42371d61bd3278c" providerId="LiveId" clId="{B85036F9-EEBA-4C90-BC61-FDB5AB647748}" dt="2021-03-23T15:18:38.722" v="303"/>
+          <pc:sldLayoutMkLst>
+            <pc:docMk/>
+            <pc:sldMasterMk cId="0" sldId="2147483660"/>
+            <pc:sldLayoutMk cId="0" sldId="2147483649"/>
+          </pc:sldLayoutMkLst>
+          <pc:spChg chg="mod">
+            <ac:chgData name="Antonio" userId="d42371d61bd3278c" providerId="LiveId" clId="{B85036F9-EEBA-4C90-BC61-FDB5AB647748}" dt="2021-03-23T15:18:38.722" v="303"/>
+            <ac:spMkLst>
+              <pc:docMk/>
+              <pc:sldMasterMk cId="0" sldId="2147483660"/>
+              <pc:sldLayoutMk cId="0" sldId="2147483649"/>
+              <ac:spMk id="20" creationId="{00000000-0000-0000-0000-000000000000}"/>
+            </ac:spMkLst>
+          </pc:spChg>
+          <pc:spChg chg="mod">
+            <ac:chgData name="Antonio" userId="d42371d61bd3278c" providerId="LiveId" clId="{B85036F9-EEBA-4C90-BC61-FDB5AB647748}" dt="2021-03-23T15:18:38.722" v="303"/>
+            <ac:spMkLst>
+              <pc:docMk/>
+              <pc:sldMasterMk cId="0" sldId="2147483660"/>
+              <pc:sldLayoutMk cId="0" sldId="2147483649"/>
+              <ac:spMk id="21" creationId="{00000000-0000-0000-0000-000000000000}"/>
+            </ac:spMkLst>
+          </pc:spChg>
+          <pc:spChg chg="mod">
+            <ac:chgData name="Antonio" userId="d42371d61bd3278c" providerId="LiveId" clId="{B85036F9-EEBA-4C90-BC61-FDB5AB647748}" dt="2021-03-23T15:18:38.722" v="303"/>
+            <ac:spMkLst>
+              <pc:docMk/>
+              <pc:sldMasterMk cId="0" sldId="2147483660"/>
+              <pc:sldLayoutMk cId="0" sldId="2147483649"/>
+              <ac:spMk id="22" creationId="{00000000-0000-0000-0000-000000000000}"/>
+            </ac:spMkLst>
+          </pc:spChg>
+          <pc:spChg chg="mod">
+            <ac:chgData name="Antonio" userId="d42371d61bd3278c" providerId="LiveId" clId="{B85036F9-EEBA-4C90-BC61-FDB5AB647748}" dt="2021-03-23T15:18:38.722" v="303"/>
+            <ac:spMkLst>
+              <pc:docMk/>
+              <pc:sldMasterMk cId="0" sldId="2147483660"/>
+              <pc:sldLayoutMk cId="0" sldId="2147483649"/>
+              <ac:spMk id="23" creationId="{00000000-0000-0000-0000-000000000000}"/>
+            </ac:spMkLst>
+          </pc:spChg>
+          <pc:spChg chg="mod">
+            <ac:chgData name="Antonio" userId="d42371d61bd3278c" providerId="LiveId" clId="{B85036F9-EEBA-4C90-BC61-FDB5AB647748}" dt="2021-03-23T15:18:38.722" v="303"/>
+            <ac:spMkLst>
+              <pc:docMk/>
+              <pc:sldMasterMk cId="0" sldId="2147483660"/>
+              <pc:sldLayoutMk cId="0" sldId="2147483649"/>
+              <ac:spMk id="24" creationId="{00000000-0000-0000-0000-000000000000}"/>
+            </ac:spMkLst>
+          </pc:spChg>
+          <pc:spChg chg="mod">
+            <ac:chgData name="Antonio" userId="d42371d61bd3278c" providerId="LiveId" clId="{B85036F9-EEBA-4C90-BC61-FDB5AB647748}" dt="2021-03-23T15:18:38.722" v="303"/>
+            <ac:spMkLst>
+              <pc:docMk/>
+              <pc:sldMasterMk cId="0" sldId="2147483660"/>
+              <pc:sldLayoutMk cId="0" sldId="2147483649"/>
+              <ac:spMk id="25" creationId="{00000000-0000-0000-0000-000000000000}"/>
+            </ac:spMkLst>
+          </pc:spChg>
+          <pc:spChg chg="mod">
+            <ac:chgData name="Antonio" userId="d42371d61bd3278c" providerId="LiveId" clId="{B85036F9-EEBA-4C90-BC61-FDB5AB647748}" dt="2021-03-23T15:18:38.722" v="303"/>
+            <ac:spMkLst>
+              <pc:docMk/>
+              <pc:sldMasterMk cId="0" sldId="2147483660"/>
+              <pc:sldLayoutMk cId="0" sldId="2147483649"/>
+              <ac:spMk id="26" creationId="{00000000-0000-0000-0000-000000000000}"/>
+            </ac:spMkLst>
+          </pc:spChg>
+          <pc:spChg chg="mod">
+            <ac:chgData name="Antonio" userId="d42371d61bd3278c" providerId="LiveId" clId="{B85036F9-EEBA-4C90-BC61-FDB5AB647748}" dt="2021-03-23T15:18:38.722" v="303"/>
+            <ac:spMkLst>
+              <pc:docMk/>
+              <pc:sldMasterMk cId="0" sldId="2147483660"/>
+              <pc:sldLayoutMk cId="0" sldId="2147483649"/>
+              <ac:spMk id="27" creationId="{00000000-0000-0000-0000-000000000000}"/>
+            </ac:spMkLst>
+          </pc:spChg>
+          <pc:grpChg chg="mod">
+            <ac:chgData name="Antonio" userId="d42371d61bd3278c" providerId="LiveId" clId="{B85036F9-EEBA-4C90-BC61-FDB5AB647748}" dt="2021-03-23T15:18:38.722" v="303"/>
+            <ac:grpSpMkLst>
+              <pc:docMk/>
+              <pc:sldMasterMk cId="0" sldId="2147483660"/>
+              <pc:sldLayoutMk cId="0" sldId="2147483649"/>
+              <ac:grpSpMk id="19" creationId="{00000000-0000-0000-0000-000000000000}"/>
+            </ac:grpSpMkLst>
+          </pc:grpChg>
+        </pc:sldLayoutChg>
+        <pc:sldLayoutChg chg="modSp">
+          <pc:chgData name="Antonio" userId="d42371d61bd3278c" providerId="LiveId" clId="{B85036F9-EEBA-4C90-BC61-FDB5AB647748}" dt="2021-03-23T15:18:38.722" v="303"/>
+          <pc:sldLayoutMkLst>
+            <pc:docMk/>
+            <pc:sldMasterMk cId="0" sldId="2147483660"/>
+            <pc:sldLayoutMk cId="0" sldId="2147483651"/>
+          </pc:sldLayoutMkLst>
+          <pc:spChg chg="mod">
+            <ac:chgData name="Antonio" userId="d42371d61bd3278c" providerId="LiveId" clId="{B85036F9-EEBA-4C90-BC61-FDB5AB647748}" dt="2021-03-23T15:18:38.722" v="303"/>
+            <ac:spMkLst>
+              <pc:docMk/>
+              <pc:sldMasterMk cId="0" sldId="2147483660"/>
+              <pc:sldLayoutMk cId="0" sldId="2147483651"/>
+              <ac:spMk id="43" creationId="{00000000-0000-0000-0000-000000000000}"/>
+            </ac:spMkLst>
+          </pc:spChg>
+          <pc:spChg chg="mod">
+            <ac:chgData name="Antonio" userId="d42371d61bd3278c" providerId="LiveId" clId="{B85036F9-EEBA-4C90-BC61-FDB5AB647748}" dt="2021-03-23T15:18:38.722" v="303"/>
+            <ac:spMkLst>
+              <pc:docMk/>
+              <pc:sldMasterMk cId="0" sldId="2147483660"/>
+              <pc:sldLayoutMk cId="0" sldId="2147483651"/>
+              <ac:spMk id="44" creationId="{00000000-0000-0000-0000-000000000000}"/>
+            </ac:spMkLst>
+          </pc:spChg>
+          <pc:spChg chg="mod">
+            <ac:chgData name="Antonio" userId="d42371d61bd3278c" providerId="LiveId" clId="{B85036F9-EEBA-4C90-BC61-FDB5AB647748}" dt="2021-03-23T15:18:38.722" v="303"/>
+            <ac:spMkLst>
+              <pc:docMk/>
+              <pc:sldMasterMk cId="0" sldId="2147483660"/>
+              <pc:sldLayoutMk cId="0" sldId="2147483651"/>
+              <ac:spMk id="45" creationId="{00000000-0000-0000-0000-000000000000}"/>
+            </ac:spMkLst>
+          </pc:spChg>
+          <pc:spChg chg="mod">
+            <ac:chgData name="Antonio" userId="d42371d61bd3278c" providerId="LiveId" clId="{B85036F9-EEBA-4C90-BC61-FDB5AB647748}" dt="2021-03-23T15:18:38.722" v="303"/>
+            <ac:spMkLst>
+              <pc:docMk/>
+              <pc:sldMasterMk cId="0" sldId="2147483660"/>
+              <pc:sldLayoutMk cId="0" sldId="2147483651"/>
+              <ac:spMk id="46" creationId="{00000000-0000-0000-0000-000000000000}"/>
+            </ac:spMkLst>
+          </pc:spChg>
+          <pc:spChg chg="mod">
+            <ac:chgData name="Antonio" userId="d42371d61bd3278c" providerId="LiveId" clId="{B85036F9-EEBA-4C90-BC61-FDB5AB647748}" dt="2021-03-23T15:18:38.722" v="303"/>
+            <ac:spMkLst>
+              <pc:docMk/>
+              <pc:sldMasterMk cId="0" sldId="2147483660"/>
+              <pc:sldLayoutMk cId="0" sldId="2147483651"/>
+              <ac:spMk id="47" creationId="{00000000-0000-0000-0000-000000000000}"/>
+            </ac:spMkLst>
+          </pc:spChg>
+          <pc:spChg chg="mod">
+            <ac:chgData name="Antonio" userId="d42371d61bd3278c" providerId="LiveId" clId="{B85036F9-EEBA-4C90-BC61-FDB5AB647748}" dt="2021-03-23T15:18:38.722" v="303"/>
+            <ac:spMkLst>
+              <pc:docMk/>
+              <pc:sldMasterMk cId="0" sldId="2147483660"/>
+              <pc:sldLayoutMk cId="0" sldId="2147483651"/>
+              <ac:spMk id="48" creationId="{00000000-0000-0000-0000-000000000000}"/>
+            </ac:spMkLst>
+          </pc:spChg>
+          <pc:spChg chg="mod">
+            <ac:chgData name="Antonio" userId="d42371d61bd3278c" providerId="LiveId" clId="{B85036F9-EEBA-4C90-BC61-FDB5AB647748}" dt="2021-03-23T15:18:38.722" v="303"/>
+            <ac:spMkLst>
+              <pc:docMk/>
+              <pc:sldMasterMk cId="0" sldId="2147483660"/>
+              <pc:sldLayoutMk cId="0" sldId="2147483651"/>
+              <ac:spMk id="49" creationId="{00000000-0000-0000-0000-000000000000}"/>
+            </ac:spMkLst>
+          </pc:spChg>
+          <pc:spChg chg="mod">
+            <ac:chgData name="Antonio" userId="d42371d61bd3278c" providerId="LiveId" clId="{B85036F9-EEBA-4C90-BC61-FDB5AB647748}" dt="2021-03-23T15:18:38.722" v="303"/>
+            <ac:spMkLst>
+              <pc:docMk/>
+              <pc:sldMasterMk cId="0" sldId="2147483660"/>
+              <pc:sldLayoutMk cId="0" sldId="2147483651"/>
+              <ac:spMk id="50" creationId="{00000000-0000-0000-0000-000000000000}"/>
+            </ac:spMkLst>
+          </pc:spChg>
+          <pc:spChg chg="mod">
+            <ac:chgData name="Antonio" userId="d42371d61bd3278c" providerId="LiveId" clId="{B85036F9-EEBA-4C90-BC61-FDB5AB647748}" dt="2021-03-23T15:18:38.722" v="303"/>
+            <ac:spMkLst>
+              <pc:docMk/>
+              <pc:sldMasterMk cId="0" sldId="2147483660"/>
+              <pc:sldLayoutMk cId="0" sldId="2147483651"/>
+              <ac:spMk id="51" creationId="{00000000-0000-0000-0000-000000000000}"/>
+            </ac:spMkLst>
+          </pc:spChg>
+          <pc:grpChg chg="mod">
+            <ac:chgData name="Antonio" userId="d42371d61bd3278c" providerId="LiveId" clId="{B85036F9-EEBA-4C90-BC61-FDB5AB647748}" dt="2021-03-23T15:18:38.722" v="303"/>
+            <ac:grpSpMkLst>
+              <pc:docMk/>
+              <pc:sldMasterMk cId="0" sldId="2147483660"/>
+              <pc:sldLayoutMk cId="0" sldId="2147483651"/>
+              <ac:grpSpMk id="42" creationId="{00000000-0000-0000-0000-000000000000}"/>
+            </ac:grpSpMkLst>
+          </pc:grpChg>
+        </pc:sldLayoutChg>
+        <pc:sldLayoutChg chg="modSp">
+          <pc:chgData name="Antonio" userId="d42371d61bd3278c" providerId="LiveId" clId="{B85036F9-EEBA-4C90-BC61-FDB5AB647748}" dt="2021-03-23T15:18:38.722" v="303"/>
+          <pc:sldLayoutMkLst>
+            <pc:docMk/>
+            <pc:sldMasterMk cId="0" sldId="2147483660"/>
+            <pc:sldLayoutMk cId="0" sldId="2147483652"/>
+          </pc:sldLayoutMkLst>
+          <pc:spChg chg="mod">
+            <ac:chgData name="Antonio" userId="d42371d61bd3278c" providerId="LiveId" clId="{B85036F9-EEBA-4C90-BC61-FDB5AB647748}" dt="2021-03-23T15:18:38.722" v="303"/>
+            <ac:spMkLst>
+              <pc:docMk/>
+              <pc:sldMasterMk cId="0" sldId="2147483660"/>
+              <pc:sldLayoutMk cId="0" sldId="2147483652"/>
+              <ac:spMk id="54" creationId="{00000000-0000-0000-0000-000000000000}"/>
+            </ac:spMkLst>
+          </pc:spChg>
+          <pc:spChg chg="mod">
+            <ac:chgData name="Antonio" userId="d42371d61bd3278c" providerId="LiveId" clId="{B85036F9-EEBA-4C90-BC61-FDB5AB647748}" dt="2021-03-23T15:18:38.722" v="303"/>
+            <ac:spMkLst>
+              <pc:docMk/>
+              <pc:sldMasterMk cId="0" sldId="2147483660"/>
+              <pc:sldLayoutMk cId="0" sldId="2147483652"/>
+              <ac:spMk id="55" creationId="{00000000-0000-0000-0000-000000000000}"/>
+            </ac:spMkLst>
+          </pc:spChg>
+          <pc:spChg chg="mod">
+            <ac:chgData name="Antonio" userId="d42371d61bd3278c" providerId="LiveId" clId="{B85036F9-EEBA-4C90-BC61-FDB5AB647748}" dt="2021-03-23T15:18:38.722" v="303"/>
+            <ac:spMkLst>
+              <pc:docMk/>
+              <pc:sldMasterMk cId="0" sldId="2147483660"/>
+              <pc:sldLayoutMk cId="0" sldId="2147483652"/>
+              <ac:spMk id="56" creationId="{00000000-0000-0000-0000-000000000000}"/>
+            </ac:spMkLst>
+          </pc:spChg>
+          <pc:spChg chg="mod">
+            <ac:chgData name="Antonio" userId="d42371d61bd3278c" providerId="LiveId" clId="{B85036F9-EEBA-4C90-BC61-FDB5AB647748}" dt="2021-03-23T15:18:38.722" v="303"/>
+            <ac:spMkLst>
+              <pc:docMk/>
+              <pc:sldMasterMk cId="0" sldId="2147483660"/>
+              <pc:sldLayoutMk cId="0" sldId="2147483652"/>
+              <ac:spMk id="57" creationId="{00000000-0000-0000-0000-000000000000}"/>
+            </ac:spMkLst>
+          </pc:spChg>
+          <pc:spChg chg="mod">
+            <ac:chgData name="Antonio" userId="d42371d61bd3278c" providerId="LiveId" clId="{B85036F9-EEBA-4C90-BC61-FDB5AB647748}" dt="2021-03-23T15:18:38.722" v="303"/>
+            <ac:spMkLst>
+              <pc:docMk/>
+              <pc:sldMasterMk cId="0" sldId="2147483660"/>
+              <pc:sldLayoutMk cId="0" sldId="2147483652"/>
+              <ac:spMk id="58" creationId="{00000000-0000-0000-0000-000000000000}"/>
+            </ac:spMkLst>
+          </pc:spChg>
+          <pc:spChg chg="mod">
+            <ac:chgData name="Antonio" userId="d42371d61bd3278c" providerId="LiveId" clId="{B85036F9-EEBA-4C90-BC61-FDB5AB647748}" dt="2021-03-23T15:18:38.722" v="303"/>
+            <ac:spMkLst>
+              <pc:docMk/>
+              <pc:sldMasterMk cId="0" sldId="2147483660"/>
+              <pc:sldLayoutMk cId="0" sldId="2147483652"/>
+              <ac:spMk id="59" creationId="{00000000-0000-0000-0000-000000000000}"/>
+            </ac:spMkLst>
+          </pc:spChg>
+          <pc:spChg chg="mod">
+            <ac:chgData name="Antonio" userId="d42371d61bd3278c" providerId="LiveId" clId="{B85036F9-EEBA-4C90-BC61-FDB5AB647748}" dt="2021-03-23T15:18:38.722" v="303"/>
+            <ac:spMkLst>
+              <pc:docMk/>
+              <pc:sldMasterMk cId="0" sldId="2147483660"/>
+              <pc:sldLayoutMk cId="0" sldId="2147483652"/>
+              <ac:spMk id="60" creationId="{00000000-0000-0000-0000-000000000000}"/>
+            </ac:spMkLst>
+          </pc:spChg>
+          <pc:spChg chg="mod">
+            <ac:chgData name="Antonio" userId="d42371d61bd3278c" providerId="LiveId" clId="{B85036F9-EEBA-4C90-BC61-FDB5AB647748}" dt="2021-03-23T15:18:38.722" v="303"/>
+            <ac:spMkLst>
+              <pc:docMk/>
+              <pc:sldMasterMk cId="0" sldId="2147483660"/>
+              <pc:sldLayoutMk cId="0" sldId="2147483652"/>
+              <ac:spMk id="61" creationId="{00000000-0000-0000-0000-000000000000}"/>
+            </ac:spMkLst>
+          </pc:spChg>
+          <pc:spChg chg="mod">
+            <ac:chgData name="Antonio" userId="d42371d61bd3278c" providerId="LiveId" clId="{B85036F9-EEBA-4C90-BC61-FDB5AB647748}" dt="2021-03-23T15:18:38.722" v="303"/>
+            <ac:spMkLst>
+              <pc:docMk/>
+              <pc:sldMasterMk cId="0" sldId="2147483660"/>
+              <pc:sldLayoutMk cId="0" sldId="2147483652"/>
+              <ac:spMk id="62" creationId="{00000000-0000-0000-0000-000000000000}"/>
+            </ac:spMkLst>
+          </pc:spChg>
+          <pc:grpChg chg="mod">
+            <ac:chgData name="Antonio" userId="d42371d61bd3278c" providerId="LiveId" clId="{B85036F9-EEBA-4C90-BC61-FDB5AB647748}" dt="2021-03-23T15:18:38.722" v="303"/>
+            <ac:grpSpMkLst>
+              <pc:docMk/>
+              <pc:sldMasterMk cId="0" sldId="2147483660"/>
+              <pc:sldLayoutMk cId="0" sldId="2147483652"/>
+              <ac:grpSpMk id="53" creationId="{00000000-0000-0000-0000-000000000000}"/>
+            </ac:grpSpMkLst>
+          </pc:grpChg>
+        </pc:sldLayoutChg>
+        <pc:sldLayoutChg chg="modSp">
+          <pc:chgData name="Antonio" userId="d42371d61bd3278c" providerId="LiveId" clId="{B85036F9-EEBA-4C90-BC61-FDB5AB647748}" dt="2021-03-23T15:18:38.722" v="303"/>
+          <pc:sldLayoutMkLst>
+            <pc:docMk/>
+            <pc:sldMasterMk cId="0" sldId="2147483660"/>
+            <pc:sldLayoutMk cId="0" sldId="2147483654"/>
+          </pc:sldLayoutMkLst>
+          <pc:spChg chg="mod">
+            <ac:chgData name="Antonio" userId="d42371d61bd3278c" providerId="LiveId" clId="{B85036F9-EEBA-4C90-BC61-FDB5AB647748}" dt="2021-03-23T15:18:38.722" v="303"/>
+            <ac:spMkLst>
+              <pc:docMk/>
+              <pc:sldMasterMk cId="0" sldId="2147483660"/>
+              <pc:sldLayoutMk cId="0" sldId="2147483654"/>
+              <ac:spMk id="77" creationId="{00000000-0000-0000-0000-000000000000}"/>
+            </ac:spMkLst>
+          </pc:spChg>
+          <pc:spChg chg="mod">
+            <ac:chgData name="Antonio" userId="d42371d61bd3278c" providerId="LiveId" clId="{B85036F9-EEBA-4C90-BC61-FDB5AB647748}" dt="2021-03-23T15:18:38.722" v="303"/>
+            <ac:spMkLst>
+              <pc:docMk/>
+              <pc:sldMasterMk cId="0" sldId="2147483660"/>
+              <pc:sldLayoutMk cId="0" sldId="2147483654"/>
+              <ac:spMk id="78" creationId="{00000000-0000-0000-0000-000000000000}"/>
+            </ac:spMkLst>
+          </pc:spChg>
+          <pc:spChg chg="mod">
+            <ac:chgData name="Antonio" userId="d42371d61bd3278c" providerId="LiveId" clId="{B85036F9-EEBA-4C90-BC61-FDB5AB647748}" dt="2021-03-23T15:18:38.722" v="303"/>
+            <ac:spMkLst>
+              <pc:docMk/>
+              <pc:sldMasterMk cId="0" sldId="2147483660"/>
+              <pc:sldLayoutMk cId="0" sldId="2147483654"/>
+              <ac:spMk id="79" creationId="{00000000-0000-0000-0000-000000000000}"/>
+            </ac:spMkLst>
+          </pc:spChg>
+          <pc:spChg chg="mod">
+            <ac:chgData name="Antonio" userId="d42371d61bd3278c" providerId="LiveId" clId="{B85036F9-EEBA-4C90-BC61-FDB5AB647748}" dt="2021-03-23T15:18:38.722" v="303"/>
+            <ac:spMkLst>
+              <pc:docMk/>
+              <pc:sldMasterMk cId="0" sldId="2147483660"/>
+              <pc:sldLayoutMk cId="0" sldId="2147483654"/>
+              <ac:spMk id="80" creationId="{00000000-0000-0000-0000-000000000000}"/>
+            </ac:spMkLst>
+          </pc:spChg>
+          <pc:spChg chg="mod">
+            <ac:chgData name="Antonio" userId="d42371d61bd3278c" providerId="LiveId" clId="{B85036F9-EEBA-4C90-BC61-FDB5AB647748}" dt="2021-03-23T15:18:38.722" v="303"/>
+            <ac:spMkLst>
+              <pc:docMk/>
+              <pc:sldMasterMk cId="0" sldId="2147483660"/>
+              <pc:sldLayoutMk cId="0" sldId="2147483654"/>
+              <ac:spMk id="81" creationId="{00000000-0000-0000-0000-000000000000}"/>
+            </ac:spMkLst>
+          </pc:spChg>
+          <pc:spChg chg="mod">
+            <ac:chgData name="Antonio" userId="d42371d61bd3278c" providerId="LiveId" clId="{B85036F9-EEBA-4C90-BC61-FDB5AB647748}" dt="2021-03-23T15:18:38.722" v="303"/>
+            <ac:spMkLst>
+              <pc:docMk/>
+              <pc:sldMasterMk cId="0" sldId="2147483660"/>
+              <pc:sldLayoutMk cId="0" sldId="2147483654"/>
+              <ac:spMk id="82" creationId="{00000000-0000-0000-0000-000000000000}"/>
+            </ac:spMkLst>
+          </pc:spChg>
+          <pc:spChg chg="mod">
+            <ac:chgData name="Antonio" userId="d42371d61bd3278c" providerId="LiveId" clId="{B85036F9-EEBA-4C90-BC61-FDB5AB647748}" dt="2021-03-23T15:18:38.722" v="303"/>
+            <ac:spMkLst>
+              <pc:docMk/>
+              <pc:sldMasterMk cId="0" sldId="2147483660"/>
+              <pc:sldLayoutMk cId="0" sldId="2147483654"/>
+              <ac:spMk id="83" creationId="{00000000-0000-0000-0000-000000000000}"/>
+            </ac:spMkLst>
+          </pc:spChg>
+          <pc:spChg chg="mod">
+            <ac:chgData name="Antonio" userId="d42371d61bd3278c" providerId="LiveId" clId="{B85036F9-EEBA-4C90-BC61-FDB5AB647748}" dt="2021-03-23T15:18:38.722" v="303"/>
+            <ac:spMkLst>
+              <pc:docMk/>
+              <pc:sldMasterMk cId="0" sldId="2147483660"/>
+              <pc:sldLayoutMk cId="0" sldId="2147483654"/>
+              <ac:spMk id="84" creationId="{00000000-0000-0000-0000-000000000000}"/>
+            </ac:spMkLst>
+          </pc:spChg>
+          <pc:spChg chg="mod">
+            <ac:chgData name="Antonio" userId="d42371d61bd3278c" providerId="LiveId" clId="{B85036F9-EEBA-4C90-BC61-FDB5AB647748}" dt="2021-03-23T15:18:38.722" v="303"/>
+            <ac:spMkLst>
+              <pc:docMk/>
+              <pc:sldMasterMk cId="0" sldId="2147483660"/>
+              <pc:sldLayoutMk cId="0" sldId="2147483654"/>
+              <ac:spMk id="85" creationId="{00000000-0000-0000-0000-000000000000}"/>
+            </ac:spMkLst>
+          </pc:spChg>
+          <pc:spChg chg="mod">
+            <ac:chgData name="Antonio" userId="d42371d61bd3278c" providerId="LiveId" clId="{B85036F9-EEBA-4C90-BC61-FDB5AB647748}" dt="2021-03-23T15:18:38.722" v="303"/>
+            <ac:spMkLst>
+              <pc:docMk/>
+              <pc:sldMasterMk cId="0" sldId="2147483660"/>
+              <pc:sldLayoutMk cId="0" sldId="2147483654"/>
+              <ac:spMk id="86" creationId="{00000000-0000-0000-0000-000000000000}"/>
+            </ac:spMkLst>
+          </pc:spChg>
+          <pc:spChg chg="mod">
+            <ac:chgData name="Antonio" userId="d42371d61bd3278c" providerId="LiveId" clId="{B85036F9-EEBA-4C90-BC61-FDB5AB647748}" dt="2021-03-23T15:18:38.722" v="303"/>
+            <ac:spMkLst>
+              <pc:docMk/>
+              <pc:sldMasterMk cId="0" sldId="2147483660"/>
+              <pc:sldLayoutMk cId="0" sldId="2147483654"/>
+              <ac:spMk id="87" creationId="{00000000-0000-0000-0000-000000000000}"/>
+            </ac:spMkLst>
+          </pc:spChg>
+          <pc:grpChg chg="mod">
+            <ac:chgData name="Antonio" userId="d42371d61bd3278c" providerId="LiveId" clId="{B85036F9-EEBA-4C90-BC61-FDB5AB647748}" dt="2021-03-23T15:18:38.722" v="303"/>
+            <ac:grpSpMkLst>
+              <pc:docMk/>
+              <pc:sldMasterMk cId="0" sldId="2147483660"/>
+              <pc:sldLayoutMk cId="0" sldId="2147483654"/>
+              <ac:grpSpMk id="76" creationId="{00000000-0000-0000-0000-000000000000}"/>
+            </ac:grpSpMkLst>
+          </pc:grpChg>
+        </pc:sldLayoutChg>
+        <pc:sldLayoutChg chg="modSp">
+          <pc:chgData name="Antonio" userId="d42371d61bd3278c" providerId="LiveId" clId="{B85036F9-EEBA-4C90-BC61-FDB5AB647748}" dt="2021-03-23T15:18:38.722" v="303"/>
+          <pc:sldLayoutMkLst>
+            <pc:docMk/>
+            <pc:sldMasterMk cId="0" sldId="2147483660"/>
+            <pc:sldLayoutMk cId="0" sldId="2147483658"/>
+          </pc:sldLayoutMkLst>
+          <pc:spChg chg="mod">
+            <ac:chgData name="Antonio" userId="d42371d61bd3278c" providerId="LiveId" clId="{B85036F9-EEBA-4C90-BC61-FDB5AB647748}" dt="2021-03-23T15:18:38.722" v="303"/>
+            <ac:spMkLst>
+              <pc:docMk/>
+              <pc:sldMasterMk cId="0" sldId="2147483660"/>
+              <pc:sldLayoutMk cId="0" sldId="2147483658"/>
+              <ac:spMk id="119" creationId="{00000000-0000-0000-0000-000000000000}"/>
+            </ac:spMkLst>
+          </pc:spChg>
+          <pc:spChg chg="mod">
+            <ac:chgData name="Antonio" userId="d42371d61bd3278c" providerId="LiveId" clId="{B85036F9-EEBA-4C90-BC61-FDB5AB647748}" dt="2021-03-23T15:18:38.722" v="303"/>
+            <ac:spMkLst>
+              <pc:docMk/>
+              <pc:sldMasterMk cId="0" sldId="2147483660"/>
+              <pc:sldLayoutMk cId="0" sldId="2147483658"/>
+              <ac:spMk id="120" creationId="{00000000-0000-0000-0000-000000000000}"/>
+            </ac:spMkLst>
+          </pc:spChg>
+          <pc:spChg chg="mod">
+            <ac:chgData name="Antonio" userId="d42371d61bd3278c" providerId="LiveId" clId="{B85036F9-EEBA-4C90-BC61-FDB5AB647748}" dt="2021-03-23T15:18:38.722" v="303"/>
+            <ac:spMkLst>
+              <pc:docMk/>
+              <pc:sldMasterMk cId="0" sldId="2147483660"/>
+              <pc:sldLayoutMk cId="0" sldId="2147483658"/>
+              <ac:spMk id="121" creationId="{00000000-0000-0000-0000-000000000000}"/>
+            </ac:spMkLst>
+          </pc:spChg>
+          <pc:spChg chg="mod">
+            <ac:chgData name="Antonio" userId="d42371d61bd3278c" providerId="LiveId" clId="{B85036F9-EEBA-4C90-BC61-FDB5AB647748}" dt="2021-03-23T15:18:38.722" v="303"/>
+            <ac:spMkLst>
+              <pc:docMk/>
+              <pc:sldMasterMk cId="0" sldId="2147483660"/>
+              <pc:sldLayoutMk cId="0" sldId="2147483658"/>
+              <ac:spMk id="122" creationId="{00000000-0000-0000-0000-000000000000}"/>
+            </ac:spMkLst>
+          </pc:spChg>
+          <pc:spChg chg="mod">
+            <ac:chgData name="Antonio" userId="d42371d61bd3278c" providerId="LiveId" clId="{B85036F9-EEBA-4C90-BC61-FDB5AB647748}" dt="2021-03-23T15:18:38.722" v="303"/>
+            <ac:spMkLst>
+              <pc:docMk/>
+              <pc:sldMasterMk cId="0" sldId="2147483660"/>
+              <pc:sldLayoutMk cId="0" sldId="2147483658"/>
+              <ac:spMk id="123" creationId="{00000000-0000-0000-0000-000000000000}"/>
+            </ac:spMkLst>
+          </pc:spChg>
+          <pc:spChg chg="mod">
+            <ac:chgData name="Antonio" userId="d42371d61bd3278c" providerId="LiveId" clId="{B85036F9-EEBA-4C90-BC61-FDB5AB647748}" dt="2021-03-23T15:18:38.722" v="303"/>
+            <ac:spMkLst>
+              <pc:docMk/>
+              <pc:sldMasterMk cId="0" sldId="2147483660"/>
+              <pc:sldLayoutMk cId="0" sldId="2147483658"/>
+              <ac:spMk id="124" creationId="{00000000-0000-0000-0000-000000000000}"/>
+            </ac:spMkLst>
+          </pc:spChg>
+          <pc:spChg chg="mod">
+            <ac:chgData name="Antonio" userId="d42371d61bd3278c" providerId="LiveId" clId="{B85036F9-EEBA-4C90-BC61-FDB5AB647748}" dt="2021-03-23T15:18:38.722" v="303"/>
+            <ac:spMkLst>
+              <pc:docMk/>
+              <pc:sldMasterMk cId="0" sldId="2147483660"/>
+              <pc:sldLayoutMk cId="0" sldId="2147483658"/>
+              <ac:spMk id="125" creationId="{00000000-0000-0000-0000-000000000000}"/>
+            </ac:spMkLst>
+          </pc:spChg>
+          <pc:spChg chg="mod">
+            <ac:chgData name="Antonio" userId="d42371d61bd3278c" providerId="LiveId" clId="{B85036F9-EEBA-4C90-BC61-FDB5AB647748}" dt="2021-03-23T15:18:38.722" v="303"/>
+            <ac:spMkLst>
+              <pc:docMk/>
+              <pc:sldMasterMk cId="0" sldId="2147483660"/>
+              <pc:sldLayoutMk cId="0" sldId="2147483658"/>
+              <ac:spMk id="126" creationId="{00000000-0000-0000-0000-000000000000}"/>
+            </ac:spMkLst>
+          </pc:spChg>
+          <pc:spChg chg="mod">
+            <ac:chgData name="Antonio" userId="d42371d61bd3278c" providerId="LiveId" clId="{B85036F9-EEBA-4C90-BC61-FDB5AB647748}" dt="2021-03-23T15:18:38.722" v="303"/>
+            <ac:spMkLst>
+              <pc:docMk/>
+              <pc:sldMasterMk cId="0" sldId="2147483660"/>
+              <pc:sldLayoutMk cId="0" sldId="2147483658"/>
+              <ac:spMk id="127" creationId="{00000000-0000-0000-0000-000000000000}"/>
+            </ac:spMkLst>
+          </pc:spChg>
+          <pc:grpChg chg="mod">
+            <ac:chgData name="Antonio" userId="d42371d61bd3278c" providerId="LiveId" clId="{B85036F9-EEBA-4C90-BC61-FDB5AB647748}" dt="2021-03-23T15:18:38.722" v="303"/>
+            <ac:grpSpMkLst>
+              <pc:docMk/>
+              <pc:sldMasterMk cId="0" sldId="2147483660"/>
+              <pc:sldLayoutMk cId="0" sldId="2147483658"/>
+              <ac:grpSpMk id="118" creationId="{00000000-0000-0000-0000-000000000000}"/>
+            </ac:grpSpMkLst>
+          </pc:grpChg>
+        </pc:sldLayoutChg>
+        <pc:sldLayoutChg chg="modSp">
+          <pc:chgData name="Antonio" userId="d42371d61bd3278c" providerId="LiveId" clId="{B85036F9-EEBA-4C90-BC61-FDB5AB647748}" dt="2021-03-23T15:18:38.722" v="303"/>
+          <pc:sldLayoutMkLst>
+            <pc:docMk/>
+            <pc:sldMasterMk cId="0" sldId="2147483660"/>
+            <pc:sldLayoutMk cId="0" sldId="2147483659"/>
+          </pc:sldLayoutMkLst>
+          <pc:spChg chg="mod">
+            <ac:chgData name="Antonio" userId="d42371d61bd3278c" providerId="LiveId" clId="{B85036F9-EEBA-4C90-BC61-FDB5AB647748}" dt="2021-03-23T15:18:38.722" v="303"/>
+            <ac:spMkLst>
+              <pc:docMk/>
+              <pc:sldMasterMk cId="0" sldId="2147483660"/>
+              <pc:sldLayoutMk cId="0" sldId="2147483659"/>
+              <ac:spMk id="129" creationId="{00000000-0000-0000-0000-000000000000}"/>
+            </ac:spMkLst>
+          </pc:spChg>
+          <pc:spChg chg="mod">
+            <ac:chgData name="Antonio" userId="d42371d61bd3278c" providerId="LiveId" clId="{B85036F9-EEBA-4C90-BC61-FDB5AB647748}" dt="2021-03-23T15:18:38.722" v="303"/>
+            <ac:spMkLst>
+              <pc:docMk/>
+              <pc:sldMasterMk cId="0" sldId="2147483660"/>
+              <pc:sldLayoutMk cId="0" sldId="2147483659"/>
+              <ac:spMk id="131" creationId="{00000000-0000-0000-0000-000000000000}"/>
+            </ac:spMkLst>
+          </pc:spChg>
+          <pc:spChg chg="mod">
+            <ac:chgData name="Antonio" userId="d42371d61bd3278c" providerId="LiveId" clId="{B85036F9-EEBA-4C90-BC61-FDB5AB647748}" dt="2021-03-23T15:18:38.722" v="303"/>
+            <ac:spMkLst>
+              <pc:docMk/>
+              <pc:sldMasterMk cId="0" sldId="2147483660"/>
+              <pc:sldLayoutMk cId="0" sldId="2147483659"/>
+              <ac:spMk id="132" creationId="{00000000-0000-0000-0000-000000000000}"/>
+            </ac:spMkLst>
+          </pc:spChg>
+          <pc:spChg chg="mod">
+            <ac:chgData name="Antonio" userId="d42371d61bd3278c" providerId="LiveId" clId="{B85036F9-EEBA-4C90-BC61-FDB5AB647748}" dt="2021-03-23T15:18:38.722" v="303"/>
+            <ac:spMkLst>
+              <pc:docMk/>
+              <pc:sldMasterMk cId="0" sldId="2147483660"/>
+              <pc:sldLayoutMk cId="0" sldId="2147483659"/>
+              <ac:spMk id="133" creationId="{00000000-0000-0000-0000-000000000000}"/>
+            </ac:spMkLst>
+          </pc:spChg>
+          <pc:spChg chg="mod">
+            <ac:chgData name="Antonio" userId="d42371d61bd3278c" providerId="LiveId" clId="{B85036F9-EEBA-4C90-BC61-FDB5AB647748}" dt="2021-03-23T15:18:38.722" v="303"/>
+            <ac:spMkLst>
+              <pc:docMk/>
+              <pc:sldMasterMk cId="0" sldId="2147483660"/>
+              <pc:sldLayoutMk cId="0" sldId="2147483659"/>
+              <ac:spMk id="134" creationId="{00000000-0000-0000-0000-000000000000}"/>
+            </ac:spMkLst>
+          </pc:spChg>
+          <pc:spChg chg="mod">
+            <ac:chgData name="Antonio" userId="d42371d61bd3278c" providerId="LiveId" clId="{B85036F9-EEBA-4C90-BC61-FDB5AB647748}" dt="2021-03-23T15:18:38.722" v="303"/>
+            <ac:spMkLst>
+              <pc:docMk/>
+              <pc:sldMasterMk cId="0" sldId="2147483660"/>
+              <pc:sldLayoutMk cId="0" sldId="2147483659"/>
+              <ac:spMk id="135" creationId="{00000000-0000-0000-0000-000000000000}"/>
+            </ac:spMkLst>
+          </pc:spChg>
+          <pc:spChg chg="mod">
+            <ac:chgData name="Antonio" userId="d42371d61bd3278c" providerId="LiveId" clId="{B85036F9-EEBA-4C90-BC61-FDB5AB647748}" dt="2021-03-23T15:18:38.722" v="303"/>
+            <ac:spMkLst>
+              <pc:docMk/>
+              <pc:sldMasterMk cId="0" sldId="2147483660"/>
+              <pc:sldLayoutMk cId="0" sldId="2147483659"/>
+              <ac:spMk id="136" creationId="{00000000-0000-0000-0000-000000000000}"/>
+            </ac:spMkLst>
+          </pc:spChg>
+          <pc:spChg chg="mod">
+            <ac:chgData name="Antonio" userId="d42371d61bd3278c" providerId="LiveId" clId="{B85036F9-EEBA-4C90-BC61-FDB5AB647748}" dt="2021-03-23T15:18:38.722" v="303"/>
+            <ac:spMkLst>
+              <pc:docMk/>
+              <pc:sldMasterMk cId="0" sldId="2147483660"/>
+              <pc:sldLayoutMk cId="0" sldId="2147483659"/>
+              <ac:spMk id="137" creationId="{00000000-0000-0000-0000-000000000000}"/>
+            </ac:spMkLst>
+          </pc:spChg>
+          <pc:spChg chg="mod">
+            <ac:chgData name="Antonio" userId="d42371d61bd3278c" providerId="LiveId" clId="{B85036F9-EEBA-4C90-BC61-FDB5AB647748}" dt="2021-03-23T15:18:38.722" v="303"/>
+            <ac:spMkLst>
+              <pc:docMk/>
+              <pc:sldMasterMk cId="0" sldId="2147483660"/>
+              <pc:sldLayoutMk cId="0" sldId="2147483659"/>
+              <ac:spMk id="138" creationId="{00000000-0000-0000-0000-000000000000}"/>
+            </ac:spMkLst>
+          </pc:spChg>
+          <pc:spChg chg="mod">
+            <ac:chgData name="Antonio" userId="d42371d61bd3278c" providerId="LiveId" clId="{B85036F9-EEBA-4C90-BC61-FDB5AB647748}" dt="2021-03-23T15:18:38.722" v="303"/>
+            <ac:spMkLst>
+              <pc:docMk/>
+              <pc:sldMasterMk cId="0" sldId="2147483660"/>
+              <pc:sldLayoutMk cId="0" sldId="2147483659"/>
+              <ac:spMk id="139" creationId="{00000000-0000-0000-0000-000000000000}"/>
+            </ac:spMkLst>
+          </pc:spChg>
+          <pc:spChg chg="mod">
+            <ac:chgData name="Antonio" userId="d42371d61bd3278c" providerId="LiveId" clId="{B85036F9-EEBA-4C90-BC61-FDB5AB647748}" dt="2021-03-23T15:18:38.722" v="303"/>
+            <ac:spMkLst>
+              <pc:docMk/>
+              <pc:sldMasterMk cId="0" sldId="2147483660"/>
+              <pc:sldLayoutMk cId="0" sldId="2147483659"/>
+              <ac:spMk id="140" creationId="{00000000-0000-0000-0000-000000000000}"/>
+            </ac:spMkLst>
+          </pc:spChg>
+          <pc:spChg chg="mod">
+            <ac:chgData name="Antonio" userId="d42371d61bd3278c" providerId="LiveId" clId="{B85036F9-EEBA-4C90-BC61-FDB5AB647748}" dt="2021-03-23T15:18:38.722" v="303"/>
+            <ac:spMkLst>
+              <pc:docMk/>
+              <pc:sldMasterMk cId="0" sldId="2147483660"/>
+              <pc:sldLayoutMk cId="0" sldId="2147483659"/>
+              <ac:spMk id="141" creationId="{00000000-0000-0000-0000-000000000000}"/>
+            </ac:spMkLst>
+          </pc:spChg>
+          <pc:spChg chg="mod">
+            <ac:chgData name="Antonio" userId="d42371d61bd3278c" providerId="LiveId" clId="{B85036F9-EEBA-4C90-BC61-FDB5AB647748}" dt="2021-03-23T15:18:38.722" v="303"/>
+            <ac:spMkLst>
+              <pc:docMk/>
+              <pc:sldMasterMk cId="0" sldId="2147483660"/>
+              <pc:sldLayoutMk cId="0" sldId="2147483659"/>
+              <ac:spMk id="142" creationId="{00000000-0000-0000-0000-000000000000}"/>
+            </ac:spMkLst>
+          </pc:spChg>
+          <pc:grpChg chg="mod">
+            <ac:chgData name="Antonio" userId="d42371d61bd3278c" providerId="LiveId" clId="{B85036F9-EEBA-4C90-BC61-FDB5AB647748}" dt="2021-03-23T15:18:38.722" v="303"/>
+            <ac:grpSpMkLst>
+              <pc:docMk/>
+              <pc:sldMasterMk cId="0" sldId="2147483660"/>
+              <pc:sldLayoutMk cId="0" sldId="2147483659"/>
+              <ac:grpSpMk id="130" creationId="{00000000-0000-0000-0000-000000000000}"/>
+            </ac:grpSpMkLst>
+          </pc:grpChg>
+        </pc:sldLayoutChg>
+      </pc:sldMasterChg>
+    </pc:docChg>
+  </pc:docChgLst>
   <pc:docChgLst>
     <pc:chgData name="Pedro Henrique Klein de Almeida" userId="2d15c7026afea1dc" providerId="LiveId" clId="{8660C15C-1798-4A3A-9826-A2DEF63259E4}"/>
     <pc:docChg chg="custSel addSld delSld modSld sldOrd modSection">
@@ -3037,7 +4623,7 @@
         </p:nvGrpSpPr>
         <p:grpSpPr>
           <a:xfrm>
-            <a:off x="-8" y="-13"/>
+            <a:off x="-7" y="-13"/>
             <a:ext cx="7710767" cy="5142022"/>
             <a:chOff x="-8" y="-13"/>
             <a:chExt cx="7710766" cy="5142022"/>
@@ -3878,7 +5464,7 @@
         </p:nvGrpSpPr>
         <p:grpSpPr>
           <a:xfrm>
-            <a:off x="-8" y="-15"/>
+            <a:off x="-7" y="-15"/>
             <a:ext cx="8946259" cy="5142022"/>
             <a:chOff x="-8" y="-15"/>
             <a:chExt cx="8946259" cy="5142022"/>
@@ -5899,7 +7485,7 @@
         </p:nvGrpSpPr>
         <p:grpSpPr>
           <a:xfrm>
-            <a:off x="7" y="-37"/>
+            <a:off x="8" y="-37"/>
             <a:ext cx="6256515" cy="5142022"/>
             <a:chOff x="-8" y="-13"/>
             <a:chExt cx="7710766" cy="5142022"/>
@@ -6544,7 +8130,7 @@
         </p:nvSpPr>
         <p:spPr>
           <a:xfrm>
-            <a:off x="457201" y="1051625"/>
+            <a:off x="457202" y="1051625"/>
             <a:ext cx="2772300" cy="716400"/>
           </a:xfrm>
           <a:prstGeom prst="rect">
@@ -6673,7 +8259,7 @@
         </p:nvSpPr>
         <p:spPr>
           <a:xfrm>
-            <a:off x="457201" y="2049800"/>
+            <a:off x="457202" y="2049800"/>
             <a:ext cx="2772300" cy="2492700"/>
           </a:xfrm>
           <a:prstGeom prst="rect">
@@ -7754,7 +9340,7 @@
         </p:nvSpPr>
         <p:spPr>
           <a:xfrm>
-            <a:off x="457200" y="1592600"/>
+            <a:off x="457201" y="1592600"/>
             <a:ext cx="1807800" cy="2940900"/>
           </a:xfrm>
           <a:prstGeom prst="rect">
@@ -7883,7 +9469,7 @@
         </p:nvSpPr>
         <p:spPr>
           <a:xfrm>
-            <a:off x="2472081" y="1592600"/>
+            <a:off x="2472082" y="1592600"/>
             <a:ext cx="1807800" cy="2940900"/>
           </a:xfrm>
           <a:prstGeom prst="rect">
@@ -12921,7 +14507,7 @@
         </p:nvSpPr>
         <p:spPr>
           <a:xfrm>
-            <a:off x="2002118" y="1801813"/>
+            <a:off x="2002118" y="1801815"/>
             <a:ext cx="4864100" cy="769937"/>
           </a:xfrm>
           <a:prstGeom prst="rect">
@@ -12970,7 +14556,7 @@
         </p:nvSpPr>
         <p:spPr>
           <a:xfrm>
-            <a:off x="2139950" y="2571750"/>
+            <a:off x="2139950" y="2571752"/>
             <a:ext cx="4864100" cy="1073151"/>
           </a:xfrm>
           <a:prstGeom prst="rect">
@@ -13084,7 +14670,7 @@
         </p:blipFill>
         <p:spPr>
           <a:xfrm>
-            <a:off x="3906371" y="889881"/>
+            <a:off x="3906373" y="889883"/>
             <a:ext cx="1055595" cy="1055595"/>
           </a:xfrm>
           <a:prstGeom prst="rect">
@@ -13093,6 +14679,1679 @@
         </p:spPr>
       </p:pic>
     </p:spTree>
+  </p:cSld>
+  <p:clrMapOvr>
+    <a:masterClrMapping/>
+  </p:clrMapOvr>
+</p:sld>
+</file>
+
+<file path=ppt/slides/slide15.xml><?xml version="1.0" encoding="utf-8"?>
+<p:sld xmlns:a="http://schemas.openxmlformats.org/drawingml/2006/main" xmlns:r="http://schemas.openxmlformats.org/officeDocument/2006/relationships" xmlns:p="http://schemas.openxmlformats.org/presentationml/2006/main">
+  <p:cSld>
+    <p:spTree>
+      <p:nvGrpSpPr>
+        <p:cNvPr id="1" name=""/>
+        <p:cNvGrpSpPr/>
+        <p:nvPr/>
+      </p:nvGrpSpPr>
+      <p:grpSpPr>
+        <a:xfrm>
+          <a:off x="0" y="0"/>
+          <a:ext cx="0" cy="0"/>
+          <a:chOff x="0" y="0"/>
+          <a:chExt cx="0" cy="0"/>
+        </a:xfrm>
+      </p:grpSpPr>
+      <p:sp>
+        <p:nvSpPr>
+          <p:cNvPr id="2" name="Espaço Reservado para Número de Slide 1">
+            <a:extLst>
+              <a:ext uri="{FF2B5EF4-FFF2-40B4-BE49-F238E27FC236}">
+                <a16:creationId xmlns:a16="http://schemas.microsoft.com/office/drawing/2014/main" id="{FD709210-B8DB-45BF-98F7-A3C6DBCED629}"/>
+              </a:ext>
+            </a:extLst>
+          </p:cNvPr>
+          <p:cNvSpPr>
+            <a:spLocks noGrp="1"/>
+          </p:cNvSpPr>
+          <p:nvPr>
+            <p:ph type="sldNum" idx="12"/>
+          </p:nvPr>
+        </p:nvSpPr>
+        <p:spPr/>
+        <p:txBody>
+          <a:bodyPr/>
+          <a:lstStyle/>
+          <a:p>
+            <a:fld id="{00000000-1234-1234-1234-123412341234}" type="slidenum">
+              <a:rPr lang="pt-BR" smtClean="0"/>
+              <a:pPr/>
+              <a:t>15</a:t>
+            </a:fld>
+            <a:endParaRPr lang="pt-BR" dirty="0"/>
+          </a:p>
+        </p:txBody>
+      </p:sp>
+      <p:sp>
+        <p:nvSpPr>
+          <p:cNvPr id="3" name="Retângulo: Cantos Arredondados 2">
+            <a:extLst>
+              <a:ext uri="{FF2B5EF4-FFF2-40B4-BE49-F238E27FC236}">
+                <a16:creationId xmlns:a16="http://schemas.microsoft.com/office/drawing/2014/main" id="{EE7F9E00-EF24-419B-A7FB-496625AF1920}"/>
+              </a:ext>
+            </a:extLst>
+          </p:cNvPr>
+          <p:cNvSpPr/>
+          <p:nvPr/>
+        </p:nvSpPr>
+        <p:spPr>
+          <a:xfrm>
+            <a:off x="4873943" y="2146162"/>
+            <a:ext cx="1760048" cy="852523"/>
+          </a:xfrm>
+          <a:prstGeom prst="roundRect">
+            <a:avLst/>
+          </a:prstGeom>
+          <a:solidFill>
+            <a:schemeClr val="accent4">
+              <a:lumMod val="75000"/>
+            </a:schemeClr>
+          </a:solidFill>
+          <a:ln w="57150">
+            <a:solidFill>
+              <a:schemeClr val="bg1"/>
+            </a:solidFill>
+          </a:ln>
+        </p:spPr>
+        <p:style>
+          <a:lnRef idx="2">
+            <a:schemeClr val="accent1">
+              <a:shade val="50000"/>
+            </a:schemeClr>
+          </a:lnRef>
+          <a:fillRef idx="1">
+            <a:schemeClr val="accent1"/>
+          </a:fillRef>
+          <a:effectRef idx="0">
+            <a:schemeClr val="accent1"/>
+          </a:effectRef>
+          <a:fontRef idx="minor">
+            <a:schemeClr val="lt1"/>
+          </a:fontRef>
+        </p:style>
+        <p:txBody>
+          <a:bodyPr rtlCol="0" anchor="ctr"/>
+          <a:lstStyle/>
+          <a:p>
+            <a:pPr algn="ctr"/>
+            <a:r>
+              <a:rPr lang="pt-BR" dirty="0"/>
+              <a:t>Servidor /  Nuvem</a:t>
+            </a:r>
+          </a:p>
+        </p:txBody>
+      </p:sp>
+      <p:sp>
+        <p:nvSpPr>
+          <p:cNvPr id="4" name="Retângulo: Cantos Arredondados 3">
+            <a:extLst>
+              <a:ext uri="{FF2B5EF4-FFF2-40B4-BE49-F238E27FC236}">
+                <a16:creationId xmlns:a16="http://schemas.microsoft.com/office/drawing/2014/main" id="{DA00C368-2900-4336-B960-F24210FB6DF0}"/>
+              </a:ext>
+            </a:extLst>
+          </p:cNvPr>
+          <p:cNvSpPr/>
+          <p:nvPr/>
+        </p:nvSpPr>
+        <p:spPr>
+          <a:xfrm>
+            <a:off x="2555630" y="2145484"/>
+            <a:ext cx="1760048" cy="852523"/>
+          </a:xfrm>
+          <a:prstGeom prst="roundRect">
+            <a:avLst/>
+          </a:prstGeom>
+          <a:solidFill>
+            <a:schemeClr val="accent4">
+              <a:lumMod val="75000"/>
+            </a:schemeClr>
+          </a:solidFill>
+          <a:ln w="57150">
+            <a:solidFill>
+              <a:schemeClr val="bg1"/>
+            </a:solidFill>
+          </a:ln>
+        </p:spPr>
+        <p:style>
+          <a:lnRef idx="2">
+            <a:schemeClr val="accent1">
+              <a:shade val="50000"/>
+            </a:schemeClr>
+          </a:lnRef>
+          <a:fillRef idx="1">
+            <a:schemeClr val="accent1"/>
+          </a:fillRef>
+          <a:effectRef idx="0">
+            <a:schemeClr val="accent1"/>
+          </a:effectRef>
+          <a:fontRef idx="minor">
+            <a:schemeClr val="lt1"/>
+          </a:fontRef>
+        </p:style>
+        <p:txBody>
+          <a:bodyPr rtlCol="0" anchor="ctr"/>
+          <a:lstStyle/>
+          <a:p>
+            <a:pPr algn="ctr"/>
+            <a:r>
+              <a:rPr lang="pt-BR" dirty="0"/>
+              <a:t>Granja</a:t>
+            </a:r>
+          </a:p>
+        </p:txBody>
+      </p:sp>
+      <p:sp>
+        <p:nvSpPr>
+          <p:cNvPr id="5" name="Retângulo: Cantos Arredondados 4">
+            <a:extLst>
+              <a:ext uri="{FF2B5EF4-FFF2-40B4-BE49-F238E27FC236}">
+                <a16:creationId xmlns:a16="http://schemas.microsoft.com/office/drawing/2014/main" id="{DE199502-B34A-4A6F-A814-5DB6DCF442E9}"/>
+              </a:ext>
+            </a:extLst>
+          </p:cNvPr>
+          <p:cNvSpPr/>
+          <p:nvPr/>
+        </p:nvSpPr>
+        <p:spPr>
+          <a:xfrm>
+            <a:off x="345105" y="2178655"/>
+            <a:ext cx="1760048" cy="852523"/>
+          </a:xfrm>
+          <a:prstGeom prst="roundRect">
+            <a:avLst/>
+          </a:prstGeom>
+          <a:solidFill>
+            <a:schemeClr val="accent4">
+              <a:lumMod val="75000"/>
+            </a:schemeClr>
+          </a:solidFill>
+          <a:ln w="57150">
+            <a:solidFill>
+              <a:schemeClr val="bg1"/>
+            </a:solidFill>
+          </a:ln>
+        </p:spPr>
+        <p:style>
+          <a:lnRef idx="2">
+            <a:schemeClr val="accent1">
+              <a:shade val="50000"/>
+            </a:schemeClr>
+          </a:lnRef>
+          <a:fillRef idx="1">
+            <a:schemeClr val="accent1"/>
+          </a:fillRef>
+          <a:effectRef idx="0">
+            <a:schemeClr val="accent1"/>
+          </a:effectRef>
+          <a:fontRef idx="minor">
+            <a:schemeClr val="lt1"/>
+          </a:fontRef>
+        </p:style>
+        <p:txBody>
+          <a:bodyPr rtlCol="0" anchor="ctr"/>
+          <a:lstStyle/>
+          <a:p>
+            <a:pPr algn="ctr"/>
+            <a:r>
+              <a:rPr lang="pt-BR" dirty="0"/>
+              <a:t>Sensor de temperatura</a:t>
+            </a:r>
+          </a:p>
+        </p:txBody>
+      </p:sp>
+      <p:sp>
+        <p:nvSpPr>
+          <p:cNvPr id="6" name="CaixaDeTexto 5">
+            <a:extLst>
+              <a:ext uri="{FF2B5EF4-FFF2-40B4-BE49-F238E27FC236}">
+                <a16:creationId xmlns:a16="http://schemas.microsoft.com/office/drawing/2014/main" id="{18B062DC-A371-498D-AB61-573DEED4A4D1}"/>
+              </a:ext>
+            </a:extLst>
+          </p:cNvPr>
+          <p:cNvSpPr txBox="1"/>
+          <p:nvPr/>
+        </p:nvSpPr>
+        <p:spPr>
+          <a:xfrm>
+            <a:off x="2356597" y="107579"/>
+            <a:ext cx="4430806" cy="646331"/>
+          </a:xfrm>
+          <a:prstGeom prst="rect">
+            <a:avLst/>
+          </a:prstGeom>
+          <a:noFill/>
+        </p:spPr>
+        <p:txBody>
+          <a:bodyPr wrap="square" rtlCol="0">
+            <a:spAutoFit/>
+          </a:bodyPr>
+          <a:lstStyle/>
+          <a:p>
+            <a:pPr algn="ctr"/>
+            <a:r>
+              <a:rPr lang="pt-BR" sz="3600" b="1" dirty="0">
+                <a:solidFill>
+                  <a:srgbClr val="FFFF00"/>
+                </a:solidFill>
+                <a:latin typeface="Kulim Park"/>
+                <a:sym typeface="Kulim Park"/>
+              </a:rPr>
+              <a:t>HLD</a:t>
+            </a:r>
+          </a:p>
+        </p:txBody>
+      </p:sp>
+      <p:sp>
+        <p:nvSpPr>
+          <p:cNvPr id="9" name="Retângulo: Cantos Arredondados 8">
+            <a:extLst>
+              <a:ext uri="{FF2B5EF4-FFF2-40B4-BE49-F238E27FC236}">
+                <a16:creationId xmlns:a16="http://schemas.microsoft.com/office/drawing/2014/main" id="{834537AB-87A1-4D91-8C58-72C52B750D85}"/>
+              </a:ext>
+            </a:extLst>
+          </p:cNvPr>
+          <p:cNvSpPr/>
+          <p:nvPr/>
+        </p:nvSpPr>
+        <p:spPr>
+          <a:xfrm>
+            <a:off x="7084468" y="2145485"/>
+            <a:ext cx="1760048" cy="852523"/>
+          </a:xfrm>
+          <a:prstGeom prst="roundRect">
+            <a:avLst/>
+          </a:prstGeom>
+          <a:solidFill>
+            <a:schemeClr val="accent4">
+              <a:lumMod val="75000"/>
+            </a:schemeClr>
+          </a:solidFill>
+          <a:ln w="57150">
+            <a:solidFill>
+              <a:schemeClr val="bg1"/>
+            </a:solidFill>
+          </a:ln>
+        </p:spPr>
+        <p:style>
+          <a:lnRef idx="2">
+            <a:schemeClr val="accent1">
+              <a:shade val="50000"/>
+            </a:schemeClr>
+          </a:lnRef>
+          <a:fillRef idx="1">
+            <a:schemeClr val="accent1"/>
+          </a:fillRef>
+          <a:effectRef idx="0">
+            <a:schemeClr val="accent1"/>
+          </a:effectRef>
+          <a:fontRef idx="minor">
+            <a:schemeClr val="lt1"/>
+          </a:fontRef>
+        </p:style>
+        <p:txBody>
+          <a:bodyPr rtlCol="0" anchor="ctr"/>
+          <a:lstStyle/>
+          <a:p>
+            <a:pPr algn="ctr"/>
+            <a:r>
+              <a:rPr lang="pt-BR" dirty="0"/>
+              <a:t>Site para mostrar os dados coletados</a:t>
+            </a:r>
+          </a:p>
+        </p:txBody>
+      </p:sp>
+      <p:sp>
+        <p:nvSpPr>
+          <p:cNvPr id="10" name="Seta: Circular 9">
+            <a:extLst>
+              <a:ext uri="{FF2B5EF4-FFF2-40B4-BE49-F238E27FC236}">
+                <a16:creationId xmlns:a16="http://schemas.microsoft.com/office/drawing/2014/main" id="{DBD247D0-1A35-4A42-B011-F381A8E12E99}"/>
+              </a:ext>
+            </a:extLst>
+          </p:cNvPr>
+          <p:cNvSpPr/>
+          <p:nvPr/>
+        </p:nvSpPr>
+        <p:spPr>
+          <a:xfrm>
+            <a:off x="1600202" y="1371599"/>
+            <a:ext cx="1270747" cy="1130229"/>
+          </a:xfrm>
+          <a:prstGeom prst="circularArrow">
+            <a:avLst/>
+          </a:prstGeom>
+          <a:solidFill>
+            <a:schemeClr val="accent1">
+              <a:lumMod val="75000"/>
+            </a:schemeClr>
+          </a:solidFill>
+          <a:ln>
+            <a:solidFill>
+              <a:schemeClr val="bg1"/>
+            </a:solidFill>
+          </a:ln>
+        </p:spPr>
+        <p:style>
+          <a:lnRef idx="2">
+            <a:schemeClr val="accent1">
+              <a:shade val="50000"/>
+            </a:schemeClr>
+          </a:lnRef>
+          <a:fillRef idx="1">
+            <a:schemeClr val="accent1"/>
+          </a:fillRef>
+          <a:effectRef idx="0">
+            <a:schemeClr val="accent1"/>
+          </a:effectRef>
+          <a:fontRef idx="minor">
+            <a:schemeClr val="lt1"/>
+          </a:fontRef>
+        </p:style>
+        <p:txBody>
+          <a:bodyPr rtlCol="0" anchor="ctr"/>
+          <a:lstStyle/>
+          <a:p>
+            <a:pPr algn="ctr"/>
+            <a:endParaRPr lang="pt-BR">
+              <a:solidFill>
+                <a:schemeClr val="tx1"/>
+              </a:solidFill>
+            </a:endParaRPr>
+          </a:p>
+        </p:txBody>
+      </p:sp>
+      <p:sp>
+        <p:nvSpPr>
+          <p:cNvPr id="12" name="Seta: Circular 11">
+            <a:extLst>
+              <a:ext uri="{FF2B5EF4-FFF2-40B4-BE49-F238E27FC236}">
+                <a16:creationId xmlns:a16="http://schemas.microsoft.com/office/drawing/2014/main" id="{FCFA3DF2-A14A-4FAF-8C38-37716A9991A5}"/>
+              </a:ext>
+            </a:extLst>
+          </p:cNvPr>
+          <p:cNvSpPr/>
+          <p:nvPr/>
+        </p:nvSpPr>
+        <p:spPr>
+          <a:xfrm>
+            <a:off x="3936628" y="1371599"/>
+            <a:ext cx="1270747" cy="1130229"/>
+          </a:xfrm>
+          <a:prstGeom prst="circularArrow">
+            <a:avLst/>
+          </a:prstGeom>
+          <a:solidFill>
+            <a:schemeClr val="accent1">
+              <a:lumMod val="75000"/>
+            </a:schemeClr>
+          </a:solidFill>
+          <a:ln>
+            <a:solidFill>
+              <a:schemeClr val="bg1"/>
+            </a:solidFill>
+          </a:ln>
+        </p:spPr>
+        <p:style>
+          <a:lnRef idx="2">
+            <a:schemeClr val="accent1">
+              <a:shade val="50000"/>
+            </a:schemeClr>
+          </a:lnRef>
+          <a:fillRef idx="1">
+            <a:schemeClr val="accent1"/>
+          </a:fillRef>
+          <a:effectRef idx="0">
+            <a:schemeClr val="accent1"/>
+          </a:effectRef>
+          <a:fontRef idx="minor">
+            <a:schemeClr val="lt1"/>
+          </a:fontRef>
+        </p:style>
+        <p:txBody>
+          <a:bodyPr rtlCol="0" anchor="ctr"/>
+          <a:lstStyle/>
+          <a:p>
+            <a:pPr algn="ctr"/>
+            <a:endParaRPr lang="pt-BR">
+              <a:solidFill>
+                <a:schemeClr val="tx1"/>
+              </a:solidFill>
+            </a:endParaRPr>
+          </a:p>
+        </p:txBody>
+      </p:sp>
+      <p:sp>
+        <p:nvSpPr>
+          <p:cNvPr id="13" name="Seta: Circular 12">
+            <a:extLst>
+              <a:ext uri="{FF2B5EF4-FFF2-40B4-BE49-F238E27FC236}">
+                <a16:creationId xmlns:a16="http://schemas.microsoft.com/office/drawing/2014/main" id="{A8E562CF-FEC8-4157-B8C3-BF9D8B858E52}"/>
+              </a:ext>
+            </a:extLst>
+          </p:cNvPr>
+          <p:cNvSpPr/>
+          <p:nvPr/>
+        </p:nvSpPr>
+        <p:spPr>
+          <a:xfrm>
+            <a:off x="6243849" y="1371598"/>
+            <a:ext cx="1270747" cy="1130229"/>
+          </a:xfrm>
+          <a:prstGeom prst="circularArrow">
+            <a:avLst/>
+          </a:prstGeom>
+          <a:solidFill>
+            <a:schemeClr val="accent1">
+              <a:lumMod val="75000"/>
+            </a:schemeClr>
+          </a:solidFill>
+          <a:ln>
+            <a:solidFill>
+              <a:schemeClr val="bg1"/>
+            </a:solidFill>
+          </a:ln>
+        </p:spPr>
+        <p:style>
+          <a:lnRef idx="2">
+            <a:schemeClr val="accent1">
+              <a:shade val="50000"/>
+            </a:schemeClr>
+          </a:lnRef>
+          <a:fillRef idx="1">
+            <a:schemeClr val="accent1"/>
+          </a:fillRef>
+          <a:effectRef idx="0">
+            <a:schemeClr val="accent1"/>
+          </a:effectRef>
+          <a:fontRef idx="minor">
+            <a:schemeClr val="lt1"/>
+          </a:fontRef>
+        </p:style>
+        <p:txBody>
+          <a:bodyPr rtlCol="0" anchor="ctr"/>
+          <a:lstStyle/>
+          <a:p>
+            <a:pPr algn="ctr"/>
+            <a:endParaRPr lang="pt-BR">
+              <a:solidFill>
+                <a:schemeClr val="tx1"/>
+              </a:solidFill>
+            </a:endParaRPr>
+          </a:p>
+        </p:txBody>
+      </p:sp>
+    </p:spTree>
+    <p:extLst>
+      <p:ext uri="{BB962C8B-B14F-4D97-AF65-F5344CB8AC3E}">
+        <p14:creationId xmlns:p14="http://schemas.microsoft.com/office/powerpoint/2010/main" val="3945037735"/>
+      </p:ext>
+    </p:extLst>
+  </p:cSld>
+  <p:clrMapOvr>
+    <a:masterClrMapping/>
+  </p:clrMapOvr>
+</p:sld>
+</file>
+
+<file path=ppt/slides/slide16.xml><?xml version="1.0" encoding="utf-8"?>
+<p:sld xmlns:a="http://schemas.openxmlformats.org/drawingml/2006/main" xmlns:r="http://schemas.openxmlformats.org/officeDocument/2006/relationships" xmlns:p="http://schemas.openxmlformats.org/presentationml/2006/main">
+  <p:cSld>
+    <p:spTree>
+      <p:nvGrpSpPr>
+        <p:cNvPr id="1" name=""/>
+        <p:cNvGrpSpPr/>
+        <p:nvPr/>
+      </p:nvGrpSpPr>
+      <p:grpSpPr>
+        <a:xfrm>
+          <a:off x="0" y="0"/>
+          <a:ext cx="0" cy="0"/>
+          <a:chOff x="0" y="0"/>
+          <a:chExt cx="0" cy="0"/>
+        </a:xfrm>
+      </p:grpSpPr>
+      <p:sp>
+        <p:nvSpPr>
+          <p:cNvPr id="2" name="Espaço Reservado para Número de Slide 1">
+            <a:extLst>
+              <a:ext uri="{FF2B5EF4-FFF2-40B4-BE49-F238E27FC236}">
+                <a16:creationId xmlns:a16="http://schemas.microsoft.com/office/drawing/2014/main" id="{FD709210-B8DB-45BF-98F7-A3C6DBCED629}"/>
+              </a:ext>
+            </a:extLst>
+          </p:cNvPr>
+          <p:cNvSpPr>
+            <a:spLocks noGrp="1"/>
+          </p:cNvSpPr>
+          <p:nvPr>
+            <p:ph type="sldNum" idx="12"/>
+          </p:nvPr>
+        </p:nvSpPr>
+        <p:spPr>
+          <a:xfrm>
+            <a:off x="8480585" y="4749853"/>
+            <a:ext cx="463658" cy="332597"/>
+          </a:xfrm>
+        </p:spPr>
+        <p:txBody>
+          <a:bodyPr/>
+          <a:lstStyle/>
+          <a:p>
+            <a:fld id="{00000000-1234-1234-1234-123412341234}" type="slidenum">
+              <a:rPr lang="pt-BR" sz="1100"/>
+              <a:pPr/>
+              <a:t>16</a:t>
+            </a:fld>
+            <a:endParaRPr lang="pt-BR" sz="1100" dirty="0"/>
+          </a:p>
+        </p:txBody>
+      </p:sp>
+      <p:sp>
+        <p:nvSpPr>
+          <p:cNvPr id="3" name="Retângulo: Cantos Arredondados 2">
+            <a:extLst>
+              <a:ext uri="{FF2B5EF4-FFF2-40B4-BE49-F238E27FC236}">
+                <a16:creationId xmlns:a16="http://schemas.microsoft.com/office/drawing/2014/main" id="{EE7F9E00-EF24-419B-A7FB-496625AF1920}"/>
+              </a:ext>
+            </a:extLst>
+          </p:cNvPr>
+          <p:cNvSpPr/>
+          <p:nvPr/>
+        </p:nvSpPr>
+        <p:spPr>
+          <a:xfrm>
+            <a:off x="3828370" y="1125376"/>
+            <a:ext cx="1487259" cy="720391"/>
+          </a:xfrm>
+          <a:prstGeom prst="roundRect">
+            <a:avLst/>
+          </a:prstGeom>
+          <a:solidFill>
+            <a:schemeClr val="accent4">
+              <a:lumMod val="75000"/>
+            </a:schemeClr>
+          </a:solidFill>
+          <a:ln w="57150">
+            <a:solidFill>
+              <a:schemeClr val="bg1"/>
+            </a:solidFill>
+          </a:ln>
+        </p:spPr>
+        <p:style>
+          <a:lnRef idx="2">
+            <a:schemeClr val="accent1">
+              <a:shade val="50000"/>
+            </a:schemeClr>
+          </a:lnRef>
+          <a:fillRef idx="1">
+            <a:schemeClr val="accent1"/>
+          </a:fillRef>
+          <a:effectRef idx="0">
+            <a:schemeClr val="accent1"/>
+          </a:effectRef>
+          <a:fontRef idx="minor">
+            <a:schemeClr val="lt1"/>
+          </a:fontRef>
+        </p:style>
+        <p:txBody>
+          <a:bodyPr rtlCol="0" anchor="ctr"/>
+          <a:lstStyle/>
+          <a:p>
+            <a:pPr algn="ctr"/>
+            <a:r>
+              <a:rPr lang="pt-BR" sz="1100" dirty="0"/>
+              <a:t>Servidor /  Nuvem</a:t>
+            </a:r>
+          </a:p>
+        </p:txBody>
+      </p:sp>
+      <p:sp>
+        <p:nvSpPr>
+          <p:cNvPr id="4" name="Retângulo: Cantos Arredondados 3">
+            <a:extLst>
+              <a:ext uri="{FF2B5EF4-FFF2-40B4-BE49-F238E27FC236}">
+                <a16:creationId xmlns:a16="http://schemas.microsoft.com/office/drawing/2014/main" id="{DA00C368-2900-4336-B960-F24210FB6DF0}"/>
+              </a:ext>
+            </a:extLst>
+          </p:cNvPr>
+          <p:cNvSpPr/>
+          <p:nvPr/>
+        </p:nvSpPr>
+        <p:spPr>
+          <a:xfrm>
+            <a:off x="362074" y="1209278"/>
+            <a:ext cx="1487259" cy="720391"/>
+          </a:xfrm>
+          <a:prstGeom prst="roundRect">
+            <a:avLst/>
+          </a:prstGeom>
+          <a:solidFill>
+            <a:schemeClr val="accent4">
+              <a:lumMod val="75000"/>
+            </a:schemeClr>
+          </a:solidFill>
+          <a:ln w="57150">
+            <a:solidFill>
+              <a:schemeClr val="bg1"/>
+            </a:solidFill>
+          </a:ln>
+        </p:spPr>
+        <p:style>
+          <a:lnRef idx="2">
+            <a:schemeClr val="accent1">
+              <a:shade val="50000"/>
+            </a:schemeClr>
+          </a:lnRef>
+          <a:fillRef idx="1">
+            <a:schemeClr val="accent1"/>
+          </a:fillRef>
+          <a:effectRef idx="0">
+            <a:schemeClr val="accent1"/>
+          </a:effectRef>
+          <a:fontRef idx="minor">
+            <a:schemeClr val="lt1"/>
+          </a:fontRef>
+        </p:style>
+        <p:txBody>
+          <a:bodyPr rtlCol="0" anchor="ctr"/>
+          <a:lstStyle/>
+          <a:p>
+            <a:pPr algn="ctr"/>
+            <a:r>
+              <a:rPr lang="pt-BR" sz="1100" dirty="0"/>
+              <a:t>Arduíno</a:t>
+            </a:r>
+          </a:p>
+        </p:txBody>
+      </p:sp>
+      <p:sp>
+        <p:nvSpPr>
+          <p:cNvPr id="5" name="Retângulo: Cantos Arredondados 4">
+            <a:extLst>
+              <a:ext uri="{FF2B5EF4-FFF2-40B4-BE49-F238E27FC236}">
+                <a16:creationId xmlns:a16="http://schemas.microsoft.com/office/drawing/2014/main" id="{DE199502-B34A-4A6F-A814-5DB6DCF442E9}"/>
+              </a:ext>
+            </a:extLst>
+          </p:cNvPr>
+          <p:cNvSpPr/>
+          <p:nvPr/>
+        </p:nvSpPr>
+        <p:spPr>
+          <a:xfrm>
+            <a:off x="354864" y="453337"/>
+            <a:ext cx="1487259" cy="720391"/>
+          </a:xfrm>
+          <a:prstGeom prst="roundRect">
+            <a:avLst/>
+          </a:prstGeom>
+          <a:solidFill>
+            <a:schemeClr val="accent4">
+              <a:lumMod val="75000"/>
+            </a:schemeClr>
+          </a:solidFill>
+          <a:ln w="57150">
+            <a:solidFill>
+              <a:schemeClr val="bg1"/>
+            </a:solidFill>
+          </a:ln>
+        </p:spPr>
+        <p:style>
+          <a:lnRef idx="2">
+            <a:schemeClr val="accent1">
+              <a:shade val="50000"/>
+            </a:schemeClr>
+          </a:lnRef>
+          <a:fillRef idx="1">
+            <a:schemeClr val="accent1"/>
+          </a:fillRef>
+          <a:effectRef idx="0">
+            <a:schemeClr val="accent1"/>
+          </a:effectRef>
+          <a:fontRef idx="minor">
+            <a:schemeClr val="lt1"/>
+          </a:fontRef>
+        </p:style>
+        <p:txBody>
+          <a:bodyPr rtlCol="0" anchor="ctr"/>
+          <a:lstStyle/>
+          <a:p>
+            <a:pPr algn="ctr"/>
+            <a:r>
+              <a:rPr lang="pt-BR" sz="1100" dirty="0"/>
+              <a:t>Sensor de temperatura (LM35)</a:t>
+            </a:r>
+          </a:p>
+        </p:txBody>
+      </p:sp>
+      <p:sp>
+        <p:nvSpPr>
+          <p:cNvPr id="6" name="CaixaDeTexto 5">
+            <a:extLst>
+              <a:ext uri="{FF2B5EF4-FFF2-40B4-BE49-F238E27FC236}">
+                <a16:creationId xmlns:a16="http://schemas.microsoft.com/office/drawing/2014/main" id="{18B062DC-A371-498D-AB61-573DEED4A4D1}"/>
+              </a:ext>
+            </a:extLst>
+          </p:cNvPr>
+          <p:cNvSpPr txBox="1"/>
+          <p:nvPr/>
+        </p:nvSpPr>
+        <p:spPr>
+          <a:xfrm>
+            <a:off x="2699962" y="111963"/>
+            <a:ext cx="3744075" cy="646331"/>
+          </a:xfrm>
+          <a:prstGeom prst="rect">
+            <a:avLst/>
+          </a:prstGeom>
+          <a:noFill/>
+        </p:spPr>
+        <p:txBody>
+          <a:bodyPr wrap="square" rtlCol="0">
+            <a:spAutoFit/>
+          </a:bodyPr>
+          <a:lstStyle/>
+          <a:p>
+            <a:pPr algn="ctr"/>
+            <a:r>
+              <a:rPr lang="pt-BR" sz="3600" b="1" dirty="0">
+                <a:solidFill>
+                  <a:srgbClr val="FFFF00"/>
+                </a:solidFill>
+                <a:latin typeface="Kulim Park"/>
+                <a:sym typeface="Kulim Park"/>
+              </a:rPr>
+              <a:t>LLD</a:t>
+            </a:r>
+          </a:p>
+        </p:txBody>
+      </p:sp>
+      <p:sp>
+        <p:nvSpPr>
+          <p:cNvPr id="9" name="Retângulo: Cantos Arredondados 8">
+            <a:extLst>
+              <a:ext uri="{FF2B5EF4-FFF2-40B4-BE49-F238E27FC236}">
+                <a16:creationId xmlns:a16="http://schemas.microsoft.com/office/drawing/2014/main" id="{834537AB-87A1-4D91-8C58-72C52B750D85}"/>
+              </a:ext>
+            </a:extLst>
+          </p:cNvPr>
+          <p:cNvSpPr/>
+          <p:nvPr/>
+        </p:nvSpPr>
+        <p:spPr>
+          <a:xfrm>
+            <a:off x="7456984" y="2319988"/>
+            <a:ext cx="1487259" cy="720391"/>
+          </a:xfrm>
+          <a:prstGeom prst="roundRect">
+            <a:avLst/>
+          </a:prstGeom>
+          <a:solidFill>
+            <a:schemeClr val="accent4">
+              <a:lumMod val="75000"/>
+            </a:schemeClr>
+          </a:solidFill>
+          <a:ln w="57150">
+            <a:solidFill>
+              <a:schemeClr val="bg1"/>
+            </a:solidFill>
+          </a:ln>
+        </p:spPr>
+        <p:style>
+          <a:lnRef idx="2">
+            <a:schemeClr val="accent1">
+              <a:shade val="50000"/>
+            </a:schemeClr>
+          </a:lnRef>
+          <a:fillRef idx="1">
+            <a:schemeClr val="accent1"/>
+          </a:fillRef>
+          <a:effectRef idx="0">
+            <a:schemeClr val="accent1"/>
+          </a:effectRef>
+          <a:fontRef idx="minor">
+            <a:schemeClr val="lt1"/>
+          </a:fontRef>
+        </p:style>
+        <p:txBody>
+          <a:bodyPr rtlCol="0" anchor="ctr"/>
+          <a:lstStyle/>
+          <a:p>
+            <a:pPr algn="ctr"/>
+            <a:r>
+              <a:rPr lang="pt-BR" sz="1100" dirty="0"/>
+              <a:t>Site para mostrar os dados coletados</a:t>
+            </a:r>
+          </a:p>
+        </p:txBody>
+      </p:sp>
+      <p:sp>
+        <p:nvSpPr>
+          <p:cNvPr id="11" name="Retângulo: Cantos Arredondados 10">
+            <a:extLst>
+              <a:ext uri="{FF2B5EF4-FFF2-40B4-BE49-F238E27FC236}">
+                <a16:creationId xmlns:a16="http://schemas.microsoft.com/office/drawing/2014/main" id="{3C556A10-6B1C-419D-BD32-2D9D7D1DEB6F}"/>
+              </a:ext>
+            </a:extLst>
+          </p:cNvPr>
+          <p:cNvSpPr/>
+          <p:nvPr/>
+        </p:nvSpPr>
+        <p:spPr>
+          <a:xfrm>
+            <a:off x="2065020" y="3567932"/>
+            <a:ext cx="1581026" cy="1133277"/>
+          </a:xfrm>
+          <a:prstGeom prst="roundRect">
+            <a:avLst/>
+          </a:prstGeom>
+          <a:solidFill>
+            <a:schemeClr val="accent4">
+              <a:lumMod val="75000"/>
+            </a:schemeClr>
+          </a:solidFill>
+          <a:ln w="57150">
+            <a:solidFill>
+              <a:schemeClr val="bg1"/>
+            </a:solidFill>
+          </a:ln>
+        </p:spPr>
+        <p:style>
+          <a:lnRef idx="2">
+            <a:schemeClr val="accent1">
+              <a:shade val="50000"/>
+            </a:schemeClr>
+          </a:lnRef>
+          <a:fillRef idx="1">
+            <a:schemeClr val="accent1"/>
+          </a:fillRef>
+          <a:effectRef idx="0">
+            <a:schemeClr val="accent1"/>
+          </a:effectRef>
+          <a:fontRef idx="minor">
+            <a:schemeClr val="lt1"/>
+          </a:fontRef>
+        </p:style>
+        <p:txBody>
+          <a:bodyPr rtlCol="0" anchor="ctr"/>
+          <a:lstStyle/>
+          <a:p>
+            <a:pPr algn="ctr"/>
+            <a:r>
+              <a:rPr lang="pt-BR" sz="1100" dirty="0"/>
+              <a:t>Roteador</a:t>
+            </a:r>
+          </a:p>
+          <a:p>
+            <a:pPr algn="ctr"/>
+            <a:r>
+              <a:rPr lang="pt-BR" sz="1100" dirty="0"/>
+              <a:t>TP-Link Tl-WR840N</a:t>
+            </a:r>
+          </a:p>
+          <a:p>
+            <a:pPr algn="ctr"/>
+            <a:r>
+              <a:rPr lang="pt-BR" sz="1100" dirty="0"/>
+              <a:t>300mbps</a:t>
+            </a:r>
+          </a:p>
+          <a:p>
+            <a:pPr algn="ctr"/>
+            <a:r>
+              <a:rPr lang="pt-BR" sz="1100" dirty="0"/>
+              <a:t>(Conexão 50mb)</a:t>
+            </a:r>
+          </a:p>
+        </p:txBody>
+      </p:sp>
+      <p:sp>
+        <p:nvSpPr>
+          <p:cNvPr id="7" name="Seta: Curva para a Esquerda 6">
+            <a:extLst>
+              <a:ext uri="{FF2B5EF4-FFF2-40B4-BE49-F238E27FC236}">
+                <a16:creationId xmlns:a16="http://schemas.microsoft.com/office/drawing/2014/main" id="{59971874-B2BC-405D-BEEA-81395BE983E5}"/>
+              </a:ext>
+            </a:extLst>
+          </p:cNvPr>
+          <p:cNvSpPr/>
+          <p:nvPr/>
+        </p:nvSpPr>
+        <p:spPr>
+          <a:xfrm>
+            <a:off x="2016014" y="1111141"/>
+            <a:ext cx="634942" cy="1843792"/>
+          </a:xfrm>
+          <a:prstGeom prst="curvedLeftArrow">
+            <a:avLst/>
+          </a:prstGeom>
+          <a:solidFill>
+            <a:schemeClr val="accent1">
+              <a:lumMod val="75000"/>
+            </a:schemeClr>
+          </a:solidFill>
+          <a:ln>
+            <a:solidFill>
+              <a:schemeClr val="bg1"/>
+            </a:solidFill>
+          </a:ln>
+        </p:spPr>
+        <p:style>
+          <a:lnRef idx="2">
+            <a:schemeClr val="accent1">
+              <a:shade val="50000"/>
+            </a:schemeClr>
+          </a:lnRef>
+          <a:fillRef idx="1">
+            <a:schemeClr val="accent1"/>
+          </a:fillRef>
+          <a:effectRef idx="0">
+            <a:schemeClr val="accent1"/>
+          </a:effectRef>
+          <a:fontRef idx="minor">
+            <a:schemeClr val="lt1"/>
+          </a:fontRef>
+        </p:style>
+        <p:txBody>
+          <a:bodyPr rtlCol="0" anchor="ctr"/>
+          <a:lstStyle/>
+          <a:p>
+            <a:pPr algn="ctr"/>
+            <a:endParaRPr lang="pt-BR">
+              <a:solidFill>
+                <a:schemeClr val="tx1"/>
+              </a:solidFill>
+            </a:endParaRPr>
+          </a:p>
+        </p:txBody>
+      </p:sp>
+      <p:sp>
+        <p:nvSpPr>
+          <p:cNvPr id="15" name="Retângulo: Cantos Arredondados 14">
+            <a:extLst>
+              <a:ext uri="{FF2B5EF4-FFF2-40B4-BE49-F238E27FC236}">
+                <a16:creationId xmlns:a16="http://schemas.microsoft.com/office/drawing/2014/main" id="{D5A8620B-0C85-4D6F-87A7-7F29EEA387D2}"/>
+              </a:ext>
+            </a:extLst>
+          </p:cNvPr>
+          <p:cNvSpPr/>
+          <p:nvPr/>
+        </p:nvSpPr>
+        <p:spPr>
+          <a:xfrm>
+            <a:off x="362074" y="2493441"/>
+            <a:ext cx="1487259" cy="720391"/>
+          </a:xfrm>
+          <a:prstGeom prst="roundRect">
+            <a:avLst/>
+          </a:prstGeom>
+          <a:solidFill>
+            <a:schemeClr val="accent4">
+              <a:lumMod val="75000"/>
+            </a:schemeClr>
+          </a:solidFill>
+          <a:ln w="57150">
+            <a:solidFill>
+              <a:schemeClr val="bg1"/>
+            </a:solidFill>
+          </a:ln>
+        </p:spPr>
+        <p:style>
+          <a:lnRef idx="2">
+            <a:schemeClr val="accent1">
+              <a:shade val="50000"/>
+            </a:schemeClr>
+          </a:lnRef>
+          <a:fillRef idx="1">
+            <a:schemeClr val="accent1"/>
+          </a:fillRef>
+          <a:effectRef idx="0">
+            <a:schemeClr val="accent1"/>
+          </a:effectRef>
+          <a:fontRef idx="minor">
+            <a:schemeClr val="lt1"/>
+          </a:fontRef>
+        </p:style>
+        <p:txBody>
+          <a:bodyPr rtlCol="0" anchor="ctr"/>
+          <a:lstStyle/>
+          <a:p>
+            <a:pPr algn="ctr"/>
+            <a:r>
+              <a:rPr lang="pt-BR" sz="1100" dirty="0"/>
+              <a:t>Coleta de dados</a:t>
+            </a:r>
+          </a:p>
+        </p:txBody>
+      </p:sp>
+      <p:sp>
+        <p:nvSpPr>
+          <p:cNvPr id="16" name="Retângulo: Cantos Arredondados 15">
+            <a:extLst>
+              <a:ext uri="{FF2B5EF4-FFF2-40B4-BE49-F238E27FC236}">
+                <a16:creationId xmlns:a16="http://schemas.microsoft.com/office/drawing/2014/main" id="{EAD8D1B2-83DB-473D-A41F-B32F55C7D089}"/>
+              </a:ext>
+            </a:extLst>
+          </p:cNvPr>
+          <p:cNvSpPr/>
+          <p:nvPr/>
+        </p:nvSpPr>
+        <p:spPr>
+          <a:xfrm>
+            <a:off x="3828369" y="1874046"/>
+            <a:ext cx="1487259" cy="720391"/>
+          </a:xfrm>
+          <a:prstGeom prst="roundRect">
+            <a:avLst/>
+          </a:prstGeom>
+          <a:solidFill>
+            <a:schemeClr val="accent4">
+              <a:lumMod val="75000"/>
+            </a:schemeClr>
+          </a:solidFill>
+          <a:ln w="57150">
+            <a:solidFill>
+              <a:schemeClr val="bg1"/>
+            </a:solidFill>
+          </a:ln>
+        </p:spPr>
+        <p:style>
+          <a:lnRef idx="2">
+            <a:schemeClr val="accent1">
+              <a:shade val="50000"/>
+            </a:schemeClr>
+          </a:lnRef>
+          <a:fillRef idx="1">
+            <a:schemeClr val="accent1"/>
+          </a:fillRef>
+          <a:effectRef idx="0">
+            <a:schemeClr val="accent1"/>
+          </a:effectRef>
+          <a:fontRef idx="minor">
+            <a:schemeClr val="lt1"/>
+          </a:fontRef>
+        </p:style>
+        <p:txBody>
+          <a:bodyPr rtlCol="0" anchor="ctr"/>
+          <a:lstStyle/>
+          <a:p>
+            <a:pPr algn="ctr"/>
+            <a:r>
+              <a:rPr lang="pt-BR" sz="1100" dirty="0"/>
+              <a:t>API</a:t>
+            </a:r>
+          </a:p>
+          <a:p>
+            <a:pPr algn="ctr"/>
+            <a:r>
+              <a:rPr lang="pt-BR" sz="1100" dirty="0"/>
+              <a:t>(Node.JS)</a:t>
+            </a:r>
+          </a:p>
+        </p:txBody>
+      </p:sp>
+      <p:sp>
+        <p:nvSpPr>
+          <p:cNvPr id="23" name="Retângulo: Cantos Arredondados 22">
+            <a:extLst>
+              <a:ext uri="{FF2B5EF4-FFF2-40B4-BE49-F238E27FC236}">
+                <a16:creationId xmlns:a16="http://schemas.microsoft.com/office/drawing/2014/main" id="{F146E32B-FF26-4707-884E-76F09E1DA1D7}"/>
+              </a:ext>
+            </a:extLst>
+          </p:cNvPr>
+          <p:cNvSpPr/>
+          <p:nvPr/>
+        </p:nvSpPr>
+        <p:spPr>
+          <a:xfrm>
+            <a:off x="5969725" y="815305"/>
+            <a:ext cx="1487259" cy="720391"/>
+          </a:xfrm>
+          <a:prstGeom prst="roundRect">
+            <a:avLst/>
+          </a:prstGeom>
+          <a:solidFill>
+            <a:schemeClr val="accent4">
+              <a:lumMod val="75000"/>
+            </a:schemeClr>
+          </a:solidFill>
+          <a:ln w="57150">
+            <a:solidFill>
+              <a:schemeClr val="bg1"/>
+            </a:solidFill>
+          </a:ln>
+        </p:spPr>
+        <p:style>
+          <a:lnRef idx="2">
+            <a:schemeClr val="accent1">
+              <a:shade val="50000"/>
+            </a:schemeClr>
+          </a:lnRef>
+          <a:fillRef idx="1">
+            <a:schemeClr val="accent1"/>
+          </a:fillRef>
+          <a:effectRef idx="0">
+            <a:schemeClr val="accent1"/>
+          </a:effectRef>
+          <a:fontRef idx="minor">
+            <a:schemeClr val="lt1"/>
+          </a:fontRef>
+        </p:style>
+        <p:txBody>
+          <a:bodyPr rtlCol="0" anchor="ctr"/>
+          <a:lstStyle/>
+          <a:p>
+            <a:pPr algn="ctr"/>
+            <a:r>
+              <a:rPr lang="pt-BR" sz="1100" dirty="0"/>
+              <a:t>Síntese dos dados</a:t>
+            </a:r>
+          </a:p>
+          <a:p>
+            <a:pPr algn="ctr"/>
+            <a:r>
+              <a:rPr lang="pt-BR" sz="1100" dirty="0"/>
+              <a:t>HTML, CSS, JS, Node.JS</a:t>
+            </a:r>
+          </a:p>
+        </p:txBody>
+      </p:sp>
+      <p:sp>
+        <p:nvSpPr>
+          <p:cNvPr id="24" name="Retângulo: Cantos Arredondados 23">
+            <a:extLst>
+              <a:ext uri="{FF2B5EF4-FFF2-40B4-BE49-F238E27FC236}">
+                <a16:creationId xmlns:a16="http://schemas.microsoft.com/office/drawing/2014/main" id="{519F9132-A572-4471-972E-59F35189DA9D}"/>
+              </a:ext>
+            </a:extLst>
+          </p:cNvPr>
+          <p:cNvSpPr/>
+          <p:nvPr/>
+        </p:nvSpPr>
+        <p:spPr>
+          <a:xfrm>
+            <a:off x="5969725" y="3824671"/>
+            <a:ext cx="1487259" cy="720391"/>
+          </a:xfrm>
+          <a:prstGeom prst="roundRect">
+            <a:avLst/>
+          </a:prstGeom>
+          <a:solidFill>
+            <a:schemeClr val="accent4">
+              <a:lumMod val="75000"/>
+            </a:schemeClr>
+          </a:solidFill>
+          <a:ln w="57150">
+            <a:solidFill>
+              <a:schemeClr val="bg1"/>
+            </a:solidFill>
+          </a:ln>
+        </p:spPr>
+        <p:style>
+          <a:lnRef idx="2">
+            <a:schemeClr val="accent1">
+              <a:shade val="50000"/>
+            </a:schemeClr>
+          </a:lnRef>
+          <a:fillRef idx="1">
+            <a:schemeClr val="accent1"/>
+          </a:fillRef>
+          <a:effectRef idx="0">
+            <a:schemeClr val="accent1"/>
+          </a:effectRef>
+          <a:fontRef idx="minor">
+            <a:schemeClr val="lt1"/>
+          </a:fontRef>
+        </p:style>
+        <p:txBody>
+          <a:bodyPr rtlCol="0" anchor="ctr"/>
+          <a:lstStyle/>
+          <a:p>
+            <a:pPr algn="ctr"/>
+            <a:r>
+              <a:rPr lang="pt-BR" sz="1100" dirty="0"/>
+              <a:t>Cliente</a:t>
+            </a:r>
+          </a:p>
+        </p:txBody>
+      </p:sp>
+      <p:sp>
+        <p:nvSpPr>
+          <p:cNvPr id="25" name="Retângulo: Cantos Arredondados 24">
+            <a:extLst>
+              <a:ext uri="{FF2B5EF4-FFF2-40B4-BE49-F238E27FC236}">
+                <a16:creationId xmlns:a16="http://schemas.microsoft.com/office/drawing/2014/main" id="{E515D1EF-3F2F-47C1-B56B-4713095C9BDA}"/>
+              </a:ext>
+            </a:extLst>
+          </p:cNvPr>
+          <p:cNvSpPr/>
+          <p:nvPr/>
+        </p:nvSpPr>
+        <p:spPr>
+          <a:xfrm>
+            <a:off x="3828369" y="2613835"/>
+            <a:ext cx="1487259" cy="720391"/>
+          </a:xfrm>
+          <a:prstGeom prst="roundRect">
+            <a:avLst/>
+          </a:prstGeom>
+          <a:solidFill>
+            <a:schemeClr val="accent4">
+              <a:lumMod val="75000"/>
+            </a:schemeClr>
+          </a:solidFill>
+          <a:ln w="57150">
+            <a:solidFill>
+              <a:schemeClr val="bg1"/>
+            </a:solidFill>
+          </a:ln>
+        </p:spPr>
+        <p:style>
+          <a:lnRef idx="2">
+            <a:schemeClr val="accent1">
+              <a:shade val="50000"/>
+            </a:schemeClr>
+          </a:lnRef>
+          <a:fillRef idx="1">
+            <a:schemeClr val="accent1"/>
+          </a:fillRef>
+          <a:effectRef idx="0">
+            <a:schemeClr val="accent1"/>
+          </a:effectRef>
+          <a:fontRef idx="minor">
+            <a:schemeClr val="lt1"/>
+          </a:fontRef>
+        </p:style>
+        <p:txBody>
+          <a:bodyPr rtlCol="0" anchor="ctr"/>
+          <a:lstStyle/>
+          <a:p>
+            <a:pPr algn="ctr"/>
+            <a:r>
+              <a:rPr lang="pt-BR" sz="1100" dirty="0"/>
+              <a:t>Banco de Dados</a:t>
+            </a:r>
+          </a:p>
+          <a:p>
+            <a:pPr algn="ctr"/>
+            <a:r>
+              <a:rPr lang="pt-BR" sz="1100" dirty="0"/>
+              <a:t>SQL Server 8.0</a:t>
+            </a:r>
+          </a:p>
+        </p:txBody>
+      </p:sp>
+      <p:sp>
+        <p:nvSpPr>
+          <p:cNvPr id="26" name="Seta: Dobrada 25">
+            <a:extLst>
+              <a:ext uri="{FF2B5EF4-FFF2-40B4-BE49-F238E27FC236}">
+                <a16:creationId xmlns:a16="http://schemas.microsoft.com/office/drawing/2014/main" id="{69855F6C-155D-4379-8E19-E15504DB445A}"/>
+              </a:ext>
+            </a:extLst>
+          </p:cNvPr>
+          <p:cNvSpPr/>
+          <p:nvPr/>
+        </p:nvSpPr>
+        <p:spPr>
+          <a:xfrm rot="10800000" flipH="1">
+            <a:off x="1143000" y="3506972"/>
+            <a:ext cx="662940" cy="720391"/>
+          </a:xfrm>
+          <a:prstGeom prst="bentArrow">
+            <a:avLst/>
+          </a:prstGeom>
+          <a:solidFill>
+            <a:schemeClr val="accent1">
+              <a:lumMod val="75000"/>
+            </a:schemeClr>
+          </a:solidFill>
+          <a:ln>
+            <a:solidFill>
+              <a:schemeClr val="bg1"/>
+            </a:solidFill>
+          </a:ln>
+        </p:spPr>
+        <p:style>
+          <a:lnRef idx="2">
+            <a:schemeClr val="accent1">
+              <a:shade val="50000"/>
+            </a:schemeClr>
+          </a:lnRef>
+          <a:fillRef idx="1">
+            <a:schemeClr val="accent1"/>
+          </a:fillRef>
+          <a:effectRef idx="0">
+            <a:schemeClr val="accent1"/>
+          </a:effectRef>
+          <a:fontRef idx="minor">
+            <a:schemeClr val="lt1"/>
+          </a:fontRef>
+        </p:style>
+        <p:txBody>
+          <a:bodyPr rtlCol="0" anchor="ctr"/>
+          <a:lstStyle/>
+          <a:p>
+            <a:pPr algn="ctr"/>
+            <a:endParaRPr lang="pt-BR">
+              <a:solidFill>
+                <a:schemeClr val="tx1"/>
+              </a:solidFill>
+            </a:endParaRPr>
+          </a:p>
+        </p:txBody>
+      </p:sp>
+      <p:sp>
+        <p:nvSpPr>
+          <p:cNvPr id="28" name="Seta: Dobrada 27">
+            <a:extLst>
+              <a:ext uri="{FF2B5EF4-FFF2-40B4-BE49-F238E27FC236}">
+                <a16:creationId xmlns:a16="http://schemas.microsoft.com/office/drawing/2014/main" id="{B6FD9753-6A85-494D-A179-59DC19C30C85}"/>
+              </a:ext>
+            </a:extLst>
+          </p:cNvPr>
+          <p:cNvSpPr/>
+          <p:nvPr/>
+        </p:nvSpPr>
+        <p:spPr>
+          <a:xfrm>
+            <a:off x="2983106" y="2103120"/>
+            <a:ext cx="662940" cy="1333337"/>
+          </a:xfrm>
+          <a:prstGeom prst="bentArrow">
+            <a:avLst/>
+          </a:prstGeom>
+          <a:solidFill>
+            <a:schemeClr val="accent1">
+              <a:lumMod val="75000"/>
+            </a:schemeClr>
+          </a:solidFill>
+          <a:ln>
+            <a:solidFill>
+              <a:schemeClr val="bg1"/>
+            </a:solidFill>
+          </a:ln>
+        </p:spPr>
+        <p:style>
+          <a:lnRef idx="2">
+            <a:schemeClr val="accent1">
+              <a:shade val="50000"/>
+            </a:schemeClr>
+          </a:lnRef>
+          <a:fillRef idx="1">
+            <a:schemeClr val="accent1"/>
+          </a:fillRef>
+          <a:effectRef idx="0">
+            <a:schemeClr val="accent1"/>
+          </a:effectRef>
+          <a:fontRef idx="minor">
+            <a:schemeClr val="lt1"/>
+          </a:fontRef>
+        </p:style>
+        <p:txBody>
+          <a:bodyPr rtlCol="0" anchor="ctr"/>
+          <a:lstStyle/>
+          <a:p>
+            <a:pPr algn="ctr"/>
+            <a:endParaRPr lang="pt-BR">
+              <a:solidFill>
+                <a:schemeClr val="tx1"/>
+              </a:solidFill>
+            </a:endParaRPr>
+          </a:p>
+        </p:txBody>
+      </p:sp>
+      <p:sp>
+        <p:nvSpPr>
+          <p:cNvPr id="29" name="Seta: Dobrada 28">
+            <a:extLst>
+              <a:ext uri="{FF2B5EF4-FFF2-40B4-BE49-F238E27FC236}">
+                <a16:creationId xmlns:a16="http://schemas.microsoft.com/office/drawing/2014/main" id="{F3251006-0E1D-407B-8D47-1BCE4870CC0D}"/>
+              </a:ext>
+            </a:extLst>
+          </p:cNvPr>
+          <p:cNvSpPr/>
+          <p:nvPr/>
+        </p:nvSpPr>
+        <p:spPr>
+          <a:xfrm rot="5400000" flipH="1">
+            <a:off x="5769851" y="1451619"/>
+            <a:ext cx="662940" cy="1162836"/>
+          </a:xfrm>
+          <a:prstGeom prst="bentArrow">
+            <a:avLst/>
+          </a:prstGeom>
+          <a:solidFill>
+            <a:schemeClr val="accent1">
+              <a:lumMod val="75000"/>
+            </a:schemeClr>
+          </a:solidFill>
+          <a:ln>
+            <a:solidFill>
+              <a:schemeClr val="bg1"/>
+            </a:solidFill>
+          </a:ln>
+        </p:spPr>
+        <p:style>
+          <a:lnRef idx="2">
+            <a:schemeClr val="accent1">
+              <a:shade val="50000"/>
+            </a:schemeClr>
+          </a:lnRef>
+          <a:fillRef idx="1">
+            <a:schemeClr val="accent1"/>
+          </a:fillRef>
+          <a:effectRef idx="0">
+            <a:schemeClr val="accent1"/>
+          </a:effectRef>
+          <a:fontRef idx="minor">
+            <a:schemeClr val="lt1"/>
+          </a:fontRef>
+        </p:style>
+        <p:txBody>
+          <a:bodyPr rtlCol="0" anchor="ctr"/>
+          <a:lstStyle/>
+          <a:p>
+            <a:pPr algn="ctr"/>
+            <a:endParaRPr lang="pt-BR">
+              <a:solidFill>
+                <a:schemeClr val="tx1"/>
+              </a:solidFill>
+            </a:endParaRPr>
+          </a:p>
+        </p:txBody>
+      </p:sp>
+      <p:sp>
+        <p:nvSpPr>
+          <p:cNvPr id="30" name="Seta: Dobrada 29">
+            <a:extLst>
+              <a:ext uri="{FF2B5EF4-FFF2-40B4-BE49-F238E27FC236}">
+                <a16:creationId xmlns:a16="http://schemas.microsoft.com/office/drawing/2014/main" id="{12568B9A-4B68-4C36-ADA7-234C84195238}"/>
+              </a:ext>
+            </a:extLst>
+          </p:cNvPr>
+          <p:cNvSpPr/>
+          <p:nvPr/>
+        </p:nvSpPr>
+        <p:spPr>
+          <a:xfrm rot="5400000">
+            <a:off x="7615089" y="1241780"/>
+            <a:ext cx="991980" cy="730703"/>
+          </a:xfrm>
+          <a:prstGeom prst="bentArrow">
+            <a:avLst/>
+          </a:prstGeom>
+          <a:solidFill>
+            <a:schemeClr val="accent1">
+              <a:lumMod val="75000"/>
+            </a:schemeClr>
+          </a:solidFill>
+          <a:ln>
+            <a:solidFill>
+              <a:schemeClr val="bg1"/>
+            </a:solidFill>
+          </a:ln>
+        </p:spPr>
+        <p:style>
+          <a:lnRef idx="2">
+            <a:schemeClr val="accent1">
+              <a:shade val="50000"/>
+            </a:schemeClr>
+          </a:lnRef>
+          <a:fillRef idx="1">
+            <a:schemeClr val="accent1"/>
+          </a:fillRef>
+          <a:effectRef idx="0">
+            <a:schemeClr val="accent1"/>
+          </a:effectRef>
+          <a:fontRef idx="minor">
+            <a:schemeClr val="lt1"/>
+          </a:fontRef>
+        </p:style>
+        <p:txBody>
+          <a:bodyPr rtlCol="0" anchor="ctr"/>
+          <a:lstStyle/>
+          <a:p>
+            <a:pPr algn="ctr"/>
+            <a:endParaRPr lang="pt-BR">
+              <a:solidFill>
+                <a:schemeClr val="tx1"/>
+              </a:solidFill>
+            </a:endParaRPr>
+          </a:p>
+        </p:txBody>
+      </p:sp>
+      <p:sp>
+        <p:nvSpPr>
+          <p:cNvPr id="31" name="Seta: Dobrada 30">
+            <a:extLst>
+              <a:ext uri="{FF2B5EF4-FFF2-40B4-BE49-F238E27FC236}">
+                <a16:creationId xmlns:a16="http://schemas.microsoft.com/office/drawing/2014/main" id="{BEE83C21-E99E-4C3E-A0F9-F7B84EC44C10}"/>
+              </a:ext>
+            </a:extLst>
+          </p:cNvPr>
+          <p:cNvSpPr/>
+          <p:nvPr/>
+        </p:nvSpPr>
+        <p:spPr>
+          <a:xfrm rot="10800000">
+            <a:off x="7745727" y="3213830"/>
+            <a:ext cx="675748" cy="1133275"/>
+          </a:xfrm>
+          <a:prstGeom prst="bentArrow">
+            <a:avLst/>
+          </a:prstGeom>
+          <a:solidFill>
+            <a:schemeClr val="accent1">
+              <a:lumMod val="75000"/>
+            </a:schemeClr>
+          </a:solidFill>
+          <a:ln>
+            <a:solidFill>
+              <a:schemeClr val="bg1"/>
+            </a:solidFill>
+          </a:ln>
+        </p:spPr>
+        <p:style>
+          <a:lnRef idx="2">
+            <a:schemeClr val="accent1">
+              <a:shade val="50000"/>
+            </a:schemeClr>
+          </a:lnRef>
+          <a:fillRef idx="1">
+            <a:schemeClr val="accent1"/>
+          </a:fillRef>
+          <a:effectRef idx="0">
+            <a:schemeClr val="accent1"/>
+          </a:effectRef>
+          <a:fontRef idx="minor">
+            <a:schemeClr val="lt1"/>
+          </a:fontRef>
+        </p:style>
+        <p:txBody>
+          <a:bodyPr rtlCol="0" anchor="ctr"/>
+          <a:lstStyle/>
+          <a:p>
+            <a:pPr algn="ctr"/>
+            <a:endParaRPr lang="pt-BR">
+              <a:solidFill>
+                <a:schemeClr val="tx1"/>
+              </a:solidFill>
+            </a:endParaRPr>
+          </a:p>
+        </p:txBody>
+      </p:sp>
+      <p:sp>
+        <p:nvSpPr>
+          <p:cNvPr id="8" name="Fluxograma: Conector 7">
+            <a:extLst>
+              <a:ext uri="{FF2B5EF4-FFF2-40B4-BE49-F238E27FC236}">
+                <a16:creationId xmlns:a16="http://schemas.microsoft.com/office/drawing/2014/main" id="{7152056F-35AA-4723-8F0E-53D19B5E705A}"/>
+              </a:ext>
+            </a:extLst>
+          </p:cNvPr>
+          <p:cNvSpPr/>
+          <p:nvPr/>
+        </p:nvSpPr>
+        <p:spPr>
+          <a:xfrm>
+            <a:off x="1474470" y="213852"/>
+            <a:ext cx="590550" cy="544442"/>
+          </a:xfrm>
+          <a:prstGeom prst="flowChartConnector">
+            <a:avLst/>
+          </a:prstGeom>
+          <a:solidFill>
+            <a:schemeClr val="bg1"/>
+          </a:solidFill>
+          <a:ln>
+            <a:solidFill>
+              <a:schemeClr val="accent4">
+                <a:lumMod val="75000"/>
+              </a:schemeClr>
+            </a:solidFill>
+          </a:ln>
+        </p:spPr>
+        <p:style>
+          <a:lnRef idx="2">
+            <a:schemeClr val="accent1">
+              <a:shade val="50000"/>
+            </a:schemeClr>
+          </a:lnRef>
+          <a:fillRef idx="1">
+            <a:schemeClr val="accent1"/>
+          </a:fillRef>
+          <a:effectRef idx="0">
+            <a:schemeClr val="accent1"/>
+          </a:effectRef>
+          <a:fontRef idx="minor">
+            <a:schemeClr val="lt1"/>
+          </a:fontRef>
+        </p:style>
+        <p:txBody>
+          <a:bodyPr rtlCol="0" anchor="ctr"/>
+          <a:lstStyle/>
+          <a:p>
+            <a:pPr algn="ctr"/>
+            <a:endParaRPr lang="pt-BR"/>
+          </a:p>
+        </p:txBody>
+      </p:sp>
+    </p:spTree>
+    <p:extLst>
+      <p:ext uri="{BB962C8B-B14F-4D97-AF65-F5344CB8AC3E}">
+        <p14:creationId xmlns:p14="http://schemas.microsoft.com/office/powerpoint/2010/main" val="3823909170"/>
+      </p:ext>
+    </p:extLst>
   </p:cSld>
   <p:clrMapOvr>
     <a:masterClrMapping/>
@@ -16004,7 +19263,7 @@
         </p:blipFill>
         <p:spPr>
           <a:xfrm>
-            <a:off x="0" y="0"/>
+            <a:off x="2" y="2"/>
             <a:ext cx="9142541" cy="5143451"/>
           </a:xfrm>
           <a:prstGeom prst="rect">

--- a/SPRINT2/slide pi.pptx
+++ b/SPRINT2/slide pi.pptx
@@ -321,6 +321,1057 @@
 
 <file path=ppt/changesInfos/changesInfo1.xml><?xml version="1.0" encoding="utf-8"?>
 <pc:chgInfo xmlns:a="http://schemas.openxmlformats.org/drawingml/2006/main" xmlns:r="http://schemas.openxmlformats.org/officeDocument/2006/relationships" xmlns:ac="http://schemas.microsoft.com/office/drawing/2013/main/command" xmlns:pc="http://schemas.microsoft.com/office/powerpoint/2013/main/command">
+  <pc:docChgLst>
+    <pc:chgData name="Pedro Henrique Klein de Almeida" userId="2d15c7026afea1dc" providerId="LiveId" clId="{B425F1DE-3A03-4EE9-9D71-017A26C203DD}"/>
+    <pc:docChg chg="undo custSel addSld delSld modSld sldOrd addSection delSection modSection">
+      <pc:chgData name="Pedro Henrique Klein de Almeida" userId="2d15c7026afea1dc" providerId="LiveId" clId="{B425F1DE-3A03-4EE9-9D71-017A26C203DD}" dt="2021-03-07T18:39:27.002" v="3387"/>
+      <pc:docMkLst>
+        <pc:docMk/>
+      </pc:docMkLst>
+      <pc:sldChg chg="modSp mod">
+        <pc:chgData name="Pedro Henrique Klein de Almeida" userId="2d15c7026afea1dc" providerId="LiveId" clId="{B425F1DE-3A03-4EE9-9D71-017A26C203DD}" dt="2021-03-07T16:20:54.146" v="1712" actId="255"/>
+        <pc:sldMkLst>
+          <pc:docMk/>
+          <pc:sldMk cId="0" sldId="256"/>
+        </pc:sldMkLst>
+        <pc:spChg chg="mod">
+          <ac:chgData name="Pedro Henrique Klein de Almeida" userId="2d15c7026afea1dc" providerId="LiveId" clId="{B425F1DE-3A03-4EE9-9D71-017A26C203DD}" dt="2021-03-07T16:20:54.146" v="1712" actId="255"/>
+          <ac:spMkLst>
+            <pc:docMk/>
+            <pc:sldMk cId="0" sldId="256"/>
+            <ac:spMk id="147" creationId="{00000000-0000-0000-0000-000000000000}"/>
+          </ac:spMkLst>
+        </pc:spChg>
+      </pc:sldChg>
+      <pc:sldChg chg="modSp mod">
+        <pc:chgData name="Pedro Henrique Klein de Almeida" userId="2d15c7026afea1dc" providerId="LiveId" clId="{B425F1DE-3A03-4EE9-9D71-017A26C203DD}" dt="2021-03-07T18:38:35.408" v="3340" actId="20577"/>
+        <pc:sldMkLst>
+          <pc:docMk/>
+          <pc:sldMk cId="0" sldId="258"/>
+        </pc:sldMkLst>
+        <pc:spChg chg="mod">
+          <ac:chgData name="Pedro Henrique Klein de Almeida" userId="2d15c7026afea1dc" providerId="LiveId" clId="{B425F1DE-3A03-4EE9-9D71-017A26C203DD}" dt="2021-03-07T18:38:35.408" v="3340" actId="20577"/>
+          <ac:spMkLst>
+            <pc:docMk/>
+            <pc:sldMk cId="0" sldId="258"/>
+            <ac:spMk id="162" creationId="{00000000-0000-0000-0000-000000000000}"/>
+          </ac:spMkLst>
+        </pc:spChg>
+      </pc:sldChg>
+      <pc:sldChg chg="addSp delSp modSp mod">
+        <pc:chgData name="Pedro Henrique Klein de Almeida" userId="2d15c7026afea1dc" providerId="LiveId" clId="{B425F1DE-3A03-4EE9-9D71-017A26C203DD}" dt="2021-03-07T17:53:11.717" v="3035"/>
+        <pc:sldMkLst>
+          <pc:docMk/>
+          <pc:sldMk cId="0" sldId="261"/>
+        </pc:sldMkLst>
+        <pc:picChg chg="del mod">
+          <ac:chgData name="Pedro Henrique Klein de Almeida" userId="2d15c7026afea1dc" providerId="LiveId" clId="{B425F1DE-3A03-4EE9-9D71-017A26C203DD}" dt="2021-03-07T17:53:10.605" v="3034" actId="478"/>
+          <ac:picMkLst>
+            <pc:docMk/>
+            <pc:sldMk cId="0" sldId="261"/>
+            <ac:picMk id="5" creationId="{678038F6-326F-4282-B075-555D19BDABAE}"/>
+          </ac:picMkLst>
+        </pc:picChg>
+        <pc:picChg chg="add mod">
+          <ac:chgData name="Pedro Henrique Klein de Almeida" userId="2d15c7026afea1dc" providerId="LiveId" clId="{B425F1DE-3A03-4EE9-9D71-017A26C203DD}" dt="2021-03-07T17:53:11.717" v="3035"/>
+          <ac:picMkLst>
+            <pc:docMk/>
+            <pc:sldMk cId="0" sldId="261"/>
+            <ac:picMk id="6" creationId="{20244AFA-C221-45B2-BFB8-802E00B3000B}"/>
+          </ac:picMkLst>
+        </pc:picChg>
+      </pc:sldChg>
+      <pc:sldChg chg="del">
+        <pc:chgData name="Pedro Henrique Klein de Almeida" userId="2d15c7026afea1dc" providerId="LiveId" clId="{B425F1DE-3A03-4EE9-9D71-017A26C203DD}" dt="2021-03-07T15:28:03.468" v="444" actId="2696"/>
+        <pc:sldMkLst>
+          <pc:docMk/>
+          <pc:sldMk cId="0" sldId="263"/>
+        </pc:sldMkLst>
+      </pc:sldChg>
+      <pc:sldChg chg="addSp modSp mod modAnim">
+        <pc:chgData name="Pedro Henrique Klein de Almeida" userId="2d15c7026afea1dc" providerId="LiveId" clId="{B425F1DE-3A03-4EE9-9D71-017A26C203DD}" dt="2021-03-07T17:25:31.788" v="2512"/>
+        <pc:sldMkLst>
+          <pc:docMk/>
+          <pc:sldMk cId="0" sldId="264"/>
+        </pc:sldMkLst>
+        <pc:spChg chg="mod">
+          <ac:chgData name="Pedro Henrique Klein de Almeida" userId="2d15c7026afea1dc" providerId="LiveId" clId="{B425F1DE-3A03-4EE9-9D71-017A26C203DD}" dt="2021-03-07T15:36:36.513" v="467" actId="108"/>
+          <ac:spMkLst>
+            <pc:docMk/>
+            <pc:sldMk cId="0" sldId="264"/>
+            <ac:spMk id="224" creationId="{00000000-0000-0000-0000-000000000000}"/>
+          </ac:spMkLst>
+        </pc:spChg>
+        <pc:spChg chg="mod">
+          <ac:chgData name="Pedro Henrique Klein de Almeida" userId="2d15c7026afea1dc" providerId="LiveId" clId="{B425F1DE-3A03-4EE9-9D71-017A26C203DD}" dt="2021-03-07T16:57:53.076" v="1783" actId="20577"/>
+          <ac:spMkLst>
+            <pc:docMk/>
+            <pc:sldMk cId="0" sldId="264"/>
+            <ac:spMk id="225" creationId="{00000000-0000-0000-0000-000000000000}"/>
+          </ac:spMkLst>
+        </pc:spChg>
+        <pc:spChg chg="mod">
+          <ac:chgData name="Pedro Henrique Klein de Almeida" userId="2d15c7026afea1dc" providerId="LiveId" clId="{B425F1DE-3A03-4EE9-9D71-017A26C203DD}" dt="2021-03-07T15:46:34.187" v="1022" actId="207"/>
+          <ac:spMkLst>
+            <pc:docMk/>
+            <pc:sldMk cId="0" sldId="264"/>
+            <ac:spMk id="226" creationId="{00000000-0000-0000-0000-000000000000}"/>
+          </ac:spMkLst>
+        </pc:spChg>
+        <pc:spChg chg="mod">
+          <ac:chgData name="Pedro Henrique Klein de Almeida" userId="2d15c7026afea1dc" providerId="LiveId" clId="{B425F1DE-3A03-4EE9-9D71-017A26C203DD}" dt="2021-03-07T15:50:52.128" v="1299" actId="20577"/>
+          <ac:spMkLst>
+            <pc:docMk/>
+            <pc:sldMk cId="0" sldId="264"/>
+            <ac:spMk id="227" creationId="{00000000-0000-0000-0000-000000000000}"/>
+          </ac:spMkLst>
+        </pc:spChg>
+        <pc:grpChg chg="mod">
+          <ac:chgData name="Pedro Henrique Klein de Almeida" userId="2d15c7026afea1dc" providerId="LiveId" clId="{B425F1DE-3A03-4EE9-9D71-017A26C203DD}" dt="2021-03-07T15:55:31.323" v="1301" actId="1076"/>
+          <ac:grpSpMkLst>
+            <pc:docMk/>
+            <pc:sldMk cId="0" sldId="264"/>
+            <ac:grpSpMk id="229" creationId="{00000000-0000-0000-0000-000000000000}"/>
+          </ac:grpSpMkLst>
+        </pc:grpChg>
+        <pc:picChg chg="add mod">
+          <ac:chgData name="Pedro Henrique Klein de Almeida" userId="2d15c7026afea1dc" providerId="LiveId" clId="{B425F1DE-3A03-4EE9-9D71-017A26C203DD}" dt="2021-03-07T17:25:31.788" v="2512"/>
+          <ac:picMkLst>
+            <pc:docMk/>
+            <pc:sldMk cId="0" sldId="264"/>
+            <ac:picMk id="11" creationId="{094EC4E7-49F8-4461-A7E8-13A116CE00F4}"/>
+          </ac:picMkLst>
+        </pc:picChg>
+      </pc:sldChg>
+      <pc:sldChg chg="addSp delSp modSp del mod">
+        <pc:chgData name="Pedro Henrique Klein de Almeida" userId="2d15c7026afea1dc" providerId="LiveId" clId="{B425F1DE-3A03-4EE9-9D71-017A26C203DD}" dt="2021-03-07T15:58:19.786" v="1343" actId="2696"/>
+        <pc:sldMkLst>
+          <pc:docMk/>
+          <pc:sldMk cId="0" sldId="265"/>
+        </pc:sldMkLst>
+        <pc:spChg chg="add del">
+          <ac:chgData name="Pedro Henrique Klein de Almeida" userId="2d15c7026afea1dc" providerId="LiveId" clId="{B425F1DE-3A03-4EE9-9D71-017A26C203DD}" dt="2021-03-07T15:57:09.142" v="1332"/>
+          <ac:spMkLst>
+            <pc:docMk/>
+            <pc:sldMk cId="0" sldId="265"/>
+            <ac:spMk id="2" creationId="{242F0187-76C9-4EB5-9677-2C9E89BBEDEF}"/>
+          </ac:spMkLst>
+        </pc:spChg>
+        <pc:spChg chg="add del mod">
+          <ac:chgData name="Pedro Henrique Klein de Almeida" userId="2d15c7026afea1dc" providerId="LiveId" clId="{B425F1DE-3A03-4EE9-9D71-017A26C203DD}" dt="2021-03-07T15:57:23.860" v="1335" actId="478"/>
+          <ac:spMkLst>
+            <pc:docMk/>
+            <pc:sldMk cId="0" sldId="265"/>
+            <ac:spMk id="3" creationId="{75295AF2-4AFD-4375-9867-F31BFE05B12B}"/>
+          </ac:spMkLst>
+        </pc:spChg>
+        <pc:spChg chg="mod">
+          <ac:chgData name="Pedro Henrique Klein de Almeida" userId="2d15c7026afea1dc" providerId="LiveId" clId="{B425F1DE-3A03-4EE9-9D71-017A26C203DD}" dt="2021-03-07T15:57:03.272" v="1330" actId="20577"/>
+          <ac:spMkLst>
+            <pc:docMk/>
+            <pc:sldMk cId="0" sldId="265"/>
+            <ac:spMk id="237" creationId="{00000000-0000-0000-0000-000000000000}"/>
+          </ac:spMkLst>
+        </pc:spChg>
+        <pc:picChg chg="add del mod">
+          <ac:chgData name="Pedro Henrique Klein de Almeida" userId="2d15c7026afea1dc" providerId="LiveId" clId="{B425F1DE-3A03-4EE9-9D71-017A26C203DD}" dt="2021-03-07T15:58:11.045" v="1342" actId="478"/>
+          <ac:picMkLst>
+            <pc:docMk/>
+            <pc:sldMk cId="0" sldId="265"/>
+            <ac:picMk id="5" creationId="{E519FEED-1F52-4324-B677-87DFD57EC3FD}"/>
+          </ac:picMkLst>
+        </pc:picChg>
+        <pc:picChg chg="del mod">
+          <ac:chgData name="Pedro Henrique Klein de Almeida" userId="2d15c7026afea1dc" providerId="LiveId" clId="{B425F1DE-3A03-4EE9-9D71-017A26C203DD}" dt="2021-03-07T15:55:48.604" v="1329" actId="478"/>
+          <ac:picMkLst>
+            <pc:docMk/>
+            <pc:sldMk cId="0" sldId="265"/>
+            <ac:picMk id="240" creationId="{00000000-0000-0000-0000-000000000000}"/>
+          </ac:picMkLst>
+        </pc:picChg>
+      </pc:sldChg>
+      <pc:sldChg chg="addSp delSp modSp add del mod">
+        <pc:chgData name="Pedro Henrique Klein de Almeida" userId="2d15c7026afea1dc" providerId="LiveId" clId="{B425F1DE-3A03-4EE9-9D71-017A26C203DD}" dt="2021-03-07T16:06:01.309" v="1442" actId="2696"/>
+        <pc:sldMkLst>
+          <pc:docMk/>
+          <pc:sldMk cId="0" sldId="266"/>
+        </pc:sldMkLst>
+        <pc:spChg chg="del mod">
+          <ac:chgData name="Pedro Henrique Klein de Almeida" userId="2d15c7026afea1dc" providerId="LiveId" clId="{B425F1DE-3A03-4EE9-9D71-017A26C203DD}" dt="2021-03-07T16:04:13.654" v="1441" actId="478"/>
+          <ac:spMkLst>
+            <pc:docMk/>
+            <pc:sldMk cId="0" sldId="266"/>
+            <ac:spMk id="245" creationId="{00000000-0000-0000-0000-000000000000}"/>
+          </ac:spMkLst>
+        </pc:spChg>
+        <pc:picChg chg="add del mod">
+          <ac:chgData name="Pedro Henrique Klein de Almeida" userId="2d15c7026afea1dc" providerId="LiveId" clId="{B425F1DE-3A03-4EE9-9D71-017A26C203DD}" dt="2021-03-07T16:00:09.280" v="1422" actId="478"/>
+          <ac:picMkLst>
+            <pc:docMk/>
+            <pc:sldMk cId="0" sldId="266"/>
+            <ac:picMk id="3" creationId="{973E62F0-2903-4480-8C43-3CF5B1DFA16A}"/>
+          </ac:picMkLst>
+        </pc:picChg>
+      </pc:sldChg>
+      <pc:sldChg chg="add del">
+        <pc:chgData name="Pedro Henrique Klein de Almeida" userId="2d15c7026afea1dc" providerId="LiveId" clId="{B425F1DE-3A03-4EE9-9D71-017A26C203DD}" dt="2021-03-07T16:56:55.616" v="1713" actId="2696"/>
+        <pc:sldMkLst>
+          <pc:docMk/>
+          <pc:sldMk cId="0" sldId="267"/>
+        </pc:sldMkLst>
+      </pc:sldChg>
+      <pc:sldChg chg="add del">
+        <pc:chgData name="Pedro Henrique Klein de Almeida" userId="2d15c7026afea1dc" providerId="LiveId" clId="{B425F1DE-3A03-4EE9-9D71-017A26C203DD}" dt="2021-03-07T17:36:07.025" v="2936" actId="2696"/>
+        <pc:sldMkLst>
+          <pc:docMk/>
+          <pc:sldMk cId="0" sldId="268"/>
+        </pc:sldMkLst>
+      </pc:sldChg>
+      <pc:sldChg chg="add del">
+        <pc:chgData name="Pedro Henrique Klein de Almeida" userId="2d15c7026afea1dc" providerId="LiveId" clId="{B425F1DE-3A03-4EE9-9D71-017A26C203DD}" dt="2021-03-07T17:36:02.012" v="2935" actId="18676"/>
+        <pc:sldMkLst>
+          <pc:docMk/>
+          <pc:sldMk cId="0" sldId="269"/>
+        </pc:sldMkLst>
+      </pc:sldChg>
+      <pc:sldChg chg="add del">
+        <pc:chgData name="Pedro Henrique Klein de Almeida" userId="2d15c7026afea1dc" providerId="LiveId" clId="{B425F1DE-3A03-4EE9-9D71-017A26C203DD}" dt="2021-03-07T17:36:02.012" v="2935" actId="18676"/>
+        <pc:sldMkLst>
+          <pc:docMk/>
+          <pc:sldMk cId="0" sldId="270"/>
+        </pc:sldMkLst>
+      </pc:sldChg>
+      <pc:sldChg chg="add del">
+        <pc:chgData name="Pedro Henrique Klein de Almeida" userId="2d15c7026afea1dc" providerId="LiveId" clId="{B425F1DE-3A03-4EE9-9D71-017A26C203DD}" dt="2021-03-07T17:36:02.012" v="2935" actId="18676"/>
+        <pc:sldMkLst>
+          <pc:docMk/>
+          <pc:sldMk cId="0" sldId="271"/>
+        </pc:sldMkLst>
+      </pc:sldChg>
+      <pc:sldChg chg="add del">
+        <pc:chgData name="Pedro Henrique Klein de Almeida" userId="2d15c7026afea1dc" providerId="LiveId" clId="{B425F1DE-3A03-4EE9-9D71-017A26C203DD}" dt="2021-03-07T17:36:02.012" v="2935" actId="18676"/>
+        <pc:sldMkLst>
+          <pc:docMk/>
+          <pc:sldMk cId="0" sldId="272"/>
+        </pc:sldMkLst>
+      </pc:sldChg>
+      <pc:sldChg chg="add del">
+        <pc:chgData name="Pedro Henrique Klein de Almeida" userId="2d15c7026afea1dc" providerId="LiveId" clId="{B425F1DE-3A03-4EE9-9D71-017A26C203DD}" dt="2021-03-07T17:36:02.012" v="2935" actId="18676"/>
+        <pc:sldMkLst>
+          <pc:docMk/>
+          <pc:sldMk cId="0" sldId="273"/>
+        </pc:sldMkLst>
+      </pc:sldChg>
+      <pc:sldChg chg="add del">
+        <pc:chgData name="Pedro Henrique Klein de Almeida" userId="2d15c7026afea1dc" providerId="LiveId" clId="{B425F1DE-3A03-4EE9-9D71-017A26C203DD}" dt="2021-03-07T17:36:02.012" v="2935" actId="18676"/>
+        <pc:sldMkLst>
+          <pc:docMk/>
+          <pc:sldMk cId="0" sldId="274"/>
+        </pc:sldMkLst>
+      </pc:sldChg>
+      <pc:sldChg chg="add del">
+        <pc:chgData name="Pedro Henrique Klein de Almeida" userId="2d15c7026afea1dc" providerId="LiveId" clId="{B425F1DE-3A03-4EE9-9D71-017A26C203DD}" dt="2021-03-07T17:36:02.012" v="2935" actId="18676"/>
+        <pc:sldMkLst>
+          <pc:docMk/>
+          <pc:sldMk cId="0" sldId="275"/>
+        </pc:sldMkLst>
+      </pc:sldChg>
+      <pc:sldChg chg="add del">
+        <pc:chgData name="Pedro Henrique Klein de Almeida" userId="2d15c7026afea1dc" providerId="LiveId" clId="{B425F1DE-3A03-4EE9-9D71-017A26C203DD}" dt="2021-03-07T17:36:02.012" v="2935" actId="18676"/>
+        <pc:sldMkLst>
+          <pc:docMk/>
+          <pc:sldMk cId="0" sldId="276"/>
+        </pc:sldMkLst>
+      </pc:sldChg>
+      <pc:sldChg chg="add del">
+        <pc:chgData name="Pedro Henrique Klein de Almeida" userId="2d15c7026afea1dc" providerId="LiveId" clId="{B425F1DE-3A03-4EE9-9D71-017A26C203DD}" dt="2021-03-07T17:36:02.012" v="2935" actId="18676"/>
+        <pc:sldMkLst>
+          <pc:docMk/>
+          <pc:sldMk cId="0" sldId="277"/>
+        </pc:sldMkLst>
+      </pc:sldChg>
+      <pc:sldChg chg="addSp delSp modSp add del mod ord">
+        <pc:chgData name="Pedro Henrique Klein de Almeida" userId="2d15c7026afea1dc" providerId="LiveId" clId="{B425F1DE-3A03-4EE9-9D71-017A26C203DD}" dt="2021-03-07T17:50:14.651" v="3032" actId="1076"/>
+        <pc:sldMkLst>
+          <pc:docMk/>
+          <pc:sldMk cId="0" sldId="278"/>
+        </pc:sldMkLst>
+        <pc:spChg chg="mod">
+          <ac:chgData name="Pedro Henrique Klein de Almeida" userId="2d15c7026afea1dc" providerId="LiveId" clId="{B425F1DE-3A03-4EE9-9D71-017A26C203DD}" dt="2021-03-07T17:36:15.914" v="2952" actId="20577"/>
+          <ac:spMkLst>
+            <pc:docMk/>
+            <pc:sldMk cId="0" sldId="278"/>
+            <ac:spMk id="386" creationId="{00000000-0000-0000-0000-000000000000}"/>
+          </ac:spMkLst>
+        </pc:spChg>
+        <pc:spChg chg="mod">
+          <ac:chgData name="Pedro Henrique Klein de Almeida" userId="2d15c7026afea1dc" providerId="LiveId" clId="{B425F1DE-3A03-4EE9-9D71-017A26C203DD}" dt="2021-03-07T17:48:08.057" v="3015" actId="20577"/>
+          <ac:spMkLst>
+            <pc:docMk/>
+            <pc:sldMk cId="0" sldId="278"/>
+            <ac:spMk id="387" creationId="{00000000-0000-0000-0000-000000000000}"/>
+          </ac:spMkLst>
+        </pc:spChg>
+        <pc:spChg chg="del">
+          <ac:chgData name="Pedro Henrique Klein de Almeida" userId="2d15c7026afea1dc" providerId="LiveId" clId="{B425F1DE-3A03-4EE9-9D71-017A26C203DD}" dt="2021-03-07T17:48:41.560" v="3022" actId="478"/>
+          <ac:spMkLst>
+            <pc:docMk/>
+            <pc:sldMk cId="0" sldId="278"/>
+            <ac:spMk id="389" creationId="{00000000-0000-0000-0000-000000000000}"/>
+          </ac:spMkLst>
+        </pc:spChg>
+        <pc:picChg chg="add del mod">
+          <ac:chgData name="Pedro Henrique Klein de Almeida" userId="2d15c7026afea1dc" providerId="LiveId" clId="{B425F1DE-3A03-4EE9-9D71-017A26C203DD}" dt="2021-03-07T17:49:27.778" v="3025" actId="478"/>
+          <ac:picMkLst>
+            <pc:docMk/>
+            <pc:sldMk cId="0" sldId="278"/>
+            <ac:picMk id="3" creationId="{DBCA2A45-16A6-44C0-8CB2-98BEC3EAB663}"/>
+          </ac:picMkLst>
+        </pc:picChg>
+        <pc:picChg chg="add del mod">
+          <ac:chgData name="Pedro Henrique Klein de Almeida" userId="2d15c7026afea1dc" providerId="LiveId" clId="{B425F1DE-3A03-4EE9-9D71-017A26C203DD}" dt="2021-03-07T17:49:50.073" v="3028" actId="478"/>
+          <ac:picMkLst>
+            <pc:docMk/>
+            <pc:sldMk cId="0" sldId="278"/>
+            <ac:picMk id="5" creationId="{C262DAA1-0398-4A84-AABB-9E7FCC14A870}"/>
+          </ac:picMkLst>
+        </pc:picChg>
+        <pc:picChg chg="add mod">
+          <ac:chgData name="Pedro Henrique Klein de Almeida" userId="2d15c7026afea1dc" providerId="LiveId" clId="{B425F1DE-3A03-4EE9-9D71-017A26C203DD}" dt="2021-03-07T17:50:14.651" v="3032" actId="1076"/>
+          <ac:picMkLst>
+            <pc:docMk/>
+            <pc:sldMk cId="0" sldId="278"/>
+            <ac:picMk id="7" creationId="{C2AD5F2F-2C52-481A-8601-5D0DD9754C45}"/>
+          </ac:picMkLst>
+        </pc:picChg>
+      </pc:sldChg>
+      <pc:sldChg chg="add del">
+        <pc:chgData name="Pedro Henrique Klein de Almeida" userId="2d15c7026afea1dc" providerId="LiveId" clId="{B425F1DE-3A03-4EE9-9D71-017A26C203DD}" dt="2021-03-07T17:36:02.012" v="2935" actId="18676"/>
+        <pc:sldMkLst>
+          <pc:docMk/>
+          <pc:sldMk cId="0" sldId="279"/>
+        </pc:sldMkLst>
+      </pc:sldChg>
+      <pc:sldChg chg="add del">
+        <pc:chgData name="Pedro Henrique Klein de Almeida" userId="2d15c7026afea1dc" providerId="LiveId" clId="{B425F1DE-3A03-4EE9-9D71-017A26C203DD}" dt="2021-03-07T17:36:02.012" v="2935" actId="18676"/>
+        <pc:sldMkLst>
+          <pc:docMk/>
+          <pc:sldMk cId="0" sldId="280"/>
+        </pc:sldMkLst>
+      </pc:sldChg>
+      <pc:sldChg chg="add del">
+        <pc:chgData name="Pedro Henrique Klein de Almeida" userId="2d15c7026afea1dc" providerId="LiveId" clId="{B425F1DE-3A03-4EE9-9D71-017A26C203DD}" dt="2021-03-07T17:36:02.012" v="2935" actId="18676"/>
+        <pc:sldMkLst>
+          <pc:docMk/>
+          <pc:sldMk cId="0" sldId="281"/>
+        </pc:sldMkLst>
+      </pc:sldChg>
+      <pc:sldChg chg="add del">
+        <pc:chgData name="Pedro Henrique Klein de Almeida" userId="2d15c7026afea1dc" providerId="LiveId" clId="{B425F1DE-3A03-4EE9-9D71-017A26C203DD}" dt="2021-03-07T17:36:02.012" v="2935" actId="18676"/>
+        <pc:sldMkLst>
+          <pc:docMk/>
+          <pc:sldMk cId="0" sldId="282"/>
+        </pc:sldMkLst>
+      </pc:sldChg>
+      <pc:sldChg chg="add del">
+        <pc:chgData name="Pedro Henrique Klein de Almeida" userId="2d15c7026afea1dc" providerId="LiveId" clId="{B425F1DE-3A03-4EE9-9D71-017A26C203DD}" dt="2021-03-07T17:36:02.012" v="2935" actId="18676"/>
+        <pc:sldMkLst>
+          <pc:docMk/>
+          <pc:sldMk cId="0" sldId="283"/>
+        </pc:sldMkLst>
+      </pc:sldChg>
+      <pc:sldChg chg="add del">
+        <pc:chgData name="Pedro Henrique Klein de Almeida" userId="2d15c7026afea1dc" providerId="LiveId" clId="{B425F1DE-3A03-4EE9-9D71-017A26C203DD}" dt="2021-03-07T17:36:02.012" v="2935" actId="18676"/>
+        <pc:sldMkLst>
+          <pc:docMk/>
+          <pc:sldMk cId="0" sldId="284"/>
+        </pc:sldMkLst>
+      </pc:sldChg>
+      <pc:sldChg chg="del">
+        <pc:chgData name="Pedro Henrique Klein de Almeida" userId="2d15c7026afea1dc" providerId="LiveId" clId="{B425F1DE-3A03-4EE9-9D71-017A26C203DD}" dt="2021-03-07T14:48:38.956" v="264" actId="2696"/>
+        <pc:sldMkLst>
+          <pc:docMk/>
+          <pc:sldMk cId="3957594253" sldId="285"/>
+        </pc:sldMkLst>
+      </pc:sldChg>
+      <pc:sldChg chg="addSp modSp mod">
+        <pc:chgData name="Pedro Henrique Klein de Almeida" userId="2d15c7026afea1dc" providerId="LiveId" clId="{B425F1DE-3A03-4EE9-9D71-017A26C203DD}" dt="2021-03-07T18:36:42.806" v="3338" actId="20577"/>
+        <pc:sldMkLst>
+          <pc:docMk/>
+          <pc:sldMk cId="3999652898" sldId="286"/>
+        </pc:sldMkLst>
+        <pc:spChg chg="mod">
+          <ac:chgData name="Pedro Henrique Klein de Almeida" userId="2d15c7026afea1dc" providerId="LiveId" clId="{B425F1DE-3A03-4EE9-9D71-017A26C203DD}" dt="2021-03-07T14:32:53.928" v="7" actId="120"/>
+          <ac:spMkLst>
+            <pc:docMk/>
+            <pc:sldMk cId="3999652898" sldId="286"/>
+            <ac:spMk id="2" creationId="{051FF890-D2ED-40D1-9239-6B3E5B169701}"/>
+          </ac:spMkLst>
+        </pc:spChg>
+        <pc:spChg chg="mod">
+          <ac:chgData name="Pedro Henrique Klein de Almeida" userId="2d15c7026afea1dc" providerId="LiveId" clId="{B425F1DE-3A03-4EE9-9D71-017A26C203DD}" dt="2021-03-07T18:36:42.806" v="3338" actId="20577"/>
+          <ac:spMkLst>
+            <pc:docMk/>
+            <pc:sldMk cId="3999652898" sldId="286"/>
+            <ac:spMk id="3" creationId="{C0475109-7880-4C4A-B506-591DD68380BA}"/>
+          </ac:spMkLst>
+        </pc:spChg>
+        <pc:picChg chg="add mod">
+          <ac:chgData name="Pedro Henrique Klein de Almeida" userId="2d15c7026afea1dc" providerId="LiveId" clId="{B425F1DE-3A03-4EE9-9D71-017A26C203DD}" dt="2021-03-07T14:32:25.510" v="2" actId="1076"/>
+          <ac:picMkLst>
+            <pc:docMk/>
+            <pc:sldMk cId="3999652898" sldId="286"/>
+            <ac:picMk id="5" creationId="{CC63DB24-6FEF-4851-88B3-FAAAE72DC9CA}"/>
+          </ac:picMkLst>
+        </pc:picChg>
+      </pc:sldChg>
+      <pc:sldChg chg="new del">
+        <pc:chgData name="Pedro Henrique Klein de Almeida" userId="2d15c7026afea1dc" providerId="LiveId" clId="{B425F1DE-3A03-4EE9-9D71-017A26C203DD}" dt="2021-03-07T16:00:05.561" v="1420" actId="680"/>
+        <pc:sldMkLst>
+          <pc:docMk/>
+          <pc:sldMk cId="872009808" sldId="287"/>
+        </pc:sldMkLst>
+      </pc:sldChg>
+      <pc:sldChg chg="new del">
+        <pc:chgData name="Pedro Henrique Klein de Almeida" userId="2d15c7026afea1dc" providerId="LiveId" clId="{B425F1DE-3A03-4EE9-9D71-017A26C203DD}" dt="2021-03-07T15:59:06.820" v="1403" actId="2696"/>
+        <pc:sldMkLst>
+          <pc:docMk/>
+          <pc:sldMk cId="3018759980" sldId="287"/>
+        </pc:sldMkLst>
+      </pc:sldChg>
+      <pc:sldChg chg="add del">
+        <pc:chgData name="Pedro Henrique Klein de Almeida" userId="2d15c7026afea1dc" providerId="LiveId" clId="{B425F1DE-3A03-4EE9-9D71-017A26C203DD}" dt="2021-03-07T15:28:12.581" v="446" actId="2696"/>
+        <pc:sldMkLst>
+          <pc:docMk/>
+          <pc:sldMk cId="3504306542" sldId="287"/>
+        </pc:sldMkLst>
+      </pc:sldChg>
+      <pc:sldChg chg="addSp delSp modSp new mod">
+        <pc:chgData name="Pedro Henrique Klein de Almeida" userId="2d15c7026afea1dc" providerId="LiveId" clId="{B425F1DE-3A03-4EE9-9D71-017A26C203DD}" dt="2021-03-07T16:03:04.379" v="1439" actId="478"/>
+        <pc:sldMkLst>
+          <pc:docMk/>
+          <pc:sldMk cId="3909148501" sldId="287"/>
+        </pc:sldMkLst>
+        <pc:spChg chg="add">
+          <ac:chgData name="Pedro Henrique Klein de Almeida" userId="2d15c7026afea1dc" providerId="LiveId" clId="{B425F1DE-3A03-4EE9-9D71-017A26C203DD}" dt="2021-03-07T16:01:02.340" v="1424"/>
+          <ac:spMkLst>
+            <pc:docMk/>
+            <pc:sldMk cId="3909148501" sldId="287"/>
+            <ac:spMk id="3" creationId="{CB3ADACC-6939-4623-8CAB-9F0D4E3D8F2D}"/>
+          </ac:spMkLst>
+        </pc:spChg>
+        <pc:picChg chg="add del mod ord">
+          <ac:chgData name="Pedro Henrique Klein de Almeida" userId="2d15c7026afea1dc" providerId="LiveId" clId="{B425F1DE-3A03-4EE9-9D71-017A26C203DD}" dt="2021-03-07T16:03:04.379" v="1439" actId="478"/>
+          <ac:picMkLst>
+            <pc:docMk/>
+            <pc:sldMk cId="3909148501" sldId="287"/>
+            <ac:picMk id="5" creationId="{2F7B8BB5-2AE1-44E8-8EB7-C237240E63C8}"/>
+          </ac:picMkLst>
+        </pc:picChg>
+      </pc:sldChg>
+      <pc:sldChg chg="new add del">
+        <pc:chgData name="Pedro Henrique Klein de Almeida" userId="2d15c7026afea1dc" providerId="LiveId" clId="{B425F1DE-3A03-4EE9-9D71-017A26C203DD}" dt="2021-03-07T16:00:05.409" v="1419" actId="680"/>
+        <pc:sldMkLst>
+          <pc:docMk/>
+          <pc:sldMk cId="18942137" sldId="288"/>
+        </pc:sldMkLst>
+      </pc:sldChg>
+      <pc:sldChg chg="modSp new del mod ord">
+        <pc:chgData name="Pedro Henrique Klein de Almeida" userId="2d15c7026afea1dc" providerId="LiveId" clId="{B425F1DE-3A03-4EE9-9D71-017A26C203DD}" dt="2021-03-07T17:12:27.038" v="2095" actId="2696"/>
+        <pc:sldMkLst>
+          <pc:docMk/>
+          <pc:sldMk cId="1100411826" sldId="288"/>
+        </pc:sldMkLst>
+        <pc:spChg chg="mod">
+          <ac:chgData name="Pedro Henrique Klein de Almeida" userId="2d15c7026afea1dc" providerId="LiveId" clId="{B425F1DE-3A03-4EE9-9D71-017A26C203DD}" dt="2021-03-07T16:10:48.727" v="1478" actId="20577"/>
+          <ac:spMkLst>
+            <pc:docMk/>
+            <pc:sldMk cId="1100411826" sldId="288"/>
+            <ac:spMk id="2" creationId="{6A4B0BE7-AD53-4115-924A-2B49ECFFB331}"/>
+          </ac:spMkLst>
+        </pc:spChg>
+      </pc:sldChg>
+      <pc:sldChg chg="new add del">
+        <pc:chgData name="Pedro Henrique Klein de Almeida" userId="2d15c7026afea1dc" providerId="LiveId" clId="{B425F1DE-3A03-4EE9-9D71-017A26C203DD}" dt="2021-03-07T16:10:28.240" v="1448" actId="2696"/>
+        <pc:sldMkLst>
+          <pc:docMk/>
+          <pc:sldMk cId="4128304876" sldId="288"/>
+        </pc:sldMkLst>
+      </pc:sldChg>
+      <pc:sldChg chg="modSp new del mod">
+        <pc:chgData name="Pedro Henrique Klein de Almeida" userId="2d15c7026afea1dc" providerId="LiveId" clId="{B425F1DE-3A03-4EE9-9D71-017A26C203DD}" dt="2021-03-07T17:10:08.883" v="1858" actId="47"/>
+        <pc:sldMkLst>
+          <pc:docMk/>
+          <pc:sldMk cId="2916060187" sldId="289"/>
+        </pc:sldMkLst>
+        <pc:spChg chg="mod">
+          <ac:chgData name="Pedro Henrique Klein de Almeida" userId="2d15c7026afea1dc" providerId="LiveId" clId="{B425F1DE-3A03-4EE9-9D71-017A26C203DD}" dt="2021-03-07T16:12:31.916" v="1495" actId="20577"/>
+          <ac:spMkLst>
+            <pc:docMk/>
+            <pc:sldMk cId="2916060187" sldId="289"/>
+            <ac:spMk id="2" creationId="{4FF8EC3A-AE64-4CBE-B372-EF4E563A9D3A}"/>
+          </ac:spMkLst>
+        </pc:spChg>
+      </pc:sldChg>
+      <pc:sldChg chg="addSp delSp modSp add mod ord modNotes">
+        <pc:chgData name="Pedro Henrique Klein de Almeida" userId="2d15c7026afea1dc" providerId="LiveId" clId="{B425F1DE-3A03-4EE9-9D71-017A26C203DD}" dt="2021-03-07T17:02:43.446" v="1856" actId="14100"/>
+        <pc:sldMkLst>
+          <pc:docMk/>
+          <pc:sldMk cId="4049490775" sldId="290"/>
+        </pc:sldMkLst>
+        <pc:spChg chg="add del">
+          <ac:chgData name="Pedro Henrique Klein de Almeida" userId="2d15c7026afea1dc" providerId="LiveId" clId="{B425F1DE-3A03-4EE9-9D71-017A26C203DD}" dt="2021-03-07T16:58:52.440" v="1826" actId="478"/>
+          <ac:spMkLst>
+            <pc:docMk/>
+            <pc:sldMk cId="4049490775" sldId="290"/>
+            <ac:spMk id="2" creationId="{298E55D6-7912-48B9-BDF4-57656A9E42D2}"/>
+          </ac:spMkLst>
+        </pc:spChg>
+        <pc:spChg chg="mod">
+          <ac:chgData name="Pedro Henrique Klein de Almeida" userId="2d15c7026afea1dc" providerId="LiveId" clId="{B425F1DE-3A03-4EE9-9D71-017A26C203DD}" dt="2021-03-07T17:00:17.455" v="1844" actId="1076"/>
+          <ac:spMkLst>
+            <pc:docMk/>
+            <pc:sldMk cId="4049490775" sldId="290"/>
+            <ac:spMk id="237" creationId="{00000000-0000-0000-0000-000000000000}"/>
+          </ac:spMkLst>
+        </pc:spChg>
+        <pc:spChg chg="mod">
+          <ac:chgData name="Pedro Henrique Klein de Almeida" userId="2d15c7026afea1dc" providerId="LiveId" clId="{B425F1DE-3A03-4EE9-9D71-017A26C203DD}" dt="2021-03-07T17:00:13.363" v="1843" actId="1076"/>
+          <ac:spMkLst>
+            <pc:docMk/>
+            <pc:sldMk cId="4049490775" sldId="290"/>
+            <ac:spMk id="238" creationId="{00000000-0000-0000-0000-000000000000}"/>
+          </ac:spMkLst>
+        </pc:spChg>
+        <pc:picChg chg="add mod ord">
+          <ac:chgData name="Pedro Henrique Klein de Almeida" userId="2d15c7026afea1dc" providerId="LiveId" clId="{B425F1DE-3A03-4EE9-9D71-017A26C203DD}" dt="2021-03-07T17:02:43.446" v="1856" actId="14100"/>
+          <ac:picMkLst>
+            <pc:docMk/>
+            <pc:sldMk cId="4049490775" sldId="290"/>
+            <ac:picMk id="4" creationId="{AACBB404-8AB9-4810-8450-5D6F3C0B76C1}"/>
+          </ac:picMkLst>
+        </pc:picChg>
+        <pc:picChg chg="del">
+          <ac:chgData name="Pedro Henrique Klein de Almeida" userId="2d15c7026afea1dc" providerId="LiveId" clId="{B425F1DE-3A03-4EE9-9D71-017A26C203DD}" dt="2021-03-07T16:58:18.458" v="1824" actId="478"/>
+          <ac:picMkLst>
+            <pc:docMk/>
+            <pc:sldMk cId="4049490775" sldId="290"/>
+            <ac:picMk id="240" creationId="{00000000-0000-0000-0000-000000000000}"/>
+          </ac:picMkLst>
+        </pc:picChg>
+      </pc:sldChg>
+      <pc:sldChg chg="addSp delSp modSp add mod">
+        <pc:chgData name="Pedro Henrique Klein de Almeida" userId="2d15c7026afea1dc" providerId="LiveId" clId="{B425F1DE-3A03-4EE9-9D71-017A26C203DD}" dt="2021-03-07T17:11:58.865" v="2091" actId="20577"/>
+        <pc:sldMkLst>
+          <pc:docMk/>
+          <pc:sldMk cId="3615001196" sldId="291"/>
+        </pc:sldMkLst>
+        <pc:spChg chg="mod">
+          <ac:chgData name="Pedro Henrique Klein de Almeida" userId="2d15c7026afea1dc" providerId="LiveId" clId="{B425F1DE-3A03-4EE9-9D71-017A26C203DD}" dt="2021-03-07T17:11:06.314" v="1917" actId="20577"/>
+          <ac:spMkLst>
+            <pc:docMk/>
+            <pc:sldMk cId="3615001196" sldId="291"/>
+            <ac:spMk id="237" creationId="{00000000-0000-0000-0000-000000000000}"/>
+          </ac:spMkLst>
+        </pc:spChg>
+        <pc:spChg chg="mod">
+          <ac:chgData name="Pedro Henrique Klein de Almeida" userId="2d15c7026afea1dc" providerId="LiveId" clId="{B425F1DE-3A03-4EE9-9D71-017A26C203DD}" dt="2021-03-07T17:11:58.865" v="2091" actId="20577"/>
+          <ac:spMkLst>
+            <pc:docMk/>
+            <pc:sldMk cId="3615001196" sldId="291"/>
+            <ac:spMk id="238" creationId="{00000000-0000-0000-0000-000000000000}"/>
+          </ac:spMkLst>
+        </pc:spChg>
+        <pc:picChg chg="add mod">
+          <ac:chgData name="Pedro Henrique Klein de Almeida" userId="2d15c7026afea1dc" providerId="LiveId" clId="{B425F1DE-3A03-4EE9-9D71-017A26C203DD}" dt="2021-03-07T17:10:51.367" v="1871" actId="14100"/>
+          <ac:picMkLst>
+            <pc:docMk/>
+            <pc:sldMk cId="3615001196" sldId="291"/>
+            <ac:picMk id="3" creationId="{494D0960-4EE9-45DC-A7C8-EB1DCAB4C81B}"/>
+          </ac:picMkLst>
+        </pc:picChg>
+        <pc:picChg chg="del">
+          <ac:chgData name="Pedro Henrique Klein de Almeida" userId="2d15c7026afea1dc" providerId="LiveId" clId="{B425F1DE-3A03-4EE9-9D71-017A26C203DD}" dt="2021-03-07T17:10:17" v="1861" actId="478"/>
+          <ac:picMkLst>
+            <pc:docMk/>
+            <pc:sldMk cId="3615001196" sldId="291"/>
+            <ac:picMk id="4" creationId="{AACBB404-8AB9-4810-8450-5D6F3C0B76C1}"/>
+          </ac:picMkLst>
+        </pc:picChg>
+      </pc:sldChg>
+      <pc:sldChg chg="addSp modSp add mod ord">
+        <pc:chgData name="Pedro Henrique Klein de Almeida" userId="2d15c7026afea1dc" providerId="LiveId" clId="{B425F1DE-3A03-4EE9-9D71-017A26C203DD}" dt="2021-03-07T18:39:27.002" v="3387"/>
+        <pc:sldMkLst>
+          <pc:docMk/>
+          <pc:sldMk cId="2490777966" sldId="292"/>
+        </pc:sldMkLst>
+        <pc:spChg chg="mod">
+          <ac:chgData name="Pedro Henrique Klein de Almeida" userId="2d15c7026afea1dc" providerId="LiveId" clId="{B425F1DE-3A03-4EE9-9D71-017A26C203DD}" dt="2021-03-07T17:14:23.287" v="2127" actId="108"/>
+          <ac:spMkLst>
+            <pc:docMk/>
+            <pc:sldMk cId="2490777966" sldId="292"/>
+            <ac:spMk id="2" creationId="{6A4B0BE7-AD53-4115-924A-2B49ECFFB331}"/>
+          </ac:spMkLst>
+        </pc:spChg>
+        <pc:spChg chg="mod">
+          <ac:chgData name="Pedro Henrique Klein de Almeida" userId="2d15c7026afea1dc" providerId="LiveId" clId="{B425F1DE-3A03-4EE9-9D71-017A26C203DD}" dt="2021-03-07T18:38:44.010" v="3342" actId="2"/>
+          <ac:spMkLst>
+            <pc:docMk/>
+            <pc:sldMk cId="2490777966" sldId="292"/>
+            <ac:spMk id="3" creationId="{1E99C471-03E2-46F6-914A-3F177CD67D13}"/>
+          </ac:spMkLst>
+        </pc:spChg>
+        <pc:spChg chg="mod">
+          <ac:chgData name="Pedro Henrique Klein de Almeida" userId="2d15c7026afea1dc" providerId="LiveId" clId="{B425F1DE-3A03-4EE9-9D71-017A26C203DD}" dt="2021-03-07T18:38:48.079" v="3343" actId="2"/>
+          <ac:spMkLst>
+            <pc:docMk/>
+            <pc:sldMk cId="2490777966" sldId="292"/>
+            <ac:spMk id="4" creationId="{9D9F508E-6C1E-47B2-B36D-DAFCD2A31BB7}"/>
+          </ac:spMkLst>
+        </pc:spChg>
+        <pc:spChg chg="mod">
+          <ac:chgData name="Pedro Henrique Klein de Almeida" userId="2d15c7026afea1dc" providerId="LiveId" clId="{B425F1DE-3A03-4EE9-9D71-017A26C203DD}" dt="2021-03-07T18:39:27.002" v="3387"/>
+          <ac:spMkLst>
+            <pc:docMk/>
+            <pc:sldMk cId="2490777966" sldId="292"/>
+            <ac:spMk id="5" creationId="{87AB2ED1-25E6-429D-B703-4F46ADA43042}"/>
+          </ac:spMkLst>
+        </pc:spChg>
+        <pc:picChg chg="add mod">
+          <ac:chgData name="Pedro Henrique Klein de Almeida" userId="2d15c7026afea1dc" providerId="LiveId" clId="{B425F1DE-3A03-4EE9-9D71-017A26C203DD}" dt="2021-03-07T17:25:29.072" v="2511"/>
+          <ac:picMkLst>
+            <pc:docMk/>
+            <pc:sldMk cId="2490777966" sldId="292"/>
+            <ac:picMk id="7" creationId="{8B603A32-E583-49A5-80EC-A933354600C7}"/>
+          </ac:picMkLst>
+        </pc:picChg>
+      </pc:sldChg>
+      <pc:sldChg chg="new del">
+        <pc:chgData name="Pedro Henrique Klein de Almeida" userId="2d15c7026afea1dc" providerId="LiveId" clId="{B425F1DE-3A03-4EE9-9D71-017A26C203DD}" dt="2021-03-07T17:21:30.719" v="2377" actId="2696"/>
+        <pc:sldMkLst>
+          <pc:docMk/>
+          <pc:sldMk cId="877599761" sldId="293"/>
+        </pc:sldMkLst>
+      </pc:sldChg>
+      <pc:sldChg chg="modSp add mod ord">
+        <pc:chgData name="Pedro Henrique Klein de Almeida" userId="2d15c7026afea1dc" providerId="LiveId" clId="{B425F1DE-3A03-4EE9-9D71-017A26C203DD}" dt="2021-03-07T17:25:07.306" v="2510" actId="20577"/>
+        <pc:sldMkLst>
+          <pc:docMk/>
+          <pc:sldMk cId="1885425496" sldId="293"/>
+        </pc:sldMkLst>
+        <pc:spChg chg="mod">
+          <ac:chgData name="Pedro Henrique Klein de Almeida" userId="2d15c7026afea1dc" providerId="LiveId" clId="{B425F1DE-3A03-4EE9-9D71-017A26C203DD}" dt="2021-03-07T17:21:56.172" v="2407" actId="20577"/>
+          <ac:spMkLst>
+            <pc:docMk/>
+            <pc:sldMk cId="1885425496" sldId="293"/>
+            <ac:spMk id="2" creationId="{051FF890-D2ED-40D1-9239-6B3E5B169701}"/>
+          </ac:spMkLst>
+        </pc:spChg>
+        <pc:spChg chg="mod">
+          <ac:chgData name="Pedro Henrique Klein de Almeida" userId="2d15c7026afea1dc" providerId="LiveId" clId="{B425F1DE-3A03-4EE9-9D71-017A26C203DD}" dt="2021-03-07T17:25:07.306" v="2510" actId="20577"/>
+          <ac:spMkLst>
+            <pc:docMk/>
+            <pc:sldMk cId="1885425496" sldId="293"/>
+            <ac:spMk id="3" creationId="{C0475109-7880-4C4A-B506-591DD68380BA}"/>
+          </ac:spMkLst>
+        </pc:spChg>
+      </pc:sldChg>
+      <pc:sldChg chg="addSp delSp modSp add mod ord">
+        <pc:chgData name="Pedro Henrique Klein de Almeida" userId="2d15c7026afea1dc" providerId="LiveId" clId="{B425F1DE-3A03-4EE9-9D71-017A26C203DD}" dt="2021-03-07T18:35:10.320" v="3336" actId="14100"/>
+        <pc:sldMkLst>
+          <pc:docMk/>
+          <pc:sldMk cId="4106406071" sldId="294"/>
+        </pc:sldMkLst>
+        <pc:spChg chg="mod">
+          <ac:chgData name="Pedro Henrique Klein de Almeida" userId="2d15c7026afea1dc" providerId="LiveId" clId="{B425F1DE-3A03-4EE9-9D71-017A26C203DD}" dt="2021-03-07T17:30:50.704" v="2527" actId="20577"/>
+          <ac:spMkLst>
+            <pc:docMk/>
+            <pc:sldMk cId="4106406071" sldId="294"/>
+            <ac:spMk id="237" creationId="{00000000-0000-0000-0000-000000000000}"/>
+          </ac:spMkLst>
+        </pc:spChg>
+        <pc:spChg chg="mod">
+          <ac:chgData name="Pedro Henrique Klein de Almeida" userId="2d15c7026afea1dc" providerId="LiveId" clId="{B425F1DE-3A03-4EE9-9D71-017A26C203DD}" dt="2021-03-07T17:31:22.578" v="2629" actId="20577"/>
+          <ac:spMkLst>
+            <pc:docMk/>
+            <pc:sldMk cId="4106406071" sldId="294"/>
+            <ac:spMk id="238" creationId="{00000000-0000-0000-0000-000000000000}"/>
+          </ac:spMkLst>
+        </pc:spChg>
+        <pc:picChg chg="del mod">
+          <ac:chgData name="Pedro Henrique Klein de Almeida" userId="2d15c7026afea1dc" providerId="LiveId" clId="{B425F1DE-3A03-4EE9-9D71-017A26C203DD}" dt="2021-03-07T18:34:48.076" v="3329" actId="478"/>
+          <ac:picMkLst>
+            <pc:docMk/>
+            <pc:sldMk cId="4106406071" sldId="294"/>
+            <ac:picMk id="3" creationId="{494D0960-4EE9-45DC-A7C8-EB1DCAB4C81B}"/>
+          </ac:picMkLst>
+        </pc:picChg>
+        <pc:picChg chg="add mod">
+          <ac:chgData name="Pedro Henrique Klein de Almeida" userId="2d15c7026afea1dc" providerId="LiveId" clId="{B425F1DE-3A03-4EE9-9D71-017A26C203DD}" dt="2021-03-07T18:35:10.320" v="3336" actId="14100"/>
+          <ac:picMkLst>
+            <pc:docMk/>
+            <pc:sldMk cId="4106406071" sldId="294"/>
+            <ac:picMk id="4" creationId="{B4B540C7-F11F-458E-8196-741B8C1E1EE7}"/>
+          </ac:picMkLst>
+        </pc:picChg>
+      </pc:sldChg>
+      <pc:sldChg chg="modSp add mod ord">
+        <pc:chgData name="Pedro Henrique Klein de Almeida" userId="2d15c7026afea1dc" providerId="LiveId" clId="{B425F1DE-3A03-4EE9-9D71-017A26C203DD}" dt="2021-03-07T18:36:19.090" v="3337" actId="20577"/>
+        <pc:sldMkLst>
+          <pc:docMk/>
+          <pc:sldMk cId="3373884945" sldId="295"/>
+        </pc:sldMkLst>
+        <pc:spChg chg="mod">
+          <ac:chgData name="Pedro Henrique Klein de Almeida" userId="2d15c7026afea1dc" providerId="LiveId" clId="{B425F1DE-3A03-4EE9-9D71-017A26C203DD}" dt="2021-03-07T17:33:21.697" v="2697" actId="20577"/>
+          <ac:spMkLst>
+            <pc:docMk/>
+            <pc:sldMk cId="3373884945" sldId="295"/>
+            <ac:spMk id="2" creationId="{051FF890-D2ED-40D1-9239-6B3E5B169701}"/>
+          </ac:spMkLst>
+        </pc:spChg>
+        <pc:spChg chg="mod">
+          <ac:chgData name="Pedro Henrique Klein de Almeida" userId="2d15c7026afea1dc" providerId="LiveId" clId="{B425F1DE-3A03-4EE9-9D71-017A26C203DD}" dt="2021-03-07T18:36:19.090" v="3337" actId="20577"/>
+          <ac:spMkLst>
+            <pc:docMk/>
+            <pc:sldMk cId="3373884945" sldId="295"/>
+            <ac:spMk id="3" creationId="{C0475109-7880-4C4A-B506-591DD68380BA}"/>
+          </ac:spMkLst>
+        </pc:spChg>
+      </pc:sldChg>
+      <pc:sldChg chg="delSp modSp add mod ord modAnim">
+        <pc:chgData name="Pedro Henrique Klein de Almeida" userId="2d15c7026afea1dc" providerId="LiveId" clId="{B425F1DE-3A03-4EE9-9D71-017A26C203DD}" dt="2021-03-07T18:03:12.434" v="3327" actId="478"/>
+        <pc:sldMkLst>
+          <pc:docMk/>
+          <pc:sldMk cId="694773401" sldId="296"/>
+        </pc:sldMkLst>
+        <pc:spChg chg="mod">
+          <ac:chgData name="Pedro Henrique Klein de Almeida" userId="2d15c7026afea1dc" providerId="LiveId" clId="{B425F1DE-3A03-4EE9-9D71-017A26C203DD}" dt="2021-03-07T17:55:43.084" v="3052" actId="20577"/>
+          <ac:spMkLst>
+            <pc:docMk/>
+            <pc:sldMk cId="694773401" sldId="296"/>
+            <ac:spMk id="224" creationId="{00000000-0000-0000-0000-000000000000}"/>
+          </ac:spMkLst>
+        </pc:spChg>
+        <pc:spChg chg="mod">
+          <ac:chgData name="Pedro Henrique Klein de Almeida" userId="2d15c7026afea1dc" providerId="LiveId" clId="{B425F1DE-3A03-4EE9-9D71-017A26C203DD}" dt="2021-03-07T18:01:34.304" v="3276" actId="207"/>
+          <ac:spMkLst>
+            <pc:docMk/>
+            <pc:sldMk cId="694773401" sldId="296"/>
+            <ac:spMk id="225" creationId="{00000000-0000-0000-0000-000000000000}"/>
+          </ac:spMkLst>
+        </pc:spChg>
+        <pc:spChg chg="mod">
+          <ac:chgData name="Pedro Henrique Klein de Almeida" userId="2d15c7026afea1dc" providerId="LiveId" clId="{B425F1DE-3A03-4EE9-9D71-017A26C203DD}" dt="2021-03-07T18:01:38.972" v="3277" actId="207"/>
+          <ac:spMkLst>
+            <pc:docMk/>
+            <pc:sldMk cId="694773401" sldId="296"/>
+            <ac:spMk id="226" creationId="{00000000-0000-0000-0000-000000000000}"/>
+          </ac:spMkLst>
+        </pc:spChg>
+        <pc:spChg chg="mod">
+          <ac:chgData name="Pedro Henrique Klein de Almeida" userId="2d15c7026afea1dc" providerId="LiveId" clId="{B425F1DE-3A03-4EE9-9D71-017A26C203DD}" dt="2021-03-07T18:03:10.252" v="3326" actId="20577"/>
+          <ac:spMkLst>
+            <pc:docMk/>
+            <pc:sldMk cId="694773401" sldId="296"/>
+            <ac:spMk id="227" creationId="{00000000-0000-0000-0000-000000000000}"/>
+          </ac:spMkLst>
+        </pc:spChg>
+        <pc:grpChg chg="del">
+          <ac:chgData name="Pedro Henrique Klein de Almeida" userId="2d15c7026afea1dc" providerId="LiveId" clId="{B425F1DE-3A03-4EE9-9D71-017A26C203DD}" dt="2021-03-07T18:03:12.434" v="3327" actId="478"/>
+          <ac:grpSpMkLst>
+            <pc:docMk/>
+            <pc:sldMk cId="694773401" sldId="296"/>
+            <ac:grpSpMk id="229" creationId="{00000000-0000-0000-0000-000000000000}"/>
+          </ac:grpSpMkLst>
+        </pc:grpChg>
+      </pc:sldChg>
+      <pc:sldChg chg="new del">
+        <pc:chgData name="Pedro Henrique Klein de Almeida" userId="2d15c7026afea1dc" providerId="LiveId" clId="{B425F1DE-3A03-4EE9-9D71-017A26C203DD}" dt="2021-03-07T17:55:29.773" v="3037" actId="2696"/>
+        <pc:sldMkLst>
+          <pc:docMk/>
+          <pc:sldMk cId="4207930734" sldId="296"/>
+        </pc:sldMkLst>
+      </pc:sldChg>
+      <pc:sldMasterChg chg="addSldLayout delSldLayout">
+        <pc:chgData name="Pedro Henrique Klein de Almeida" userId="2d15c7026afea1dc" providerId="LiveId" clId="{B425F1DE-3A03-4EE9-9D71-017A26C203DD}" dt="2021-03-07T17:36:07.025" v="2936" actId="2696"/>
+        <pc:sldMasterMkLst>
+          <pc:docMk/>
+          <pc:sldMasterMk cId="0" sldId="2147483660"/>
+        </pc:sldMasterMkLst>
+        <pc:sldLayoutChg chg="del">
+          <pc:chgData name="Pedro Henrique Klein de Almeida" userId="2d15c7026afea1dc" providerId="LiveId" clId="{B425F1DE-3A03-4EE9-9D71-017A26C203DD}" dt="2021-03-07T15:28:03.468" v="444" actId="2696"/>
+          <pc:sldLayoutMkLst>
+            <pc:docMk/>
+            <pc:sldMasterMk cId="0" sldId="2147483660"/>
+            <pc:sldLayoutMk cId="0" sldId="2147483653"/>
+          </pc:sldLayoutMkLst>
+        </pc:sldLayoutChg>
+        <pc:sldLayoutChg chg="add del">
+          <pc:chgData name="Pedro Henrique Klein de Almeida" userId="2d15c7026afea1dc" providerId="LiveId" clId="{B425F1DE-3A03-4EE9-9D71-017A26C203DD}" dt="2021-03-07T17:36:07.025" v="2936" actId="2696"/>
+          <pc:sldLayoutMkLst>
+            <pc:docMk/>
+            <pc:sldMasterMk cId="0" sldId="2147483660"/>
+            <pc:sldLayoutMk cId="0" sldId="2147483655"/>
+          </pc:sldLayoutMkLst>
+        </pc:sldLayoutChg>
+        <pc:sldLayoutChg chg="add del">
+          <pc:chgData name="Pedro Henrique Klein de Almeida" userId="2d15c7026afea1dc" providerId="LiveId" clId="{B425F1DE-3A03-4EE9-9D71-017A26C203DD}" dt="2021-03-07T17:36:02.012" v="2935" actId="18676"/>
+          <pc:sldLayoutMkLst>
+            <pc:docMk/>
+            <pc:sldMasterMk cId="0" sldId="2147483660"/>
+            <pc:sldLayoutMk cId="0" sldId="2147483656"/>
+          </pc:sldLayoutMkLst>
+        </pc:sldLayoutChg>
+        <pc:sldLayoutChg chg="add del">
+          <pc:chgData name="Pedro Henrique Klein de Almeida" userId="2d15c7026afea1dc" providerId="LiveId" clId="{B425F1DE-3A03-4EE9-9D71-017A26C203DD}" dt="2021-03-07T17:36:02.012" v="2935" actId="18676"/>
+          <pc:sldLayoutMkLst>
+            <pc:docMk/>
+            <pc:sldMasterMk cId="0" sldId="2147483660"/>
+            <pc:sldLayoutMk cId="0" sldId="2147483657"/>
+          </pc:sldLayoutMkLst>
+        </pc:sldLayoutChg>
+        <pc:sldLayoutChg chg="add del">
+          <pc:chgData name="Pedro Henrique Klein de Almeida" userId="2d15c7026afea1dc" providerId="LiveId" clId="{B425F1DE-3A03-4EE9-9D71-017A26C203DD}" dt="2021-03-07T16:10:23.238" v="1446" actId="2696"/>
+          <pc:sldLayoutMkLst>
+            <pc:docMk/>
+            <pc:sldMasterMk cId="0" sldId="2147483660"/>
+            <pc:sldLayoutMk cId="0" sldId="2147483658"/>
+          </pc:sldLayoutMkLst>
+        </pc:sldLayoutChg>
+      </pc:sldMasterChg>
+    </pc:docChg>
+  </pc:docChgLst>
+  <pc:docChgLst>
+    <pc:chgData name="Pedro Henrique Klein de Almeida" userId="2d15c7026afea1dc" providerId="LiveId" clId="{75030DD4-B3C0-44EB-BEEC-92BA66146314}"/>
+    <pc:docChg chg="undo custSel addSld delSld modSld modSection">
+      <pc:chgData name="Pedro Henrique Klein de Almeida" userId="2d15c7026afea1dc" providerId="LiveId" clId="{75030DD4-B3C0-44EB-BEEC-92BA66146314}" dt="2021-03-11T18:23:34.204" v="425" actId="2696"/>
+      <pc:docMkLst>
+        <pc:docMk/>
+      </pc:docMkLst>
+      <pc:sldChg chg="modSp mod setBg">
+        <pc:chgData name="Pedro Henrique Klein de Almeida" userId="2d15c7026afea1dc" providerId="LiveId" clId="{75030DD4-B3C0-44EB-BEEC-92BA66146314}" dt="2021-03-11T18:19:09.722" v="294"/>
+        <pc:sldMkLst>
+          <pc:docMk/>
+          <pc:sldMk cId="0" sldId="256"/>
+        </pc:sldMkLst>
+        <pc:spChg chg="mod">
+          <ac:chgData name="Pedro Henrique Klein de Almeida" userId="2d15c7026afea1dc" providerId="LiveId" clId="{75030DD4-B3C0-44EB-BEEC-92BA66146314}" dt="2021-03-11T18:19:02.484" v="293" actId="207"/>
+          <ac:spMkLst>
+            <pc:docMk/>
+            <pc:sldMk cId="0" sldId="256"/>
+            <ac:spMk id="147" creationId="{00000000-0000-0000-0000-000000000000}"/>
+          </ac:spMkLst>
+        </pc:spChg>
+        <pc:picChg chg="mod">
+          <ac:chgData name="Pedro Henrique Klein de Almeida" userId="2d15c7026afea1dc" providerId="LiveId" clId="{75030DD4-B3C0-44EB-BEEC-92BA66146314}" dt="2021-03-11T18:18:29.775" v="286" actId="1076"/>
+          <ac:picMkLst>
+            <pc:docMk/>
+            <pc:sldMk cId="0" sldId="256"/>
+            <ac:picMk id="3" creationId="{FF0A55FE-4913-4715-B29B-96F3DEB8DDB3}"/>
+          </ac:picMkLst>
+        </pc:picChg>
+      </pc:sldChg>
+      <pc:sldChg chg="modSp mod">
+        <pc:chgData name="Pedro Henrique Klein de Almeida" userId="2d15c7026afea1dc" providerId="LiveId" clId="{75030DD4-B3C0-44EB-BEEC-92BA66146314}" dt="2021-03-11T18:20:09.678" v="296" actId="255"/>
+        <pc:sldMkLst>
+          <pc:docMk/>
+          <pc:sldMk cId="0" sldId="261"/>
+        </pc:sldMkLst>
+        <pc:spChg chg="mod">
+          <ac:chgData name="Pedro Henrique Klein de Almeida" userId="2d15c7026afea1dc" providerId="LiveId" clId="{75030DD4-B3C0-44EB-BEEC-92BA66146314}" dt="2021-03-11T18:20:09.678" v="296" actId="255"/>
+          <ac:spMkLst>
+            <pc:docMk/>
+            <pc:sldMk cId="0" sldId="261"/>
+            <ac:spMk id="185" creationId="{00000000-0000-0000-0000-000000000000}"/>
+          </ac:spMkLst>
+        </pc:spChg>
+      </pc:sldChg>
+      <pc:sldChg chg="modSp mod">
+        <pc:chgData name="Pedro Henrique Klein de Almeida" userId="2d15c7026afea1dc" providerId="LiveId" clId="{75030DD4-B3C0-44EB-BEEC-92BA66146314}" dt="2021-03-11T18:20:33.832" v="300" actId="14100"/>
+        <pc:sldMkLst>
+          <pc:docMk/>
+          <pc:sldMk cId="3909148501" sldId="287"/>
+        </pc:sldMkLst>
+        <pc:picChg chg="mod">
+          <ac:chgData name="Pedro Henrique Klein de Almeida" userId="2d15c7026afea1dc" providerId="LiveId" clId="{75030DD4-B3C0-44EB-BEEC-92BA66146314}" dt="2021-03-11T18:20:33.832" v="300" actId="14100"/>
+          <ac:picMkLst>
+            <pc:docMk/>
+            <pc:sldMk cId="3909148501" sldId="287"/>
+            <ac:picMk id="7" creationId="{D4D33D13-F2C2-4836-AA27-37674997DC7A}"/>
+          </ac:picMkLst>
+        </pc:picChg>
+      </pc:sldChg>
+      <pc:sldChg chg="modSp mod">
+        <pc:chgData name="Pedro Henrique Klein de Almeida" userId="2d15c7026afea1dc" providerId="LiveId" clId="{75030DD4-B3C0-44EB-BEEC-92BA66146314}" dt="2021-03-11T16:47:22.812" v="282" actId="20577"/>
+        <pc:sldMkLst>
+          <pc:docMk/>
+          <pc:sldMk cId="2490777966" sldId="292"/>
+        </pc:sldMkLst>
+        <pc:spChg chg="mod">
+          <ac:chgData name="Pedro Henrique Klein de Almeida" userId="2d15c7026afea1dc" providerId="LiveId" clId="{75030DD4-B3C0-44EB-BEEC-92BA66146314}" dt="2021-03-11T16:40:44.290" v="272" actId="20577"/>
+          <ac:spMkLst>
+            <pc:docMk/>
+            <pc:sldMk cId="2490777966" sldId="292"/>
+            <ac:spMk id="3" creationId="{1E99C471-03E2-46F6-914A-3F177CD67D13}"/>
+          </ac:spMkLst>
+        </pc:spChg>
+        <pc:spChg chg="mod">
+          <ac:chgData name="Pedro Henrique Klein de Almeida" userId="2d15c7026afea1dc" providerId="LiveId" clId="{75030DD4-B3C0-44EB-BEEC-92BA66146314}" dt="2021-03-11T16:47:22.812" v="282" actId="20577"/>
+          <ac:spMkLst>
+            <pc:docMk/>
+            <pc:sldMk cId="2490777966" sldId="292"/>
+            <ac:spMk id="4" creationId="{9D9F508E-6C1E-47B2-B36D-DAFCD2A31BB7}"/>
+          </ac:spMkLst>
+        </pc:spChg>
+        <pc:spChg chg="mod">
+          <ac:chgData name="Pedro Henrique Klein de Almeida" userId="2d15c7026afea1dc" providerId="LiveId" clId="{75030DD4-B3C0-44EB-BEEC-92BA66146314}" dt="2021-03-11T16:36:37.200" v="255" actId="20577"/>
+          <ac:spMkLst>
+            <pc:docMk/>
+            <pc:sldMk cId="2490777966" sldId="292"/>
+            <ac:spMk id="5" creationId="{87AB2ED1-25E6-429D-B703-4F46ADA43042}"/>
+          </ac:spMkLst>
+        </pc:spChg>
+      </pc:sldChg>
+      <pc:sldChg chg="modSp mod">
+        <pc:chgData name="Pedro Henrique Klein de Almeida" userId="2d15c7026afea1dc" providerId="LiveId" clId="{75030DD4-B3C0-44EB-BEEC-92BA66146314}" dt="2021-03-11T18:23:28.478" v="424" actId="313"/>
+        <pc:sldMkLst>
+          <pc:docMk/>
+          <pc:sldMk cId="1885425496" sldId="293"/>
+        </pc:sldMkLst>
+        <pc:spChg chg="mod">
+          <ac:chgData name="Pedro Henrique Klein de Almeida" userId="2d15c7026afea1dc" providerId="LiveId" clId="{75030DD4-B3C0-44EB-BEEC-92BA66146314}" dt="2021-03-11T18:23:28.478" v="424" actId="313"/>
+          <ac:spMkLst>
+            <pc:docMk/>
+            <pc:sldMk cId="1885425496" sldId="293"/>
+            <ac:spMk id="2" creationId="{051FF890-D2ED-40D1-9239-6B3E5B169701}"/>
+          </ac:spMkLst>
+        </pc:spChg>
+      </pc:sldChg>
+      <pc:sldChg chg="delSp modSp del mod">
+        <pc:chgData name="Pedro Henrique Klein de Almeida" userId="2d15c7026afea1dc" providerId="LiveId" clId="{75030DD4-B3C0-44EB-BEEC-92BA66146314}" dt="2021-03-11T18:23:34.204" v="425" actId="2696"/>
+        <pc:sldMkLst>
+          <pc:docMk/>
+          <pc:sldMk cId="4106406071" sldId="294"/>
+        </pc:sldMkLst>
+        <pc:spChg chg="mod">
+          <ac:chgData name="Pedro Henrique Klein de Almeida" userId="2d15c7026afea1dc" providerId="LiveId" clId="{75030DD4-B3C0-44EB-BEEC-92BA66146314}" dt="2021-03-11T18:21:58.761" v="305" actId="1076"/>
+          <ac:spMkLst>
+            <pc:docMk/>
+            <pc:sldMk cId="4106406071" sldId="294"/>
+            <ac:spMk id="237" creationId="{00000000-0000-0000-0000-000000000000}"/>
+          </ac:spMkLst>
+        </pc:spChg>
+        <pc:spChg chg="mod">
+          <ac:chgData name="Pedro Henrique Klein de Almeida" userId="2d15c7026afea1dc" providerId="LiveId" clId="{75030DD4-B3C0-44EB-BEEC-92BA66146314}" dt="2021-03-11T18:22:34.224" v="390" actId="20577"/>
+          <ac:spMkLst>
+            <pc:docMk/>
+            <pc:sldMk cId="4106406071" sldId="294"/>
+            <ac:spMk id="238" creationId="{00000000-0000-0000-0000-000000000000}"/>
+          </ac:spMkLst>
+        </pc:spChg>
+        <pc:picChg chg="del">
+          <ac:chgData name="Pedro Henrique Klein de Almeida" userId="2d15c7026afea1dc" providerId="LiveId" clId="{75030DD4-B3C0-44EB-BEEC-92BA66146314}" dt="2021-03-11T18:21:54.446" v="304" actId="478"/>
+          <ac:picMkLst>
+            <pc:docMk/>
+            <pc:sldMk cId="4106406071" sldId="294"/>
+            <ac:picMk id="4" creationId="{B4B540C7-F11F-458E-8196-741B8C1E1EE7}"/>
+          </ac:picMkLst>
+        </pc:picChg>
+      </pc:sldChg>
+      <pc:sldChg chg="modSp mod">
+        <pc:chgData name="Pedro Henrique Klein de Almeida" userId="2d15c7026afea1dc" providerId="LiveId" clId="{75030DD4-B3C0-44EB-BEEC-92BA66146314}" dt="2021-03-11T18:21:23.301" v="302" actId="207"/>
+        <pc:sldMkLst>
+          <pc:docMk/>
+          <pc:sldMk cId="953804295" sldId="298"/>
+        </pc:sldMkLst>
+        <pc:spChg chg="mod">
+          <ac:chgData name="Pedro Henrique Klein de Almeida" userId="2d15c7026afea1dc" providerId="LiveId" clId="{75030DD4-B3C0-44EB-BEEC-92BA66146314}" dt="2021-03-11T18:21:23.301" v="302" actId="207"/>
+          <ac:spMkLst>
+            <pc:docMk/>
+            <pc:sldMk cId="953804295" sldId="298"/>
+            <ac:spMk id="169" creationId="{00000000-0000-0000-0000-000000000000}"/>
+          </ac:spMkLst>
+        </pc:spChg>
+      </pc:sldChg>
+      <pc:sldChg chg="modSp add mod">
+        <pc:chgData name="Pedro Henrique Klein de Almeida" userId="2d15c7026afea1dc" providerId="LiveId" clId="{75030DD4-B3C0-44EB-BEEC-92BA66146314}" dt="2021-03-11T18:23:11.503" v="408" actId="5793"/>
+        <pc:sldMkLst>
+          <pc:docMk/>
+          <pc:sldMk cId="3113295613" sldId="299"/>
+        </pc:sldMkLst>
+        <pc:spChg chg="mod">
+          <ac:chgData name="Pedro Henrique Klein de Almeida" userId="2d15c7026afea1dc" providerId="LiveId" clId="{75030DD4-B3C0-44EB-BEEC-92BA66146314}" dt="2021-03-11T18:23:02.355" v="405" actId="20577"/>
+          <ac:spMkLst>
+            <pc:docMk/>
+            <pc:sldMk cId="3113295613" sldId="299"/>
+            <ac:spMk id="2" creationId="{051FF890-D2ED-40D1-9239-6B3E5B169701}"/>
+          </ac:spMkLst>
+        </pc:spChg>
+        <pc:spChg chg="mod">
+          <ac:chgData name="Pedro Henrique Klein de Almeida" userId="2d15c7026afea1dc" providerId="LiveId" clId="{75030DD4-B3C0-44EB-BEEC-92BA66146314}" dt="2021-03-11T18:23:11.503" v="408" actId="5793"/>
+          <ac:spMkLst>
+            <pc:docMk/>
+            <pc:sldMk cId="3113295613" sldId="299"/>
+            <ac:spMk id="3" creationId="{C0475109-7880-4C4A-B506-591DD68380BA}"/>
+          </ac:spMkLst>
+        </pc:spChg>
+      </pc:sldChg>
+    </pc:docChg>
+  </pc:docChgLst>
+  <pc:docChgLst>
+    <pc:chgData name="Pedro Henrique Klein de Almeida" userId="2d15c7026afea1dc" providerId="LiveId" clId="{C1B59492-DC1A-4B3A-86F0-556732D7BB21}"/>
+    <pc:docChg chg="custSel modSld sldOrd">
+      <pc:chgData name="Pedro Henrique Klein de Almeida" userId="2d15c7026afea1dc" providerId="LiveId" clId="{C1B59492-DC1A-4B3A-86F0-556732D7BB21}" dt="2021-03-10T20:00:47.156" v="25"/>
+      <pc:docMkLst>
+        <pc:docMk/>
+      </pc:docMkLst>
+      <pc:sldChg chg="modSp mod">
+        <pc:chgData name="Pedro Henrique Klein de Almeida" userId="2d15c7026afea1dc" providerId="LiveId" clId="{C1B59492-DC1A-4B3A-86F0-556732D7BB21}" dt="2021-03-09T18:50:27.424" v="9" actId="20577"/>
+        <pc:sldMkLst>
+          <pc:docMk/>
+          <pc:sldMk cId="0" sldId="258"/>
+        </pc:sldMkLst>
+        <pc:spChg chg="mod">
+          <ac:chgData name="Pedro Henrique Klein de Almeida" userId="2d15c7026afea1dc" providerId="LiveId" clId="{C1B59492-DC1A-4B3A-86F0-556732D7BB21}" dt="2021-03-09T18:50:27.424" v="9" actId="20577"/>
+          <ac:spMkLst>
+            <pc:docMk/>
+            <pc:sldMk cId="0" sldId="258"/>
+            <ac:spMk id="162" creationId="{00000000-0000-0000-0000-000000000000}"/>
+          </ac:spMkLst>
+        </pc:spChg>
+      </pc:sldChg>
+      <pc:sldChg chg="modSp mod">
+        <pc:chgData name="Pedro Henrique Klein de Almeida" userId="2d15c7026afea1dc" providerId="LiveId" clId="{C1B59492-DC1A-4B3A-86F0-556732D7BB21}" dt="2021-03-09T18:52:55.911" v="15" actId="20577"/>
+        <pc:sldMkLst>
+          <pc:docMk/>
+          <pc:sldMk cId="3999652898" sldId="286"/>
+        </pc:sldMkLst>
+        <pc:spChg chg="mod">
+          <ac:chgData name="Pedro Henrique Klein de Almeida" userId="2d15c7026afea1dc" providerId="LiveId" clId="{C1B59492-DC1A-4B3A-86F0-556732D7BB21}" dt="2021-03-09T18:52:55.911" v="15" actId="20577"/>
+          <ac:spMkLst>
+            <pc:docMk/>
+            <pc:sldMk cId="3999652898" sldId="286"/>
+            <ac:spMk id="3" creationId="{C0475109-7880-4C4A-B506-591DD68380BA}"/>
+          </ac:spMkLst>
+        </pc:spChg>
+      </pc:sldChg>
+      <pc:sldChg chg="modSp mod ord">
+        <pc:chgData name="Pedro Henrique Klein de Almeida" userId="2d15c7026afea1dc" providerId="LiveId" clId="{C1B59492-DC1A-4B3A-86F0-556732D7BB21}" dt="2021-03-10T20:00:47.156" v="25"/>
+        <pc:sldMkLst>
+          <pc:docMk/>
+          <pc:sldMk cId="3373884945" sldId="295"/>
+        </pc:sldMkLst>
+        <pc:spChg chg="mod">
+          <ac:chgData name="Pedro Henrique Klein de Almeida" userId="2d15c7026afea1dc" providerId="LiveId" clId="{C1B59492-DC1A-4B3A-86F0-556732D7BB21}" dt="2021-03-10T20:00:27.114" v="23" actId="1076"/>
+          <ac:spMkLst>
+            <pc:docMk/>
+            <pc:sldMk cId="3373884945" sldId="295"/>
+            <ac:spMk id="3" creationId="{C0475109-7880-4C4A-B506-591DD68380BA}"/>
+          </ac:spMkLst>
+        </pc:spChg>
+      </pc:sldChg>
+    </pc:docChg>
+  </pc:docChgLst>
   <pc:docChgLst>
     <pc:chgData name="Antonio" userId="d42371d61bd3278c" providerId="LiveId" clId="{B85036F9-EEBA-4C90-BC61-FDB5AB647748}"/>
     <pc:docChg chg="undo custSel addSld delSld modSld modMainMaster modSection modNotesMaster">
@@ -2176,1057 +3227,6 @@
       </pc:sldChg>
     </pc:docChg>
   </pc:docChgLst>
-  <pc:docChgLst>
-    <pc:chgData name="Pedro Henrique Klein de Almeida" userId="2d15c7026afea1dc" providerId="LiveId" clId="{C1B59492-DC1A-4B3A-86F0-556732D7BB21}"/>
-    <pc:docChg chg="custSel modSld sldOrd">
-      <pc:chgData name="Pedro Henrique Klein de Almeida" userId="2d15c7026afea1dc" providerId="LiveId" clId="{C1B59492-DC1A-4B3A-86F0-556732D7BB21}" dt="2021-03-10T20:00:47.156" v="25"/>
-      <pc:docMkLst>
-        <pc:docMk/>
-      </pc:docMkLst>
-      <pc:sldChg chg="modSp mod">
-        <pc:chgData name="Pedro Henrique Klein de Almeida" userId="2d15c7026afea1dc" providerId="LiveId" clId="{C1B59492-DC1A-4B3A-86F0-556732D7BB21}" dt="2021-03-09T18:50:27.424" v="9" actId="20577"/>
-        <pc:sldMkLst>
-          <pc:docMk/>
-          <pc:sldMk cId="0" sldId="258"/>
-        </pc:sldMkLst>
-        <pc:spChg chg="mod">
-          <ac:chgData name="Pedro Henrique Klein de Almeida" userId="2d15c7026afea1dc" providerId="LiveId" clId="{C1B59492-DC1A-4B3A-86F0-556732D7BB21}" dt="2021-03-09T18:50:27.424" v="9" actId="20577"/>
-          <ac:spMkLst>
-            <pc:docMk/>
-            <pc:sldMk cId="0" sldId="258"/>
-            <ac:spMk id="162" creationId="{00000000-0000-0000-0000-000000000000}"/>
-          </ac:spMkLst>
-        </pc:spChg>
-      </pc:sldChg>
-      <pc:sldChg chg="modSp mod">
-        <pc:chgData name="Pedro Henrique Klein de Almeida" userId="2d15c7026afea1dc" providerId="LiveId" clId="{C1B59492-DC1A-4B3A-86F0-556732D7BB21}" dt="2021-03-09T18:52:55.911" v="15" actId="20577"/>
-        <pc:sldMkLst>
-          <pc:docMk/>
-          <pc:sldMk cId="3999652898" sldId="286"/>
-        </pc:sldMkLst>
-        <pc:spChg chg="mod">
-          <ac:chgData name="Pedro Henrique Klein de Almeida" userId="2d15c7026afea1dc" providerId="LiveId" clId="{C1B59492-DC1A-4B3A-86F0-556732D7BB21}" dt="2021-03-09T18:52:55.911" v="15" actId="20577"/>
-          <ac:spMkLst>
-            <pc:docMk/>
-            <pc:sldMk cId="3999652898" sldId="286"/>
-            <ac:spMk id="3" creationId="{C0475109-7880-4C4A-B506-591DD68380BA}"/>
-          </ac:spMkLst>
-        </pc:spChg>
-      </pc:sldChg>
-      <pc:sldChg chg="modSp mod ord">
-        <pc:chgData name="Pedro Henrique Klein de Almeida" userId="2d15c7026afea1dc" providerId="LiveId" clId="{C1B59492-DC1A-4B3A-86F0-556732D7BB21}" dt="2021-03-10T20:00:47.156" v="25"/>
-        <pc:sldMkLst>
-          <pc:docMk/>
-          <pc:sldMk cId="3373884945" sldId="295"/>
-        </pc:sldMkLst>
-        <pc:spChg chg="mod">
-          <ac:chgData name="Pedro Henrique Klein de Almeida" userId="2d15c7026afea1dc" providerId="LiveId" clId="{C1B59492-DC1A-4B3A-86F0-556732D7BB21}" dt="2021-03-10T20:00:27.114" v="23" actId="1076"/>
-          <ac:spMkLst>
-            <pc:docMk/>
-            <pc:sldMk cId="3373884945" sldId="295"/>
-            <ac:spMk id="3" creationId="{C0475109-7880-4C4A-B506-591DD68380BA}"/>
-          </ac:spMkLst>
-        </pc:spChg>
-      </pc:sldChg>
-    </pc:docChg>
-  </pc:docChgLst>
-  <pc:docChgLst>
-    <pc:chgData name="Pedro Henrique Klein de Almeida" userId="2d15c7026afea1dc" providerId="LiveId" clId="{75030DD4-B3C0-44EB-BEEC-92BA66146314}"/>
-    <pc:docChg chg="undo custSel addSld delSld modSld modSection">
-      <pc:chgData name="Pedro Henrique Klein de Almeida" userId="2d15c7026afea1dc" providerId="LiveId" clId="{75030DD4-B3C0-44EB-BEEC-92BA66146314}" dt="2021-03-11T18:23:34.204" v="425" actId="2696"/>
-      <pc:docMkLst>
-        <pc:docMk/>
-      </pc:docMkLst>
-      <pc:sldChg chg="modSp mod setBg">
-        <pc:chgData name="Pedro Henrique Klein de Almeida" userId="2d15c7026afea1dc" providerId="LiveId" clId="{75030DD4-B3C0-44EB-BEEC-92BA66146314}" dt="2021-03-11T18:19:09.722" v="294"/>
-        <pc:sldMkLst>
-          <pc:docMk/>
-          <pc:sldMk cId="0" sldId="256"/>
-        </pc:sldMkLst>
-        <pc:spChg chg="mod">
-          <ac:chgData name="Pedro Henrique Klein de Almeida" userId="2d15c7026afea1dc" providerId="LiveId" clId="{75030DD4-B3C0-44EB-BEEC-92BA66146314}" dt="2021-03-11T18:19:02.484" v="293" actId="207"/>
-          <ac:spMkLst>
-            <pc:docMk/>
-            <pc:sldMk cId="0" sldId="256"/>
-            <ac:spMk id="147" creationId="{00000000-0000-0000-0000-000000000000}"/>
-          </ac:spMkLst>
-        </pc:spChg>
-        <pc:picChg chg="mod">
-          <ac:chgData name="Pedro Henrique Klein de Almeida" userId="2d15c7026afea1dc" providerId="LiveId" clId="{75030DD4-B3C0-44EB-BEEC-92BA66146314}" dt="2021-03-11T18:18:29.775" v="286" actId="1076"/>
-          <ac:picMkLst>
-            <pc:docMk/>
-            <pc:sldMk cId="0" sldId="256"/>
-            <ac:picMk id="3" creationId="{FF0A55FE-4913-4715-B29B-96F3DEB8DDB3}"/>
-          </ac:picMkLst>
-        </pc:picChg>
-      </pc:sldChg>
-      <pc:sldChg chg="modSp mod">
-        <pc:chgData name="Pedro Henrique Klein de Almeida" userId="2d15c7026afea1dc" providerId="LiveId" clId="{75030DD4-B3C0-44EB-BEEC-92BA66146314}" dt="2021-03-11T18:20:09.678" v="296" actId="255"/>
-        <pc:sldMkLst>
-          <pc:docMk/>
-          <pc:sldMk cId="0" sldId="261"/>
-        </pc:sldMkLst>
-        <pc:spChg chg="mod">
-          <ac:chgData name="Pedro Henrique Klein de Almeida" userId="2d15c7026afea1dc" providerId="LiveId" clId="{75030DD4-B3C0-44EB-BEEC-92BA66146314}" dt="2021-03-11T18:20:09.678" v="296" actId="255"/>
-          <ac:spMkLst>
-            <pc:docMk/>
-            <pc:sldMk cId="0" sldId="261"/>
-            <ac:spMk id="185" creationId="{00000000-0000-0000-0000-000000000000}"/>
-          </ac:spMkLst>
-        </pc:spChg>
-      </pc:sldChg>
-      <pc:sldChg chg="modSp mod">
-        <pc:chgData name="Pedro Henrique Klein de Almeida" userId="2d15c7026afea1dc" providerId="LiveId" clId="{75030DD4-B3C0-44EB-BEEC-92BA66146314}" dt="2021-03-11T18:20:33.832" v="300" actId="14100"/>
-        <pc:sldMkLst>
-          <pc:docMk/>
-          <pc:sldMk cId="3909148501" sldId="287"/>
-        </pc:sldMkLst>
-        <pc:picChg chg="mod">
-          <ac:chgData name="Pedro Henrique Klein de Almeida" userId="2d15c7026afea1dc" providerId="LiveId" clId="{75030DD4-B3C0-44EB-BEEC-92BA66146314}" dt="2021-03-11T18:20:33.832" v="300" actId="14100"/>
-          <ac:picMkLst>
-            <pc:docMk/>
-            <pc:sldMk cId="3909148501" sldId="287"/>
-            <ac:picMk id="7" creationId="{D4D33D13-F2C2-4836-AA27-37674997DC7A}"/>
-          </ac:picMkLst>
-        </pc:picChg>
-      </pc:sldChg>
-      <pc:sldChg chg="modSp mod">
-        <pc:chgData name="Pedro Henrique Klein de Almeida" userId="2d15c7026afea1dc" providerId="LiveId" clId="{75030DD4-B3C0-44EB-BEEC-92BA66146314}" dt="2021-03-11T16:47:22.812" v="282" actId="20577"/>
-        <pc:sldMkLst>
-          <pc:docMk/>
-          <pc:sldMk cId="2490777966" sldId="292"/>
-        </pc:sldMkLst>
-        <pc:spChg chg="mod">
-          <ac:chgData name="Pedro Henrique Klein de Almeida" userId="2d15c7026afea1dc" providerId="LiveId" clId="{75030DD4-B3C0-44EB-BEEC-92BA66146314}" dt="2021-03-11T16:40:44.290" v="272" actId="20577"/>
-          <ac:spMkLst>
-            <pc:docMk/>
-            <pc:sldMk cId="2490777966" sldId="292"/>
-            <ac:spMk id="3" creationId="{1E99C471-03E2-46F6-914A-3F177CD67D13}"/>
-          </ac:spMkLst>
-        </pc:spChg>
-        <pc:spChg chg="mod">
-          <ac:chgData name="Pedro Henrique Klein de Almeida" userId="2d15c7026afea1dc" providerId="LiveId" clId="{75030DD4-B3C0-44EB-BEEC-92BA66146314}" dt="2021-03-11T16:47:22.812" v="282" actId="20577"/>
-          <ac:spMkLst>
-            <pc:docMk/>
-            <pc:sldMk cId="2490777966" sldId="292"/>
-            <ac:spMk id="4" creationId="{9D9F508E-6C1E-47B2-B36D-DAFCD2A31BB7}"/>
-          </ac:spMkLst>
-        </pc:spChg>
-        <pc:spChg chg="mod">
-          <ac:chgData name="Pedro Henrique Klein de Almeida" userId="2d15c7026afea1dc" providerId="LiveId" clId="{75030DD4-B3C0-44EB-BEEC-92BA66146314}" dt="2021-03-11T16:36:37.200" v="255" actId="20577"/>
-          <ac:spMkLst>
-            <pc:docMk/>
-            <pc:sldMk cId="2490777966" sldId="292"/>
-            <ac:spMk id="5" creationId="{87AB2ED1-25E6-429D-B703-4F46ADA43042}"/>
-          </ac:spMkLst>
-        </pc:spChg>
-      </pc:sldChg>
-      <pc:sldChg chg="modSp mod">
-        <pc:chgData name="Pedro Henrique Klein de Almeida" userId="2d15c7026afea1dc" providerId="LiveId" clId="{75030DD4-B3C0-44EB-BEEC-92BA66146314}" dt="2021-03-11T18:23:28.478" v="424" actId="313"/>
-        <pc:sldMkLst>
-          <pc:docMk/>
-          <pc:sldMk cId="1885425496" sldId="293"/>
-        </pc:sldMkLst>
-        <pc:spChg chg="mod">
-          <ac:chgData name="Pedro Henrique Klein de Almeida" userId="2d15c7026afea1dc" providerId="LiveId" clId="{75030DD4-B3C0-44EB-BEEC-92BA66146314}" dt="2021-03-11T18:23:28.478" v="424" actId="313"/>
-          <ac:spMkLst>
-            <pc:docMk/>
-            <pc:sldMk cId="1885425496" sldId="293"/>
-            <ac:spMk id="2" creationId="{051FF890-D2ED-40D1-9239-6B3E5B169701}"/>
-          </ac:spMkLst>
-        </pc:spChg>
-      </pc:sldChg>
-      <pc:sldChg chg="delSp modSp del mod">
-        <pc:chgData name="Pedro Henrique Klein de Almeida" userId="2d15c7026afea1dc" providerId="LiveId" clId="{75030DD4-B3C0-44EB-BEEC-92BA66146314}" dt="2021-03-11T18:23:34.204" v="425" actId="2696"/>
-        <pc:sldMkLst>
-          <pc:docMk/>
-          <pc:sldMk cId="4106406071" sldId="294"/>
-        </pc:sldMkLst>
-        <pc:spChg chg="mod">
-          <ac:chgData name="Pedro Henrique Klein de Almeida" userId="2d15c7026afea1dc" providerId="LiveId" clId="{75030DD4-B3C0-44EB-BEEC-92BA66146314}" dt="2021-03-11T18:21:58.761" v="305" actId="1076"/>
-          <ac:spMkLst>
-            <pc:docMk/>
-            <pc:sldMk cId="4106406071" sldId="294"/>
-            <ac:spMk id="237" creationId="{00000000-0000-0000-0000-000000000000}"/>
-          </ac:spMkLst>
-        </pc:spChg>
-        <pc:spChg chg="mod">
-          <ac:chgData name="Pedro Henrique Klein de Almeida" userId="2d15c7026afea1dc" providerId="LiveId" clId="{75030DD4-B3C0-44EB-BEEC-92BA66146314}" dt="2021-03-11T18:22:34.224" v="390" actId="20577"/>
-          <ac:spMkLst>
-            <pc:docMk/>
-            <pc:sldMk cId="4106406071" sldId="294"/>
-            <ac:spMk id="238" creationId="{00000000-0000-0000-0000-000000000000}"/>
-          </ac:spMkLst>
-        </pc:spChg>
-        <pc:picChg chg="del">
-          <ac:chgData name="Pedro Henrique Klein de Almeida" userId="2d15c7026afea1dc" providerId="LiveId" clId="{75030DD4-B3C0-44EB-BEEC-92BA66146314}" dt="2021-03-11T18:21:54.446" v="304" actId="478"/>
-          <ac:picMkLst>
-            <pc:docMk/>
-            <pc:sldMk cId="4106406071" sldId="294"/>
-            <ac:picMk id="4" creationId="{B4B540C7-F11F-458E-8196-741B8C1E1EE7}"/>
-          </ac:picMkLst>
-        </pc:picChg>
-      </pc:sldChg>
-      <pc:sldChg chg="modSp mod">
-        <pc:chgData name="Pedro Henrique Klein de Almeida" userId="2d15c7026afea1dc" providerId="LiveId" clId="{75030DD4-B3C0-44EB-BEEC-92BA66146314}" dt="2021-03-11T18:21:23.301" v="302" actId="207"/>
-        <pc:sldMkLst>
-          <pc:docMk/>
-          <pc:sldMk cId="953804295" sldId="298"/>
-        </pc:sldMkLst>
-        <pc:spChg chg="mod">
-          <ac:chgData name="Pedro Henrique Klein de Almeida" userId="2d15c7026afea1dc" providerId="LiveId" clId="{75030DD4-B3C0-44EB-BEEC-92BA66146314}" dt="2021-03-11T18:21:23.301" v="302" actId="207"/>
-          <ac:spMkLst>
-            <pc:docMk/>
-            <pc:sldMk cId="953804295" sldId="298"/>
-            <ac:spMk id="169" creationId="{00000000-0000-0000-0000-000000000000}"/>
-          </ac:spMkLst>
-        </pc:spChg>
-      </pc:sldChg>
-      <pc:sldChg chg="modSp add mod">
-        <pc:chgData name="Pedro Henrique Klein de Almeida" userId="2d15c7026afea1dc" providerId="LiveId" clId="{75030DD4-B3C0-44EB-BEEC-92BA66146314}" dt="2021-03-11T18:23:11.503" v="408" actId="5793"/>
-        <pc:sldMkLst>
-          <pc:docMk/>
-          <pc:sldMk cId="3113295613" sldId="299"/>
-        </pc:sldMkLst>
-        <pc:spChg chg="mod">
-          <ac:chgData name="Pedro Henrique Klein de Almeida" userId="2d15c7026afea1dc" providerId="LiveId" clId="{75030DD4-B3C0-44EB-BEEC-92BA66146314}" dt="2021-03-11T18:23:02.355" v="405" actId="20577"/>
-          <ac:spMkLst>
-            <pc:docMk/>
-            <pc:sldMk cId="3113295613" sldId="299"/>
-            <ac:spMk id="2" creationId="{051FF890-D2ED-40D1-9239-6B3E5B169701}"/>
-          </ac:spMkLst>
-        </pc:spChg>
-        <pc:spChg chg="mod">
-          <ac:chgData name="Pedro Henrique Klein de Almeida" userId="2d15c7026afea1dc" providerId="LiveId" clId="{75030DD4-B3C0-44EB-BEEC-92BA66146314}" dt="2021-03-11T18:23:11.503" v="408" actId="5793"/>
-          <ac:spMkLst>
-            <pc:docMk/>
-            <pc:sldMk cId="3113295613" sldId="299"/>
-            <ac:spMk id="3" creationId="{C0475109-7880-4C4A-B506-591DD68380BA}"/>
-          </ac:spMkLst>
-        </pc:spChg>
-      </pc:sldChg>
-    </pc:docChg>
-  </pc:docChgLst>
-  <pc:docChgLst>
-    <pc:chgData name="Pedro Henrique Klein de Almeida" userId="2d15c7026afea1dc" providerId="LiveId" clId="{B425F1DE-3A03-4EE9-9D71-017A26C203DD}"/>
-    <pc:docChg chg="undo custSel addSld delSld modSld sldOrd addSection delSection modSection">
-      <pc:chgData name="Pedro Henrique Klein de Almeida" userId="2d15c7026afea1dc" providerId="LiveId" clId="{B425F1DE-3A03-4EE9-9D71-017A26C203DD}" dt="2021-03-07T18:39:27.002" v="3387"/>
-      <pc:docMkLst>
-        <pc:docMk/>
-      </pc:docMkLst>
-      <pc:sldChg chg="modSp mod">
-        <pc:chgData name="Pedro Henrique Klein de Almeida" userId="2d15c7026afea1dc" providerId="LiveId" clId="{B425F1DE-3A03-4EE9-9D71-017A26C203DD}" dt="2021-03-07T16:20:54.146" v="1712" actId="255"/>
-        <pc:sldMkLst>
-          <pc:docMk/>
-          <pc:sldMk cId="0" sldId="256"/>
-        </pc:sldMkLst>
-        <pc:spChg chg="mod">
-          <ac:chgData name="Pedro Henrique Klein de Almeida" userId="2d15c7026afea1dc" providerId="LiveId" clId="{B425F1DE-3A03-4EE9-9D71-017A26C203DD}" dt="2021-03-07T16:20:54.146" v="1712" actId="255"/>
-          <ac:spMkLst>
-            <pc:docMk/>
-            <pc:sldMk cId="0" sldId="256"/>
-            <ac:spMk id="147" creationId="{00000000-0000-0000-0000-000000000000}"/>
-          </ac:spMkLst>
-        </pc:spChg>
-      </pc:sldChg>
-      <pc:sldChg chg="modSp mod">
-        <pc:chgData name="Pedro Henrique Klein de Almeida" userId="2d15c7026afea1dc" providerId="LiveId" clId="{B425F1DE-3A03-4EE9-9D71-017A26C203DD}" dt="2021-03-07T18:38:35.408" v="3340" actId="20577"/>
-        <pc:sldMkLst>
-          <pc:docMk/>
-          <pc:sldMk cId="0" sldId="258"/>
-        </pc:sldMkLst>
-        <pc:spChg chg="mod">
-          <ac:chgData name="Pedro Henrique Klein de Almeida" userId="2d15c7026afea1dc" providerId="LiveId" clId="{B425F1DE-3A03-4EE9-9D71-017A26C203DD}" dt="2021-03-07T18:38:35.408" v="3340" actId="20577"/>
-          <ac:spMkLst>
-            <pc:docMk/>
-            <pc:sldMk cId="0" sldId="258"/>
-            <ac:spMk id="162" creationId="{00000000-0000-0000-0000-000000000000}"/>
-          </ac:spMkLst>
-        </pc:spChg>
-      </pc:sldChg>
-      <pc:sldChg chg="addSp delSp modSp mod">
-        <pc:chgData name="Pedro Henrique Klein de Almeida" userId="2d15c7026afea1dc" providerId="LiveId" clId="{B425F1DE-3A03-4EE9-9D71-017A26C203DD}" dt="2021-03-07T17:53:11.717" v="3035"/>
-        <pc:sldMkLst>
-          <pc:docMk/>
-          <pc:sldMk cId="0" sldId="261"/>
-        </pc:sldMkLst>
-        <pc:picChg chg="del mod">
-          <ac:chgData name="Pedro Henrique Klein de Almeida" userId="2d15c7026afea1dc" providerId="LiveId" clId="{B425F1DE-3A03-4EE9-9D71-017A26C203DD}" dt="2021-03-07T17:53:10.605" v="3034" actId="478"/>
-          <ac:picMkLst>
-            <pc:docMk/>
-            <pc:sldMk cId="0" sldId="261"/>
-            <ac:picMk id="5" creationId="{678038F6-326F-4282-B075-555D19BDABAE}"/>
-          </ac:picMkLst>
-        </pc:picChg>
-        <pc:picChg chg="add mod">
-          <ac:chgData name="Pedro Henrique Klein de Almeida" userId="2d15c7026afea1dc" providerId="LiveId" clId="{B425F1DE-3A03-4EE9-9D71-017A26C203DD}" dt="2021-03-07T17:53:11.717" v="3035"/>
-          <ac:picMkLst>
-            <pc:docMk/>
-            <pc:sldMk cId="0" sldId="261"/>
-            <ac:picMk id="6" creationId="{20244AFA-C221-45B2-BFB8-802E00B3000B}"/>
-          </ac:picMkLst>
-        </pc:picChg>
-      </pc:sldChg>
-      <pc:sldChg chg="del">
-        <pc:chgData name="Pedro Henrique Klein de Almeida" userId="2d15c7026afea1dc" providerId="LiveId" clId="{B425F1DE-3A03-4EE9-9D71-017A26C203DD}" dt="2021-03-07T15:28:03.468" v="444" actId="2696"/>
-        <pc:sldMkLst>
-          <pc:docMk/>
-          <pc:sldMk cId="0" sldId="263"/>
-        </pc:sldMkLst>
-      </pc:sldChg>
-      <pc:sldChg chg="addSp modSp mod modAnim">
-        <pc:chgData name="Pedro Henrique Klein de Almeida" userId="2d15c7026afea1dc" providerId="LiveId" clId="{B425F1DE-3A03-4EE9-9D71-017A26C203DD}" dt="2021-03-07T17:25:31.788" v="2512"/>
-        <pc:sldMkLst>
-          <pc:docMk/>
-          <pc:sldMk cId="0" sldId="264"/>
-        </pc:sldMkLst>
-        <pc:spChg chg="mod">
-          <ac:chgData name="Pedro Henrique Klein de Almeida" userId="2d15c7026afea1dc" providerId="LiveId" clId="{B425F1DE-3A03-4EE9-9D71-017A26C203DD}" dt="2021-03-07T15:36:36.513" v="467" actId="108"/>
-          <ac:spMkLst>
-            <pc:docMk/>
-            <pc:sldMk cId="0" sldId="264"/>
-            <ac:spMk id="224" creationId="{00000000-0000-0000-0000-000000000000}"/>
-          </ac:spMkLst>
-        </pc:spChg>
-        <pc:spChg chg="mod">
-          <ac:chgData name="Pedro Henrique Klein de Almeida" userId="2d15c7026afea1dc" providerId="LiveId" clId="{B425F1DE-3A03-4EE9-9D71-017A26C203DD}" dt="2021-03-07T16:57:53.076" v="1783" actId="20577"/>
-          <ac:spMkLst>
-            <pc:docMk/>
-            <pc:sldMk cId="0" sldId="264"/>
-            <ac:spMk id="225" creationId="{00000000-0000-0000-0000-000000000000}"/>
-          </ac:spMkLst>
-        </pc:spChg>
-        <pc:spChg chg="mod">
-          <ac:chgData name="Pedro Henrique Klein de Almeida" userId="2d15c7026afea1dc" providerId="LiveId" clId="{B425F1DE-3A03-4EE9-9D71-017A26C203DD}" dt="2021-03-07T15:46:34.187" v="1022" actId="207"/>
-          <ac:spMkLst>
-            <pc:docMk/>
-            <pc:sldMk cId="0" sldId="264"/>
-            <ac:spMk id="226" creationId="{00000000-0000-0000-0000-000000000000}"/>
-          </ac:spMkLst>
-        </pc:spChg>
-        <pc:spChg chg="mod">
-          <ac:chgData name="Pedro Henrique Klein de Almeida" userId="2d15c7026afea1dc" providerId="LiveId" clId="{B425F1DE-3A03-4EE9-9D71-017A26C203DD}" dt="2021-03-07T15:50:52.128" v="1299" actId="20577"/>
-          <ac:spMkLst>
-            <pc:docMk/>
-            <pc:sldMk cId="0" sldId="264"/>
-            <ac:spMk id="227" creationId="{00000000-0000-0000-0000-000000000000}"/>
-          </ac:spMkLst>
-        </pc:spChg>
-        <pc:grpChg chg="mod">
-          <ac:chgData name="Pedro Henrique Klein de Almeida" userId="2d15c7026afea1dc" providerId="LiveId" clId="{B425F1DE-3A03-4EE9-9D71-017A26C203DD}" dt="2021-03-07T15:55:31.323" v="1301" actId="1076"/>
-          <ac:grpSpMkLst>
-            <pc:docMk/>
-            <pc:sldMk cId="0" sldId="264"/>
-            <ac:grpSpMk id="229" creationId="{00000000-0000-0000-0000-000000000000}"/>
-          </ac:grpSpMkLst>
-        </pc:grpChg>
-        <pc:picChg chg="add mod">
-          <ac:chgData name="Pedro Henrique Klein de Almeida" userId="2d15c7026afea1dc" providerId="LiveId" clId="{B425F1DE-3A03-4EE9-9D71-017A26C203DD}" dt="2021-03-07T17:25:31.788" v="2512"/>
-          <ac:picMkLst>
-            <pc:docMk/>
-            <pc:sldMk cId="0" sldId="264"/>
-            <ac:picMk id="11" creationId="{094EC4E7-49F8-4461-A7E8-13A116CE00F4}"/>
-          </ac:picMkLst>
-        </pc:picChg>
-      </pc:sldChg>
-      <pc:sldChg chg="addSp delSp modSp del mod">
-        <pc:chgData name="Pedro Henrique Klein de Almeida" userId="2d15c7026afea1dc" providerId="LiveId" clId="{B425F1DE-3A03-4EE9-9D71-017A26C203DD}" dt="2021-03-07T15:58:19.786" v="1343" actId="2696"/>
-        <pc:sldMkLst>
-          <pc:docMk/>
-          <pc:sldMk cId="0" sldId="265"/>
-        </pc:sldMkLst>
-        <pc:spChg chg="add del">
-          <ac:chgData name="Pedro Henrique Klein de Almeida" userId="2d15c7026afea1dc" providerId="LiveId" clId="{B425F1DE-3A03-4EE9-9D71-017A26C203DD}" dt="2021-03-07T15:57:09.142" v="1332"/>
-          <ac:spMkLst>
-            <pc:docMk/>
-            <pc:sldMk cId="0" sldId="265"/>
-            <ac:spMk id="2" creationId="{242F0187-76C9-4EB5-9677-2C9E89BBEDEF}"/>
-          </ac:spMkLst>
-        </pc:spChg>
-        <pc:spChg chg="add del mod">
-          <ac:chgData name="Pedro Henrique Klein de Almeida" userId="2d15c7026afea1dc" providerId="LiveId" clId="{B425F1DE-3A03-4EE9-9D71-017A26C203DD}" dt="2021-03-07T15:57:23.860" v="1335" actId="478"/>
-          <ac:spMkLst>
-            <pc:docMk/>
-            <pc:sldMk cId="0" sldId="265"/>
-            <ac:spMk id="3" creationId="{75295AF2-4AFD-4375-9867-F31BFE05B12B}"/>
-          </ac:spMkLst>
-        </pc:spChg>
-        <pc:spChg chg="mod">
-          <ac:chgData name="Pedro Henrique Klein de Almeida" userId="2d15c7026afea1dc" providerId="LiveId" clId="{B425F1DE-3A03-4EE9-9D71-017A26C203DD}" dt="2021-03-07T15:57:03.272" v="1330" actId="20577"/>
-          <ac:spMkLst>
-            <pc:docMk/>
-            <pc:sldMk cId="0" sldId="265"/>
-            <ac:spMk id="237" creationId="{00000000-0000-0000-0000-000000000000}"/>
-          </ac:spMkLst>
-        </pc:spChg>
-        <pc:picChg chg="add del mod">
-          <ac:chgData name="Pedro Henrique Klein de Almeida" userId="2d15c7026afea1dc" providerId="LiveId" clId="{B425F1DE-3A03-4EE9-9D71-017A26C203DD}" dt="2021-03-07T15:58:11.045" v="1342" actId="478"/>
-          <ac:picMkLst>
-            <pc:docMk/>
-            <pc:sldMk cId="0" sldId="265"/>
-            <ac:picMk id="5" creationId="{E519FEED-1F52-4324-B677-87DFD57EC3FD}"/>
-          </ac:picMkLst>
-        </pc:picChg>
-        <pc:picChg chg="del mod">
-          <ac:chgData name="Pedro Henrique Klein de Almeida" userId="2d15c7026afea1dc" providerId="LiveId" clId="{B425F1DE-3A03-4EE9-9D71-017A26C203DD}" dt="2021-03-07T15:55:48.604" v="1329" actId="478"/>
-          <ac:picMkLst>
-            <pc:docMk/>
-            <pc:sldMk cId="0" sldId="265"/>
-            <ac:picMk id="240" creationId="{00000000-0000-0000-0000-000000000000}"/>
-          </ac:picMkLst>
-        </pc:picChg>
-      </pc:sldChg>
-      <pc:sldChg chg="addSp delSp modSp add del mod">
-        <pc:chgData name="Pedro Henrique Klein de Almeida" userId="2d15c7026afea1dc" providerId="LiveId" clId="{B425F1DE-3A03-4EE9-9D71-017A26C203DD}" dt="2021-03-07T16:06:01.309" v="1442" actId="2696"/>
-        <pc:sldMkLst>
-          <pc:docMk/>
-          <pc:sldMk cId="0" sldId="266"/>
-        </pc:sldMkLst>
-        <pc:spChg chg="del mod">
-          <ac:chgData name="Pedro Henrique Klein de Almeida" userId="2d15c7026afea1dc" providerId="LiveId" clId="{B425F1DE-3A03-4EE9-9D71-017A26C203DD}" dt="2021-03-07T16:04:13.654" v="1441" actId="478"/>
-          <ac:spMkLst>
-            <pc:docMk/>
-            <pc:sldMk cId="0" sldId="266"/>
-            <ac:spMk id="245" creationId="{00000000-0000-0000-0000-000000000000}"/>
-          </ac:spMkLst>
-        </pc:spChg>
-        <pc:picChg chg="add del mod">
-          <ac:chgData name="Pedro Henrique Klein de Almeida" userId="2d15c7026afea1dc" providerId="LiveId" clId="{B425F1DE-3A03-4EE9-9D71-017A26C203DD}" dt="2021-03-07T16:00:09.280" v="1422" actId="478"/>
-          <ac:picMkLst>
-            <pc:docMk/>
-            <pc:sldMk cId="0" sldId="266"/>
-            <ac:picMk id="3" creationId="{973E62F0-2903-4480-8C43-3CF5B1DFA16A}"/>
-          </ac:picMkLst>
-        </pc:picChg>
-      </pc:sldChg>
-      <pc:sldChg chg="add del">
-        <pc:chgData name="Pedro Henrique Klein de Almeida" userId="2d15c7026afea1dc" providerId="LiveId" clId="{B425F1DE-3A03-4EE9-9D71-017A26C203DD}" dt="2021-03-07T16:56:55.616" v="1713" actId="2696"/>
-        <pc:sldMkLst>
-          <pc:docMk/>
-          <pc:sldMk cId="0" sldId="267"/>
-        </pc:sldMkLst>
-      </pc:sldChg>
-      <pc:sldChg chg="add del">
-        <pc:chgData name="Pedro Henrique Klein de Almeida" userId="2d15c7026afea1dc" providerId="LiveId" clId="{B425F1DE-3A03-4EE9-9D71-017A26C203DD}" dt="2021-03-07T17:36:07.025" v="2936" actId="2696"/>
-        <pc:sldMkLst>
-          <pc:docMk/>
-          <pc:sldMk cId="0" sldId="268"/>
-        </pc:sldMkLst>
-      </pc:sldChg>
-      <pc:sldChg chg="add del">
-        <pc:chgData name="Pedro Henrique Klein de Almeida" userId="2d15c7026afea1dc" providerId="LiveId" clId="{B425F1DE-3A03-4EE9-9D71-017A26C203DD}" dt="2021-03-07T17:36:02.012" v="2935" actId="18676"/>
-        <pc:sldMkLst>
-          <pc:docMk/>
-          <pc:sldMk cId="0" sldId="269"/>
-        </pc:sldMkLst>
-      </pc:sldChg>
-      <pc:sldChg chg="add del">
-        <pc:chgData name="Pedro Henrique Klein de Almeida" userId="2d15c7026afea1dc" providerId="LiveId" clId="{B425F1DE-3A03-4EE9-9D71-017A26C203DD}" dt="2021-03-07T17:36:02.012" v="2935" actId="18676"/>
-        <pc:sldMkLst>
-          <pc:docMk/>
-          <pc:sldMk cId="0" sldId="270"/>
-        </pc:sldMkLst>
-      </pc:sldChg>
-      <pc:sldChg chg="add del">
-        <pc:chgData name="Pedro Henrique Klein de Almeida" userId="2d15c7026afea1dc" providerId="LiveId" clId="{B425F1DE-3A03-4EE9-9D71-017A26C203DD}" dt="2021-03-07T17:36:02.012" v="2935" actId="18676"/>
-        <pc:sldMkLst>
-          <pc:docMk/>
-          <pc:sldMk cId="0" sldId="271"/>
-        </pc:sldMkLst>
-      </pc:sldChg>
-      <pc:sldChg chg="add del">
-        <pc:chgData name="Pedro Henrique Klein de Almeida" userId="2d15c7026afea1dc" providerId="LiveId" clId="{B425F1DE-3A03-4EE9-9D71-017A26C203DD}" dt="2021-03-07T17:36:02.012" v="2935" actId="18676"/>
-        <pc:sldMkLst>
-          <pc:docMk/>
-          <pc:sldMk cId="0" sldId="272"/>
-        </pc:sldMkLst>
-      </pc:sldChg>
-      <pc:sldChg chg="add del">
-        <pc:chgData name="Pedro Henrique Klein de Almeida" userId="2d15c7026afea1dc" providerId="LiveId" clId="{B425F1DE-3A03-4EE9-9D71-017A26C203DD}" dt="2021-03-07T17:36:02.012" v="2935" actId="18676"/>
-        <pc:sldMkLst>
-          <pc:docMk/>
-          <pc:sldMk cId="0" sldId="273"/>
-        </pc:sldMkLst>
-      </pc:sldChg>
-      <pc:sldChg chg="add del">
-        <pc:chgData name="Pedro Henrique Klein de Almeida" userId="2d15c7026afea1dc" providerId="LiveId" clId="{B425F1DE-3A03-4EE9-9D71-017A26C203DD}" dt="2021-03-07T17:36:02.012" v="2935" actId="18676"/>
-        <pc:sldMkLst>
-          <pc:docMk/>
-          <pc:sldMk cId="0" sldId="274"/>
-        </pc:sldMkLst>
-      </pc:sldChg>
-      <pc:sldChg chg="add del">
-        <pc:chgData name="Pedro Henrique Klein de Almeida" userId="2d15c7026afea1dc" providerId="LiveId" clId="{B425F1DE-3A03-4EE9-9D71-017A26C203DD}" dt="2021-03-07T17:36:02.012" v="2935" actId="18676"/>
-        <pc:sldMkLst>
-          <pc:docMk/>
-          <pc:sldMk cId="0" sldId="275"/>
-        </pc:sldMkLst>
-      </pc:sldChg>
-      <pc:sldChg chg="add del">
-        <pc:chgData name="Pedro Henrique Klein de Almeida" userId="2d15c7026afea1dc" providerId="LiveId" clId="{B425F1DE-3A03-4EE9-9D71-017A26C203DD}" dt="2021-03-07T17:36:02.012" v="2935" actId="18676"/>
-        <pc:sldMkLst>
-          <pc:docMk/>
-          <pc:sldMk cId="0" sldId="276"/>
-        </pc:sldMkLst>
-      </pc:sldChg>
-      <pc:sldChg chg="add del">
-        <pc:chgData name="Pedro Henrique Klein de Almeida" userId="2d15c7026afea1dc" providerId="LiveId" clId="{B425F1DE-3A03-4EE9-9D71-017A26C203DD}" dt="2021-03-07T17:36:02.012" v="2935" actId="18676"/>
-        <pc:sldMkLst>
-          <pc:docMk/>
-          <pc:sldMk cId="0" sldId="277"/>
-        </pc:sldMkLst>
-      </pc:sldChg>
-      <pc:sldChg chg="addSp delSp modSp add del mod ord">
-        <pc:chgData name="Pedro Henrique Klein de Almeida" userId="2d15c7026afea1dc" providerId="LiveId" clId="{B425F1DE-3A03-4EE9-9D71-017A26C203DD}" dt="2021-03-07T17:50:14.651" v="3032" actId="1076"/>
-        <pc:sldMkLst>
-          <pc:docMk/>
-          <pc:sldMk cId="0" sldId="278"/>
-        </pc:sldMkLst>
-        <pc:spChg chg="mod">
-          <ac:chgData name="Pedro Henrique Klein de Almeida" userId="2d15c7026afea1dc" providerId="LiveId" clId="{B425F1DE-3A03-4EE9-9D71-017A26C203DD}" dt="2021-03-07T17:36:15.914" v="2952" actId="20577"/>
-          <ac:spMkLst>
-            <pc:docMk/>
-            <pc:sldMk cId="0" sldId="278"/>
-            <ac:spMk id="386" creationId="{00000000-0000-0000-0000-000000000000}"/>
-          </ac:spMkLst>
-        </pc:spChg>
-        <pc:spChg chg="mod">
-          <ac:chgData name="Pedro Henrique Klein de Almeida" userId="2d15c7026afea1dc" providerId="LiveId" clId="{B425F1DE-3A03-4EE9-9D71-017A26C203DD}" dt="2021-03-07T17:48:08.057" v="3015" actId="20577"/>
-          <ac:spMkLst>
-            <pc:docMk/>
-            <pc:sldMk cId="0" sldId="278"/>
-            <ac:spMk id="387" creationId="{00000000-0000-0000-0000-000000000000}"/>
-          </ac:spMkLst>
-        </pc:spChg>
-        <pc:spChg chg="del">
-          <ac:chgData name="Pedro Henrique Klein de Almeida" userId="2d15c7026afea1dc" providerId="LiveId" clId="{B425F1DE-3A03-4EE9-9D71-017A26C203DD}" dt="2021-03-07T17:48:41.560" v="3022" actId="478"/>
-          <ac:spMkLst>
-            <pc:docMk/>
-            <pc:sldMk cId="0" sldId="278"/>
-            <ac:spMk id="389" creationId="{00000000-0000-0000-0000-000000000000}"/>
-          </ac:spMkLst>
-        </pc:spChg>
-        <pc:picChg chg="add del mod">
-          <ac:chgData name="Pedro Henrique Klein de Almeida" userId="2d15c7026afea1dc" providerId="LiveId" clId="{B425F1DE-3A03-4EE9-9D71-017A26C203DD}" dt="2021-03-07T17:49:27.778" v="3025" actId="478"/>
-          <ac:picMkLst>
-            <pc:docMk/>
-            <pc:sldMk cId="0" sldId="278"/>
-            <ac:picMk id="3" creationId="{DBCA2A45-16A6-44C0-8CB2-98BEC3EAB663}"/>
-          </ac:picMkLst>
-        </pc:picChg>
-        <pc:picChg chg="add del mod">
-          <ac:chgData name="Pedro Henrique Klein de Almeida" userId="2d15c7026afea1dc" providerId="LiveId" clId="{B425F1DE-3A03-4EE9-9D71-017A26C203DD}" dt="2021-03-07T17:49:50.073" v="3028" actId="478"/>
-          <ac:picMkLst>
-            <pc:docMk/>
-            <pc:sldMk cId="0" sldId="278"/>
-            <ac:picMk id="5" creationId="{C262DAA1-0398-4A84-AABB-9E7FCC14A870}"/>
-          </ac:picMkLst>
-        </pc:picChg>
-        <pc:picChg chg="add mod">
-          <ac:chgData name="Pedro Henrique Klein de Almeida" userId="2d15c7026afea1dc" providerId="LiveId" clId="{B425F1DE-3A03-4EE9-9D71-017A26C203DD}" dt="2021-03-07T17:50:14.651" v="3032" actId="1076"/>
-          <ac:picMkLst>
-            <pc:docMk/>
-            <pc:sldMk cId="0" sldId="278"/>
-            <ac:picMk id="7" creationId="{C2AD5F2F-2C52-481A-8601-5D0DD9754C45}"/>
-          </ac:picMkLst>
-        </pc:picChg>
-      </pc:sldChg>
-      <pc:sldChg chg="add del">
-        <pc:chgData name="Pedro Henrique Klein de Almeida" userId="2d15c7026afea1dc" providerId="LiveId" clId="{B425F1DE-3A03-4EE9-9D71-017A26C203DD}" dt="2021-03-07T17:36:02.012" v="2935" actId="18676"/>
-        <pc:sldMkLst>
-          <pc:docMk/>
-          <pc:sldMk cId="0" sldId="279"/>
-        </pc:sldMkLst>
-      </pc:sldChg>
-      <pc:sldChg chg="add del">
-        <pc:chgData name="Pedro Henrique Klein de Almeida" userId="2d15c7026afea1dc" providerId="LiveId" clId="{B425F1DE-3A03-4EE9-9D71-017A26C203DD}" dt="2021-03-07T17:36:02.012" v="2935" actId="18676"/>
-        <pc:sldMkLst>
-          <pc:docMk/>
-          <pc:sldMk cId="0" sldId="280"/>
-        </pc:sldMkLst>
-      </pc:sldChg>
-      <pc:sldChg chg="add del">
-        <pc:chgData name="Pedro Henrique Klein de Almeida" userId="2d15c7026afea1dc" providerId="LiveId" clId="{B425F1DE-3A03-4EE9-9D71-017A26C203DD}" dt="2021-03-07T17:36:02.012" v="2935" actId="18676"/>
-        <pc:sldMkLst>
-          <pc:docMk/>
-          <pc:sldMk cId="0" sldId="281"/>
-        </pc:sldMkLst>
-      </pc:sldChg>
-      <pc:sldChg chg="add del">
-        <pc:chgData name="Pedro Henrique Klein de Almeida" userId="2d15c7026afea1dc" providerId="LiveId" clId="{B425F1DE-3A03-4EE9-9D71-017A26C203DD}" dt="2021-03-07T17:36:02.012" v="2935" actId="18676"/>
-        <pc:sldMkLst>
-          <pc:docMk/>
-          <pc:sldMk cId="0" sldId="282"/>
-        </pc:sldMkLst>
-      </pc:sldChg>
-      <pc:sldChg chg="add del">
-        <pc:chgData name="Pedro Henrique Klein de Almeida" userId="2d15c7026afea1dc" providerId="LiveId" clId="{B425F1DE-3A03-4EE9-9D71-017A26C203DD}" dt="2021-03-07T17:36:02.012" v="2935" actId="18676"/>
-        <pc:sldMkLst>
-          <pc:docMk/>
-          <pc:sldMk cId="0" sldId="283"/>
-        </pc:sldMkLst>
-      </pc:sldChg>
-      <pc:sldChg chg="add del">
-        <pc:chgData name="Pedro Henrique Klein de Almeida" userId="2d15c7026afea1dc" providerId="LiveId" clId="{B425F1DE-3A03-4EE9-9D71-017A26C203DD}" dt="2021-03-07T17:36:02.012" v="2935" actId="18676"/>
-        <pc:sldMkLst>
-          <pc:docMk/>
-          <pc:sldMk cId="0" sldId="284"/>
-        </pc:sldMkLst>
-      </pc:sldChg>
-      <pc:sldChg chg="del">
-        <pc:chgData name="Pedro Henrique Klein de Almeida" userId="2d15c7026afea1dc" providerId="LiveId" clId="{B425F1DE-3A03-4EE9-9D71-017A26C203DD}" dt="2021-03-07T14:48:38.956" v="264" actId="2696"/>
-        <pc:sldMkLst>
-          <pc:docMk/>
-          <pc:sldMk cId="3957594253" sldId="285"/>
-        </pc:sldMkLst>
-      </pc:sldChg>
-      <pc:sldChg chg="addSp modSp mod">
-        <pc:chgData name="Pedro Henrique Klein de Almeida" userId="2d15c7026afea1dc" providerId="LiveId" clId="{B425F1DE-3A03-4EE9-9D71-017A26C203DD}" dt="2021-03-07T18:36:42.806" v="3338" actId="20577"/>
-        <pc:sldMkLst>
-          <pc:docMk/>
-          <pc:sldMk cId="3999652898" sldId="286"/>
-        </pc:sldMkLst>
-        <pc:spChg chg="mod">
-          <ac:chgData name="Pedro Henrique Klein de Almeida" userId="2d15c7026afea1dc" providerId="LiveId" clId="{B425F1DE-3A03-4EE9-9D71-017A26C203DD}" dt="2021-03-07T14:32:53.928" v="7" actId="120"/>
-          <ac:spMkLst>
-            <pc:docMk/>
-            <pc:sldMk cId="3999652898" sldId="286"/>
-            <ac:spMk id="2" creationId="{051FF890-D2ED-40D1-9239-6B3E5B169701}"/>
-          </ac:spMkLst>
-        </pc:spChg>
-        <pc:spChg chg="mod">
-          <ac:chgData name="Pedro Henrique Klein de Almeida" userId="2d15c7026afea1dc" providerId="LiveId" clId="{B425F1DE-3A03-4EE9-9D71-017A26C203DD}" dt="2021-03-07T18:36:42.806" v="3338" actId="20577"/>
-          <ac:spMkLst>
-            <pc:docMk/>
-            <pc:sldMk cId="3999652898" sldId="286"/>
-            <ac:spMk id="3" creationId="{C0475109-7880-4C4A-B506-591DD68380BA}"/>
-          </ac:spMkLst>
-        </pc:spChg>
-        <pc:picChg chg="add mod">
-          <ac:chgData name="Pedro Henrique Klein de Almeida" userId="2d15c7026afea1dc" providerId="LiveId" clId="{B425F1DE-3A03-4EE9-9D71-017A26C203DD}" dt="2021-03-07T14:32:25.510" v="2" actId="1076"/>
-          <ac:picMkLst>
-            <pc:docMk/>
-            <pc:sldMk cId="3999652898" sldId="286"/>
-            <ac:picMk id="5" creationId="{CC63DB24-6FEF-4851-88B3-FAAAE72DC9CA}"/>
-          </ac:picMkLst>
-        </pc:picChg>
-      </pc:sldChg>
-      <pc:sldChg chg="new del">
-        <pc:chgData name="Pedro Henrique Klein de Almeida" userId="2d15c7026afea1dc" providerId="LiveId" clId="{B425F1DE-3A03-4EE9-9D71-017A26C203DD}" dt="2021-03-07T16:00:05.561" v="1420" actId="680"/>
-        <pc:sldMkLst>
-          <pc:docMk/>
-          <pc:sldMk cId="872009808" sldId="287"/>
-        </pc:sldMkLst>
-      </pc:sldChg>
-      <pc:sldChg chg="new del">
-        <pc:chgData name="Pedro Henrique Klein de Almeida" userId="2d15c7026afea1dc" providerId="LiveId" clId="{B425F1DE-3A03-4EE9-9D71-017A26C203DD}" dt="2021-03-07T15:59:06.820" v="1403" actId="2696"/>
-        <pc:sldMkLst>
-          <pc:docMk/>
-          <pc:sldMk cId="3018759980" sldId="287"/>
-        </pc:sldMkLst>
-      </pc:sldChg>
-      <pc:sldChg chg="add del">
-        <pc:chgData name="Pedro Henrique Klein de Almeida" userId="2d15c7026afea1dc" providerId="LiveId" clId="{B425F1DE-3A03-4EE9-9D71-017A26C203DD}" dt="2021-03-07T15:28:12.581" v="446" actId="2696"/>
-        <pc:sldMkLst>
-          <pc:docMk/>
-          <pc:sldMk cId="3504306542" sldId="287"/>
-        </pc:sldMkLst>
-      </pc:sldChg>
-      <pc:sldChg chg="addSp delSp modSp new mod">
-        <pc:chgData name="Pedro Henrique Klein de Almeida" userId="2d15c7026afea1dc" providerId="LiveId" clId="{B425F1DE-3A03-4EE9-9D71-017A26C203DD}" dt="2021-03-07T16:03:04.379" v="1439" actId="478"/>
-        <pc:sldMkLst>
-          <pc:docMk/>
-          <pc:sldMk cId="3909148501" sldId="287"/>
-        </pc:sldMkLst>
-        <pc:spChg chg="add">
-          <ac:chgData name="Pedro Henrique Klein de Almeida" userId="2d15c7026afea1dc" providerId="LiveId" clId="{B425F1DE-3A03-4EE9-9D71-017A26C203DD}" dt="2021-03-07T16:01:02.340" v="1424"/>
-          <ac:spMkLst>
-            <pc:docMk/>
-            <pc:sldMk cId="3909148501" sldId="287"/>
-            <ac:spMk id="3" creationId="{CB3ADACC-6939-4623-8CAB-9F0D4E3D8F2D}"/>
-          </ac:spMkLst>
-        </pc:spChg>
-        <pc:picChg chg="add del mod ord">
-          <ac:chgData name="Pedro Henrique Klein de Almeida" userId="2d15c7026afea1dc" providerId="LiveId" clId="{B425F1DE-3A03-4EE9-9D71-017A26C203DD}" dt="2021-03-07T16:03:04.379" v="1439" actId="478"/>
-          <ac:picMkLst>
-            <pc:docMk/>
-            <pc:sldMk cId="3909148501" sldId="287"/>
-            <ac:picMk id="5" creationId="{2F7B8BB5-2AE1-44E8-8EB7-C237240E63C8}"/>
-          </ac:picMkLst>
-        </pc:picChg>
-      </pc:sldChg>
-      <pc:sldChg chg="new add del">
-        <pc:chgData name="Pedro Henrique Klein de Almeida" userId="2d15c7026afea1dc" providerId="LiveId" clId="{B425F1DE-3A03-4EE9-9D71-017A26C203DD}" dt="2021-03-07T16:00:05.409" v="1419" actId="680"/>
-        <pc:sldMkLst>
-          <pc:docMk/>
-          <pc:sldMk cId="18942137" sldId="288"/>
-        </pc:sldMkLst>
-      </pc:sldChg>
-      <pc:sldChg chg="modSp new del mod ord">
-        <pc:chgData name="Pedro Henrique Klein de Almeida" userId="2d15c7026afea1dc" providerId="LiveId" clId="{B425F1DE-3A03-4EE9-9D71-017A26C203DD}" dt="2021-03-07T17:12:27.038" v="2095" actId="2696"/>
-        <pc:sldMkLst>
-          <pc:docMk/>
-          <pc:sldMk cId="1100411826" sldId="288"/>
-        </pc:sldMkLst>
-        <pc:spChg chg="mod">
-          <ac:chgData name="Pedro Henrique Klein de Almeida" userId="2d15c7026afea1dc" providerId="LiveId" clId="{B425F1DE-3A03-4EE9-9D71-017A26C203DD}" dt="2021-03-07T16:10:48.727" v="1478" actId="20577"/>
-          <ac:spMkLst>
-            <pc:docMk/>
-            <pc:sldMk cId="1100411826" sldId="288"/>
-            <ac:spMk id="2" creationId="{6A4B0BE7-AD53-4115-924A-2B49ECFFB331}"/>
-          </ac:spMkLst>
-        </pc:spChg>
-      </pc:sldChg>
-      <pc:sldChg chg="new add del">
-        <pc:chgData name="Pedro Henrique Klein de Almeida" userId="2d15c7026afea1dc" providerId="LiveId" clId="{B425F1DE-3A03-4EE9-9D71-017A26C203DD}" dt="2021-03-07T16:10:28.240" v="1448" actId="2696"/>
-        <pc:sldMkLst>
-          <pc:docMk/>
-          <pc:sldMk cId="4128304876" sldId="288"/>
-        </pc:sldMkLst>
-      </pc:sldChg>
-      <pc:sldChg chg="modSp new del mod">
-        <pc:chgData name="Pedro Henrique Klein de Almeida" userId="2d15c7026afea1dc" providerId="LiveId" clId="{B425F1DE-3A03-4EE9-9D71-017A26C203DD}" dt="2021-03-07T17:10:08.883" v="1858" actId="47"/>
-        <pc:sldMkLst>
-          <pc:docMk/>
-          <pc:sldMk cId="2916060187" sldId="289"/>
-        </pc:sldMkLst>
-        <pc:spChg chg="mod">
-          <ac:chgData name="Pedro Henrique Klein de Almeida" userId="2d15c7026afea1dc" providerId="LiveId" clId="{B425F1DE-3A03-4EE9-9D71-017A26C203DD}" dt="2021-03-07T16:12:31.916" v="1495" actId="20577"/>
-          <ac:spMkLst>
-            <pc:docMk/>
-            <pc:sldMk cId="2916060187" sldId="289"/>
-            <ac:spMk id="2" creationId="{4FF8EC3A-AE64-4CBE-B372-EF4E563A9D3A}"/>
-          </ac:spMkLst>
-        </pc:spChg>
-      </pc:sldChg>
-      <pc:sldChg chg="addSp delSp modSp add mod ord modNotes">
-        <pc:chgData name="Pedro Henrique Klein de Almeida" userId="2d15c7026afea1dc" providerId="LiveId" clId="{B425F1DE-3A03-4EE9-9D71-017A26C203DD}" dt="2021-03-07T17:02:43.446" v="1856" actId="14100"/>
-        <pc:sldMkLst>
-          <pc:docMk/>
-          <pc:sldMk cId="4049490775" sldId="290"/>
-        </pc:sldMkLst>
-        <pc:spChg chg="add del">
-          <ac:chgData name="Pedro Henrique Klein de Almeida" userId="2d15c7026afea1dc" providerId="LiveId" clId="{B425F1DE-3A03-4EE9-9D71-017A26C203DD}" dt="2021-03-07T16:58:52.440" v="1826" actId="478"/>
-          <ac:spMkLst>
-            <pc:docMk/>
-            <pc:sldMk cId="4049490775" sldId="290"/>
-            <ac:spMk id="2" creationId="{298E55D6-7912-48B9-BDF4-57656A9E42D2}"/>
-          </ac:spMkLst>
-        </pc:spChg>
-        <pc:spChg chg="mod">
-          <ac:chgData name="Pedro Henrique Klein de Almeida" userId="2d15c7026afea1dc" providerId="LiveId" clId="{B425F1DE-3A03-4EE9-9D71-017A26C203DD}" dt="2021-03-07T17:00:17.455" v="1844" actId="1076"/>
-          <ac:spMkLst>
-            <pc:docMk/>
-            <pc:sldMk cId="4049490775" sldId="290"/>
-            <ac:spMk id="237" creationId="{00000000-0000-0000-0000-000000000000}"/>
-          </ac:spMkLst>
-        </pc:spChg>
-        <pc:spChg chg="mod">
-          <ac:chgData name="Pedro Henrique Klein de Almeida" userId="2d15c7026afea1dc" providerId="LiveId" clId="{B425F1DE-3A03-4EE9-9D71-017A26C203DD}" dt="2021-03-07T17:00:13.363" v="1843" actId="1076"/>
-          <ac:spMkLst>
-            <pc:docMk/>
-            <pc:sldMk cId="4049490775" sldId="290"/>
-            <ac:spMk id="238" creationId="{00000000-0000-0000-0000-000000000000}"/>
-          </ac:spMkLst>
-        </pc:spChg>
-        <pc:picChg chg="add mod ord">
-          <ac:chgData name="Pedro Henrique Klein de Almeida" userId="2d15c7026afea1dc" providerId="LiveId" clId="{B425F1DE-3A03-4EE9-9D71-017A26C203DD}" dt="2021-03-07T17:02:43.446" v="1856" actId="14100"/>
-          <ac:picMkLst>
-            <pc:docMk/>
-            <pc:sldMk cId="4049490775" sldId="290"/>
-            <ac:picMk id="4" creationId="{AACBB404-8AB9-4810-8450-5D6F3C0B76C1}"/>
-          </ac:picMkLst>
-        </pc:picChg>
-        <pc:picChg chg="del">
-          <ac:chgData name="Pedro Henrique Klein de Almeida" userId="2d15c7026afea1dc" providerId="LiveId" clId="{B425F1DE-3A03-4EE9-9D71-017A26C203DD}" dt="2021-03-07T16:58:18.458" v="1824" actId="478"/>
-          <ac:picMkLst>
-            <pc:docMk/>
-            <pc:sldMk cId="4049490775" sldId="290"/>
-            <ac:picMk id="240" creationId="{00000000-0000-0000-0000-000000000000}"/>
-          </ac:picMkLst>
-        </pc:picChg>
-      </pc:sldChg>
-      <pc:sldChg chg="addSp delSp modSp add mod">
-        <pc:chgData name="Pedro Henrique Klein de Almeida" userId="2d15c7026afea1dc" providerId="LiveId" clId="{B425F1DE-3A03-4EE9-9D71-017A26C203DD}" dt="2021-03-07T17:11:58.865" v="2091" actId="20577"/>
-        <pc:sldMkLst>
-          <pc:docMk/>
-          <pc:sldMk cId="3615001196" sldId="291"/>
-        </pc:sldMkLst>
-        <pc:spChg chg="mod">
-          <ac:chgData name="Pedro Henrique Klein de Almeida" userId="2d15c7026afea1dc" providerId="LiveId" clId="{B425F1DE-3A03-4EE9-9D71-017A26C203DD}" dt="2021-03-07T17:11:06.314" v="1917" actId="20577"/>
-          <ac:spMkLst>
-            <pc:docMk/>
-            <pc:sldMk cId="3615001196" sldId="291"/>
-            <ac:spMk id="237" creationId="{00000000-0000-0000-0000-000000000000}"/>
-          </ac:spMkLst>
-        </pc:spChg>
-        <pc:spChg chg="mod">
-          <ac:chgData name="Pedro Henrique Klein de Almeida" userId="2d15c7026afea1dc" providerId="LiveId" clId="{B425F1DE-3A03-4EE9-9D71-017A26C203DD}" dt="2021-03-07T17:11:58.865" v="2091" actId="20577"/>
-          <ac:spMkLst>
-            <pc:docMk/>
-            <pc:sldMk cId="3615001196" sldId="291"/>
-            <ac:spMk id="238" creationId="{00000000-0000-0000-0000-000000000000}"/>
-          </ac:spMkLst>
-        </pc:spChg>
-        <pc:picChg chg="add mod">
-          <ac:chgData name="Pedro Henrique Klein de Almeida" userId="2d15c7026afea1dc" providerId="LiveId" clId="{B425F1DE-3A03-4EE9-9D71-017A26C203DD}" dt="2021-03-07T17:10:51.367" v="1871" actId="14100"/>
-          <ac:picMkLst>
-            <pc:docMk/>
-            <pc:sldMk cId="3615001196" sldId="291"/>
-            <ac:picMk id="3" creationId="{494D0960-4EE9-45DC-A7C8-EB1DCAB4C81B}"/>
-          </ac:picMkLst>
-        </pc:picChg>
-        <pc:picChg chg="del">
-          <ac:chgData name="Pedro Henrique Klein de Almeida" userId="2d15c7026afea1dc" providerId="LiveId" clId="{B425F1DE-3A03-4EE9-9D71-017A26C203DD}" dt="2021-03-07T17:10:17" v="1861" actId="478"/>
-          <ac:picMkLst>
-            <pc:docMk/>
-            <pc:sldMk cId="3615001196" sldId="291"/>
-            <ac:picMk id="4" creationId="{AACBB404-8AB9-4810-8450-5D6F3C0B76C1}"/>
-          </ac:picMkLst>
-        </pc:picChg>
-      </pc:sldChg>
-      <pc:sldChg chg="addSp modSp add mod ord">
-        <pc:chgData name="Pedro Henrique Klein de Almeida" userId="2d15c7026afea1dc" providerId="LiveId" clId="{B425F1DE-3A03-4EE9-9D71-017A26C203DD}" dt="2021-03-07T18:39:27.002" v="3387"/>
-        <pc:sldMkLst>
-          <pc:docMk/>
-          <pc:sldMk cId="2490777966" sldId="292"/>
-        </pc:sldMkLst>
-        <pc:spChg chg="mod">
-          <ac:chgData name="Pedro Henrique Klein de Almeida" userId="2d15c7026afea1dc" providerId="LiveId" clId="{B425F1DE-3A03-4EE9-9D71-017A26C203DD}" dt="2021-03-07T17:14:23.287" v="2127" actId="108"/>
-          <ac:spMkLst>
-            <pc:docMk/>
-            <pc:sldMk cId="2490777966" sldId="292"/>
-            <ac:spMk id="2" creationId="{6A4B0BE7-AD53-4115-924A-2B49ECFFB331}"/>
-          </ac:spMkLst>
-        </pc:spChg>
-        <pc:spChg chg="mod">
-          <ac:chgData name="Pedro Henrique Klein de Almeida" userId="2d15c7026afea1dc" providerId="LiveId" clId="{B425F1DE-3A03-4EE9-9D71-017A26C203DD}" dt="2021-03-07T18:38:44.010" v="3342" actId="2"/>
-          <ac:spMkLst>
-            <pc:docMk/>
-            <pc:sldMk cId="2490777966" sldId="292"/>
-            <ac:spMk id="3" creationId="{1E99C471-03E2-46F6-914A-3F177CD67D13}"/>
-          </ac:spMkLst>
-        </pc:spChg>
-        <pc:spChg chg="mod">
-          <ac:chgData name="Pedro Henrique Klein de Almeida" userId="2d15c7026afea1dc" providerId="LiveId" clId="{B425F1DE-3A03-4EE9-9D71-017A26C203DD}" dt="2021-03-07T18:38:48.079" v="3343" actId="2"/>
-          <ac:spMkLst>
-            <pc:docMk/>
-            <pc:sldMk cId="2490777966" sldId="292"/>
-            <ac:spMk id="4" creationId="{9D9F508E-6C1E-47B2-B36D-DAFCD2A31BB7}"/>
-          </ac:spMkLst>
-        </pc:spChg>
-        <pc:spChg chg="mod">
-          <ac:chgData name="Pedro Henrique Klein de Almeida" userId="2d15c7026afea1dc" providerId="LiveId" clId="{B425F1DE-3A03-4EE9-9D71-017A26C203DD}" dt="2021-03-07T18:39:27.002" v="3387"/>
-          <ac:spMkLst>
-            <pc:docMk/>
-            <pc:sldMk cId="2490777966" sldId="292"/>
-            <ac:spMk id="5" creationId="{87AB2ED1-25E6-429D-B703-4F46ADA43042}"/>
-          </ac:spMkLst>
-        </pc:spChg>
-        <pc:picChg chg="add mod">
-          <ac:chgData name="Pedro Henrique Klein de Almeida" userId="2d15c7026afea1dc" providerId="LiveId" clId="{B425F1DE-3A03-4EE9-9D71-017A26C203DD}" dt="2021-03-07T17:25:29.072" v="2511"/>
-          <ac:picMkLst>
-            <pc:docMk/>
-            <pc:sldMk cId="2490777966" sldId="292"/>
-            <ac:picMk id="7" creationId="{8B603A32-E583-49A5-80EC-A933354600C7}"/>
-          </ac:picMkLst>
-        </pc:picChg>
-      </pc:sldChg>
-      <pc:sldChg chg="new del">
-        <pc:chgData name="Pedro Henrique Klein de Almeida" userId="2d15c7026afea1dc" providerId="LiveId" clId="{B425F1DE-3A03-4EE9-9D71-017A26C203DD}" dt="2021-03-07T17:21:30.719" v="2377" actId="2696"/>
-        <pc:sldMkLst>
-          <pc:docMk/>
-          <pc:sldMk cId="877599761" sldId="293"/>
-        </pc:sldMkLst>
-      </pc:sldChg>
-      <pc:sldChg chg="modSp add mod ord">
-        <pc:chgData name="Pedro Henrique Klein de Almeida" userId="2d15c7026afea1dc" providerId="LiveId" clId="{B425F1DE-3A03-4EE9-9D71-017A26C203DD}" dt="2021-03-07T17:25:07.306" v="2510" actId="20577"/>
-        <pc:sldMkLst>
-          <pc:docMk/>
-          <pc:sldMk cId="1885425496" sldId="293"/>
-        </pc:sldMkLst>
-        <pc:spChg chg="mod">
-          <ac:chgData name="Pedro Henrique Klein de Almeida" userId="2d15c7026afea1dc" providerId="LiveId" clId="{B425F1DE-3A03-4EE9-9D71-017A26C203DD}" dt="2021-03-07T17:21:56.172" v="2407" actId="20577"/>
-          <ac:spMkLst>
-            <pc:docMk/>
-            <pc:sldMk cId="1885425496" sldId="293"/>
-            <ac:spMk id="2" creationId="{051FF890-D2ED-40D1-9239-6B3E5B169701}"/>
-          </ac:spMkLst>
-        </pc:spChg>
-        <pc:spChg chg="mod">
-          <ac:chgData name="Pedro Henrique Klein de Almeida" userId="2d15c7026afea1dc" providerId="LiveId" clId="{B425F1DE-3A03-4EE9-9D71-017A26C203DD}" dt="2021-03-07T17:25:07.306" v="2510" actId="20577"/>
-          <ac:spMkLst>
-            <pc:docMk/>
-            <pc:sldMk cId="1885425496" sldId="293"/>
-            <ac:spMk id="3" creationId="{C0475109-7880-4C4A-B506-591DD68380BA}"/>
-          </ac:spMkLst>
-        </pc:spChg>
-      </pc:sldChg>
-      <pc:sldChg chg="addSp delSp modSp add mod ord">
-        <pc:chgData name="Pedro Henrique Klein de Almeida" userId="2d15c7026afea1dc" providerId="LiveId" clId="{B425F1DE-3A03-4EE9-9D71-017A26C203DD}" dt="2021-03-07T18:35:10.320" v="3336" actId="14100"/>
-        <pc:sldMkLst>
-          <pc:docMk/>
-          <pc:sldMk cId="4106406071" sldId="294"/>
-        </pc:sldMkLst>
-        <pc:spChg chg="mod">
-          <ac:chgData name="Pedro Henrique Klein de Almeida" userId="2d15c7026afea1dc" providerId="LiveId" clId="{B425F1DE-3A03-4EE9-9D71-017A26C203DD}" dt="2021-03-07T17:30:50.704" v="2527" actId="20577"/>
-          <ac:spMkLst>
-            <pc:docMk/>
-            <pc:sldMk cId="4106406071" sldId="294"/>
-            <ac:spMk id="237" creationId="{00000000-0000-0000-0000-000000000000}"/>
-          </ac:spMkLst>
-        </pc:spChg>
-        <pc:spChg chg="mod">
-          <ac:chgData name="Pedro Henrique Klein de Almeida" userId="2d15c7026afea1dc" providerId="LiveId" clId="{B425F1DE-3A03-4EE9-9D71-017A26C203DD}" dt="2021-03-07T17:31:22.578" v="2629" actId="20577"/>
-          <ac:spMkLst>
-            <pc:docMk/>
-            <pc:sldMk cId="4106406071" sldId="294"/>
-            <ac:spMk id="238" creationId="{00000000-0000-0000-0000-000000000000}"/>
-          </ac:spMkLst>
-        </pc:spChg>
-        <pc:picChg chg="del mod">
-          <ac:chgData name="Pedro Henrique Klein de Almeida" userId="2d15c7026afea1dc" providerId="LiveId" clId="{B425F1DE-3A03-4EE9-9D71-017A26C203DD}" dt="2021-03-07T18:34:48.076" v="3329" actId="478"/>
-          <ac:picMkLst>
-            <pc:docMk/>
-            <pc:sldMk cId="4106406071" sldId="294"/>
-            <ac:picMk id="3" creationId="{494D0960-4EE9-45DC-A7C8-EB1DCAB4C81B}"/>
-          </ac:picMkLst>
-        </pc:picChg>
-        <pc:picChg chg="add mod">
-          <ac:chgData name="Pedro Henrique Klein de Almeida" userId="2d15c7026afea1dc" providerId="LiveId" clId="{B425F1DE-3A03-4EE9-9D71-017A26C203DD}" dt="2021-03-07T18:35:10.320" v="3336" actId="14100"/>
-          <ac:picMkLst>
-            <pc:docMk/>
-            <pc:sldMk cId="4106406071" sldId="294"/>
-            <ac:picMk id="4" creationId="{B4B540C7-F11F-458E-8196-741B8C1E1EE7}"/>
-          </ac:picMkLst>
-        </pc:picChg>
-      </pc:sldChg>
-      <pc:sldChg chg="modSp add mod ord">
-        <pc:chgData name="Pedro Henrique Klein de Almeida" userId="2d15c7026afea1dc" providerId="LiveId" clId="{B425F1DE-3A03-4EE9-9D71-017A26C203DD}" dt="2021-03-07T18:36:19.090" v="3337" actId="20577"/>
-        <pc:sldMkLst>
-          <pc:docMk/>
-          <pc:sldMk cId="3373884945" sldId="295"/>
-        </pc:sldMkLst>
-        <pc:spChg chg="mod">
-          <ac:chgData name="Pedro Henrique Klein de Almeida" userId="2d15c7026afea1dc" providerId="LiveId" clId="{B425F1DE-3A03-4EE9-9D71-017A26C203DD}" dt="2021-03-07T17:33:21.697" v="2697" actId="20577"/>
-          <ac:spMkLst>
-            <pc:docMk/>
-            <pc:sldMk cId="3373884945" sldId="295"/>
-            <ac:spMk id="2" creationId="{051FF890-D2ED-40D1-9239-6B3E5B169701}"/>
-          </ac:spMkLst>
-        </pc:spChg>
-        <pc:spChg chg="mod">
-          <ac:chgData name="Pedro Henrique Klein de Almeida" userId="2d15c7026afea1dc" providerId="LiveId" clId="{B425F1DE-3A03-4EE9-9D71-017A26C203DD}" dt="2021-03-07T18:36:19.090" v="3337" actId="20577"/>
-          <ac:spMkLst>
-            <pc:docMk/>
-            <pc:sldMk cId="3373884945" sldId="295"/>
-            <ac:spMk id="3" creationId="{C0475109-7880-4C4A-B506-591DD68380BA}"/>
-          </ac:spMkLst>
-        </pc:spChg>
-      </pc:sldChg>
-      <pc:sldChg chg="delSp modSp add mod ord modAnim">
-        <pc:chgData name="Pedro Henrique Klein de Almeida" userId="2d15c7026afea1dc" providerId="LiveId" clId="{B425F1DE-3A03-4EE9-9D71-017A26C203DD}" dt="2021-03-07T18:03:12.434" v="3327" actId="478"/>
-        <pc:sldMkLst>
-          <pc:docMk/>
-          <pc:sldMk cId="694773401" sldId="296"/>
-        </pc:sldMkLst>
-        <pc:spChg chg="mod">
-          <ac:chgData name="Pedro Henrique Klein de Almeida" userId="2d15c7026afea1dc" providerId="LiveId" clId="{B425F1DE-3A03-4EE9-9D71-017A26C203DD}" dt="2021-03-07T17:55:43.084" v="3052" actId="20577"/>
-          <ac:spMkLst>
-            <pc:docMk/>
-            <pc:sldMk cId="694773401" sldId="296"/>
-            <ac:spMk id="224" creationId="{00000000-0000-0000-0000-000000000000}"/>
-          </ac:spMkLst>
-        </pc:spChg>
-        <pc:spChg chg="mod">
-          <ac:chgData name="Pedro Henrique Klein de Almeida" userId="2d15c7026afea1dc" providerId="LiveId" clId="{B425F1DE-3A03-4EE9-9D71-017A26C203DD}" dt="2021-03-07T18:01:34.304" v="3276" actId="207"/>
-          <ac:spMkLst>
-            <pc:docMk/>
-            <pc:sldMk cId="694773401" sldId="296"/>
-            <ac:spMk id="225" creationId="{00000000-0000-0000-0000-000000000000}"/>
-          </ac:spMkLst>
-        </pc:spChg>
-        <pc:spChg chg="mod">
-          <ac:chgData name="Pedro Henrique Klein de Almeida" userId="2d15c7026afea1dc" providerId="LiveId" clId="{B425F1DE-3A03-4EE9-9D71-017A26C203DD}" dt="2021-03-07T18:01:38.972" v="3277" actId="207"/>
-          <ac:spMkLst>
-            <pc:docMk/>
-            <pc:sldMk cId="694773401" sldId="296"/>
-            <ac:spMk id="226" creationId="{00000000-0000-0000-0000-000000000000}"/>
-          </ac:spMkLst>
-        </pc:spChg>
-        <pc:spChg chg="mod">
-          <ac:chgData name="Pedro Henrique Klein de Almeida" userId="2d15c7026afea1dc" providerId="LiveId" clId="{B425F1DE-3A03-4EE9-9D71-017A26C203DD}" dt="2021-03-07T18:03:10.252" v="3326" actId="20577"/>
-          <ac:spMkLst>
-            <pc:docMk/>
-            <pc:sldMk cId="694773401" sldId="296"/>
-            <ac:spMk id="227" creationId="{00000000-0000-0000-0000-000000000000}"/>
-          </ac:spMkLst>
-        </pc:spChg>
-        <pc:grpChg chg="del">
-          <ac:chgData name="Pedro Henrique Klein de Almeida" userId="2d15c7026afea1dc" providerId="LiveId" clId="{B425F1DE-3A03-4EE9-9D71-017A26C203DD}" dt="2021-03-07T18:03:12.434" v="3327" actId="478"/>
-          <ac:grpSpMkLst>
-            <pc:docMk/>
-            <pc:sldMk cId="694773401" sldId="296"/>
-            <ac:grpSpMk id="229" creationId="{00000000-0000-0000-0000-000000000000}"/>
-          </ac:grpSpMkLst>
-        </pc:grpChg>
-      </pc:sldChg>
-      <pc:sldChg chg="new del">
-        <pc:chgData name="Pedro Henrique Klein de Almeida" userId="2d15c7026afea1dc" providerId="LiveId" clId="{B425F1DE-3A03-4EE9-9D71-017A26C203DD}" dt="2021-03-07T17:55:29.773" v="3037" actId="2696"/>
-        <pc:sldMkLst>
-          <pc:docMk/>
-          <pc:sldMk cId="4207930734" sldId="296"/>
-        </pc:sldMkLst>
-      </pc:sldChg>
-      <pc:sldMasterChg chg="addSldLayout delSldLayout">
-        <pc:chgData name="Pedro Henrique Klein de Almeida" userId="2d15c7026afea1dc" providerId="LiveId" clId="{B425F1DE-3A03-4EE9-9D71-017A26C203DD}" dt="2021-03-07T17:36:07.025" v="2936" actId="2696"/>
-        <pc:sldMasterMkLst>
-          <pc:docMk/>
-          <pc:sldMasterMk cId="0" sldId="2147483660"/>
-        </pc:sldMasterMkLst>
-        <pc:sldLayoutChg chg="del">
-          <pc:chgData name="Pedro Henrique Klein de Almeida" userId="2d15c7026afea1dc" providerId="LiveId" clId="{B425F1DE-3A03-4EE9-9D71-017A26C203DD}" dt="2021-03-07T15:28:03.468" v="444" actId="2696"/>
-          <pc:sldLayoutMkLst>
-            <pc:docMk/>
-            <pc:sldMasterMk cId="0" sldId="2147483660"/>
-            <pc:sldLayoutMk cId="0" sldId="2147483653"/>
-          </pc:sldLayoutMkLst>
-        </pc:sldLayoutChg>
-        <pc:sldLayoutChg chg="add del">
-          <pc:chgData name="Pedro Henrique Klein de Almeida" userId="2d15c7026afea1dc" providerId="LiveId" clId="{B425F1DE-3A03-4EE9-9D71-017A26C203DD}" dt="2021-03-07T17:36:07.025" v="2936" actId="2696"/>
-          <pc:sldLayoutMkLst>
-            <pc:docMk/>
-            <pc:sldMasterMk cId="0" sldId="2147483660"/>
-            <pc:sldLayoutMk cId="0" sldId="2147483655"/>
-          </pc:sldLayoutMkLst>
-        </pc:sldLayoutChg>
-        <pc:sldLayoutChg chg="add del">
-          <pc:chgData name="Pedro Henrique Klein de Almeida" userId="2d15c7026afea1dc" providerId="LiveId" clId="{B425F1DE-3A03-4EE9-9D71-017A26C203DD}" dt="2021-03-07T17:36:02.012" v="2935" actId="18676"/>
-          <pc:sldLayoutMkLst>
-            <pc:docMk/>
-            <pc:sldMasterMk cId="0" sldId="2147483660"/>
-            <pc:sldLayoutMk cId="0" sldId="2147483656"/>
-          </pc:sldLayoutMkLst>
-        </pc:sldLayoutChg>
-        <pc:sldLayoutChg chg="add del">
-          <pc:chgData name="Pedro Henrique Klein de Almeida" userId="2d15c7026afea1dc" providerId="LiveId" clId="{B425F1DE-3A03-4EE9-9D71-017A26C203DD}" dt="2021-03-07T17:36:02.012" v="2935" actId="18676"/>
-          <pc:sldLayoutMkLst>
-            <pc:docMk/>
-            <pc:sldMasterMk cId="0" sldId="2147483660"/>
-            <pc:sldLayoutMk cId="0" sldId="2147483657"/>
-          </pc:sldLayoutMkLst>
-        </pc:sldLayoutChg>
-        <pc:sldLayoutChg chg="add del">
-          <pc:chgData name="Pedro Henrique Klein de Almeida" userId="2d15c7026afea1dc" providerId="LiveId" clId="{B425F1DE-3A03-4EE9-9D71-017A26C203DD}" dt="2021-03-07T16:10:23.238" v="1446" actId="2696"/>
-          <pc:sldLayoutMkLst>
-            <pc:docMk/>
-            <pc:sldMasterMk cId="0" sldId="2147483660"/>
-            <pc:sldLayoutMk cId="0" sldId="2147483658"/>
-          </pc:sldLayoutMkLst>
-        </pc:sldLayoutChg>
-      </pc:sldMasterChg>
-    </pc:docChg>
-  </pc:docChgLst>
 </pc:chgInfo>
 </file>
 
@@ -13609,10 +13609,18 @@
             <a:r>
               <a:rPr lang="pt-BR" dirty="0">
                 <a:solidFill>
+                  <a:srgbClr val="FFC000"/>
+                </a:solidFill>
+              </a:rPr>
+              <a:t>SIMULADOR</a:t>
+            </a:r>
+            <a:r>
+              <a:rPr lang="pt-BR" dirty="0">
+                <a:solidFill>
                   <a:schemeClr val="accent5"/>
                 </a:solidFill>
               </a:rPr>
-              <a:t>SIMULADOR FINANCEIRO</a:t>
+              <a:t> FINANCEIRO</a:t>
             </a:r>
             <a:endParaRPr dirty="0">
               <a:solidFill>
@@ -14942,7 +14950,7 @@
             <a:r>
               <a:rPr lang="pt-BR" sz="3600" b="1" dirty="0">
                 <a:solidFill>
-                  <a:srgbClr val="FFFF00"/>
+                  <a:srgbClr val="FFC000"/>
                 </a:solidFill>
                 <a:latin typeface="Kulim Park"/>
                 <a:sym typeface="Kulim Park"/>
@@ -15191,6 +15199,436 @@
           </a:p>
         </p:txBody>
       </p:sp>
+      <p:sp>
+        <p:nvSpPr>
+          <p:cNvPr id="14" name="Fluxograma: Conector 13">
+            <a:extLst>
+              <a:ext uri="{FF2B5EF4-FFF2-40B4-BE49-F238E27FC236}">
+                <a16:creationId xmlns:a16="http://schemas.microsoft.com/office/drawing/2014/main" id="{3E576130-D566-4D4D-B563-FF9BFA3F2FED}"/>
+              </a:ext>
+            </a:extLst>
+          </p:cNvPr>
+          <p:cNvSpPr/>
+          <p:nvPr/>
+        </p:nvSpPr>
+        <p:spPr>
+          <a:xfrm>
+            <a:off x="1766047" y="2847296"/>
+            <a:ext cx="590550" cy="544442"/>
+          </a:xfrm>
+          <a:prstGeom prst="flowChartConnector">
+            <a:avLst/>
+          </a:prstGeom>
+          <a:solidFill>
+            <a:schemeClr val="bg1"/>
+          </a:solidFill>
+          <a:ln>
+            <a:solidFill>
+              <a:schemeClr val="accent4">
+                <a:lumMod val="75000"/>
+              </a:schemeClr>
+            </a:solidFill>
+          </a:ln>
+        </p:spPr>
+        <p:style>
+          <a:lnRef idx="2">
+            <a:schemeClr val="accent1">
+              <a:shade val="50000"/>
+            </a:schemeClr>
+          </a:lnRef>
+          <a:fillRef idx="1">
+            <a:schemeClr val="accent1"/>
+          </a:fillRef>
+          <a:effectRef idx="0">
+            <a:schemeClr val="accent1"/>
+          </a:effectRef>
+          <a:fontRef idx="minor">
+            <a:schemeClr val="lt1"/>
+          </a:fontRef>
+        </p:style>
+        <p:txBody>
+          <a:bodyPr rtlCol="0" anchor="ctr"/>
+          <a:lstStyle/>
+          <a:p>
+            <a:pPr algn="ctr"/>
+            <a:endParaRPr lang="pt-BR"/>
+          </a:p>
+        </p:txBody>
+      </p:sp>
+      <p:sp>
+        <p:nvSpPr>
+          <p:cNvPr id="15" name="Fluxograma: Conector 14">
+            <a:extLst>
+              <a:ext uri="{FF2B5EF4-FFF2-40B4-BE49-F238E27FC236}">
+                <a16:creationId xmlns:a16="http://schemas.microsoft.com/office/drawing/2014/main" id="{AF882AC7-C066-4704-B2AF-C45593143DCB}"/>
+              </a:ext>
+            </a:extLst>
+          </p:cNvPr>
+          <p:cNvSpPr/>
+          <p:nvPr/>
+        </p:nvSpPr>
+        <p:spPr>
+          <a:xfrm>
+            <a:off x="3936628" y="2751150"/>
+            <a:ext cx="590550" cy="544442"/>
+          </a:xfrm>
+          <a:prstGeom prst="flowChartConnector">
+            <a:avLst/>
+          </a:prstGeom>
+          <a:solidFill>
+            <a:schemeClr val="bg1"/>
+          </a:solidFill>
+          <a:ln>
+            <a:solidFill>
+              <a:schemeClr val="accent4">
+                <a:lumMod val="75000"/>
+              </a:schemeClr>
+            </a:solidFill>
+          </a:ln>
+        </p:spPr>
+        <p:style>
+          <a:lnRef idx="2">
+            <a:schemeClr val="accent1">
+              <a:shade val="50000"/>
+            </a:schemeClr>
+          </a:lnRef>
+          <a:fillRef idx="1">
+            <a:schemeClr val="accent1"/>
+          </a:fillRef>
+          <a:effectRef idx="0">
+            <a:schemeClr val="accent1"/>
+          </a:effectRef>
+          <a:fontRef idx="minor">
+            <a:schemeClr val="lt1"/>
+          </a:fontRef>
+        </p:style>
+        <p:txBody>
+          <a:bodyPr rtlCol="0" anchor="ctr"/>
+          <a:lstStyle/>
+          <a:p>
+            <a:pPr algn="ctr"/>
+            <a:endParaRPr lang="pt-BR"/>
+          </a:p>
+        </p:txBody>
+      </p:sp>
+      <p:sp>
+        <p:nvSpPr>
+          <p:cNvPr id="16" name="Fluxograma: Conector 15">
+            <a:extLst>
+              <a:ext uri="{FF2B5EF4-FFF2-40B4-BE49-F238E27FC236}">
+                <a16:creationId xmlns:a16="http://schemas.microsoft.com/office/drawing/2014/main" id="{809CD04A-5758-4B15-A7AB-496E4CAB5B8A}"/>
+              </a:ext>
+            </a:extLst>
+          </p:cNvPr>
+          <p:cNvSpPr/>
+          <p:nvPr/>
+        </p:nvSpPr>
+        <p:spPr>
+          <a:xfrm>
+            <a:off x="6338716" y="2731948"/>
+            <a:ext cx="590550" cy="544442"/>
+          </a:xfrm>
+          <a:prstGeom prst="flowChartConnector">
+            <a:avLst/>
+          </a:prstGeom>
+          <a:solidFill>
+            <a:schemeClr val="bg1"/>
+          </a:solidFill>
+          <a:ln>
+            <a:solidFill>
+              <a:schemeClr val="accent4">
+                <a:lumMod val="75000"/>
+              </a:schemeClr>
+            </a:solidFill>
+          </a:ln>
+        </p:spPr>
+        <p:style>
+          <a:lnRef idx="2">
+            <a:schemeClr val="accent1">
+              <a:shade val="50000"/>
+            </a:schemeClr>
+          </a:lnRef>
+          <a:fillRef idx="1">
+            <a:schemeClr val="accent1"/>
+          </a:fillRef>
+          <a:effectRef idx="0">
+            <a:schemeClr val="accent1"/>
+          </a:effectRef>
+          <a:fontRef idx="minor">
+            <a:schemeClr val="lt1"/>
+          </a:fontRef>
+        </p:style>
+        <p:txBody>
+          <a:bodyPr rtlCol="0" anchor="ctr"/>
+          <a:lstStyle/>
+          <a:p>
+            <a:pPr algn="ctr"/>
+            <a:endParaRPr lang="pt-BR"/>
+          </a:p>
+        </p:txBody>
+      </p:sp>
+      <p:sp>
+        <p:nvSpPr>
+          <p:cNvPr id="17" name="Fluxograma: Conector 16">
+            <a:extLst>
+              <a:ext uri="{FF2B5EF4-FFF2-40B4-BE49-F238E27FC236}">
+                <a16:creationId xmlns:a16="http://schemas.microsoft.com/office/drawing/2014/main" id="{47C95A7C-9755-40DF-A091-2E9B467AE156}"/>
+              </a:ext>
+            </a:extLst>
+          </p:cNvPr>
+          <p:cNvSpPr/>
+          <p:nvPr/>
+        </p:nvSpPr>
+        <p:spPr>
+          <a:xfrm>
+            <a:off x="8459660" y="2708038"/>
+            <a:ext cx="590550" cy="544442"/>
+          </a:xfrm>
+          <a:prstGeom prst="flowChartConnector">
+            <a:avLst/>
+          </a:prstGeom>
+          <a:solidFill>
+            <a:schemeClr val="bg1"/>
+          </a:solidFill>
+          <a:ln>
+            <a:solidFill>
+              <a:schemeClr val="accent4">
+                <a:lumMod val="75000"/>
+              </a:schemeClr>
+            </a:solidFill>
+          </a:ln>
+        </p:spPr>
+        <p:style>
+          <a:lnRef idx="2">
+            <a:schemeClr val="accent1">
+              <a:shade val="50000"/>
+            </a:schemeClr>
+          </a:lnRef>
+          <a:fillRef idx="1">
+            <a:schemeClr val="accent1"/>
+          </a:fillRef>
+          <a:effectRef idx="0">
+            <a:schemeClr val="accent1"/>
+          </a:effectRef>
+          <a:fontRef idx="minor">
+            <a:schemeClr val="lt1"/>
+          </a:fontRef>
+        </p:style>
+        <p:txBody>
+          <a:bodyPr rtlCol="0" anchor="ctr"/>
+          <a:lstStyle/>
+          <a:p>
+            <a:pPr algn="ctr"/>
+            <a:endParaRPr lang="pt-BR"/>
+          </a:p>
+        </p:txBody>
+      </p:sp>
+      <p:pic>
+        <p:nvPicPr>
+          <p:cNvPr id="11" name="Imagem 10">
+            <a:extLst>
+              <a:ext uri="{FF2B5EF4-FFF2-40B4-BE49-F238E27FC236}">
+                <a16:creationId xmlns:a16="http://schemas.microsoft.com/office/drawing/2014/main" id="{41F28620-4E9D-42D6-BBAD-86B563C51553}"/>
+              </a:ext>
+            </a:extLst>
+          </p:cNvPr>
+          <p:cNvPicPr>
+            <a:picLocks noChangeAspect="1"/>
+          </p:cNvPicPr>
+          <p:nvPr/>
+        </p:nvPicPr>
+        <p:blipFill>
+          <a:blip r:embed="rId2"/>
+          <a:stretch>
+            <a:fillRect/>
+          </a:stretch>
+        </p:blipFill>
+        <p:spPr>
+          <a:xfrm>
+            <a:off x="1881322" y="2939517"/>
+            <a:ext cx="360000" cy="360000"/>
+          </a:xfrm>
+          <a:prstGeom prst="rect">
+            <a:avLst/>
+          </a:prstGeom>
+        </p:spPr>
+      </p:pic>
+      <p:pic>
+        <p:nvPicPr>
+          <p:cNvPr id="19" name="Imagem 18">
+            <a:extLst>
+              <a:ext uri="{FF2B5EF4-FFF2-40B4-BE49-F238E27FC236}">
+                <a16:creationId xmlns:a16="http://schemas.microsoft.com/office/drawing/2014/main" id="{41F6626F-FB91-47AC-9272-2C9BBE3ACE83}"/>
+              </a:ext>
+            </a:extLst>
+          </p:cNvPr>
+          <p:cNvPicPr>
+            <a:picLocks noChangeAspect="1"/>
+          </p:cNvPicPr>
+          <p:nvPr/>
+        </p:nvPicPr>
+        <p:blipFill>
+          <a:blip r:embed="rId3"/>
+          <a:stretch>
+            <a:fillRect/>
+          </a:stretch>
+        </p:blipFill>
+        <p:spPr>
+          <a:xfrm>
+            <a:off x="4051903" y="2818007"/>
+            <a:ext cx="360000" cy="360000"/>
+          </a:xfrm>
+          <a:prstGeom prst="rect">
+            <a:avLst/>
+          </a:prstGeom>
+        </p:spPr>
+      </p:pic>
+      <p:pic>
+        <p:nvPicPr>
+          <p:cNvPr id="21" name="Imagem 20">
+            <a:extLst>
+              <a:ext uri="{FF2B5EF4-FFF2-40B4-BE49-F238E27FC236}">
+                <a16:creationId xmlns:a16="http://schemas.microsoft.com/office/drawing/2014/main" id="{1619DDB4-50AB-4078-8AD0-531F9704E2BD}"/>
+              </a:ext>
+            </a:extLst>
+          </p:cNvPr>
+          <p:cNvPicPr>
+            <a:picLocks noChangeAspect="1"/>
+          </p:cNvPicPr>
+          <p:nvPr/>
+        </p:nvPicPr>
+        <p:blipFill>
+          <a:blip r:embed="rId4"/>
+          <a:stretch>
+            <a:fillRect/>
+          </a:stretch>
+        </p:blipFill>
+        <p:spPr>
+          <a:xfrm>
+            <a:off x="6453991" y="2800259"/>
+            <a:ext cx="360000" cy="360000"/>
+          </a:xfrm>
+          <a:prstGeom prst="rect">
+            <a:avLst/>
+          </a:prstGeom>
+        </p:spPr>
+      </p:pic>
+      <p:pic>
+        <p:nvPicPr>
+          <p:cNvPr id="23" name="Imagem 22">
+            <a:extLst>
+              <a:ext uri="{FF2B5EF4-FFF2-40B4-BE49-F238E27FC236}">
+                <a16:creationId xmlns:a16="http://schemas.microsoft.com/office/drawing/2014/main" id="{49E937A8-00FE-4222-A797-69C41A38BA07}"/>
+              </a:ext>
+            </a:extLst>
+          </p:cNvPr>
+          <p:cNvPicPr>
+            <a:picLocks noChangeAspect="1"/>
+          </p:cNvPicPr>
+          <p:nvPr/>
+        </p:nvPicPr>
+        <p:blipFill>
+          <a:blip r:embed="rId5"/>
+          <a:stretch>
+            <a:fillRect/>
+          </a:stretch>
+        </p:blipFill>
+        <p:spPr>
+          <a:xfrm>
+            <a:off x="8574935" y="2800259"/>
+            <a:ext cx="360000" cy="360000"/>
+          </a:xfrm>
+          <a:prstGeom prst="rect">
+            <a:avLst/>
+          </a:prstGeom>
+        </p:spPr>
+      </p:pic>
+      <p:sp>
+        <p:nvSpPr>
+          <p:cNvPr id="24" name="Fluxograma: Conector 23">
+            <a:extLst>
+              <a:ext uri="{FF2B5EF4-FFF2-40B4-BE49-F238E27FC236}">
+                <a16:creationId xmlns:a16="http://schemas.microsoft.com/office/drawing/2014/main" id="{CFBF04EB-2D8F-4C6A-AB80-F97F245DADD5}"/>
+              </a:ext>
+            </a:extLst>
+          </p:cNvPr>
+          <p:cNvSpPr/>
+          <p:nvPr/>
+        </p:nvSpPr>
+        <p:spPr>
+          <a:xfrm>
+            <a:off x="3123116" y="1303457"/>
+            <a:ext cx="590550" cy="544442"/>
+          </a:xfrm>
+          <a:prstGeom prst="flowChartConnector">
+            <a:avLst/>
+          </a:prstGeom>
+          <a:solidFill>
+            <a:schemeClr val="bg1"/>
+          </a:solidFill>
+          <a:ln>
+            <a:solidFill>
+              <a:schemeClr val="accent4">
+                <a:lumMod val="75000"/>
+              </a:schemeClr>
+            </a:solidFill>
+          </a:ln>
+        </p:spPr>
+        <p:style>
+          <a:lnRef idx="2">
+            <a:schemeClr val="accent1">
+              <a:shade val="50000"/>
+            </a:schemeClr>
+          </a:lnRef>
+          <a:fillRef idx="1">
+            <a:schemeClr val="accent1"/>
+          </a:fillRef>
+          <a:effectRef idx="0">
+            <a:schemeClr val="accent1"/>
+          </a:effectRef>
+          <a:fontRef idx="minor">
+            <a:schemeClr val="lt1"/>
+          </a:fontRef>
+        </p:style>
+        <p:txBody>
+          <a:bodyPr rtlCol="0" anchor="ctr"/>
+          <a:lstStyle/>
+          <a:p>
+            <a:pPr algn="ctr"/>
+            <a:endParaRPr lang="pt-BR"/>
+          </a:p>
+        </p:txBody>
+      </p:sp>
+      <p:pic>
+        <p:nvPicPr>
+          <p:cNvPr id="25" name="Imagem 24">
+            <a:extLst>
+              <a:ext uri="{FF2B5EF4-FFF2-40B4-BE49-F238E27FC236}">
+                <a16:creationId xmlns:a16="http://schemas.microsoft.com/office/drawing/2014/main" id="{EE48B573-B25E-4266-A9AC-5E490DAB6597}"/>
+              </a:ext>
+            </a:extLst>
+          </p:cNvPr>
+          <p:cNvPicPr>
+            <a:picLocks noChangeAspect="1"/>
+          </p:cNvPicPr>
+          <p:nvPr/>
+        </p:nvPicPr>
+        <p:blipFill>
+          <a:blip r:embed="rId6"/>
+          <a:stretch>
+            <a:fillRect/>
+          </a:stretch>
+        </p:blipFill>
+        <p:spPr>
+          <a:xfrm>
+            <a:off x="3255621" y="1397899"/>
+            <a:ext cx="360000" cy="360000"/>
+          </a:xfrm>
+          <a:prstGeom prst="rect">
+            <a:avLst/>
+          </a:prstGeom>
+        </p:spPr>
+      </p:pic>
     </p:spTree>
     <p:extLst>
       <p:ext uri="{BB962C8B-B14F-4D97-AF65-F5344CB8AC3E}">
@@ -15465,7 +15903,7 @@
             <a:r>
               <a:rPr lang="pt-BR" sz="3600" b="1" dirty="0">
                 <a:solidFill>
-                  <a:srgbClr val="FFFF00"/>
+                  <a:srgbClr val="FFC000"/>
                 </a:solidFill>
                 <a:latin typeface="Kulim Park"/>
                 <a:sym typeface="Kulim Park"/>
@@ -16346,6 +16784,1584 @@
           </a:p>
         </p:txBody>
       </p:sp>
+      <p:sp>
+        <p:nvSpPr>
+          <p:cNvPr id="21" name="Fluxograma: Conector 20">
+            <a:extLst>
+              <a:ext uri="{FF2B5EF4-FFF2-40B4-BE49-F238E27FC236}">
+                <a16:creationId xmlns:a16="http://schemas.microsoft.com/office/drawing/2014/main" id="{42539B6F-AC24-47E9-8B29-1B6E6E673744}"/>
+              </a:ext>
+            </a:extLst>
+          </p:cNvPr>
+          <p:cNvSpPr/>
+          <p:nvPr/>
+        </p:nvSpPr>
+        <p:spPr>
+          <a:xfrm>
+            <a:off x="1483740" y="2270447"/>
+            <a:ext cx="590550" cy="544442"/>
+          </a:xfrm>
+          <a:prstGeom prst="flowChartConnector">
+            <a:avLst/>
+          </a:prstGeom>
+          <a:solidFill>
+            <a:schemeClr val="bg1"/>
+          </a:solidFill>
+          <a:ln>
+            <a:solidFill>
+              <a:schemeClr val="accent4">
+                <a:lumMod val="75000"/>
+              </a:schemeClr>
+            </a:solidFill>
+          </a:ln>
+        </p:spPr>
+        <p:style>
+          <a:lnRef idx="2">
+            <a:schemeClr val="accent1">
+              <a:shade val="50000"/>
+            </a:schemeClr>
+          </a:lnRef>
+          <a:fillRef idx="1">
+            <a:schemeClr val="accent1"/>
+          </a:fillRef>
+          <a:effectRef idx="0">
+            <a:schemeClr val="accent1"/>
+          </a:effectRef>
+          <a:fontRef idx="minor">
+            <a:schemeClr val="lt1"/>
+          </a:fontRef>
+        </p:style>
+        <p:txBody>
+          <a:bodyPr rtlCol="0" anchor="ctr"/>
+          <a:lstStyle/>
+          <a:p>
+            <a:pPr algn="ctr"/>
+            <a:endParaRPr lang="pt-BR"/>
+          </a:p>
+        </p:txBody>
+      </p:sp>
+      <p:sp>
+        <p:nvSpPr>
+          <p:cNvPr id="22" name="Fluxograma: Conector 21">
+            <a:extLst>
+              <a:ext uri="{FF2B5EF4-FFF2-40B4-BE49-F238E27FC236}">
+                <a16:creationId xmlns:a16="http://schemas.microsoft.com/office/drawing/2014/main" id="{7009CCD1-A119-472A-A8DB-332F477C98FC}"/>
+              </a:ext>
+            </a:extLst>
+          </p:cNvPr>
+          <p:cNvSpPr/>
+          <p:nvPr/>
+        </p:nvSpPr>
+        <p:spPr>
+          <a:xfrm>
+            <a:off x="3350771" y="4428988"/>
+            <a:ext cx="590550" cy="544442"/>
+          </a:xfrm>
+          <a:prstGeom prst="flowChartConnector">
+            <a:avLst/>
+          </a:prstGeom>
+          <a:solidFill>
+            <a:schemeClr val="bg1"/>
+          </a:solidFill>
+          <a:ln>
+            <a:solidFill>
+              <a:schemeClr val="accent4">
+                <a:lumMod val="75000"/>
+              </a:schemeClr>
+            </a:solidFill>
+          </a:ln>
+        </p:spPr>
+        <p:style>
+          <a:lnRef idx="2">
+            <a:schemeClr val="accent1">
+              <a:shade val="50000"/>
+            </a:schemeClr>
+          </a:lnRef>
+          <a:fillRef idx="1">
+            <a:schemeClr val="accent1"/>
+          </a:fillRef>
+          <a:effectRef idx="0">
+            <a:schemeClr val="accent1"/>
+          </a:effectRef>
+          <a:fontRef idx="minor">
+            <a:schemeClr val="lt1"/>
+          </a:fontRef>
+        </p:style>
+        <p:txBody>
+          <a:bodyPr rtlCol="0" anchor="ctr"/>
+          <a:lstStyle/>
+          <a:p>
+            <a:pPr algn="ctr"/>
+            <a:endParaRPr lang="pt-BR"/>
+          </a:p>
+        </p:txBody>
+      </p:sp>
+      <p:sp>
+        <p:nvSpPr>
+          <p:cNvPr id="27" name="Fluxograma: Conector 26">
+            <a:extLst>
+              <a:ext uri="{FF2B5EF4-FFF2-40B4-BE49-F238E27FC236}">
+                <a16:creationId xmlns:a16="http://schemas.microsoft.com/office/drawing/2014/main" id="{23383CF0-7236-4E0E-BB8D-407EF0F3695A}"/>
+              </a:ext>
+            </a:extLst>
+          </p:cNvPr>
+          <p:cNvSpPr/>
+          <p:nvPr/>
+        </p:nvSpPr>
+        <p:spPr>
+          <a:xfrm>
+            <a:off x="3533094" y="869401"/>
+            <a:ext cx="590550" cy="544442"/>
+          </a:xfrm>
+          <a:prstGeom prst="flowChartConnector">
+            <a:avLst/>
+          </a:prstGeom>
+          <a:solidFill>
+            <a:schemeClr val="bg1"/>
+          </a:solidFill>
+          <a:ln>
+            <a:solidFill>
+              <a:schemeClr val="accent4">
+                <a:lumMod val="75000"/>
+              </a:schemeClr>
+            </a:solidFill>
+          </a:ln>
+        </p:spPr>
+        <p:style>
+          <a:lnRef idx="2">
+            <a:schemeClr val="accent1">
+              <a:shade val="50000"/>
+            </a:schemeClr>
+          </a:lnRef>
+          <a:fillRef idx="1">
+            <a:schemeClr val="accent1"/>
+          </a:fillRef>
+          <a:effectRef idx="0">
+            <a:schemeClr val="accent1"/>
+          </a:effectRef>
+          <a:fontRef idx="minor">
+            <a:schemeClr val="lt1"/>
+          </a:fontRef>
+        </p:style>
+        <p:txBody>
+          <a:bodyPr rtlCol="0" anchor="ctr"/>
+          <a:lstStyle/>
+          <a:p>
+            <a:pPr algn="ctr"/>
+            <a:endParaRPr lang="pt-BR"/>
+          </a:p>
+        </p:txBody>
+      </p:sp>
+      <p:sp>
+        <p:nvSpPr>
+          <p:cNvPr id="32" name="Fluxograma: Conector 31">
+            <a:extLst>
+              <a:ext uri="{FF2B5EF4-FFF2-40B4-BE49-F238E27FC236}">
+                <a16:creationId xmlns:a16="http://schemas.microsoft.com/office/drawing/2014/main" id="{86FE25F9-4899-4485-BEEC-116FF8D3D991}"/>
+              </a:ext>
+            </a:extLst>
+          </p:cNvPr>
+          <p:cNvSpPr/>
+          <p:nvPr/>
+        </p:nvSpPr>
+        <p:spPr>
+          <a:xfrm>
+            <a:off x="5020353" y="3035559"/>
+            <a:ext cx="590550" cy="544442"/>
+          </a:xfrm>
+          <a:prstGeom prst="flowChartConnector">
+            <a:avLst/>
+          </a:prstGeom>
+          <a:solidFill>
+            <a:schemeClr val="bg1"/>
+          </a:solidFill>
+          <a:ln>
+            <a:solidFill>
+              <a:schemeClr val="accent4">
+                <a:lumMod val="75000"/>
+              </a:schemeClr>
+            </a:solidFill>
+          </a:ln>
+        </p:spPr>
+        <p:style>
+          <a:lnRef idx="2">
+            <a:schemeClr val="accent1">
+              <a:shade val="50000"/>
+            </a:schemeClr>
+          </a:lnRef>
+          <a:fillRef idx="1">
+            <a:schemeClr val="accent1"/>
+          </a:fillRef>
+          <a:effectRef idx="0">
+            <a:schemeClr val="accent1"/>
+          </a:effectRef>
+          <a:fontRef idx="minor">
+            <a:schemeClr val="lt1"/>
+          </a:fontRef>
+        </p:style>
+        <p:txBody>
+          <a:bodyPr rtlCol="0" anchor="ctr"/>
+          <a:lstStyle/>
+          <a:p>
+            <a:pPr algn="ctr"/>
+            <a:endParaRPr lang="pt-BR"/>
+          </a:p>
+        </p:txBody>
+      </p:sp>
+      <p:sp>
+        <p:nvSpPr>
+          <p:cNvPr id="34" name="Fluxograma: Conector 33">
+            <a:extLst>
+              <a:ext uri="{FF2B5EF4-FFF2-40B4-BE49-F238E27FC236}">
+                <a16:creationId xmlns:a16="http://schemas.microsoft.com/office/drawing/2014/main" id="{30540EAA-0F5B-430C-84F5-A3DCCA863103}"/>
+              </a:ext>
+            </a:extLst>
+          </p:cNvPr>
+          <p:cNvSpPr/>
+          <p:nvPr/>
+        </p:nvSpPr>
+        <p:spPr>
+          <a:xfrm>
+            <a:off x="7150987" y="2078572"/>
+            <a:ext cx="590550" cy="544442"/>
+          </a:xfrm>
+          <a:prstGeom prst="flowChartConnector">
+            <a:avLst/>
+          </a:prstGeom>
+          <a:solidFill>
+            <a:schemeClr val="bg1"/>
+          </a:solidFill>
+          <a:ln>
+            <a:solidFill>
+              <a:schemeClr val="accent4">
+                <a:lumMod val="75000"/>
+              </a:schemeClr>
+            </a:solidFill>
+          </a:ln>
+        </p:spPr>
+        <p:style>
+          <a:lnRef idx="2">
+            <a:schemeClr val="accent1">
+              <a:shade val="50000"/>
+            </a:schemeClr>
+          </a:lnRef>
+          <a:fillRef idx="1">
+            <a:schemeClr val="accent1"/>
+          </a:fillRef>
+          <a:effectRef idx="0">
+            <a:schemeClr val="accent1"/>
+          </a:effectRef>
+          <a:fontRef idx="minor">
+            <a:schemeClr val="lt1"/>
+          </a:fontRef>
+        </p:style>
+        <p:txBody>
+          <a:bodyPr rtlCol="0" anchor="ctr"/>
+          <a:lstStyle/>
+          <a:p>
+            <a:pPr algn="ctr"/>
+            <a:endParaRPr lang="pt-BR"/>
+          </a:p>
+        </p:txBody>
+      </p:sp>
+      <p:pic>
+        <p:nvPicPr>
+          <p:cNvPr id="12" name="Imagem 11">
+            <a:extLst>
+              <a:ext uri="{FF2B5EF4-FFF2-40B4-BE49-F238E27FC236}">
+                <a16:creationId xmlns:a16="http://schemas.microsoft.com/office/drawing/2014/main" id="{DA895185-2F0D-42D6-85AF-62A7CCC9D05B}"/>
+              </a:ext>
+            </a:extLst>
+          </p:cNvPr>
+          <p:cNvPicPr>
+            <a:picLocks noChangeAspect="1"/>
+          </p:cNvPicPr>
+          <p:nvPr/>
+        </p:nvPicPr>
+        <p:blipFill>
+          <a:blip r:embed="rId2"/>
+          <a:stretch>
+            <a:fillRect/>
+          </a:stretch>
+        </p:blipFill>
+        <p:spPr>
+          <a:xfrm>
+            <a:off x="1589745" y="306073"/>
+            <a:ext cx="360000" cy="360000"/>
+          </a:xfrm>
+          <a:prstGeom prst="rect">
+            <a:avLst/>
+          </a:prstGeom>
+        </p:spPr>
+      </p:pic>
+      <p:pic>
+        <p:nvPicPr>
+          <p:cNvPr id="14" name="Imagem 13">
+            <a:extLst>
+              <a:ext uri="{FF2B5EF4-FFF2-40B4-BE49-F238E27FC236}">
+                <a16:creationId xmlns:a16="http://schemas.microsoft.com/office/drawing/2014/main" id="{A246AE94-FA3A-4FA9-A3AD-A04F604A0AF0}"/>
+              </a:ext>
+            </a:extLst>
+          </p:cNvPr>
+          <p:cNvPicPr>
+            <a:picLocks noChangeAspect="1"/>
+          </p:cNvPicPr>
+          <p:nvPr/>
+        </p:nvPicPr>
+        <p:blipFill>
+          <a:blip r:embed="rId3"/>
+          <a:stretch>
+            <a:fillRect/>
+          </a:stretch>
+        </p:blipFill>
+        <p:spPr>
+          <a:xfrm>
+            <a:off x="3459997" y="4521209"/>
+            <a:ext cx="360000" cy="360000"/>
+          </a:xfrm>
+          <a:prstGeom prst="rect">
+            <a:avLst/>
+          </a:prstGeom>
+        </p:spPr>
+      </p:pic>
+      <p:pic>
+        <p:nvPicPr>
+          <p:cNvPr id="18" name="Imagem 17">
+            <a:extLst>
+              <a:ext uri="{FF2B5EF4-FFF2-40B4-BE49-F238E27FC236}">
+                <a16:creationId xmlns:a16="http://schemas.microsoft.com/office/drawing/2014/main" id="{6B265D2F-39CD-4D5A-9722-CFF8C7B0E529}"/>
+              </a:ext>
+            </a:extLst>
+          </p:cNvPr>
+          <p:cNvPicPr>
+            <a:picLocks noChangeAspect="1"/>
+          </p:cNvPicPr>
+          <p:nvPr/>
+        </p:nvPicPr>
+        <p:blipFill>
+          <a:blip r:embed="rId4"/>
+          <a:stretch>
+            <a:fillRect/>
+          </a:stretch>
+        </p:blipFill>
+        <p:spPr>
+          <a:xfrm>
+            <a:off x="3639997" y="956170"/>
+            <a:ext cx="360000" cy="360000"/>
+          </a:xfrm>
+          <a:prstGeom prst="rect">
+            <a:avLst/>
+          </a:prstGeom>
+        </p:spPr>
+      </p:pic>
+      <p:pic>
+        <p:nvPicPr>
+          <p:cNvPr id="36" name="Imagem 35">
+            <a:extLst>
+              <a:ext uri="{FF2B5EF4-FFF2-40B4-BE49-F238E27FC236}">
+                <a16:creationId xmlns:a16="http://schemas.microsoft.com/office/drawing/2014/main" id="{CA9C9577-4AF5-4B07-95D0-07D80C101F00}"/>
+              </a:ext>
+            </a:extLst>
+          </p:cNvPr>
+          <p:cNvPicPr>
+            <a:picLocks noChangeAspect="1"/>
+          </p:cNvPicPr>
+          <p:nvPr/>
+        </p:nvPicPr>
+        <p:blipFill>
+          <a:blip r:embed="rId5"/>
+          <a:stretch>
+            <a:fillRect/>
+          </a:stretch>
+        </p:blipFill>
+        <p:spPr>
+          <a:xfrm>
+            <a:off x="5137951" y="3097114"/>
+            <a:ext cx="360000" cy="360000"/>
+          </a:xfrm>
+          <a:prstGeom prst="rect">
+            <a:avLst/>
+          </a:prstGeom>
+        </p:spPr>
+      </p:pic>
+      <p:pic>
+        <p:nvPicPr>
+          <p:cNvPr id="38" name="Imagem 37">
+            <a:extLst>
+              <a:ext uri="{FF2B5EF4-FFF2-40B4-BE49-F238E27FC236}">
+                <a16:creationId xmlns:a16="http://schemas.microsoft.com/office/drawing/2014/main" id="{1977B395-3A24-4B41-9A08-054101FA7B9E}"/>
+              </a:ext>
+            </a:extLst>
+          </p:cNvPr>
+          <p:cNvPicPr>
+            <a:picLocks noChangeAspect="1"/>
+          </p:cNvPicPr>
+          <p:nvPr/>
+        </p:nvPicPr>
+        <p:blipFill>
+          <a:blip r:embed="rId6"/>
+          <a:stretch>
+            <a:fillRect/>
+          </a:stretch>
+        </p:blipFill>
+        <p:spPr>
+          <a:xfrm>
+            <a:off x="7266262" y="2161964"/>
+            <a:ext cx="360000" cy="360000"/>
+          </a:xfrm>
+          <a:prstGeom prst="rect">
+            <a:avLst/>
+          </a:prstGeom>
+        </p:spPr>
+      </p:pic>
+      <p:sp>
+        <p:nvSpPr>
+          <p:cNvPr id="41" name="Fluxograma: Conector 40">
+            <a:extLst>
+              <a:ext uri="{FF2B5EF4-FFF2-40B4-BE49-F238E27FC236}">
+                <a16:creationId xmlns:a16="http://schemas.microsoft.com/office/drawing/2014/main" id="{6D574B52-2142-4930-B112-6028D39FE27B}"/>
+              </a:ext>
+            </a:extLst>
+          </p:cNvPr>
+          <p:cNvSpPr/>
+          <p:nvPr/>
+        </p:nvSpPr>
+        <p:spPr>
+          <a:xfrm>
+            <a:off x="157799" y="1596373"/>
+            <a:ext cx="590550" cy="544442"/>
+          </a:xfrm>
+          <a:prstGeom prst="flowChartConnector">
+            <a:avLst/>
+          </a:prstGeom>
+          <a:solidFill>
+            <a:schemeClr val="bg1"/>
+          </a:solidFill>
+          <a:ln>
+            <a:solidFill>
+              <a:schemeClr val="accent4">
+                <a:lumMod val="75000"/>
+              </a:schemeClr>
+            </a:solidFill>
+          </a:ln>
+        </p:spPr>
+        <p:style>
+          <a:lnRef idx="2">
+            <a:schemeClr val="accent1">
+              <a:shade val="50000"/>
+            </a:schemeClr>
+          </a:lnRef>
+          <a:fillRef idx="1">
+            <a:schemeClr val="accent1"/>
+          </a:fillRef>
+          <a:effectRef idx="0">
+            <a:schemeClr val="accent1"/>
+          </a:effectRef>
+          <a:fontRef idx="minor">
+            <a:schemeClr val="lt1"/>
+          </a:fontRef>
+        </p:style>
+        <p:txBody>
+          <a:bodyPr rtlCol="0" anchor="ctr"/>
+          <a:lstStyle/>
+          <a:p>
+            <a:pPr algn="ctr"/>
+            <a:endParaRPr lang="pt-BR"/>
+          </a:p>
+        </p:txBody>
+      </p:sp>
+      <p:pic>
+        <p:nvPicPr>
+          <p:cNvPr id="45" name="Imagem 44">
+            <a:extLst>
+              <a:ext uri="{FF2B5EF4-FFF2-40B4-BE49-F238E27FC236}">
+                <a16:creationId xmlns:a16="http://schemas.microsoft.com/office/drawing/2014/main" id="{F73F6648-7CC3-4631-B2F1-4A70000498C7}"/>
+              </a:ext>
+            </a:extLst>
+          </p:cNvPr>
+          <p:cNvPicPr>
+            <a:picLocks noChangeAspect="1"/>
+          </p:cNvPicPr>
+          <p:nvPr/>
+        </p:nvPicPr>
+        <p:blipFill>
+          <a:blip r:embed="rId7"/>
+          <a:stretch>
+            <a:fillRect/>
+          </a:stretch>
+        </p:blipFill>
+        <p:spPr>
+          <a:xfrm>
+            <a:off x="1589745" y="2366728"/>
+            <a:ext cx="360000" cy="360000"/>
+          </a:xfrm>
+          <a:prstGeom prst="rect">
+            <a:avLst/>
+          </a:prstGeom>
+        </p:spPr>
+      </p:pic>
+      <p:pic>
+        <p:nvPicPr>
+          <p:cNvPr id="47" name="Imagem 46">
+            <a:extLst>
+              <a:ext uri="{FF2B5EF4-FFF2-40B4-BE49-F238E27FC236}">
+                <a16:creationId xmlns:a16="http://schemas.microsoft.com/office/drawing/2014/main" id="{EDDE3483-5C00-4860-B061-45AE55056293}"/>
+              </a:ext>
+            </a:extLst>
+          </p:cNvPr>
+          <p:cNvPicPr>
+            <a:picLocks noChangeAspect="1"/>
+          </p:cNvPicPr>
+          <p:nvPr/>
+        </p:nvPicPr>
+        <p:blipFill>
+          <a:blip r:embed="rId8"/>
+          <a:stretch>
+            <a:fillRect/>
+          </a:stretch>
+        </p:blipFill>
+        <p:spPr>
+          <a:xfrm>
+            <a:off x="260965" y="1665767"/>
+            <a:ext cx="360000" cy="360000"/>
+          </a:xfrm>
+          <a:prstGeom prst="rect">
+            <a:avLst/>
+          </a:prstGeom>
+        </p:spPr>
+      </p:pic>
+      <p:sp>
+        <p:nvSpPr>
+          <p:cNvPr id="50" name="Fluxograma: Conector 49">
+            <a:extLst>
+              <a:ext uri="{FF2B5EF4-FFF2-40B4-BE49-F238E27FC236}">
+                <a16:creationId xmlns:a16="http://schemas.microsoft.com/office/drawing/2014/main" id="{3DBA4428-950A-4E9E-B4C8-78E6B0852535}"/>
+              </a:ext>
+            </a:extLst>
+          </p:cNvPr>
+          <p:cNvSpPr/>
+          <p:nvPr/>
+        </p:nvSpPr>
+        <p:spPr>
+          <a:xfrm>
+            <a:off x="2833279" y="1524400"/>
+            <a:ext cx="590550" cy="544442"/>
+          </a:xfrm>
+          <a:prstGeom prst="flowChartConnector">
+            <a:avLst/>
+          </a:prstGeom>
+          <a:solidFill>
+            <a:schemeClr val="bg1"/>
+          </a:solidFill>
+          <a:ln>
+            <a:solidFill>
+              <a:schemeClr val="accent4">
+                <a:lumMod val="75000"/>
+              </a:schemeClr>
+            </a:solidFill>
+          </a:ln>
+        </p:spPr>
+        <p:style>
+          <a:lnRef idx="2">
+            <a:schemeClr val="accent1">
+              <a:shade val="50000"/>
+            </a:schemeClr>
+          </a:lnRef>
+          <a:fillRef idx="1">
+            <a:schemeClr val="accent1"/>
+          </a:fillRef>
+          <a:effectRef idx="0">
+            <a:schemeClr val="accent1"/>
+          </a:effectRef>
+          <a:fontRef idx="minor">
+            <a:schemeClr val="lt1"/>
+          </a:fontRef>
+        </p:style>
+        <p:txBody>
+          <a:bodyPr rtlCol="0" anchor="ctr"/>
+          <a:lstStyle/>
+          <a:p>
+            <a:pPr algn="ctr"/>
+            <a:endParaRPr lang="pt-BR"/>
+          </a:p>
+        </p:txBody>
+      </p:sp>
+      <p:pic>
+        <p:nvPicPr>
+          <p:cNvPr id="52" name="Imagem 51">
+            <a:extLst>
+              <a:ext uri="{FF2B5EF4-FFF2-40B4-BE49-F238E27FC236}">
+                <a16:creationId xmlns:a16="http://schemas.microsoft.com/office/drawing/2014/main" id="{439EFBCE-1972-4485-AB6F-55999CFDF2C8}"/>
+              </a:ext>
+            </a:extLst>
+          </p:cNvPr>
+          <p:cNvPicPr>
+            <a:picLocks noChangeAspect="1"/>
+          </p:cNvPicPr>
+          <p:nvPr/>
+        </p:nvPicPr>
+        <p:blipFill>
+          <a:blip r:embed="rId9"/>
+          <a:stretch>
+            <a:fillRect/>
+          </a:stretch>
+        </p:blipFill>
+        <p:spPr>
+          <a:xfrm>
+            <a:off x="2965784" y="1618842"/>
+            <a:ext cx="360000" cy="360000"/>
+          </a:xfrm>
+          <a:prstGeom prst="rect">
+            <a:avLst/>
+          </a:prstGeom>
+        </p:spPr>
+      </p:pic>
+      <p:sp>
+        <p:nvSpPr>
+          <p:cNvPr id="55" name="Fluxograma: Conector 54">
+            <a:extLst>
+              <a:ext uri="{FF2B5EF4-FFF2-40B4-BE49-F238E27FC236}">
+                <a16:creationId xmlns:a16="http://schemas.microsoft.com/office/drawing/2014/main" id="{5DB8C286-B3E3-408C-BB44-13E4327CA356}"/>
+              </a:ext>
+            </a:extLst>
+          </p:cNvPr>
+          <p:cNvSpPr/>
+          <p:nvPr/>
+        </p:nvSpPr>
+        <p:spPr>
+          <a:xfrm>
+            <a:off x="5997859" y="379723"/>
+            <a:ext cx="590550" cy="544442"/>
+          </a:xfrm>
+          <a:prstGeom prst="flowChartConnector">
+            <a:avLst/>
+          </a:prstGeom>
+          <a:solidFill>
+            <a:schemeClr val="bg1"/>
+          </a:solidFill>
+          <a:ln>
+            <a:solidFill>
+              <a:schemeClr val="accent4">
+                <a:lumMod val="75000"/>
+              </a:schemeClr>
+            </a:solidFill>
+          </a:ln>
+        </p:spPr>
+        <p:style>
+          <a:lnRef idx="2">
+            <a:schemeClr val="accent1">
+              <a:shade val="50000"/>
+            </a:schemeClr>
+          </a:lnRef>
+          <a:fillRef idx="1">
+            <a:schemeClr val="accent1"/>
+          </a:fillRef>
+          <a:effectRef idx="0">
+            <a:schemeClr val="accent1"/>
+          </a:effectRef>
+          <a:fontRef idx="minor">
+            <a:schemeClr val="lt1"/>
+          </a:fontRef>
+        </p:style>
+        <p:txBody>
+          <a:bodyPr rtlCol="0" anchor="ctr"/>
+          <a:lstStyle/>
+          <a:p>
+            <a:pPr algn="ctr"/>
+            <a:endParaRPr lang="pt-BR"/>
+          </a:p>
+        </p:txBody>
+      </p:sp>
+      <p:pic>
+        <p:nvPicPr>
+          <p:cNvPr id="57" name="Imagem 56">
+            <a:extLst>
+              <a:ext uri="{FF2B5EF4-FFF2-40B4-BE49-F238E27FC236}">
+                <a16:creationId xmlns:a16="http://schemas.microsoft.com/office/drawing/2014/main" id="{75E3795A-CF88-4B78-8DEF-1DA4D11E704A}"/>
+              </a:ext>
+            </a:extLst>
+          </p:cNvPr>
+          <p:cNvPicPr>
+            <a:picLocks noChangeAspect="1"/>
+          </p:cNvPicPr>
+          <p:nvPr/>
+        </p:nvPicPr>
+        <p:blipFill>
+          <a:blip r:embed="rId10"/>
+          <a:stretch>
+            <a:fillRect/>
+          </a:stretch>
+        </p:blipFill>
+        <p:spPr>
+          <a:xfrm>
+            <a:off x="6092472" y="478032"/>
+            <a:ext cx="360000" cy="360000"/>
+          </a:xfrm>
+          <a:prstGeom prst="rect">
+            <a:avLst/>
+          </a:prstGeom>
+        </p:spPr>
+      </p:pic>
+      <p:sp>
+        <p:nvSpPr>
+          <p:cNvPr id="58" name="Fluxograma: Conector 57">
+            <a:extLst>
+              <a:ext uri="{FF2B5EF4-FFF2-40B4-BE49-F238E27FC236}">
+                <a16:creationId xmlns:a16="http://schemas.microsoft.com/office/drawing/2014/main" id="{A3ABAD59-8E27-4510-8D18-200B405CE286}"/>
+              </a:ext>
+            </a:extLst>
+          </p:cNvPr>
+          <p:cNvSpPr/>
+          <p:nvPr/>
+        </p:nvSpPr>
+        <p:spPr>
+          <a:xfrm>
+            <a:off x="6452472" y="383481"/>
+            <a:ext cx="590550" cy="544442"/>
+          </a:xfrm>
+          <a:prstGeom prst="flowChartConnector">
+            <a:avLst/>
+          </a:prstGeom>
+          <a:solidFill>
+            <a:schemeClr val="bg1"/>
+          </a:solidFill>
+          <a:ln>
+            <a:solidFill>
+              <a:schemeClr val="accent4">
+                <a:lumMod val="75000"/>
+              </a:schemeClr>
+            </a:solidFill>
+          </a:ln>
+        </p:spPr>
+        <p:style>
+          <a:lnRef idx="2">
+            <a:schemeClr val="accent1">
+              <a:shade val="50000"/>
+            </a:schemeClr>
+          </a:lnRef>
+          <a:fillRef idx="1">
+            <a:schemeClr val="accent1"/>
+          </a:fillRef>
+          <a:effectRef idx="0">
+            <a:schemeClr val="accent1"/>
+          </a:effectRef>
+          <a:fontRef idx="minor">
+            <a:schemeClr val="lt1"/>
+          </a:fontRef>
+        </p:style>
+        <p:txBody>
+          <a:bodyPr rtlCol="0" anchor="ctr"/>
+          <a:lstStyle/>
+          <a:p>
+            <a:pPr algn="ctr"/>
+            <a:endParaRPr lang="pt-BR"/>
+          </a:p>
+        </p:txBody>
+      </p:sp>
+      <p:sp>
+        <p:nvSpPr>
+          <p:cNvPr id="59" name="Fluxograma: Conector 58">
+            <a:extLst>
+              <a:ext uri="{FF2B5EF4-FFF2-40B4-BE49-F238E27FC236}">
+                <a16:creationId xmlns:a16="http://schemas.microsoft.com/office/drawing/2014/main" id="{DF1B539D-CB4F-4C05-AF7C-670C1117BE55}"/>
+              </a:ext>
+            </a:extLst>
+          </p:cNvPr>
+          <p:cNvSpPr/>
+          <p:nvPr/>
+        </p:nvSpPr>
+        <p:spPr>
+          <a:xfrm>
+            <a:off x="6892567" y="380971"/>
+            <a:ext cx="590550" cy="544442"/>
+          </a:xfrm>
+          <a:prstGeom prst="flowChartConnector">
+            <a:avLst/>
+          </a:prstGeom>
+          <a:solidFill>
+            <a:schemeClr val="bg1"/>
+          </a:solidFill>
+          <a:ln>
+            <a:solidFill>
+              <a:schemeClr val="accent4">
+                <a:lumMod val="75000"/>
+              </a:schemeClr>
+            </a:solidFill>
+          </a:ln>
+        </p:spPr>
+        <p:style>
+          <a:lnRef idx="2">
+            <a:schemeClr val="accent1">
+              <a:shade val="50000"/>
+            </a:schemeClr>
+          </a:lnRef>
+          <a:fillRef idx="1">
+            <a:schemeClr val="accent1"/>
+          </a:fillRef>
+          <a:effectRef idx="0">
+            <a:schemeClr val="accent1"/>
+          </a:effectRef>
+          <a:fontRef idx="minor">
+            <a:schemeClr val="lt1"/>
+          </a:fontRef>
+        </p:style>
+        <p:txBody>
+          <a:bodyPr rtlCol="0" anchor="ctr"/>
+          <a:lstStyle/>
+          <a:p>
+            <a:pPr algn="ctr"/>
+            <a:endParaRPr lang="pt-BR"/>
+          </a:p>
+        </p:txBody>
+      </p:sp>
+      <p:pic>
+        <p:nvPicPr>
+          <p:cNvPr id="61" name="Imagem 60">
+            <a:extLst>
+              <a:ext uri="{FF2B5EF4-FFF2-40B4-BE49-F238E27FC236}">
+                <a16:creationId xmlns:a16="http://schemas.microsoft.com/office/drawing/2014/main" id="{DDA4241F-25C4-466B-8637-086D42BCC7E7}"/>
+              </a:ext>
+            </a:extLst>
+          </p:cNvPr>
+          <p:cNvPicPr>
+            <a:picLocks noChangeAspect="1"/>
+          </p:cNvPicPr>
+          <p:nvPr/>
+        </p:nvPicPr>
+        <p:blipFill>
+          <a:blip r:embed="rId11"/>
+          <a:stretch>
+            <a:fillRect/>
+          </a:stretch>
+        </p:blipFill>
+        <p:spPr>
+          <a:xfrm>
+            <a:off x="6567747" y="473192"/>
+            <a:ext cx="360000" cy="360000"/>
+          </a:xfrm>
+          <a:prstGeom prst="rect">
+            <a:avLst/>
+          </a:prstGeom>
+        </p:spPr>
+      </p:pic>
+      <p:pic>
+        <p:nvPicPr>
+          <p:cNvPr id="63" name="Imagem 62">
+            <a:extLst>
+              <a:ext uri="{FF2B5EF4-FFF2-40B4-BE49-F238E27FC236}">
+                <a16:creationId xmlns:a16="http://schemas.microsoft.com/office/drawing/2014/main" id="{DD143A50-DB3C-4F9B-8E26-196889C22610}"/>
+              </a:ext>
+            </a:extLst>
+          </p:cNvPr>
+          <p:cNvPicPr>
+            <a:picLocks noChangeAspect="1"/>
+          </p:cNvPicPr>
+          <p:nvPr/>
+        </p:nvPicPr>
+        <p:blipFill>
+          <a:blip r:embed="rId12"/>
+          <a:stretch>
+            <a:fillRect/>
+          </a:stretch>
+        </p:blipFill>
+        <p:spPr>
+          <a:xfrm>
+            <a:off x="7007842" y="473192"/>
+            <a:ext cx="360000" cy="360000"/>
+          </a:xfrm>
+          <a:prstGeom prst="rect">
+            <a:avLst/>
+          </a:prstGeom>
+        </p:spPr>
+      </p:pic>
+      <p:sp>
+        <p:nvSpPr>
+          <p:cNvPr id="64" name="Fluxograma: Conector 63">
+            <a:extLst>
+              <a:ext uri="{FF2B5EF4-FFF2-40B4-BE49-F238E27FC236}">
+                <a16:creationId xmlns:a16="http://schemas.microsoft.com/office/drawing/2014/main" id="{94854CB1-86F6-46D8-87A7-16A0AD1B01B1}"/>
+              </a:ext>
+            </a:extLst>
+          </p:cNvPr>
+          <p:cNvSpPr/>
+          <p:nvPr/>
+        </p:nvSpPr>
+        <p:spPr>
+          <a:xfrm>
+            <a:off x="5434006" y="1481325"/>
+            <a:ext cx="590550" cy="544442"/>
+          </a:xfrm>
+          <a:prstGeom prst="flowChartConnector">
+            <a:avLst/>
+          </a:prstGeom>
+          <a:solidFill>
+            <a:schemeClr val="bg1"/>
+          </a:solidFill>
+          <a:ln>
+            <a:solidFill>
+              <a:schemeClr val="accent4">
+                <a:lumMod val="75000"/>
+              </a:schemeClr>
+            </a:solidFill>
+          </a:ln>
+        </p:spPr>
+        <p:style>
+          <a:lnRef idx="2">
+            <a:schemeClr val="accent1">
+              <a:shade val="50000"/>
+            </a:schemeClr>
+          </a:lnRef>
+          <a:fillRef idx="1">
+            <a:schemeClr val="accent1"/>
+          </a:fillRef>
+          <a:effectRef idx="0">
+            <a:schemeClr val="accent1"/>
+          </a:effectRef>
+          <a:fontRef idx="minor">
+            <a:schemeClr val="lt1"/>
+          </a:fontRef>
+        </p:style>
+        <p:txBody>
+          <a:bodyPr rtlCol="0" anchor="ctr"/>
+          <a:lstStyle/>
+          <a:p>
+            <a:pPr algn="ctr"/>
+            <a:endParaRPr lang="pt-BR"/>
+          </a:p>
+        </p:txBody>
+      </p:sp>
+      <p:pic>
+        <p:nvPicPr>
+          <p:cNvPr id="66" name="Imagem 65">
+            <a:extLst>
+              <a:ext uri="{FF2B5EF4-FFF2-40B4-BE49-F238E27FC236}">
+                <a16:creationId xmlns:a16="http://schemas.microsoft.com/office/drawing/2014/main" id="{24FF3B8F-ABCC-4F9D-8E0C-6429F8521992}"/>
+              </a:ext>
+            </a:extLst>
+          </p:cNvPr>
+          <p:cNvPicPr>
+            <a:picLocks noChangeAspect="1"/>
+          </p:cNvPicPr>
+          <p:nvPr/>
+        </p:nvPicPr>
+        <p:blipFill>
+          <a:blip r:embed="rId13"/>
+          <a:stretch>
+            <a:fillRect/>
+          </a:stretch>
+        </p:blipFill>
+        <p:spPr>
+          <a:xfrm>
+            <a:off x="5540168" y="1569473"/>
+            <a:ext cx="360000" cy="360000"/>
+          </a:xfrm>
+          <a:prstGeom prst="rect">
+            <a:avLst/>
+          </a:prstGeom>
+        </p:spPr>
+      </p:pic>
+      <p:sp>
+        <p:nvSpPr>
+          <p:cNvPr id="68" name="Fluxograma: Conector 67">
+            <a:extLst>
+              <a:ext uri="{FF2B5EF4-FFF2-40B4-BE49-F238E27FC236}">
+                <a16:creationId xmlns:a16="http://schemas.microsoft.com/office/drawing/2014/main" id="{F793AC01-0DA8-42F5-8BC5-A2B73458CB19}"/>
+              </a:ext>
+            </a:extLst>
+          </p:cNvPr>
+          <p:cNvSpPr/>
+          <p:nvPr/>
+        </p:nvSpPr>
+        <p:spPr>
+          <a:xfrm>
+            <a:off x="5674450" y="4272841"/>
+            <a:ext cx="590550" cy="544442"/>
+          </a:xfrm>
+          <a:prstGeom prst="flowChartConnector">
+            <a:avLst/>
+          </a:prstGeom>
+          <a:solidFill>
+            <a:schemeClr val="bg1"/>
+          </a:solidFill>
+          <a:ln>
+            <a:solidFill>
+              <a:schemeClr val="accent4">
+                <a:lumMod val="75000"/>
+              </a:schemeClr>
+            </a:solidFill>
+          </a:ln>
+        </p:spPr>
+        <p:style>
+          <a:lnRef idx="2">
+            <a:schemeClr val="accent1">
+              <a:shade val="50000"/>
+            </a:schemeClr>
+          </a:lnRef>
+          <a:fillRef idx="1">
+            <a:schemeClr val="accent1"/>
+          </a:fillRef>
+          <a:effectRef idx="0">
+            <a:schemeClr val="accent1"/>
+          </a:effectRef>
+          <a:fontRef idx="minor">
+            <a:schemeClr val="lt1"/>
+          </a:fontRef>
+        </p:style>
+        <p:txBody>
+          <a:bodyPr rtlCol="0" anchor="ctr"/>
+          <a:lstStyle/>
+          <a:p>
+            <a:pPr algn="ctr"/>
+            <a:endParaRPr lang="pt-BR"/>
+          </a:p>
+        </p:txBody>
+      </p:sp>
+      <p:sp>
+        <p:nvSpPr>
+          <p:cNvPr id="69" name="Fluxograma: Conector 68">
+            <a:extLst>
+              <a:ext uri="{FF2B5EF4-FFF2-40B4-BE49-F238E27FC236}">
+                <a16:creationId xmlns:a16="http://schemas.microsoft.com/office/drawing/2014/main" id="{E9421613-F61B-4265-87A3-E4F68FC58197}"/>
+              </a:ext>
+            </a:extLst>
+          </p:cNvPr>
+          <p:cNvSpPr/>
+          <p:nvPr/>
+        </p:nvSpPr>
+        <p:spPr>
+          <a:xfrm>
+            <a:off x="7355091" y="2905033"/>
+            <a:ext cx="590550" cy="544442"/>
+          </a:xfrm>
+          <a:prstGeom prst="flowChartConnector">
+            <a:avLst/>
+          </a:prstGeom>
+          <a:solidFill>
+            <a:schemeClr val="bg1"/>
+          </a:solidFill>
+          <a:ln>
+            <a:solidFill>
+              <a:schemeClr val="accent4">
+                <a:lumMod val="75000"/>
+              </a:schemeClr>
+            </a:solidFill>
+          </a:ln>
+        </p:spPr>
+        <p:style>
+          <a:lnRef idx="2">
+            <a:schemeClr val="accent1">
+              <a:shade val="50000"/>
+            </a:schemeClr>
+          </a:lnRef>
+          <a:fillRef idx="1">
+            <a:schemeClr val="accent1"/>
+          </a:fillRef>
+          <a:effectRef idx="0">
+            <a:schemeClr val="accent1"/>
+          </a:effectRef>
+          <a:fontRef idx="minor">
+            <a:schemeClr val="lt1"/>
+          </a:fontRef>
+        </p:style>
+        <p:txBody>
+          <a:bodyPr rtlCol="0" anchor="ctr"/>
+          <a:lstStyle/>
+          <a:p>
+            <a:pPr algn="ctr"/>
+            <a:endParaRPr lang="pt-BR"/>
+          </a:p>
+        </p:txBody>
+      </p:sp>
+      <p:sp>
+        <p:nvSpPr>
+          <p:cNvPr id="70" name="Fluxograma: Conector 69">
+            <a:extLst>
+              <a:ext uri="{FF2B5EF4-FFF2-40B4-BE49-F238E27FC236}">
+                <a16:creationId xmlns:a16="http://schemas.microsoft.com/office/drawing/2014/main" id="{23B775CE-0F58-4132-8866-C1196B5BC517}"/>
+              </a:ext>
+            </a:extLst>
+          </p:cNvPr>
+          <p:cNvSpPr/>
+          <p:nvPr/>
+        </p:nvSpPr>
+        <p:spPr>
+          <a:xfrm>
+            <a:off x="7815804" y="2912672"/>
+            <a:ext cx="590550" cy="544442"/>
+          </a:xfrm>
+          <a:prstGeom prst="flowChartConnector">
+            <a:avLst/>
+          </a:prstGeom>
+          <a:solidFill>
+            <a:schemeClr val="bg1"/>
+          </a:solidFill>
+          <a:ln>
+            <a:solidFill>
+              <a:schemeClr val="accent4">
+                <a:lumMod val="75000"/>
+              </a:schemeClr>
+            </a:solidFill>
+          </a:ln>
+        </p:spPr>
+        <p:style>
+          <a:lnRef idx="2">
+            <a:schemeClr val="accent1">
+              <a:shade val="50000"/>
+            </a:schemeClr>
+          </a:lnRef>
+          <a:fillRef idx="1">
+            <a:schemeClr val="accent1"/>
+          </a:fillRef>
+          <a:effectRef idx="0">
+            <a:schemeClr val="accent1"/>
+          </a:effectRef>
+          <a:fontRef idx="minor">
+            <a:schemeClr val="lt1"/>
+          </a:fontRef>
+        </p:style>
+        <p:txBody>
+          <a:bodyPr rtlCol="0" anchor="ctr"/>
+          <a:lstStyle/>
+          <a:p>
+            <a:pPr algn="ctr"/>
+            <a:endParaRPr lang="pt-BR"/>
+          </a:p>
+        </p:txBody>
+      </p:sp>
+      <p:sp>
+        <p:nvSpPr>
+          <p:cNvPr id="73" name="Fluxograma: Conector 72">
+            <a:extLst>
+              <a:ext uri="{FF2B5EF4-FFF2-40B4-BE49-F238E27FC236}">
+                <a16:creationId xmlns:a16="http://schemas.microsoft.com/office/drawing/2014/main" id="{8713A316-A7EF-421D-A06A-1E2321D0000D}"/>
+              </a:ext>
+            </a:extLst>
+          </p:cNvPr>
+          <p:cNvSpPr/>
+          <p:nvPr/>
+        </p:nvSpPr>
+        <p:spPr>
+          <a:xfrm>
+            <a:off x="6190877" y="4490816"/>
+            <a:ext cx="590550" cy="544442"/>
+          </a:xfrm>
+          <a:prstGeom prst="flowChartConnector">
+            <a:avLst/>
+          </a:prstGeom>
+          <a:solidFill>
+            <a:schemeClr val="bg1"/>
+          </a:solidFill>
+          <a:ln>
+            <a:solidFill>
+              <a:schemeClr val="accent4">
+                <a:lumMod val="75000"/>
+              </a:schemeClr>
+            </a:solidFill>
+          </a:ln>
+        </p:spPr>
+        <p:style>
+          <a:lnRef idx="2">
+            <a:schemeClr val="accent1">
+              <a:shade val="50000"/>
+            </a:schemeClr>
+          </a:lnRef>
+          <a:fillRef idx="1">
+            <a:schemeClr val="accent1"/>
+          </a:fillRef>
+          <a:effectRef idx="0">
+            <a:schemeClr val="accent1"/>
+          </a:effectRef>
+          <a:fontRef idx="minor">
+            <a:schemeClr val="lt1"/>
+          </a:fontRef>
+        </p:style>
+        <p:txBody>
+          <a:bodyPr rtlCol="0" anchor="ctr"/>
+          <a:lstStyle/>
+          <a:p>
+            <a:pPr algn="ctr"/>
+            <a:endParaRPr lang="pt-BR"/>
+          </a:p>
+        </p:txBody>
+      </p:sp>
+      <p:sp>
+        <p:nvSpPr>
+          <p:cNvPr id="74" name="Fluxograma: Conector 73">
+            <a:extLst>
+              <a:ext uri="{FF2B5EF4-FFF2-40B4-BE49-F238E27FC236}">
+                <a16:creationId xmlns:a16="http://schemas.microsoft.com/office/drawing/2014/main" id="{4A7BF868-DCA8-4809-ADF4-EA49D9865409}"/>
+              </a:ext>
+            </a:extLst>
+          </p:cNvPr>
+          <p:cNvSpPr/>
+          <p:nvPr/>
+        </p:nvSpPr>
+        <p:spPr>
+          <a:xfrm>
+            <a:off x="6615666" y="4506052"/>
+            <a:ext cx="590550" cy="544442"/>
+          </a:xfrm>
+          <a:prstGeom prst="flowChartConnector">
+            <a:avLst/>
+          </a:prstGeom>
+          <a:solidFill>
+            <a:schemeClr val="bg1"/>
+          </a:solidFill>
+          <a:ln>
+            <a:solidFill>
+              <a:schemeClr val="accent4">
+                <a:lumMod val="75000"/>
+              </a:schemeClr>
+            </a:solidFill>
+          </a:ln>
+        </p:spPr>
+        <p:style>
+          <a:lnRef idx="2">
+            <a:schemeClr val="accent1">
+              <a:shade val="50000"/>
+            </a:schemeClr>
+          </a:lnRef>
+          <a:fillRef idx="1">
+            <a:schemeClr val="accent1"/>
+          </a:fillRef>
+          <a:effectRef idx="0">
+            <a:schemeClr val="accent1"/>
+          </a:effectRef>
+          <a:fontRef idx="minor">
+            <a:schemeClr val="lt1"/>
+          </a:fontRef>
+        </p:style>
+        <p:txBody>
+          <a:bodyPr rtlCol="0" anchor="ctr"/>
+          <a:lstStyle/>
+          <a:p>
+            <a:pPr algn="ctr"/>
+            <a:endParaRPr lang="pt-BR"/>
+          </a:p>
+        </p:txBody>
+      </p:sp>
+      <p:sp>
+        <p:nvSpPr>
+          <p:cNvPr id="75" name="Fluxograma: Conector 74">
+            <a:extLst>
+              <a:ext uri="{FF2B5EF4-FFF2-40B4-BE49-F238E27FC236}">
+                <a16:creationId xmlns:a16="http://schemas.microsoft.com/office/drawing/2014/main" id="{31D1E21D-4301-497D-9425-9E1DBACE1546}"/>
+              </a:ext>
+            </a:extLst>
+          </p:cNvPr>
+          <p:cNvSpPr/>
+          <p:nvPr/>
+        </p:nvSpPr>
+        <p:spPr>
+          <a:xfrm>
+            <a:off x="7050697" y="4493106"/>
+            <a:ext cx="590550" cy="544442"/>
+          </a:xfrm>
+          <a:prstGeom prst="flowChartConnector">
+            <a:avLst/>
+          </a:prstGeom>
+          <a:solidFill>
+            <a:schemeClr val="bg1"/>
+          </a:solidFill>
+          <a:ln>
+            <a:solidFill>
+              <a:schemeClr val="accent4">
+                <a:lumMod val="75000"/>
+              </a:schemeClr>
+            </a:solidFill>
+          </a:ln>
+        </p:spPr>
+        <p:style>
+          <a:lnRef idx="2">
+            <a:schemeClr val="accent1">
+              <a:shade val="50000"/>
+            </a:schemeClr>
+          </a:lnRef>
+          <a:fillRef idx="1">
+            <a:schemeClr val="accent1"/>
+          </a:fillRef>
+          <a:effectRef idx="0">
+            <a:schemeClr val="accent1"/>
+          </a:effectRef>
+          <a:fontRef idx="minor">
+            <a:schemeClr val="lt1"/>
+          </a:fontRef>
+        </p:style>
+        <p:txBody>
+          <a:bodyPr rtlCol="0" anchor="ctr"/>
+          <a:lstStyle/>
+          <a:p>
+            <a:pPr algn="ctr"/>
+            <a:endParaRPr lang="pt-BR"/>
+          </a:p>
+        </p:txBody>
+      </p:sp>
+      <p:pic>
+        <p:nvPicPr>
+          <p:cNvPr id="77" name="Imagem 76">
+            <a:extLst>
+              <a:ext uri="{FF2B5EF4-FFF2-40B4-BE49-F238E27FC236}">
+                <a16:creationId xmlns:a16="http://schemas.microsoft.com/office/drawing/2014/main" id="{802EE589-49CD-47BD-AD79-2731069914BF}"/>
+              </a:ext>
+            </a:extLst>
+          </p:cNvPr>
+          <p:cNvPicPr>
+            <a:picLocks noChangeAspect="1"/>
+          </p:cNvPicPr>
+          <p:nvPr/>
+        </p:nvPicPr>
+        <p:blipFill>
+          <a:blip r:embed="rId14"/>
+          <a:stretch>
+            <a:fillRect/>
+          </a:stretch>
+        </p:blipFill>
+        <p:spPr>
+          <a:xfrm>
+            <a:off x="5799292" y="4329962"/>
+            <a:ext cx="360000" cy="360000"/>
+          </a:xfrm>
+          <a:prstGeom prst="rect">
+            <a:avLst/>
+          </a:prstGeom>
+        </p:spPr>
+      </p:pic>
+      <p:pic>
+        <p:nvPicPr>
+          <p:cNvPr id="79" name="Imagem 78">
+            <a:extLst>
+              <a:ext uri="{FF2B5EF4-FFF2-40B4-BE49-F238E27FC236}">
+                <a16:creationId xmlns:a16="http://schemas.microsoft.com/office/drawing/2014/main" id="{6E74C3F4-B52A-454B-B450-200A3D2BA8EE}"/>
+              </a:ext>
+            </a:extLst>
+          </p:cNvPr>
+          <p:cNvPicPr>
+            <a:picLocks noChangeAspect="1"/>
+          </p:cNvPicPr>
+          <p:nvPr/>
+        </p:nvPicPr>
+        <p:blipFill>
+          <a:blip r:embed="rId15"/>
+          <a:stretch>
+            <a:fillRect/>
+          </a:stretch>
+        </p:blipFill>
+        <p:spPr>
+          <a:xfrm>
+            <a:off x="7150987" y="4582529"/>
+            <a:ext cx="360000" cy="360000"/>
+          </a:xfrm>
+          <a:prstGeom prst="rect">
+            <a:avLst/>
+          </a:prstGeom>
+        </p:spPr>
+      </p:pic>
+      <p:pic>
+        <p:nvPicPr>
+          <p:cNvPr id="81" name="Imagem 80">
+            <a:extLst>
+              <a:ext uri="{FF2B5EF4-FFF2-40B4-BE49-F238E27FC236}">
+                <a16:creationId xmlns:a16="http://schemas.microsoft.com/office/drawing/2014/main" id="{FB5ACA45-9D9C-4775-9900-C98A8DA0EA2A}"/>
+              </a:ext>
+            </a:extLst>
+          </p:cNvPr>
+          <p:cNvPicPr>
+            <a:picLocks noChangeAspect="1"/>
+          </p:cNvPicPr>
+          <p:nvPr/>
+        </p:nvPicPr>
+        <p:blipFill>
+          <a:blip r:embed="rId16"/>
+          <a:stretch>
+            <a:fillRect/>
+          </a:stretch>
+        </p:blipFill>
+        <p:spPr>
+          <a:xfrm>
+            <a:off x="6700588" y="4580019"/>
+            <a:ext cx="360000" cy="360000"/>
+          </a:xfrm>
+          <a:prstGeom prst="rect">
+            <a:avLst/>
+          </a:prstGeom>
+        </p:spPr>
+      </p:pic>
+      <p:pic>
+        <p:nvPicPr>
+          <p:cNvPr id="83" name="Imagem 82">
+            <a:extLst>
+              <a:ext uri="{FF2B5EF4-FFF2-40B4-BE49-F238E27FC236}">
+                <a16:creationId xmlns:a16="http://schemas.microsoft.com/office/drawing/2014/main" id="{AD54A447-B5ED-41C9-89DC-2B5BED3FFF77}"/>
+              </a:ext>
+            </a:extLst>
+          </p:cNvPr>
+          <p:cNvPicPr>
+            <a:picLocks noChangeAspect="1"/>
+          </p:cNvPicPr>
+          <p:nvPr/>
+        </p:nvPicPr>
+        <p:blipFill>
+          <a:blip r:embed="rId17"/>
+          <a:stretch>
+            <a:fillRect/>
+          </a:stretch>
+        </p:blipFill>
+        <p:spPr>
+          <a:xfrm>
+            <a:off x="6266191" y="4585777"/>
+            <a:ext cx="360000" cy="360000"/>
+          </a:xfrm>
+          <a:prstGeom prst="rect">
+            <a:avLst/>
+          </a:prstGeom>
+        </p:spPr>
+      </p:pic>
+      <p:pic>
+        <p:nvPicPr>
+          <p:cNvPr id="87" name="Imagem 86">
+            <a:extLst>
+              <a:ext uri="{FF2B5EF4-FFF2-40B4-BE49-F238E27FC236}">
+                <a16:creationId xmlns:a16="http://schemas.microsoft.com/office/drawing/2014/main" id="{3B06179C-9968-4ED7-807A-432CE7436C46}"/>
+              </a:ext>
+            </a:extLst>
+          </p:cNvPr>
+          <p:cNvPicPr>
+            <a:picLocks noChangeAspect="1"/>
+          </p:cNvPicPr>
+          <p:nvPr/>
+        </p:nvPicPr>
+        <p:blipFill>
+          <a:blip r:embed="rId18"/>
+          <a:stretch>
+            <a:fillRect/>
+          </a:stretch>
+        </p:blipFill>
+        <p:spPr>
+          <a:xfrm>
+            <a:off x="7450452" y="2960478"/>
+            <a:ext cx="360000" cy="360000"/>
+          </a:xfrm>
+          <a:prstGeom prst="rect">
+            <a:avLst/>
+          </a:prstGeom>
+        </p:spPr>
+      </p:pic>
+      <p:sp>
+        <p:nvSpPr>
+          <p:cNvPr id="88" name="Fluxograma: Conector 87">
+            <a:extLst>
+              <a:ext uri="{FF2B5EF4-FFF2-40B4-BE49-F238E27FC236}">
+                <a16:creationId xmlns:a16="http://schemas.microsoft.com/office/drawing/2014/main" id="{D411F4B0-65FA-47E9-B8EB-608D48CA27E8}"/>
+              </a:ext>
+            </a:extLst>
+          </p:cNvPr>
+          <p:cNvSpPr/>
+          <p:nvPr/>
+        </p:nvSpPr>
+        <p:spPr>
+          <a:xfrm>
+            <a:off x="8301801" y="2926182"/>
+            <a:ext cx="590550" cy="544442"/>
+          </a:xfrm>
+          <a:prstGeom prst="flowChartConnector">
+            <a:avLst/>
+          </a:prstGeom>
+          <a:solidFill>
+            <a:schemeClr val="bg1"/>
+          </a:solidFill>
+          <a:ln>
+            <a:solidFill>
+              <a:schemeClr val="accent4">
+                <a:lumMod val="75000"/>
+              </a:schemeClr>
+            </a:solidFill>
+          </a:ln>
+        </p:spPr>
+        <p:style>
+          <a:lnRef idx="2">
+            <a:schemeClr val="accent1">
+              <a:shade val="50000"/>
+            </a:schemeClr>
+          </a:lnRef>
+          <a:fillRef idx="1">
+            <a:schemeClr val="accent1"/>
+          </a:fillRef>
+          <a:effectRef idx="0">
+            <a:schemeClr val="accent1"/>
+          </a:effectRef>
+          <a:fontRef idx="minor">
+            <a:schemeClr val="lt1"/>
+          </a:fontRef>
+        </p:style>
+        <p:txBody>
+          <a:bodyPr rtlCol="0" anchor="ctr"/>
+          <a:lstStyle/>
+          <a:p>
+            <a:pPr algn="ctr"/>
+            <a:endParaRPr lang="pt-BR"/>
+          </a:p>
+        </p:txBody>
+      </p:sp>
+      <p:pic>
+        <p:nvPicPr>
+          <p:cNvPr id="90" name="Imagem 89">
+            <a:extLst>
+              <a:ext uri="{FF2B5EF4-FFF2-40B4-BE49-F238E27FC236}">
+                <a16:creationId xmlns:a16="http://schemas.microsoft.com/office/drawing/2014/main" id="{4DAE574C-3081-4B90-A490-595FBB82B5A0}"/>
+              </a:ext>
+            </a:extLst>
+          </p:cNvPr>
+          <p:cNvPicPr>
+            <a:picLocks noChangeAspect="1"/>
+          </p:cNvPicPr>
+          <p:nvPr/>
+        </p:nvPicPr>
+        <p:blipFill>
+          <a:blip r:embed="rId19"/>
+          <a:stretch>
+            <a:fillRect/>
+          </a:stretch>
+        </p:blipFill>
+        <p:spPr>
+          <a:xfrm>
+            <a:off x="7919195" y="3004893"/>
+            <a:ext cx="360000" cy="360000"/>
+          </a:xfrm>
+          <a:prstGeom prst="rect">
+            <a:avLst/>
+          </a:prstGeom>
+        </p:spPr>
+      </p:pic>
+      <p:pic>
+        <p:nvPicPr>
+          <p:cNvPr id="92" name="Imagem 91">
+            <a:extLst>
+              <a:ext uri="{FF2B5EF4-FFF2-40B4-BE49-F238E27FC236}">
+                <a16:creationId xmlns:a16="http://schemas.microsoft.com/office/drawing/2014/main" id="{4516718A-A703-43A2-90C8-B0991971DF05}"/>
+              </a:ext>
+            </a:extLst>
+          </p:cNvPr>
+          <p:cNvPicPr>
+            <a:picLocks noChangeAspect="1"/>
+          </p:cNvPicPr>
+          <p:nvPr/>
+        </p:nvPicPr>
+        <p:blipFill>
+          <a:blip r:embed="rId20"/>
+          <a:stretch>
+            <a:fillRect/>
+          </a:stretch>
+        </p:blipFill>
+        <p:spPr>
+          <a:xfrm>
+            <a:off x="8412886" y="3003852"/>
+            <a:ext cx="360000" cy="360000"/>
+          </a:xfrm>
+          <a:prstGeom prst="rect">
+            <a:avLst/>
+          </a:prstGeom>
+        </p:spPr>
+      </p:pic>
     </p:spTree>
     <p:extLst>
       <p:ext uri="{BB962C8B-B14F-4D97-AF65-F5344CB8AC3E}">

--- a/SPRINT2/slide pi.pptx
+++ b/SPRINT2/slide pi.pptx
@@ -5,7 +5,7 @@
     <p:sldMasterId id="2147483660" r:id="rId1"/>
   </p:sldMasterIdLst>
   <p:notesMasterIdLst>
-    <p:notesMasterId r:id="rId18"/>
+    <p:notesMasterId r:id="rId19"/>
   </p:notesMasterIdLst>
   <p:sldIdLst>
     <p:sldId id="256" r:id="rId2"/>
@@ -23,31 +23,32 @@
     <p:sldId id="299" r:id="rId14"/>
     <p:sldId id="278" r:id="rId15"/>
     <p:sldId id="301" r:id="rId16"/>
-    <p:sldId id="303" r:id="rId17"/>
+    <p:sldId id="304" r:id="rId17"/>
+    <p:sldId id="303" r:id="rId18"/>
   </p:sldIdLst>
   <p:sldSz cx="9144000" cy="5143500" type="screen16x9"/>
   <p:notesSz cx="6858000" cy="9144000"/>
   <p:embeddedFontLst>
     <p:embeddedFont>
       <p:font typeface="Calibri" panose="020F0502020204030204" pitchFamily="34" charset="0"/>
-      <p:regular r:id="rId19"/>
-      <p:bold r:id="rId20"/>
-      <p:italic r:id="rId21"/>
-      <p:boldItalic r:id="rId22"/>
+      <p:regular r:id="rId20"/>
+      <p:bold r:id="rId21"/>
+      <p:italic r:id="rId22"/>
+      <p:boldItalic r:id="rId23"/>
     </p:embeddedFont>
     <p:embeddedFont>
       <p:font typeface="Kulim Park" panose="020B0604020202020204" charset="0"/>
-      <p:regular r:id="rId23"/>
-      <p:bold r:id="rId24"/>
-      <p:italic r:id="rId25"/>
-      <p:boldItalic r:id="rId26"/>
+      <p:regular r:id="rId24"/>
+      <p:bold r:id="rId25"/>
+      <p:italic r:id="rId26"/>
+      <p:boldItalic r:id="rId27"/>
     </p:embeddedFont>
     <p:embeddedFont>
       <p:font typeface="Kulim Park Light" panose="020B0604020202020204" charset="0"/>
-      <p:regular r:id="rId27"/>
-      <p:bold r:id="rId28"/>
-      <p:italic r:id="rId29"/>
-      <p:boldItalic r:id="rId30"/>
+      <p:regular r:id="rId28"/>
+      <p:bold r:id="rId29"/>
+      <p:italic r:id="rId30"/>
+      <p:boldItalic r:id="rId31"/>
     </p:embeddedFont>
   </p:embeddedFontLst>
   <p:defaultTextStyle>
@@ -299,6 +300,7 @@
             <p14:sldId id="299"/>
             <p14:sldId id="278"/>
             <p14:sldId id="301"/>
+            <p14:sldId id="304"/>
             <p14:sldId id="303"/>
           </p14:sldIdLst>
         </p14:section>
@@ -15661,6 +15663,400 @@
       </p:grpSpPr>
       <p:sp>
         <p:nvSpPr>
+          <p:cNvPr id="29" name="Retângulo: Cantos Arredondados 28">
+            <a:extLst>
+              <a:ext uri="{FF2B5EF4-FFF2-40B4-BE49-F238E27FC236}">
+                <a16:creationId xmlns:a16="http://schemas.microsoft.com/office/drawing/2014/main" id="{E5043D84-7CAC-4043-B389-BA0740F59886}"/>
+              </a:ext>
+            </a:extLst>
+          </p:cNvPr>
+          <p:cNvSpPr/>
+          <p:nvPr/>
+        </p:nvSpPr>
+        <p:spPr>
+          <a:xfrm>
+            <a:off x="312717" y="1042553"/>
+            <a:ext cx="2580610" cy="1709940"/>
+          </a:xfrm>
+          <a:prstGeom prst="roundRect">
+            <a:avLst/>
+          </a:prstGeom>
+          <a:solidFill>
+            <a:schemeClr val="accent5">
+              <a:lumMod val="60000"/>
+              <a:lumOff val="40000"/>
+            </a:schemeClr>
+          </a:solidFill>
+        </p:spPr>
+        <p:style>
+          <a:lnRef idx="2">
+            <a:schemeClr val="accent1">
+              <a:shade val="50000"/>
+            </a:schemeClr>
+          </a:lnRef>
+          <a:fillRef idx="1">
+            <a:schemeClr val="accent1"/>
+          </a:fillRef>
+          <a:effectRef idx="0">
+            <a:schemeClr val="accent1"/>
+          </a:effectRef>
+          <a:fontRef idx="minor">
+            <a:schemeClr val="lt1"/>
+          </a:fontRef>
+        </p:style>
+        <p:txBody>
+          <a:bodyPr rtlCol="0" anchor="ctr"/>
+          <a:lstStyle/>
+          <a:p>
+            <a:pPr algn="ctr"/>
+            <a:endParaRPr lang="pt-BR" dirty="0"/>
+          </a:p>
+        </p:txBody>
+      </p:sp>
+      <p:sp>
+        <p:nvSpPr>
+          <p:cNvPr id="35" name="Elipse 34">
+            <a:extLst>
+              <a:ext uri="{FF2B5EF4-FFF2-40B4-BE49-F238E27FC236}">
+                <a16:creationId xmlns:a16="http://schemas.microsoft.com/office/drawing/2014/main" id="{6CBE0960-C5D4-4CC2-BAE0-A569891ADCAE}"/>
+              </a:ext>
+            </a:extLst>
+          </p:cNvPr>
+          <p:cNvSpPr/>
+          <p:nvPr/>
+        </p:nvSpPr>
+        <p:spPr>
+          <a:xfrm>
+            <a:off x="430327" y="1206064"/>
+            <a:ext cx="1061485" cy="936977"/>
+          </a:xfrm>
+          <a:prstGeom prst="ellipse">
+            <a:avLst/>
+          </a:prstGeom>
+          <a:solidFill>
+            <a:srgbClr val="5E2F80"/>
+          </a:solidFill>
+          <a:ln>
+            <a:noFill/>
+          </a:ln>
+        </p:spPr>
+        <p:style>
+          <a:lnRef idx="0">
+            <a:scrgbClr r="0" g="0" b="0"/>
+          </a:lnRef>
+          <a:fillRef idx="0">
+            <a:scrgbClr r="0" g="0" b="0"/>
+          </a:fillRef>
+          <a:effectRef idx="0">
+            <a:scrgbClr r="0" g="0" b="0"/>
+          </a:effectRef>
+          <a:fontRef idx="minor">
+            <a:schemeClr val="lt1"/>
+          </a:fontRef>
+        </p:style>
+        <p:txBody>
+          <a:bodyPr rtlCol="0" anchor="ctr"/>
+          <a:lstStyle/>
+          <a:p>
+            <a:pPr algn="ctr"/>
+            <a:endParaRPr lang="pt-BR"/>
+          </a:p>
+        </p:txBody>
+      </p:sp>
+      <p:sp>
+        <p:nvSpPr>
+          <p:cNvPr id="6" name="CaixaDeTexto 5">
+            <a:extLst>
+              <a:ext uri="{FF2B5EF4-FFF2-40B4-BE49-F238E27FC236}">
+                <a16:creationId xmlns:a16="http://schemas.microsoft.com/office/drawing/2014/main" id="{18B062DC-A371-498D-AB61-573DEED4A4D1}"/>
+              </a:ext>
+            </a:extLst>
+          </p:cNvPr>
+          <p:cNvSpPr txBox="1"/>
+          <p:nvPr/>
+        </p:nvSpPr>
+        <p:spPr>
+          <a:xfrm>
+            <a:off x="2356597" y="107579"/>
+            <a:ext cx="4430806" cy="646331"/>
+          </a:xfrm>
+          <a:prstGeom prst="rect">
+            <a:avLst/>
+          </a:prstGeom>
+          <a:noFill/>
+        </p:spPr>
+        <p:txBody>
+          <a:bodyPr wrap="square" rtlCol="0">
+            <a:spAutoFit/>
+          </a:bodyPr>
+          <a:lstStyle/>
+          <a:p>
+            <a:pPr algn="ctr">
+              <a:tabLst>
+                <a:tab pos="2776538" algn="l"/>
+              </a:tabLst>
+            </a:pPr>
+            <a:r>
+              <a:rPr lang="pt-BR" sz="3600" b="1" dirty="0">
+                <a:solidFill>
+                  <a:srgbClr val="DA6810"/>
+                </a:solidFill>
+                <a:latin typeface="Kulim Park"/>
+                <a:sym typeface="Kulim Park"/>
+              </a:rPr>
+              <a:t>HLD</a:t>
+            </a:r>
+          </a:p>
+        </p:txBody>
+      </p:sp>
+      <p:sp>
+        <p:nvSpPr>
+          <p:cNvPr id="27" name="CaixaDeTexto 26">
+            <a:extLst>
+              <a:ext uri="{FF2B5EF4-FFF2-40B4-BE49-F238E27FC236}">
+                <a16:creationId xmlns:a16="http://schemas.microsoft.com/office/drawing/2014/main" id="{34C92E15-7BFF-4A8A-8F25-44054EBD6E51}"/>
+              </a:ext>
+            </a:extLst>
+          </p:cNvPr>
+          <p:cNvSpPr txBox="1"/>
+          <p:nvPr/>
+        </p:nvSpPr>
+        <p:spPr>
+          <a:xfrm>
+            <a:off x="1013812" y="2720995"/>
+            <a:ext cx="915635" cy="369332"/>
+          </a:xfrm>
+          <a:prstGeom prst="rect">
+            <a:avLst/>
+          </a:prstGeom>
+          <a:noFill/>
+        </p:spPr>
+        <p:txBody>
+          <a:bodyPr wrap="none" rtlCol="0">
+            <a:spAutoFit/>
+          </a:bodyPr>
+          <a:lstStyle/>
+          <a:p>
+            <a:r>
+              <a:rPr lang="pt-BR" sz="1800" b="1" dirty="0">
+                <a:solidFill>
+                  <a:srgbClr val="FFCE94"/>
+                </a:solidFill>
+              </a:rPr>
+              <a:t>Granja</a:t>
+            </a:r>
+          </a:p>
+        </p:txBody>
+      </p:sp>
+      <p:sp>
+        <p:nvSpPr>
+          <p:cNvPr id="28" name="Retângulo: Cantos Arredondados 27">
+            <a:extLst>
+              <a:ext uri="{FF2B5EF4-FFF2-40B4-BE49-F238E27FC236}">
+                <a16:creationId xmlns:a16="http://schemas.microsoft.com/office/drawing/2014/main" id="{B2D79F6A-ACB9-4EEB-8CB9-98A086E7C6D1}"/>
+              </a:ext>
+            </a:extLst>
+          </p:cNvPr>
+          <p:cNvSpPr/>
+          <p:nvPr/>
+        </p:nvSpPr>
+        <p:spPr>
+          <a:xfrm>
+            <a:off x="5998006" y="2571750"/>
+            <a:ext cx="2746337" cy="1709940"/>
+          </a:xfrm>
+          <a:prstGeom prst="roundRect">
+            <a:avLst/>
+          </a:prstGeom>
+        </p:spPr>
+        <p:style>
+          <a:lnRef idx="2">
+            <a:schemeClr val="accent1">
+              <a:shade val="50000"/>
+            </a:schemeClr>
+          </a:lnRef>
+          <a:fillRef idx="1">
+            <a:schemeClr val="accent1"/>
+          </a:fillRef>
+          <a:effectRef idx="0">
+            <a:schemeClr val="accent1"/>
+          </a:effectRef>
+          <a:fontRef idx="minor">
+            <a:schemeClr val="lt1"/>
+          </a:fontRef>
+        </p:style>
+        <p:txBody>
+          <a:bodyPr rtlCol="0" anchor="ctr"/>
+          <a:lstStyle/>
+          <a:p>
+            <a:pPr algn="ctr"/>
+            <a:endParaRPr lang="pt-BR"/>
+          </a:p>
+        </p:txBody>
+      </p:sp>
+      <p:sp>
+        <p:nvSpPr>
+          <p:cNvPr id="30" name="CaixaDeTexto 29">
+            <a:extLst>
+              <a:ext uri="{FF2B5EF4-FFF2-40B4-BE49-F238E27FC236}">
+                <a16:creationId xmlns:a16="http://schemas.microsoft.com/office/drawing/2014/main" id="{3C481490-2875-473D-B9EE-6AD08986CD26}"/>
+              </a:ext>
+            </a:extLst>
+          </p:cNvPr>
+          <p:cNvSpPr txBox="1"/>
+          <p:nvPr/>
+        </p:nvSpPr>
+        <p:spPr>
+          <a:xfrm>
+            <a:off x="6581422" y="4651022"/>
+            <a:ext cx="184731" cy="307777"/>
+          </a:xfrm>
+          <a:prstGeom prst="rect">
+            <a:avLst/>
+          </a:prstGeom>
+          <a:noFill/>
+        </p:spPr>
+        <p:txBody>
+          <a:bodyPr wrap="none" rtlCol="0">
+            <a:spAutoFit/>
+          </a:bodyPr>
+          <a:lstStyle/>
+          <a:p>
+            <a:endParaRPr lang="pt-BR" dirty="0"/>
+          </a:p>
+        </p:txBody>
+      </p:sp>
+      <p:sp>
+        <p:nvSpPr>
+          <p:cNvPr id="32" name="CaixaDeTexto 31">
+            <a:extLst>
+              <a:ext uri="{FF2B5EF4-FFF2-40B4-BE49-F238E27FC236}">
+                <a16:creationId xmlns:a16="http://schemas.microsoft.com/office/drawing/2014/main" id="{26692078-01CF-41E2-B0EB-9A524EBCB509}"/>
+              </a:ext>
+            </a:extLst>
+          </p:cNvPr>
+          <p:cNvSpPr txBox="1"/>
+          <p:nvPr/>
+        </p:nvSpPr>
+        <p:spPr>
+          <a:xfrm>
+            <a:off x="6766153" y="4281690"/>
+            <a:ext cx="1159292" cy="369332"/>
+          </a:xfrm>
+          <a:prstGeom prst="rect">
+            <a:avLst/>
+          </a:prstGeom>
+          <a:noFill/>
+        </p:spPr>
+        <p:txBody>
+          <a:bodyPr wrap="none" rtlCol="0">
+            <a:spAutoFit/>
+          </a:bodyPr>
+          <a:lstStyle/>
+          <a:p>
+            <a:r>
+              <a:rPr lang="pt-BR" sz="1800" b="1" dirty="0">
+                <a:solidFill>
+                  <a:srgbClr val="FFCE94"/>
+                </a:solidFill>
+              </a:rPr>
+              <a:t>Empresa</a:t>
+            </a:r>
+          </a:p>
+        </p:txBody>
+      </p:sp>
+      <p:pic>
+        <p:nvPicPr>
+          <p:cNvPr id="33" name="Imagem 32">
+            <a:extLst>
+              <a:ext uri="{FF2B5EF4-FFF2-40B4-BE49-F238E27FC236}">
+                <a16:creationId xmlns:a16="http://schemas.microsoft.com/office/drawing/2014/main" id="{75DCC895-049F-42AF-AAB8-8B942DF075E0}"/>
+              </a:ext>
+            </a:extLst>
+          </p:cNvPr>
+          <p:cNvPicPr>
+            <a:picLocks noChangeAspect="1"/>
+          </p:cNvPicPr>
+          <p:nvPr/>
+        </p:nvPicPr>
+        <p:blipFill>
+          <a:blip r:embed="rId2"/>
+          <a:stretch>
+            <a:fillRect/>
+          </a:stretch>
+        </p:blipFill>
+        <p:spPr>
+          <a:xfrm>
+            <a:off x="538680" y="1537523"/>
+            <a:ext cx="360000" cy="360000"/>
+          </a:xfrm>
+          <a:prstGeom prst="rect">
+            <a:avLst/>
+          </a:prstGeom>
+        </p:spPr>
+      </p:pic>
+      <p:pic>
+        <p:nvPicPr>
+          <p:cNvPr id="34" name="Imagem 33">
+            <a:extLst>
+              <a:ext uri="{FF2B5EF4-FFF2-40B4-BE49-F238E27FC236}">
+                <a16:creationId xmlns:a16="http://schemas.microsoft.com/office/drawing/2014/main" id="{6D50A36A-5D81-4DED-9CC3-B7E0C9CDCD25}"/>
+              </a:ext>
+            </a:extLst>
+          </p:cNvPr>
+          <p:cNvPicPr>
+            <a:picLocks noChangeAspect="1"/>
+          </p:cNvPicPr>
+          <p:nvPr/>
+        </p:nvPicPr>
+        <p:blipFill>
+          <a:blip r:embed="rId3"/>
+          <a:stretch>
+            <a:fillRect/>
+          </a:stretch>
+        </p:blipFill>
+        <p:spPr>
+          <a:xfrm>
+            <a:off x="898680" y="1521774"/>
+            <a:ext cx="360000" cy="360000"/>
+          </a:xfrm>
+          <a:prstGeom prst="rect">
+            <a:avLst/>
+          </a:prstGeom>
+        </p:spPr>
+      </p:pic>
+    </p:spTree>
+    <p:extLst>
+      <p:ext uri="{BB962C8B-B14F-4D97-AF65-F5344CB8AC3E}">
+        <p14:creationId xmlns:p14="http://schemas.microsoft.com/office/powerpoint/2010/main" val="1878038921"/>
+      </p:ext>
+    </p:extLst>
+  </p:cSld>
+  <p:clrMapOvr>
+    <a:masterClrMapping/>
+  </p:clrMapOvr>
+</p:sld>
+</file>
+
+<file path=ppt/slides/slide17.xml><?xml version="1.0" encoding="utf-8"?>
+<p:sld xmlns:a="http://schemas.openxmlformats.org/drawingml/2006/main" xmlns:r="http://schemas.openxmlformats.org/officeDocument/2006/relationships" xmlns:p="http://schemas.openxmlformats.org/presentationml/2006/main">
+  <p:cSld>
+    <p:spTree>
+      <p:nvGrpSpPr>
+        <p:cNvPr id="1" name=""/>
+        <p:cNvGrpSpPr/>
+        <p:nvPr/>
+      </p:nvGrpSpPr>
+      <p:grpSpPr>
+        <a:xfrm>
+          <a:off x="0" y="0"/>
+          <a:ext cx="0" cy="0"/>
+          <a:chOff x="0" y="0"/>
+          <a:chExt cx="0" cy="0"/>
+        </a:xfrm>
+      </p:grpSpPr>
+      <p:sp>
+        <p:nvSpPr>
           <p:cNvPr id="2" name="Espaço Reservado para Número de Slide 1">
             <a:extLst>
               <a:ext uri="{FF2B5EF4-FFF2-40B4-BE49-F238E27FC236}">
@@ -15688,7 +16084,7 @@
             <a:fld id="{00000000-1234-1234-1234-123412341234}" type="slidenum">
               <a:rPr lang="pt-BR" sz="1100"/>
               <a:pPr/>
-              <a:t>16</a:t>
+              <a:t>17</a:t>
             </a:fld>
             <a:endParaRPr lang="pt-BR" sz="1100" dirty="0"/>
           </a:p>

--- a/SPRINT2/slide pi.pptx
+++ b/SPRINT2/slide pi.pptx
@@ -5,7 +5,7 @@
     <p:sldMasterId id="2147483660" r:id="rId1"/>
   </p:sldMasterIdLst>
   <p:notesMasterIdLst>
-    <p:notesMasterId r:id="rId19"/>
+    <p:notesMasterId r:id="rId18"/>
   </p:notesMasterIdLst>
   <p:sldIdLst>
     <p:sldId id="256" r:id="rId2"/>
@@ -23,32 +23,31 @@
     <p:sldId id="299" r:id="rId14"/>
     <p:sldId id="278" r:id="rId15"/>
     <p:sldId id="301" r:id="rId16"/>
-    <p:sldId id="304" r:id="rId17"/>
-    <p:sldId id="303" r:id="rId18"/>
+    <p:sldId id="303" r:id="rId17"/>
   </p:sldIdLst>
   <p:sldSz cx="9144000" cy="5143500" type="screen16x9"/>
   <p:notesSz cx="6858000" cy="9144000"/>
   <p:embeddedFontLst>
     <p:embeddedFont>
       <p:font typeface="Calibri" panose="020F0502020204030204" pitchFamily="34" charset="0"/>
-      <p:regular r:id="rId20"/>
-      <p:bold r:id="rId21"/>
-      <p:italic r:id="rId22"/>
-      <p:boldItalic r:id="rId23"/>
+      <p:regular r:id="rId19"/>
+      <p:bold r:id="rId20"/>
+      <p:italic r:id="rId21"/>
+      <p:boldItalic r:id="rId22"/>
     </p:embeddedFont>
     <p:embeddedFont>
       <p:font typeface="Kulim Park" panose="020B0604020202020204" charset="0"/>
-      <p:regular r:id="rId24"/>
-      <p:bold r:id="rId25"/>
-      <p:italic r:id="rId26"/>
-      <p:boldItalic r:id="rId27"/>
+      <p:regular r:id="rId23"/>
+      <p:bold r:id="rId24"/>
+      <p:italic r:id="rId25"/>
+      <p:boldItalic r:id="rId26"/>
     </p:embeddedFont>
     <p:embeddedFont>
       <p:font typeface="Kulim Park Light" panose="020B0604020202020204" charset="0"/>
-      <p:regular r:id="rId28"/>
-      <p:bold r:id="rId29"/>
-      <p:italic r:id="rId30"/>
-      <p:boldItalic r:id="rId31"/>
+      <p:regular r:id="rId27"/>
+      <p:bold r:id="rId28"/>
+      <p:italic r:id="rId29"/>
+      <p:boldItalic r:id="rId30"/>
     </p:embeddedFont>
   </p:embeddedFontLst>
   <p:defaultTextStyle>
@@ -300,7 +299,6 @@
             <p14:sldId id="299"/>
             <p14:sldId id="278"/>
             <p14:sldId id="301"/>
-            <p14:sldId id="304"/>
             <p14:sldId id="303"/>
           </p14:sldIdLst>
         </p14:section>
@@ -15663,400 +15661,6 @@
       </p:grpSpPr>
       <p:sp>
         <p:nvSpPr>
-          <p:cNvPr id="29" name="Retângulo: Cantos Arredondados 28">
-            <a:extLst>
-              <a:ext uri="{FF2B5EF4-FFF2-40B4-BE49-F238E27FC236}">
-                <a16:creationId xmlns:a16="http://schemas.microsoft.com/office/drawing/2014/main" id="{E5043D84-7CAC-4043-B389-BA0740F59886}"/>
-              </a:ext>
-            </a:extLst>
-          </p:cNvPr>
-          <p:cNvSpPr/>
-          <p:nvPr/>
-        </p:nvSpPr>
-        <p:spPr>
-          <a:xfrm>
-            <a:off x="312717" y="1042553"/>
-            <a:ext cx="2580610" cy="1709940"/>
-          </a:xfrm>
-          <a:prstGeom prst="roundRect">
-            <a:avLst/>
-          </a:prstGeom>
-          <a:solidFill>
-            <a:schemeClr val="accent5">
-              <a:lumMod val="60000"/>
-              <a:lumOff val="40000"/>
-            </a:schemeClr>
-          </a:solidFill>
-        </p:spPr>
-        <p:style>
-          <a:lnRef idx="2">
-            <a:schemeClr val="accent1">
-              <a:shade val="50000"/>
-            </a:schemeClr>
-          </a:lnRef>
-          <a:fillRef idx="1">
-            <a:schemeClr val="accent1"/>
-          </a:fillRef>
-          <a:effectRef idx="0">
-            <a:schemeClr val="accent1"/>
-          </a:effectRef>
-          <a:fontRef idx="minor">
-            <a:schemeClr val="lt1"/>
-          </a:fontRef>
-        </p:style>
-        <p:txBody>
-          <a:bodyPr rtlCol="0" anchor="ctr"/>
-          <a:lstStyle/>
-          <a:p>
-            <a:pPr algn="ctr"/>
-            <a:endParaRPr lang="pt-BR" dirty="0"/>
-          </a:p>
-        </p:txBody>
-      </p:sp>
-      <p:sp>
-        <p:nvSpPr>
-          <p:cNvPr id="35" name="Elipse 34">
-            <a:extLst>
-              <a:ext uri="{FF2B5EF4-FFF2-40B4-BE49-F238E27FC236}">
-                <a16:creationId xmlns:a16="http://schemas.microsoft.com/office/drawing/2014/main" id="{6CBE0960-C5D4-4CC2-BAE0-A569891ADCAE}"/>
-              </a:ext>
-            </a:extLst>
-          </p:cNvPr>
-          <p:cNvSpPr/>
-          <p:nvPr/>
-        </p:nvSpPr>
-        <p:spPr>
-          <a:xfrm>
-            <a:off x="430327" y="1206064"/>
-            <a:ext cx="1061485" cy="936977"/>
-          </a:xfrm>
-          <a:prstGeom prst="ellipse">
-            <a:avLst/>
-          </a:prstGeom>
-          <a:solidFill>
-            <a:srgbClr val="5E2F80"/>
-          </a:solidFill>
-          <a:ln>
-            <a:noFill/>
-          </a:ln>
-        </p:spPr>
-        <p:style>
-          <a:lnRef idx="0">
-            <a:scrgbClr r="0" g="0" b="0"/>
-          </a:lnRef>
-          <a:fillRef idx="0">
-            <a:scrgbClr r="0" g="0" b="0"/>
-          </a:fillRef>
-          <a:effectRef idx="0">
-            <a:scrgbClr r="0" g="0" b="0"/>
-          </a:effectRef>
-          <a:fontRef idx="minor">
-            <a:schemeClr val="lt1"/>
-          </a:fontRef>
-        </p:style>
-        <p:txBody>
-          <a:bodyPr rtlCol="0" anchor="ctr"/>
-          <a:lstStyle/>
-          <a:p>
-            <a:pPr algn="ctr"/>
-            <a:endParaRPr lang="pt-BR"/>
-          </a:p>
-        </p:txBody>
-      </p:sp>
-      <p:sp>
-        <p:nvSpPr>
-          <p:cNvPr id="6" name="CaixaDeTexto 5">
-            <a:extLst>
-              <a:ext uri="{FF2B5EF4-FFF2-40B4-BE49-F238E27FC236}">
-                <a16:creationId xmlns:a16="http://schemas.microsoft.com/office/drawing/2014/main" id="{18B062DC-A371-498D-AB61-573DEED4A4D1}"/>
-              </a:ext>
-            </a:extLst>
-          </p:cNvPr>
-          <p:cNvSpPr txBox="1"/>
-          <p:nvPr/>
-        </p:nvSpPr>
-        <p:spPr>
-          <a:xfrm>
-            <a:off x="2356597" y="107579"/>
-            <a:ext cx="4430806" cy="646331"/>
-          </a:xfrm>
-          <a:prstGeom prst="rect">
-            <a:avLst/>
-          </a:prstGeom>
-          <a:noFill/>
-        </p:spPr>
-        <p:txBody>
-          <a:bodyPr wrap="square" rtlCol="0">
-            <a:spAutoFit/>
-          </a:bodyPr>
-          <a:lstStyle/>
-          <a:p>
-            <a:pPr algn="ctr">
-              <a:tabLst>
-                <a:tab pos="2776538" algn="l"/>
-              </a:tabLst>
-            </a:pPr>
-            <a:r>
-              <a:rPr lang="pt-BR" sz="3600" b="1" dirty="0">
-                <a:solidFill>
-                  <a:srgbClr val="DA6810"/>
-                </a:solidFill>
-                <a:latin typeface="Kulim Park"/>
-                <a:sym typeface="Kulim Park"/>
-              </a:rPr>
-              <a:t>HLD</a:t>
-            </a:r>
-          </a:p>
-        </p:txBody>
-      </p:sp>
-      <p:sp>
-        <p:nvSpPr>
-          <p:cNvPr id="27" name="CaixaDeTexto 26">
-            <a:extLst>
-              <a:ext uri="{FF2B5EF4-FFF2-40B4-BE49-F238E27FC236}">
-                <a16:creationId xmlns:a16="http://schemas.microsoft.com/office/drawing/2014/main" id="{34C92E15-7BFF-4A8A-8F25-44054EBD6E51}"/>
-              </a:ext>
-            </a:extLst>
-          </p:cNvPr>
-          <p:cNvSpPr txBox="1"/>
-          <p:nvPr/>
-        </p:nvSpPr>
-        <p:spPr>
-          <a:xfrm>
-            <a:off x="1013812" y="2720995"/>
-            <a:ext cx="915635" cy="369332"/>
-          </a:xfrm>
-          <a:prstGeom prst="rect">
-            <a:avLst/>
-          </a:prstGeom>
-          <a:noFill/>
-        </p:spPr>
-        <p:txBody>
-          <a:bodyPr wrap="none" rtlCol="0">
-            <a:spAutoFit/>
-          </a:bodyPr>
-          <a:lstStyle/>
-          <a:p>
-            <a:r>
-              <a:rPr lang="pt-BR" sz="1800" b="1" dirty="0">
-                <a:solidFill>
-                  <a:srgbClr val="FFCE94"/>
-                </a:solidFill>
-              </a:rPr>
-              <a:t>Granja</a:t>
-            </a:r>
-          </a:p>
-        </p:txBody>
-      </p:sp>
-      <p:sp>
-        <p:nvSpPr>
-          <p:cNvPr id="28" name="Retângulo: Cantos Arredondados 27">
-            <a:extLst>
-              <a:ext uri="{FF2B5EF4-FFF2-40B4-BE49-F238E27FC236}">
-                <a16:creationId xmlns:a16="http://schemas.microsoft.com/office/drawing/2014/main" id="{B2D79F6A-ACB9-4EEB-8CB9-98A086E7C6D1}"/>
-              </a:ext>
-            </a:extLst>
-          </p:cNvPr>
-          <p:cNvSpPr/>
-          <p:nvPr/>
-        </p:nvSpPr>
-        <p:spPr>
-          <a:xfrm>
-            <a:off x="5998006" y="2571750"/>
-            <a:ext cx="2746337" cy="1709940"/>
-          </a:xfrm>
-          <a:prstGeom prst="roundRect">
-            <a:avLst/>
-          </a:prstGeom>
-        </p:spPr>
-        <p:style>
-          <a:lnRef idx="2">
-            <a:schemeClr val="accent1">
-              <a:shade val="50000"/>
-            </a:schemeClr>
-          </a:lnRef>
-          <a:fillRef idx="1">
-            <a:schemeClr val="accent1"/>
-          </a:fillRef>
-          <a:effectRef idx="0">
-            <a:schemeClr val="accent1"/>
-          </a:effectRef>
-          <a:fontRef idx="minor">
-            <a:schemeClr val="lt1"/>
-          </a:fontRef>
-        </p:style>
-        <p:txBody>
-          <a:bodyPr rtlCol="0" anchor="ctr"/>
-          <a:lstStyle/>
-          <a:p>
-            <a:pPr algn="ctr"/>
-            <a:endParaRPr lang="pt-BR"/>
-          </a:p>
-        </p:txBody>
-      </p:sp>
-      <p:sp>
-        <p:nvSpPr>
-          <p:cNvPr id="30" name="CaixaDeTexto 29">
-            <a:extLst>
-              <a:ext uri="{FF2B5EF4-FFF2-40B4-BE49-F238E27FC236}">
-                <a16:creationId xmlns:a16="http://schemas.microsoft.com/office/drawing/2014/main" id="{3C481490-2875-473D-B9EE-6AD08986CD26}"/>
-              </a:ext>
-            </a:extLst>
-          </p:cNvPr>
-          <p:cNvSpPr txBox="1"/>
-          <p:nvPr/>
-        </p:nvSpPr>
-        <p:spPr>
-          <a:xfrm>
-            <a:off x="6581422" y="4651022"/>
-            <a:ext cx="184731" cy="307777"/>
-          </a:xfrm>
-          <a:prstGeom prst="rect">
-            <a:avLst/>
-          </a:prstGeom>
-          <a:noFill/>
-        </p:spPr>
-        <p:txBody>
-          <a:bodyPr wrap="none" rtlCol="0">
-            <a:spAutoFit/>
-          </a:bodyPr>
-          <a:lstStyle/>
-          <a:p>
-            <a:endParaRPr lang="pt-BR" dirty="0"/>
-          </a:p>
-        </p:txBody>
-      </p:sp>
-      <p:sp>
-        <p:nvSpPr>
-          <p:cNvPr id="32" name="CaixaDeTexto 31">
-            <a:extLst>
-              <a:ext uri="{FF2B5EF4-FFF2-40B4-BE49-F238E27FC236}">
-                <a16:creationId xmlns:a16="http://schemas.microsoft.com/office/drawing/2014/main" id="{26692078-01CF-41E2-B0EB-9A524EBCB509}"/>
-              </a:ext>
-            </a:extLst>
-          </p:cNvPr>
-          <p:cNvSpPr txBox="1"/>
-          <p:nvPr/>
-        </p:nvSpPr>
-        <p:spPr>
-          <a:xfrm>
-            <a:off x="6766153" y="4281690"/>
-            <a:ext cx="1159292" cy="369332"/>
-          </a:xfrm>
-          <a:prstGeom prst="rect">
-            <a:avLst/>
-          </a:prstGeom>
-          <a:noFill/>
-        </p:spPr>
-        <p:txBody>
-          <a:bodyPr wrap="none" rtlCol="0">
-            <a:spAutoFit/>
-          </a:bodyPr>
-          <a:lstStyle/>
-          <a:p>
-            <a:r>
-              <a:rPr lang="pt-BR" sz="1800" b="1" dirty="0">
-                <a:solidFill>
-                  <a:srgbClr val="FFCE94"/>
-                </a:solidFill>
-              </a:rPr>
-              <a:t>Empresa</a:t>
-            </a:r>
-          </a:p>
-        </p:txBody>
-      </p:sp>
-      <p:pic>
-        <p:nvPicPr>
-          <p:cNvPr id="33" name="Imagem 32">
-            <a:extLst>
-              <a:ext uri="{FF2B5EF4-FFF2-40B4-BE49-F238E27FC236}">
-                <a16:creationId xmlns:a16="http://schemas.microsoft.com/office/drawing/2014/main" id="{75DCC895-049F-42AF-AAB8-8B942DF075E0}"/>
-              </a:ext>
-            </a:extLst>
-          </p:cNvPr>
-          <p:cNvPicPr>
-            <a:picLocks noChangeAspect="1"/>
-          </p:cNvPicPr>
-          <p:nvPr/>
-        </p:nvPicPr>
-        <p:blipFill>
-          <a:blip r:embed="rId2"/>
-          <a:stretch>
-            <a:fillRect/>
-          </a:stretch>
-        </p:blipFill>
-        <p:spPr>
-          <a:xfrm>
-            <a:off x="538680" y="1537523"/>
-            <a:ext cx="360000" cy="360000"/>
-          </a:xfrm>
-          <a:prstGeom prst="rect">
-            <a:avLst/>
-          </a:prstGeom>
-        </p:spPr>
-      </p:pic>
-      <p:pic>
-        <p:nvPicPr>
-          <p:cNvPr id="34" name="Imagem 33">
-            <a:extLst>
-              <a:ext uri="{FF2B5EF4-FFF2-40B4-BE49-F238E27FC236}">
-                <a16:creationId xmlns:a16="http://schemas.microsoft.com/office/drawing/2014/main" id="{6D50A36A-5D81-4DED-9CC3-B7E0C9CDCD25}"/>
-              </a:ext>
-            </a:extLst>
-          </p:cNvPr>
-          <p:cNvPicPr>
-            <a:picLocks noChangeAspect="1"/>
-          </p:cNvPicPr>
-          <p:nvPr/>
-        </p:nvPicPr>
-        <p:blipFill>
-          <a:blip r:embed="rId3"/>
-          <a:stretch>
-            <a:fillRect/>
-          </a:stretch>
-        </p:blipFill>
-        <p:spPr>
-          <a:xfrm>
-            <a:off x="898680" y="1521774"/>
-            <a:ext cx="360000" cy="360000"/>
-          </a:xfrm>
-          <a:prstGeom prst="rect">
-            <a:avLst/>
-          </a:prstGeom>
-        </p:spPr>
-      </p:pic>
-    </p:spTree>
-    <p:extLst>
-      <p:ext uri="{BB962C8B-B14F-4D97-AF65-F5344CB8AC3E}">
-        <p14:creationId xmlns:p14="http://schemas.microsoft.com/office/powerpoint/2010/main" val="1878038921"/>
-      </p:ext>
-    </p:extLst>
-  </p:cSld>
-  <p:clrMapOvr>
-    <a:masterClrMapping/>
-  </p:clrMapOvr>
-</p:sld>
-</file>
-
-<file path=ppt/slides/slide17.xml><?xml version="1.0" encoding="utf-8"?>
-<p:sld xmlns:a="http://schemas.openxmlformats.org/drawingml/2006/main" xmlns:r="http://schemas.openxmlformats.org/officeDocument/2006/relationships" xmlns:p="http://schemas.openxmlformats.org/presentationml/2006/main">
-  <p:cSld>
-    <p:spTree>
-      <p:nvGrpSpPr>
-        <p:cNvPr id="1" name=""/>
-        <p:cNvGrpSpPr/>
-        <p:nvPr/>
-      </p:nvGrpSpPr>
-      <p:grpSpPr>
-        <a:xfrm>
-          <a:off x="0" y="0"/>
-          <a:ext cx="0" cy="0"/>
-          <a:chOff x="0" y="0"/>
-          <a:chExt cx="0" cy="0"/>
-        </a:xfrm>
-      </p:grpSpPr>
-      <p:sp>
-        <p:nvSpPr>
           <p:cNvPr id="2" name="Espaço Reservado para Número de Slide 1">
             <a:extLst>
               <a:ext uri="{FF2B5EF4-FFF2-40B4-BE49-F238E27FC236}">
@@ -16084,7 +15688,7 @@
             <a:fld id="{00000000-1234-1234-1234-123412341234}" type="slidenum">
               <a:rPr lang="pt-BR" sz="1100"/>
               <a:pPr/>
-              <a:t>17</a:t>
+              <a:t>16</a:t>
             </a:fld>
             <a:endParaRPr lang="pt-BR" sz="1100" dirty="0"/>
           </a:p>

--- a/SPRINT2/slide pi.pptx
+++ b/SPRINT2/slide pi.pptx
@@ -5,7 +5,7 @@
     <p:sldMasterId id="2147483660" r:id="rId1"/>
   </p:sldMasterIdLst>
   <p:notesMasterIdLst>
-    <p:notesMasterId r:id="rId18"/>
+    <p:notesMasterId r:id="rId19"/>
   </p:notesMasterIdLst>
   <p:sldIdLst>
     <p:sldId id="256" r:id="rId2"/>
@@ -23,31 +23,36 @@
     <p:sldId id="299" r:id="rId14"/>
     <p:sldId id="278" r:id="rId15"/>
     <p:sldId id="301" r:id="rId16"/>
-    <p:sldId id="303" r:id="rId17"/>
+    <p:sldId id="304" r:id="rId17"/>
+    <p:sldId id="303" r:id="rId18"/>
   </p:sldIdLst>
   <p:sldSz cx="9144000" cy="5143500" type="screen16x9"/>
   <p:notesSz cx="6858000" cy="9144000"/>
   <p:embeddedFontLst>
     <p:embeddedFont>
       <p:font typeface="Calibri" panose="020F0502020204030204" pitchFamily="34" charset="0"/>
-      <p:regular r:id="rId19"/>
-      <p:bold r:id="rId20"/>
-      <p:italic r:id="rId21"/>
-      <p:boldItalic r:id="rId22"/>
+      <p:regular r:id="rId20"/>
+      <p:bold r:id="rId21"/>
+      <p:italic r:id="rId22"/>
+      <p:boldItalic r:id="rId23"/>
     </p:embeddedFont>
     <p:embeddedFont>
       <p:font typeface="Kulim Park" panose="020B0604020202020204" charset="0"/>
-      <p:regular r:id="rId23"/>
-      <p:bold r:id="rId24"/>
-      <p:italic r:id="rId25"/>
-      <p:boldItalic r:id="rId26"/>
+      <p:regular r:id="rId24"/>
+      <p:bold r:id="rId25"/>
+      <p:italic r:id="rId26"/>
+      <p:boldItalic r:id="rId27"/>
     </p:embeddedFont>
     <p:embeddedFont>
       <p:font typeface="Kulim Park Light" panose="020B0604020202020204" charset="0"/>
-      <p:regular r:id="rId27"/>
-      <p:bold r:id="rId28"/>
-      <p:italic r:id="rId29"/>
-      <p:boldItalic r:id="rId30"/>
+      <p:regular r:id="rId28"/>
+      <p:bold r:id="rId29"/>
+      <p:italic r:id="rId30"/>
+      <p:boldItalic r:id="rId31"/>
+    </p:embeddedFont>
+    <p:embeddedFont>
+      <p:font typeface="Poiret One" panose="020B0604020202020204" charset="0"/>
+      <p:regular r:id="rId32"/>
     </p:embeddedFont>
   </p:embeddedFontLst>
   <p:defaultTextStyle>
@@ -299,6 +304,7 @@
             <p14:sldId id="299"/>
             <p14:sldId id="278"/>
             <p14:sldId id="301"/>
+            <p14:sldId id="304"/>
             <p14:sldId id="303"/>
           </p14:sldIdLst>
         </p14:section>
@@ -15645,6 +15651,2120 @@
 <file path=ppt/slides/slide16.xml><?xml version="1.0" encoding="utf-8"?>
 <p:sld xmlns:a="http://schemas.openxmlformats.org/drawingml/2006/main" xmlns:r="http://schemas.openxmlformats.org/officeDocument/2006/relationships" xmlns:p="http://schemas.openxmlformats.org/presentationml/2006/main">
   <p:cSld>
+    <p:bg>
+      <p:bgPr>
+        <a:gradFill>
+          <a:gsLst>
+            <a:gs pos="0">
+              <a:schemeClr val="bg1"/>
+            </a:gs>
+            <a:gs pos="95000">
+              <a:schemeClr val="bg1"/>
+            </a:gs>
+            <a:gs pos="90000">
+              <a:schemeClr val="bg1"/>
+            </a:gs>
+            <a:gs pos="100000">
+              <a:schemeClr val="bg1"/>
+            </a:gs>
+          </a:gsLst>
+          <a:path path="circle">
+            <a:fillToRect l="50000" t="50000" r="50000" b="50000"/>
+          </a:path>
+          <a:tileRect/>
+        </a:gradFill>
+        <a:effectLst/>
+      </p:bgPr>
+    </p:bg>
+    <p:spTree>
+      <p:nvGrpSpPr>
+        <p:cNvPr id="1" name=""/>
+        <p:cNvGrpSpPr/>
+        <p:nvPr/>
+      </p:nvGrpSpPr>
+      <p:grpSpPr>
+        <a:xfrm>
+          <a:off x="0" y="0"/>
+          <a:ext cx="0" cy="0"/>
+          <a:chOff x="0" y="0"/>
+          <a:chExt cx="0" cy="0"/>
+        </a:xfrm>
+      </p:grpSpPr>
+      <p:sp>
+        <p:nvSpPr>
+          <p:cNvPr id="2" name="Espaço Reservado para Número de Slide 1">
+            <a:extLst>
+              <a:ext uri="{FF2B5EF4-FFF2-40B4-BE49-F238E27FC236}">
+                <a16:creationId xmlns:a16="http://schemas.microsoft.com/office/drawing/2014/main" id="{3F448C55-EFD2-4B47-8F90-C93C9ABA2026}"/>
+              </a:ext>
+            </a:extLst>
+          </p:cNvPr>
+          <p:cNvSpPr>
+            <a:spLocks noGrp="1"/>
+          </p:cNvSpPr>
+          <p:nvPr>
+            <p:ph type="sldNum" idx="12"/>
+          </p:nvPr>
+        </p:nvSpPr>
+        <p:spPr/>
+        <p:txBody>
+          <a:bodyPr/>
+          <a:lstStyle/>
+          <a:p>
+            <a:fld id="{00000000-1234-1234-1234-123412341234}" type="slidenum">
+              <a:rPr lang="pt-BR" smtClean="0"/>
+              <a:pPr/>
+              <a:t>16</a:t>
+            </a:fld>
+            <a:endParaRPr lang="pt-BR" dirty="0"/>
+          </a:p>
+        </p:txBody>
+      </p:sp>
+      <p:sp>
+        <p:nvSpPr>
+          <p:cNvPr id="3" name="Elipse 2">
+            <a:extLst>
+              <a:ext uri="{FF2B5EF4-FFF2-40B4-BE49-F238E27FC236}">
+                <a16:creationId xmlns:a16="http://schemas.microsoft.com/office/drawing/2014/main" id="{82D6C15A-0F0A-4267-ADD4-D84BEF555E85}"/>
+              </a:ext>
+            </a:extLst>
+          </p:cNvPr>
+          <p:cNvSpPr/>
+          <p:nvPr/>
+        </p:nvSpPr>
+        <p:spPr>
+          <a:xfrm>
+            <a:off x="778910" y="2455580"/>
+            <a:ext cx="2066032" cy="2059484"/>
+          </a:xfrm>
+          <a:prstGeom prst="ellipse">
+            <a:avLst/>
+          </a:prstGeom>
+          <a:solidFill>
+            <a:schemeClr val="accent4">
+              <a:lumMod val="60000"/>
+              <a:lumOff val="40000"/>
+            </a:schemeClr>
+          </a:solidFill>
+          <a:ln>
+            <a:solidFill>
+              <a:schemeClr val="tx2">
+                <a:lumMod val="60000"/>
+                <a:lumOff val="40000"/>
+              </a:schemeClr>
+            </a:solidFill>
+          </a:ln>
+        </p:spPr>
+        <p:style>
+          <a:lnRef idx="2">
+            <a:schemeClr val="dk1"/>
+          </a:lnRef>
+          <a:fillRef idx="1">
+            <a:schemeClr val="lt1"/>
+          </a:fillRef>
+          <a:effectRef idx="0">
+            <a:schemeClr val="dk1"/>
+          </a:effectRef>
+          <a:fontRef idx="minor">
+            <a:schemeClr val="dk1"/>
+          </a:fontRef>
+        </p:style>
+        <p:txBody>
+          <a:bodyPr rtlCol="0" anchor="ctr"/>
+          <a:lstStyle/>
+          <a:p>
+            <a:pPr algn="ctr"/>
+            <a:endParaRPr lang="pt-BR" dirty="0"/>
+          </a:p>
+        </p:txBody>
+      </p:sp>
+      <p:sp>
+        <p:nvSpPr>
+          <p:cNvPr id="4" name="Google Shape;307;p48">
+            <a:extLst>
+              <a:ext uri="{FF2B5EF4-FFF2-40B4-BE49-F238E27FC236}">
+                <a16:creationId xmlns:a16="http://schemas.microsoft.com/office/drawing/2014/main" id="{4B3BC044-C8CF-4466-97D9-3F08B0FB2524}"/>
+              </a:ext>
+            </a:extLst>
+          </p:cNvPr>
+          <p:cNvSpPr txBox="1">
+            <a:spLocks/>
+          </p:cNvSpPr>
+          <p:nvPr/>
+        </p:nvSpPr>
+        <p:spPr>
+          <a:xfrm>
+            <a:off x="720000" y="445025"/>
+            <a:ext cx="7704000" cy="572700"/>
+          </a:xfrm>
+          <a:prstGeom prst="rect">
+            <a:avLst/>
+          </a:prstGeom>
+        </p:spPr>
+        <p:txBody>
+          <a:bodyPr spcFirstLastPara="1" wrap="square" lIns="91425" tIns="91425" rIns="91425" bIns="91425" anchor="t" anchorCtr="0">
+            <a:noAutofit/>
+          </a:bodyPr>
+          <a:lstStyle>
+            <a:defPPr marR="0" lvl="0" algn="l" rtl="0">
+              <a:lnSpc>
+                <a:spcPct val="100000"/>
+              </a:lnSpc>
+              <a:spcBef>
+                <a:spcPts val="0"/>
+              </a:spcBef>
+              <a:spcAft>
+                <a:spcPts val="0"/>
+              </a:spcAft>
+            </a:defPPr>
+            <a:lvl1pPr marR="0" lvl="0" algn="l" rtl="0">
+              <a:lnSpc>
+                <a:spcPct val="100000"/>
+              </a:lnSpc>
+              <a:spcBef>
+                <a:spcPts val="0"/>
+              </a:spcBef>
+              <a:spcAft>
+                <a:spcPts val="0"/>
+              </a:spcAft>
+              <a:buClr>
+                <a:srgbClr val="000000"/>
+              </a:buClr>
+              <a:buFont typeface="Arial"/>
+              <a:defRPr sz="1400" b="0" i="0" u="none" strike="noStrike" cap="none">
+                <a:solidFill>
+                  <a:srgbClr val="000000"/>
+                </a:solidFill>
+                <a:latin typeface="Arial"/>
+                <a:ea typeface="Arial"/>
+                <a:cs typeface="Arial"/>
+                <a:sym typeface="Arial"/>
+              </a:defRPr>
+            </a:lvl1pPr>
+            <a:lvl2pPr marR="0" lvl="1" algn="l" rtl="0">
+              <a:lnSpc>
+                <a:spcPct val="100000"/>
+              </a:lnSpc>
+              <a:spcBef>
+                <a:spcPts val="0"/>
+              </a:spcBef>
+              <a:spcAft>
+                <a:spcPts val="0"/>
+              </a:spcAft>
+              <a:buClr>
+                <a:srgbClr val="000000"/>
+              </a:buClr>
+              <a:buFont typeface="Arial"/>
+              <a:defRPr sz="1400" b="0" i="0" u="none" strike="noStrike" cap="none">
+                <a:solidFill>
+                  <a:srgbClr val="000000"/>
+                </a:solidFill>
+                <a:latin typeface="Arial"/>
+                <a:ea typeface="Arial"/>
+                <a:cs typeface="Arial"/>
+                <a:sym typeface="Arial"/>
+              </a:defRPr>
+            </a:lvl2pPr>
+            <a:lvl3pPr marR="0" lvl="2" algn="l" rtl="0">
+              <a:lnSpc>
+                <a:spcPct val="100000"/>
+              </a:lnSpc>
+              <a:spcBef>
+                <a:spcPts val="0"/>
+              </a:spcBef>
+              <a:spcAft>
+                <a:spcPts val="0"/>
+              </a:spcAft>
+              <a:buClr>
+                <a:srgbClr val="000000"/>
+              </a:buClr>
+              <a:buFont typeface="Arial"/>
+              <a:defRPr sz="1400" b="0" i="0" u="none" strike="noStrike" cap="none">
+                <a:solidFill>
+                  <a:srgbClr val="000000"/>
+                </a:solidFill>
+                <a:latin typeface="Arial"/>
+                <a:ea typeface="Arial"/>
+                <a:cs typeface="Arial"/>
+                <a:sym typeface="Arial"/>
+              </a:defRPr>
+            </a:lvl3pPr>
+            <a:lvl4pPr marR="0" lvl="3" algn="l" rtl="0">
+              <a:lnSpc>
+                <a:spcPct val="100000"/>
+              </a:lnSpc>
+              <a:spcBef>
+                <a:spcPts val="0"/>
+              </a:spcBef>
+              <a:spcAft>
+                <a:spcPts val="0"/>
+              </a:spcAft>
+              <a:buClr>
+                <a:srgbClr val="000000"/>
+              </a:buClr>
+              <a:buFont typeface="Arial"/>
+              <a:defRPr sz="1400" b="0" i="0" u="none" strike="noStrike" cap="none">
+                <a:solidFill>
+                  <a:srgbClr val="000000"/>
+                </a:solidFill>
+                <a:latin typeface="Arial"/>
+                <a:ea typeface="Arial"/>
+                <a:cs typeface="Arial"/>
+                <a:sym typeface="Arial"/>
+              </a:defRPr>
+            </a:lvl4pPr>
+            <a:lvl5pPr marR="0" lvl="4" algn="l" rtl="0">
+              <a:lnSpc>
+                <a:spcPct val="100000"/>
+              </a:lnSpc>
+              <a:spcBef>
+                <a:spcPts val="0"/>
+              </a:spcBef>
+              <a:spcAft>
+                <a:spcPts val="0"/>
+              </a:spcAft>
+              <a:buClr>
+                <a:srgbClr val="000000"/>
+              </a:buClr>
+              <a:buFont typeface="Arial"/>
+              <a:defRPr sz="1400" b="0" i="0" u="none" strike="noStrike" cap="none">
+                <a:solidFill>
+                  <a:srgbClr val="000000"/>
+                </a:solidFill>
+                <a:latin typeface="Arial"/>
+                <a:ea typeface="Arial"/>
+                <a:cs typeface="Arial"/>
+                <a:sym typeface="Arial"/>
+              </a:defRPr>
+            </a:lvl5pPr>
+            <a:lvl6pPr marR="0" lvl="5" algn="l" rtl="0">
+              <a:lnSpc>
+                <a:spcPct val="100000"/>
+              </a:lnSpc>
+              <a:spcBef>
+                <a:spcPts val="0"/>
+              </a:spcBef>
+              <a:spcAft>
+                <a:spcPts val="0"/>
+              </a:spcAft>
+              <a:buClr>
+                <a:srgbClr val="000000"/>
+              </a:buClr>
+              <a:buFont typeface="Arial"/>
+              <a:defRPr sz="1400" b="0" i="0" u="none" strike="noStrike" cap="none">
+                <a:solidFill>
+                  <a:srgbClr val="000000"/>
+                </a:solidFill>
+                <a:latin typeface="Arial"/>
+                <a:ea typeface="Arial"/>
+                <a:cs typeface="Arial"/>
+                <a:sym typeface="Arial"/>
+              </a:defRPr>
+            </a:lvl6pPr>
+            <a:lvl7pPr marR="0" lvl="6" algn="l" rtl="0">
+              <a:lnSpc>
+                <a:spcPct val="100000"/>
+              </a:lnSpc>
+              <a:spcBef>
+                <a:spcPts val="0"/>
+              </a:spcBef>
+              <a:spcAft>
+                <a:spcPts val="0"/>
+              </a:spcAft>
+              <a:buClr>
+                <a:srgbClr val="000000"/>
+              </a:buClr>
+              <a:buFont typeface="Arial"/>
+              <a:defRPr sz="1400" b="0" i="0" u="none" strike="noStrike" cap="none">
+                <a:solidFill>
+                  <a:srgbClr val="000000"/>
+                </a:solidFill>
+                <a:latin typeface="Arial"/>
+                <a:ea typeface="Arial"/>
+                <a:cs typeface="Arial"/>
+                <a:sym typeface="Arial"/>
+              </a:defRPr>
+            </a:lvl7pPr>
+            <a:lvl8pPr marR="0" lvl="7" algn="l" rtl="0">
+              <a:lnSpc>
+                <a:spcPct val="100000"/>
+              </a:lnSpc>
+              <a:spcBef>
+                <a:spcPts val="0"/>
+              </a:spcBef>
+              <a:spcAft>
+                <a:spcPts val="0"/>
+              </a:spcAft>
+              <a:buClr>
+                <a:srgbClr val="000000"/>
+              </a:buClr>
+              <a:buFont typeface="Arial"/>
+              <a:defRPr sz="1400" b="0" i="0" u="none" strike="noStrike" cap="none">
+                <a:solidFill>
+                  <a:srgbClr val="000000"/>
+                </a:solidFill>
+                <a:latin typeface="Arial"/>
+                <a:ea typeface="Arial"/>
+                <a:cs typeface="Arial"/>
+                <a:sym typeface="Arial"/>
+              </a:defRPr>
+            </a:lvl8pPr>
+            <a:lvl9pPr marR="0" lvl="8" algn="l" rtl="0">
+              <a:lnSpc>
+                <a:spcPct val="100000"/>
+              </a:lnSpc>
+              <a:spcBef>
+                <a:spcPts val="0"/>
+              </a:spcBef>
+              <a:spcAft>
+                <a:spcPts val="0"/>
+              </a:spcAft>
+              <a:buClr>
+                <a:srgbClr val="000000"/>
+              </a:buClr>
+              <a:buFont typeface="Arial"/>
+              <a:defRPr sz="1400" b="0" i="0" u="none" strike="noStrike" cap="none">
+                <a:solidFill>
+                  <a:srgbClr val="000000"/>
+                </a:solidFill>
+                <a:latin typeface="Arial"/>
+                <a:ea typeface="Arial"/>
+                <a:cs typeface="Arial"/>
+                <a:sym typeface="Arial"/>
+              </a:defRPr>
+            </a:lvl9pPr>
+          </a:lstStyle>
+          <a:p>
+            <a:pPr algn="ctr"/>
+            <a:r>
+              <a:rPr lang="pt-BR" sz="2400" dirty="0">
+                <a:solidFill>
+                  <a:schemeClr val="accent4"/>
+                </a:solidFill>
+                <a:latin typeface="Kulim Park" panose="020B0604020202020204" charset="0"/>
+              </a:rPr>
+              <a:t>High Level Design</a:t>
+            </a:r>
+          </a:p>
+        </p:txBody>
+      </p:sp>
+      <p:pic>
+        <p:nvPicPr>
+          <p:cNvPr id="5" name="Imagem 4">
+            <a:extLst>
+              <a:ext uri="{FF2B5EF4-FFF2-40B4-BE49-F238E27FC236}">
+                <a16:creationId xmlns:a16="http://schemas.microsoft.com/office/drawing/2014/main" id="{24FA9682-EE7A-40CC-8996-34309FC3044E}"/>
+              </a:ext>
+            </a:extLst>
+          </p:cNvPr>
+          <p:cNvPicPr>
+            <a:picLocks noChangeAspect="1"/>
+          </p:cNvPicPr>
+          <p:nvPr/>
+        </p:nvPicPr>
+        <p:blipFill>
+          <a:blip r:embed="rId2"/>
+          <a:stretch>
+            <a:fillRect/>
+          </a:stretch>
+        </p:blipFill>
+        <p:spPr>
+          <a:xfrm>
+            <a:off x="1434938" y="3620636"/>
+            <a:ext cx="750711" cy="750711"/>
+          </a:xfrm>
+          <a:prstGeom prst="rect">
+            <a:avLst/>
+          </a:prstGeom>
+        </p:spPr>
+      </p:pic>
+      <p:pic>
+        <p:nvPicPr>
+          <p:cNvPr id="6" name="Imagem 5">
+            <a:extLst>
+              <a:ext uri="{FF2B5EF4-FFF2-40B4-BE49-F238E27FC236}">
+                <a16:creationId xmlns:a16="http://schemas.microsoft.com/office/drawing/2014/main" id="{8C476952-A237-48D8-B35E-6A1B36BE8858}"/>
+              </a:ext>
+            </a:extLst>
+          </p:cNvPr>
+          <p:cNvPicPr>
+            <a:picLocks noChangeAspect="1"/>
+          </p:cNvPicPr>
+          <p:nvPr/>
+        </p:nvPicPr>
+        <p:blipFill>
+          <a:blip r:embed="rId3"/>
+          <a:stretch>
+            <a:fillRect/>
+          </a:stretch>
+        </p:blipFill>
+        <p:spPr>
+          <a:xfrm>
+            <a:off x="1558988" y="2491770"/>
+            <a:ext cx="586421" cy="586421"/>
+          </a:xfrm>
+          <a:prstGeom prst="rect">
+            <a:avLst/>
+          </a:prstGeom>
+        </p:spPr>
+      </p:pic>
+      <p:grpSp>
+        <p:nvGrpSpPr>
+          <p:cNvPr id="7" name="Google Shape;9756;p78">
+            <a:extLst>
+              <a:ext uri="{FF2B5EF4-FFF2-40B4-BE49-F238E27FC236}">
+                <a16:creationId xmlns:a16="http://schemas.microsoft.com/office/drawing/2014/main" id="{6AB0E3B3-BC70-4213-A579-ADEA5379E7F9}"/>
+              </a:ext>
+            </a:extLst>
+          </p:cNvPr>
+          <p:cNvGrpSpPr/>
+          <p:nvPr/>
+        </p:nvGrpSpPr>
+        <p:grpSpPr>
+          <a:xfrm>
+            <a:off x="2081400" y="3366181"/>
+            <a:ext cx="232955" cy="340318"/>
+            <a:chOff x="3662144" y="4135505"/>
+            <a:chExt cx="232955" cy="340318"/>
+          </a:xfrm>
+        </p:grpSpPr>
+        <p:sp>
+          <p:nvSpPr>
+            <p:cNvPr id="8" name="Google Shape;9757;p78">
+              <a:extLst>
+                <a:ext uri="{FF2B5EF4-FFF2-40B4-BE49-F238E27FC236}">
+                  <a16:creationId xmlns:a16="http://schemas.microsoft.com/office/drawing/2014/main" id="{672E1215-3F81-4965-B1A6-F25F57332AA4}"/>
+                </a:ext>
+              </a:extLst>
+            </p:cNvPr>
+            <p:cNvSpPr/>
+            <p:nvPr/>
+          </p:nvSpPr>
+          <p:spPr>
+            <a:xfrm>
+              <a:off x="3662144" y="4135505"/>
+              <a:ext cx="163761" cy="340318"/>
+            </a:xfrm>
+            <a:custGeom>
+              <a:avLst/>
+              <a:gdLst/>
+              <a:ahLst/>
+              <a:cxnLst/>
+              <a:rect l="l" t="t" r="r" b="b"/>
+              <a:pathLst>
+                <a:path w="5157" h="10717" extrusionOk="0">
+                  <a:moveTo>
+                    <a:pt x="2573" y="1"/>
+                  </a:moveTo>
+                  <a:cubicBezTo>
+                    <a:pt x="1715" y="1"/>
+                    <a:pt x="1013" y="703"/>
+                    <a:pt x="1013" y="1572"/>
+                  </a:cubicBezTo>
+                  <a:lnTo>
+                    <a:pt x="1013" y="6097"/>
+                  </a:lnTo>
+                  <a:cubicBezTo>
+                    <a:pt x="370" y="6585"/>
+                    <a:pt x="1" y="7347"/>
+                    <a:pt x="1" y="8144"/>
+                  </a:cubicBezTo>
+                  <a:cubicBezTo>
+                    <a:pt x="1" y="9561"/>
+                    <a:pt x="1156" y="10716"/>
+                    <a:pt x="2573" y="10716"/>
+                  </a:cubicBezTo>
+                  <a:cubicBezTo>
+                    <a:pt x="3990" y="10716"/>
+                    <a:pt x="5144" y="9561"/>
+                    <a:pt x="5144" y="8144"/>
+                  </a:cubicBezTo>
+                  <a:cubicBezTo>
+                    <a:pt x="5156" y="7323"/>
+                    <a:pt x="4775" y="6573"/>
+                    <a:pt x="4144" y="6073"/>
+                  </a:cubicBezTo>
+                  <a:lnTo>
+                    <a:pt x="4144" y="3322"/>
+                  </a:lnTo>
+                  <a:cubicBezTo>
+                    <a:pt x="4144" y="3239"/>
+                    <a:pt x="4061" y="3156"/>
+                    <a:pt x="3978" y="3156"/>
+                  </a:cubicBezTo>
+                  <a:cubicBezTo>
+                    <a:pt x="3882" y="3156"/>
+                    <a:pt x="3811" y="3239"/>
+                    <a:pt x="3811" y="3322"/>
+                  </a:cubicBezTo>
+                  <a:lnTo>
+                    <a:pt x="3811" y="6168"/>
+                  </a:lnTo>
+                  <a:cubicBezTo>
+                    <a:pt x="3811" y="6216"/>
+                    <a:pt x="3847" y="6275"/>
+                    <a:pt x="3871" y="6299"/>
+                  </a:cubicBezTo>
+                  <a:cubicBezTo>
+                    <a:pt x="4466" y="6716"/>
+                    <a:pt x="4823" y="7418"/>
+                    <a:pt x="4823" y="8133"/>
+                  </a:cubicBezTo>
+                  <a:cubicBezTo>
+                    <a:pt x="4823" y="9359"/>
+                    <a:pt x="3811" y="10383"/>
+                    <a:pt x="2573" y="10383"/>
+                  </a:cubicBezTo>
+                  <a:cubicBezTo>
+                    <a:pt x="1346" y="10383"/>
+                    <a:pt x="322" y="9371"/>
+                    <a:pt x="322" y="8133"/>
+                  </a:cubicBezTo>
+                  <a:cubicBezTo>
+                    <a:pt x="322" y="7406"/>
+                    <a:pt x="680" y="6716"/>
+                    <a:pt x="1275" y="6299"/>
+                  </a:cubicBezTo>
+                  <a:cubicBezTo>
+                    <a:pt x="1323" y="6275"/>
+                    <a:pt x="1334" y="6228"/>
+                    <a:pt x="1334" y="6168"/>
+                  </a:cubicBezTo>
+                  <a:lnTo>
+                    <a:pt x="1334" y="1572"/>
+                  </a:lnTo>
+                  <a:cubicBezTo>
+                    <a:pt x="1334" y="882"/>
+                    <a:pt x="1894" y="334"/>
+                    <a:pt x="2573" y="334"/>
+                  </a:cubicBezTo>
+                  <a:cubicBezTo>
+                    <a:pt x="3263" y="334"/>
+                    <a:pt x="3811" y="882"/>
+                    <a:pt x="3811" y="1572"/>
+                  </a:cubicBezTo>
+                  <a:lnTo>
+                    <a:pt x="3811" y="2703"/>
+                  </a:lnTo>
+                  <a:cubicBezTo>
+                    <a:pt x="3811" y="2787"/>
+                    <a:pt x="3882" y="2858"/>
+                    <a:pt x="3978" y="2858"/>
+                  </a:cubicBezTo>
+                  <a:cubicBezTo>
+                    <a:pt x="4061" y="2858"/>
+                    <a:pt x="4132" y="2787"/>
+                    <a:pt x="4132" y="2703"/>
+                  </a:cubicBezTo>
+                  <a:lnTo>
+                    <a:pt x="4132" y="1572"/>
+                  </a:lnTo>
+                  <a:cubicBezTo>
+                    <a:pt x="4132" y="703"/>
+                    <a:pt x="3442" y="1"/>
+                    <a:pt x="2573" y="1"/>
+                  </a:cubicBezTo>
+                  <a:close/>
+                </a:path>
+              </a:pathLst>
+            </a:custGeom>
+            <a:solidFill>
+              <a:srgbClr val="657E93"/>
+            </a:solidFill>
+            <a:ln>
+              <a:solidFill>
+                <a:schemeClr val="accent4"/>
+              </a:solidFill>
+            </a:ln>
+          </p:spPr>
+          <p:txBody>
+            <a:bodyPr spcFirstLastPara="1" wrap="square" lIns="91425" tIns="91425" rIns="91425" bIns="91425" anchor="ctr" anchorCtr="0">
+              <a:noAutofit/>
+            </a:bodyPr>
+            <a:lstStyle/>
+            <a:p>
+              <a:pPr marL="0" lvl="0" indent="0" algn="l" rtl="0">
+                <a:spcBef>
+                  <a:spcPts val="0"/>
+                </a:spcBef>
+                <a:spcAft>
+                  <a:spcPts val="0"/>
+                </a:spcAft>
+                <a:buNone/>
+              </a:pPr>
+              <a:endParaRPr/>
+            </a:p>
+          </p:txBody>
+        </p:sp>
+        <p:sp>
+          <p:nvSpPr>
+            <p:cNvPr id="9" name="Google Shape;9758;p78">
+              <a:extLst>
+                <a:ext uri="{FF2B5EF4-FFF2-40B4-BE49-F238E27FC236}">
+                  <a16:creationId xmlns:a16="http://schemas.microsoft.com/office/drawing/2014/main" id="{21A7FB85-5B66-4757-B075-E4F980F2D6C3}"/>
+                </a:ext>
+              </a:extLst>
+            </p:cNvPr>
+            <p:cNvSpPr/>
+            <p:nvPr/>
+          </p:nvSpPr>
+          <p:spPr>
+            <a:xfrm>
+              <a:off x="3689771" y="4162719"/>
+              <a:ext cx="109650" cy="285859"/>
+            </a:xfrm>
+            <a:custGeom>
+              <a:avLst/>
+              <a:gdLst/>
+              <a:ahLst/>
+              <a:cxnLst/>
+              <a:rect l="l" t="t" r="r" b="b"/>
+              <a:pathLst>
+                <a:path w="3453" h="9002" extrusionOk="0">
+                  <a:moveTo>
+                    <a:pt x="1727" y="310"/>
+                  </a:moveTo>
+                  <a:cubicBezTo>
+                    <a:pt x="1941" y="310"/>
+                    <a:pt x="2108" y="489"/>
+                    <a:pt x="2108" y="691"/>
+                  </a:cubicBezTo>
+                  <a:lnTo>
+                    <a:pt x="2108" y="1156"/>
+                  </a:lnTo>
+                  <a:lnTo>
+                    <a:pt x="1322" y="1156"/>
+                  </a:lnTo>
+                  <a:lnTo>
+                    <a:pt x="1322" y="691"/>
+                  </a:lnTo>
+                  <a:cubicBezTo>
+                    <a:pt x="1322" y="489"/>
+                    <a:pt x="1500" y="310"/>
+                    <a:pt x="1727" y="310"/>
+                  </a:cubicBezTo>
+                  <a:close/>
+                  <a:moveTo>
+                    <a:pt x="2108" y="1489"/>
+                  </a:moveTo>
+                  <a:lnTo>
+                    <a:pt x="2108" y="2382"/>
+                  </a:lnTo>
+                  <a:lnTo>
+                    <a:pt x="1322" y="2382"/>
+                  </a:lnTo>
+                  <a:lnTo>
+                    <a:pt x="1322" y="1489"/>
+                  </a:lnTo>
+                  <a:close/>
+                  <a:moveTo>
+                    <a:pt x="2108" y="2704"/>
+                  </a:moveTo>
+                  <a:lnTo>
+                    <a:pt x="2108" y="3596"/>
+                  </a:lnTo>
+                  <a:lnTo>
+                    <a:pt x="1322" y="3596"/>
+                  </a:lnTo>
+                  <a:lnTo>
+                    <a:pt x="1322" y="2704"/>
+                  </a:lnTo>
+                  <a:close/>
+                  <a:moveTo>
+                    <a:pt x="2108" y="3906"/>
+                  </a:moveTo>
+                  <a:lnTo>
+                    <a:pt x="2108" y="4799"/>
+                  </a:lnTo>
+                  <a:lnTo>
+                    <a:pt x="1322" y="4799"/>
+                  </a:lnTo>
+                  <a:lnTo>
+                    <a:pt x="1322" y="3906"/>
+                  </a:lnTo>
+                  <a:close/>
+                  <a:moveTo>
+                    <a:pt x="1727" y="1"/>
+                  </a:moveTo>
+                  <a:cubicBezTo>
+                    <a:pt x="1334" y="1"/>
+                    <a:pt x="1012" y="310"/>
+                    <a:pt x="1012" y="715"/>
+                  </a:cubicBezTo>
+                  <a:lnTo>
+                    <a:pt x="1012" y="5668"/>
+                  </a:lnTo>
+                  <a:lnTo>
+                    <a:pt x="726" y="5871"/>
+                  </a:lnTo>
+                  <a:cubicBezTo>
+                    <a:pt x="262" y="6204"/>
+                    <a:pt x="0" y="6728"/>
+                    <a:pt x="0" y="7276"/>
+                  </a:cubicBezTo>
+                  <a:cubicBezTo>
+                    <a:pt x="0" y="7609"/>
+                    <a:pt x="95" y="7954"/>
+                    <a:pt x="298" y="8240"/>
+                  </a:cubicBezTo>
+                  <a:cubicBezTo>
+                    <a:pt x="321" y="8286"/>
+                    <a:pt x="374" y="8312"/>
+                    <a:pt x="427" y="8312"/>
+                  </a:cubicBezTo>
+                  <a:cubicBezTo>
+                    <a:pt x="457" y="8312"/>
+                    <a:pt x="487" y="8304"/>
+                    <a:pt x="512" y="8288"/>
+                  </a:cubicBezTo>
+                  <a:cubicBezTo>
+                    <a:pt x="595" y="8240"/>
+                    <a:pt x="607" y="8133"/>
+                    <a:pt x="560" y="8061"/>
+                  </a:cubicBezTo>
+                  <a:cubicBezTo>
+                    <a:pt x="393" y="7823"/>
+                    <a:pt x="322" y="7549"/>
+                    <a:pt x="322" y="7276"/>
+                  </a:cubicBezTo>
+                  <a:cubicBezTo>
+                    <a:pt x="322" y="6811"/>
+                    <a:pt x="548" y="6394"/>
+                    <a:pt x="917" y="6121"/>
+                  </a:cubicBezTo>
+                  <a:lnTo>
+                    <a:pt x="1274" y="5871"/>
+                  </a:lnTo>
+                  <a:cubicBezTo>
+                    <a:pt x="1322" y="5847"/>
+                    <a:pt x="1334" y="5799"/>
+                    <a:pt x="1334" y="5740"/>
+                  </a:cubicBezTo>
+                  <a:lnTo>
+                    <a:pt x="1334" y="5132"/>
+                  </a:lnTo>
+                  <a:lnTo>
+                    <a:pt x="2119" y="5132"/>
+                  </a:lnTo>
+                  <a:lnTo>
+                    <a:pt x="2119" y="5740"/>
+                  </a:lnTo>
+                  <a:cubicBezTo>
+                    <a:pt x="2119" y="5787"/>
+                    <a:pt x="2155" y="5847"/>
+                    <a:pt x="2179" y="5871"/>
+                  </a:cubicBezTo>
+                  <a:lnTo>
+                    <a:pt x="2536" y="6121"/>
+                  </a:lnTo>
+                  <a:cubicBezTo>
+                    <a:pt x="2917" y="6394"/>
+                    <a:pt x="3131" y="6823"/>
+                    <a:pt x="3131" y="7276"/>
+                  </a:cubicBezTo>
+                  <a:cubicBezTo>
+                    <a:pt x="3120" y="8049"/>
+                    <a:pt x="2500" y="8669"/>
+                    <a:pt x="1727" y="8669"/>
+                  </a:cubicBezTo>
+                  <a:cubicBezTo>
+                    <a:pt x="1441" y="8669"/>
+                    <a:pt x="1155" y="8585"/>
+                    <a:pt x="917" y="8419"/>
+                  </a:cubicBezTo>
+                  <a:cubicBezTo>
+                    <a:pt x="892" y="8402"/>
+                    <a:pt x="863" y="8394"/>
+                    <a:pt x="835" y="8394"/>
+                  </a:cubicBezTo>
+                  <a:cubicBezTo>
+                    <a:pt x="782" y="8394"/>
+                    <a:pt x="729" y="8420"/>
+                    <a:pt x="691" y="8466"/>
+                  </a:cubicBezTo>
+                  <a:cubicBezTo>
+                    <a:pt x="655" y="8538"/>
+                    <a:pt x="667" y="8633"/>
+                    <a:pt x="738" y="8692"/>
+                  </a:cubicBezTo>
+                  <a:cubicBezTo>
+                    <a:pt x="1036" y="8895"/>
+                    <a:pt x="1369" y="9002"/>
+                    <a:pt x="1727" y="9002"/>
+                  </a:cubicBezTo>
+                  <a:cubicBezTo>
+                    <a:pt x="2679" y="9002"/>
+                    <a:pt x="3453" y="8228"/>
+                    <a:pt x="3453" y="7276"/>
+                  </a:cubicBezTo>
+                  <a:cubicBezTo>
+                    <a:pt x="3453" y="6716"/>
+                    <a:pt x="3179" y="6192"/>
+                    <a:pt x="2715" y="5871"/>
+                  </a:cubicBezTo>
+                  <a:lnTo>
+                    <a:pt x="2441" y="5668"/>
+                  </a:lnTo>
+                  <a:lnTo>
+                    <a:pt x="2441" y="715"/>
+                  </a:lnTo>
+                  <a:cubicBezTo>
+                    <a:pt x="2441" y="322"/>
+                    <a:pt x="2119" y="1"/>
+                    <a:pt x="1727" y="1"/>
+                  </a:cubicBezTo>
+                  <a:close/>
+                </a:path>
+              </a:pathLst>
+            </a:custGeom>
+            <a:solidFill>
+              <a:srgbClr val="657E93"/>
+            </a:solidFill>
+            <a:ln>
+              <a:solidFill>
+                <a:schemeClr val="accent4"/>
+              </a:solidFill>
+            </a:ln>
+          </p:spPr>
+          <p:txBody>
+            <a:bodyPr spcFirstLastPara="1" wrap="square" lIns="91425" tIns="91425" rIns="91425" bIns="91425" anchor="ctr" anchorCtr="0">
+              <a:noAutofit/>
+            </a:bodyPr>
+            <a:lstStyle/>
+            <a:p>
+              <a:pPr marL="0" lvl="0" indent="0" algn="l" rtl="0">
+                <a:spcBef>
+                  <a:spcPts val="0"/>
+                </a:spcBef>
+                <a:spcAft>
+                  <a:spcPts val="0"/>
+                </a:spcAft>
+                <a:buNone/>
+              </a:pPr>
+              <a:endParaRPr/>
+            </a:p>
+          </p:txBody>
+        </p:sp>
+        <p:sp>
+          <p:nvSpPr>
+            <p:cNvPr id="10" name="Google Shape;9759;p78">
+              <a:extLst>
+                <a:ext uri="{FF2B5EF4-FFF2-40B4-BE49-F238E27FC236}">
+                  <a16:creationId xmlns:a16="http://schemas.microsoft.com/office/drawing/2014/main" id="{E7293A08-EC64-4C15-964D-B24CD5477816}"/>
+                </a:ext>
+              </a:extLst>
+            </p:cNvPr>
+            <p:cNvSpPr/>
+            <p:nvPr/>
+          </p:nvSpPr>
+          <p:spPr>
+            <a:xfrm>
+              <a:off x="3838352" y="4182375"/>
+              <a:ext cx="56746" cy="94947"/>
+            </a:xfrm>
+            <a:custGeom>
+              <a:avLst/>
+              <a:gdLst/>
+              <a:ahLst/>
+              <a:cxnLst/>
+              <a:rect l="l" t="t" r="r" b="b"/>
+              <a:pathLst>
+                <a:path w="1787" h="2990" extrusionOk="0">
+                  <a:moveTo>
+                    <a:pt x="881" y="1"/>
+                  </a:moveTo>
+                  <a:cubicBezTo>
+                    <a:pt x="334" y="1"/>
+                    <a:pt x="0" y="334"/>
+                    <a:pt x="0" y="894"/>
+                  </a:cubicBezTo>
+                  <a:lnTo>
+                    <a:pt x="0" y="2096"/>
+                  </a:lnTo>
+                  <a:cubicBezTo>
+                    <a:pt x="0" y="2394"/>
+                    <a:pt x="96" y="2632"/>
+                    <a:pt x="262" y="2787"/>
+                  </a:cubicBezTo>
+                  <a:cubicBezTo>
+                    <a:pt x="405" y="2918"/>
+                    <a:pt x="619" y="2989"/>
+                    <a:pt x="869" y="2989"/>
+                  </a:cubicBezTo>
+                  <a:cubicBezTo>
+                    <a:pt x="1393" y="2989"/>
+                    <a:pt x="1751" y="2692"/>
+                    <a:pt x="1751" y="2263"/>
+                  </a:cubicBezTo>
+                  <a:cubicBezTo>
+                    <a:pt x="1786" y="2120"/>
+                    <a:pt x="1715" y="2073"/>
+                    <a:pt x="1596" y="2073"/>
+                  </a:cubicBezTo>
+                  <a:cubicBezTo>
+                    <a:pt x="1489" y="2073"/>
+                    <a:pt x="1417" y="2120"/>
+                    <a:pt x="1417" y="2192"/>
+                  </a:cubicBezTo>
+                  <a:cubicBezTo>
+                    <a:pt x="1393" y="2382"/>
+                    <a:pt x="1358" y="2668"/>
+                    <a:pt x="917" y="2668"/>
+                  </a:cubicBezTo>
+                  <a:cubicBezTo>
+                    <a:pt x="560" y="2668"/>
+                    <a:pt x="381" y="2489"/>
+                    <a:pt x="381" y="2096"/>
+                  </a:cubicBezTo>
+                  <a:lnTo>
+                    <a:pt x="381" y="894"/>
+                  </a:lnTo>
+                  <a:cubicBezTo>
+                    <a:pt x="381" y="525"/>
+                    <a:pt x="560" y="334"/>
+                    <a:pt x="893" y="334"/>
+                  </a:cubicBezTo>
+                  <a:cubicBezTo>
+                    <a:pt x="1298" y="334"/>
+                    <a:pt x="1405" y="584"/>
+                    <a:pt x="1405" y="775"/>
+                  </a:cubicBezTo>
+                  <a:cubicBezTo>
+                    <a:pt x="1405" y="846"/>
+                    <a:pt x="1477" y="906"/>
+                    <a:pt x="1584" y="906"/>
+                  </a:cubicBezTo>
+                  <a:cubicBezTo>
+                    <a:pt x="1703" y="906"/>
+                    <a:pt x="1762" y="882"/>
+                    <a:pt x="1762" y="715"/>
+                  </a:cubicBezTo>
+                  <a:cubicBezTo>
+                    <a:pt x="1762" y="299"/>
+                    <a:pt x="1405" y="1"/>
+                    <a:pt x="881" y="1"/>
+                  </a:cubicBezTo>
+                  <a:close/>
+                </a:path>
+              </a:pathLst>
+            </a:custGeom>
+            <a:solidFill>
+              <a:srgbClr val="657E93"/>
+            </a:solidFill>
+            <a:ln>
+              <a:solidFill>
+                <a:schemeClr val="accent4"/>
+              </a:solidFill>
+            </a:ln>
+          </p:spPr>
+          <p:txBody>
+            <a:bodyPr spcFirstLastPara="1" wrap="square" lIns="91425" tIns="91425" rIns="91425" bIns="91425" anchor="ctr" anchorCtr="0">
+              <a:noAutofit/>
+            </a:bodyPr>
+            <a:lstStyle/>
+            <a:p>
+              <a:pPr marL="0" lvl="0" indent="0" algn="l" rtl="0">
+                <a:spcBef>
+                  <a:spcPts val="0"/>
+                </a:spcBef>
+                <a:spcAft>
+                  <a:spcPts val="0"/>
+                </a:spcAft>
+                <a:buNone/>
+              </a:pPr>
+              <a:endParaRPr/>
+            </a:p>
+          </p:txBody>
+        </p:sp>
+        <p:sp>
+          <p:nvSpPr>
+            <p:cNvPr id="11" name="Google Shape;9760;p78">
+              <a:extLst>
+                <a:ext uri="{FF2B5EF4-FFF2-40B4-BE49-F238E27FC236}">
+                  <a16:creationId xmlns:a16="http://schemas.microsoft.com/office/drawing/2014/main" id="{06D166FB-63E9-4151-B419-5B46870E48B9}"/>
+                </a:ext>
+              </a:extLst>
+            </p:cNvPr>
+            <p:cNvSpPr/>
+            <p:nvPr/>
+          </p:nvSpPr>
+          <p:spPr>
+            <a:xfrm>
+              <a:off x="3813012" y="4151763"/>
+              <a:ext cx="32930" cy="32930"/>
+            </a:xfrm>
+            <a:custGeom>
+              <a:avLst/>
+              <a:gdLst/>
+              <a:ahLst/>
+              <a:cxnLst/>
+              <a:rect l="l" t="t" r="r" b="b"/>
+              <a:pathLst>
+                <a:path w="1037" h="1037" extrusionOk="0">
+                  <a:moveTo>
+                    <a:pt x="536" y="310"/>
+                  </a:moveTo>
+                  <a:cubicBezTo>
+                    <a:pt x="644" y="310"/>
+                    <a:pt x="739" y="405"/>
+                    <a:pt x="739" y="524"/>
+                  </a:cubicBezTo>
+                  <a:cubicBezTo>
+                    <a:pt x="727" y="620"/>
+                    <a:pt x="644" y="727"/>
+                    <a:pt x="536" y="727"/>
+                  </a:cubicBezTo>
+                  <a:cubicBezTo>
+                    <a:pt x="429" y="727"/>
+                    <a:pt x="322" y="643"/>
+                    <a:pt x="322" y="524"/>
+                  </a:cubicBezTo>
+                  <a:cubicBezTo>
+                    <a:pt x="322" y="417"/>
+                    <a:pt x="417" y="310"/>
+                    <a:pt x="536" y="310"/>
+                  </a:cubicBezTo>
+                  <a:close/>
+                  <a:moveTo>
+                    <a:pt x="524" y="1"/>
+                  </a:moveTo>
+                  <a:cubicBezTo>
+                    <a:pt x="239" y="1"/>
+                    <a:pt x="1" y="239"/>
+                    <a:pt x="1" y="524"/>
+                  </a:cubicBezTo>
+                  <a:cubicBezTo>
+                    <a:pt x="1" y="798"/>
+                    <a:pt x="239" y="1036"/>
+                    <a:pt x="524" y="1036"/>
+                  </a:cubicBezTo>
+                  <a:cubicBezTo>
+                    <a:pt x="822" y="1036"/>
+                    <a:pt x="1036" y="798"/>
+                    <a:pt x="1036" y="524"/>
+                  </a:cubicBezTo>
+                  <a:cubicBezTo>
+                    <a:pt x="1036" y="239"/>
+                    <a:pt x="798" y="1"/>
+                    <a:pt x="524" y="1"/>
+                  </a:cubicBezTo>
+                  <a:close/>
+                </a:path>
+              </a:pathLst>
+            </a:custGeom>
+            <a:solidFill>
+              <a:srgbClr val="657E93"/>
+            </a:solidFill>
+            <a:ln>
+              <a:solidFill>
+                <a:schemeClr val="accent4"/>
+              </a:solidFill>
+            </a:ln>
+          </p:spPr>
+          <p:txBody>
+            <a:bodyPr spcFirstLastPara="1" wrap="square" lIns="91425" tIns="91425" rIns="91425" bIns="91425" anchor="ctr" anchorCtr="0">
+              <a:noAutofit/>
+            </a:bodyPr>
+            <a:lstStyle/>
+            <a:p>
+              <a:pPr marL="0" lvl="0" indent="0" algn="l" rtl="0">
+                <a:spcBef>
+                  <a:spcPts val="0"/>
+                </a:spcBef>
+                <a:spcAft>
+                  <a:spcPts val="0"/>
+                </a:spcAft>
+                <a:buNone/>
+              </a:pPr>
+              <a:endParaRPr/>
+            </a:p>
+          </p:txBody>
+        </p:sp>
+      </p:grpSp>
+      <p:pic>
+        <p:nvPicPr>
+          <p:cNvPr id="12" name="Imagem 11">
+            <a:extLst>
+              <a:ext uri="{FF2B5EF4-FFF2-40B4-BE49-F238E27FC236}">
+                <a16:creationId xmlns:a16="http://schemas.microsoft.com/office/drawing/2014/main" id="{2C8521B4-1278-48B6-937B-9F4FE81EFB1A}"/>
+              </a:ext>
+            </a:extLst>
+          </p:cNvPr>
+          <p:cNvPicPr>
+            <a:picLocks noChangeAspect="1"/>
+          </p:cNvPicPr>
+          <p:nvPr/>
+        </p:nvPicPr>
+        <p:blipFill>
+          <a:blip r:embed="rId4"/>
+          <a:stretch>
+            <a:fillRect/>
+          </a:stretch>
+        </p:blipFill>
+        <p:spPr>
+          <a:xfrm flipH="1">
+            <a:off x="1313687" y="3995991"/>
+            <a:ext cx="242501" cy="242501"/>
+          </a:xfrm>
+          <a:prstGeom prst="rect">
+            <a:avLst/>
+          </a:prstGeom>
+        </p:spPr>
+      </p:pic>
+      <p:pic>
+        <p:nvPicPr>
+          <p:cNvPr id="13" name="Imagem 12">
+            <a:extLst>
+              <a:ext uri="{FF2B5EF4-FFF2-40B4-BE49-F238E27FC236}">
+                <a16:creationId xmlns:a16="http://schemas.microsoft.com/office/drawing/2014/main" id="{3FD061B0-0E18-4F0F-A878-573E1F67DAC8}"/>
+              </a:ext>
+            </a:extLst>
+          </p:cNvPr>
+          <p:cNvPicPr>
+            <a:picLocks noChangeAspect="1"/>
+          </p:cNvPicPr>
+          <p:nvPr/>
+        </p:nvPicPr>
+        <p:blipFill>
+          <a:blip r:embed="rId5"/>
+          <a:stretch>
+            <a:fillRect/>
+          </a:stretch>
+        </p:blipFill>
+        <p:spPr>
+          <a:xfrm>
+            <a:off x="1052501" y="3159448"/>
+            <a:ext cx="433943" cy="433943"/>
+          </a:xfrm>
+          <a:prstGeom prst="rect">
+            <a:avLst/>
+          </a:prstGeom>
+        </p:spPr>
+      </p:pic>
+      <p:sp>
+        <p:nvSpPr>
+          <p:cNvPr id="14" name="Google Shape;1390;p72">
+            <a:extLst>
+              <a:ext uri="{FF2B5EF4-FFF2-40B4-BE49-F238E27FC236}">
+                <a16:creationId xmlns:a16="http://schemas.microsoft.com/office/drawing/2014/main" id="{5A3E17AF-3FA8-4D06-8C3A-7DFFE052F8DD}"/>
+              </a:ext>
+            </a:extLst>
+          </p:cNvPr>
+          <p:cNvSpPr/>
+          <p:nvPr/>
+        </p:nvSpPr>
+        <p:spPr>
+          <a:xfrm rot="10800000">
+            <a:off x="1691419" y="3263810"/>
+            <a:ext cx="237747" cy="221511"/>
+          </a:xfrm>
+          <a:custGeom>
+            <a:avLst/>
+            <a:gdLst/>
+            <a:ahLst/>
+            <a:cxnLst/>
+            <a:rect l="l" t="t" r="r" b="b"/>
+            <a:pathLst>
+              <a:path w="2756" h="1918" extrusionOk="0">
+                <a:moveTo>
+                  <a:pt x="1757" y="0"/>
+                </a:moveTo>
+                <a:cubicBezTo>
+                  <a:pt x="1693" y="0"/>
+                  <a:pt x="1630" y="25"/>
+                  <a:pt x="1580" y="75"/>
+                </a:cubicBezTo>
+                <a:cubicBezTo>
+                  <a:pt x="1479" y="176"/>
+                  <a:pt x="1479" y="335"/>
+                  <a:pt x="1580" y="436"/>
+                </a:cubicBezTo>
+                <a:lnTo>
+                  <a:pt x="1768" y="623"/>
+                </a:lnTo>
+                <a:cubicBezTo>
+                  <a:pt x="1797" y="652"/>
+                  <a:pt x="1775" y="702"/>
+                  <a:pt x="1739" y="702"/>
+                </a:cubicBezTo>
+                <a:lnTo>
+                  <a:pt x="253" y="702"/>
+                </a:lnTo>
+                <a:cubicBezTo>
+                  <a:pt x="116" y="702"/>
+                  <a:pt x="1" y="818"/>
+                  <a:pt x="1" y="962"/>
+                </a:cubicBezTo>
+                <a:cubicBezTo>
+                  <a:pt x="1" y="1099"/>
+                  <a:pt x="116" y="1215"/>
+                  <a:pt x="253" y="1215"/>
+                </a:cubicBezTo>
+                <a:lnTo>
+                  <a:pt x="1739" y="1215"/>
+                </a:lnTo>
+                <a:cubicBezTo>
+                  <a:pt x="1775" y="1215"/>
+                  <a:pt x="1797" y="1265"/>
+                  <a:pt x="1768" y="1294"/>
+                </a:cubicBezTo>
+                <a:lnTo>
+                  <a:pt x="1580" y="1481"/>
+                </a:lnTo>
+                <a:cubicBezTo>
+                  <a:pt x="1479" y="1582"/>
+                  <a:pt x="1479" y="1741"/>
+                  <a:pt x="1580" y="1842"/>
+                </a:cubicBezTo>
+                <a:cubicBezTo>
+                  <a:pt x="1631" y="1892"/>
+                  <a:pt x="1696" y="1918"/>
+                  <a:pt x="1760" y="1918"/>
+                </a:cubicBezTo>
+                <a:cubicBezTo>
+                  <a:pt x="1825" y="1918"/>
+                  <a:pt x="1890" y="1892"/>
+                  <a:pt x="1941" y="1842"/>
+                </a:cubicBezTo>
+                <a:lnTo>
+                  <a:pt x="2676" y="1106"/>
+                </a:lnTo>
+                <a:cubicBezTo>
+                  <a:pt x="2756" y="1027"/>
+                  <a:pt x="2756" y="897"/>
+                  <a:pt x="2676" y="811"/>
+                </a:cubicBezTo>
+                <a:lnTo>
+                  <a:pt x="1941" y="82"/>
+                </a:lnTo>
+                <a:cubicBezTo>
+                  <a:pt x="1889" y="27"/>
+                  <a:pt x="1823" y="0"/>
+                  <a:pt x="1757" y="0"/>
+                </a:cubicBezTo>
+                <a:close/>
+              </a:path>
+            </a:pathLst>
+          </a:custGeom>
+          <a:noFill/>
+          <a:ln w="9525" cap="flat" cmpd="sng">
+            <a:solidFill>
+              <a:schemeClr val="accent1"/>
+            </a:solidFill>
+            <a:prstDash val="solid"/>
+            <a:round/>
+            <a:headEnd type="none" w="sm" len="sm"/>
+            <a:tailEnd type="none" w="sm" len="sm"/>
+          </a:ln>
+        </p:spPr>
+        <p:txBody>
+          <a:bodyPr spcFirstLastPara="1" wrap="square" lIns="91425" tIns="91425" rIns="91425" bIns="91425" anchor="ctr" anchorCtr="0">
+            <a:noAutofit/>
+          </a:bodyPr>
+          <a:lstStyle/>
+          <a:p>
+            <a:pPr marL="0" lvl="0" indent="0" algn="l" rtl="0">
+              <a:spcBef>
+                <a:spcPts val="0"/>
+              </a:spcBef>
+              <a:spcAft>
+                <a:spcPts val="0"/>
+              </a:spcAft>
+              <a:buNone/>
+            </a:pPr>
+            <a:endParaRPr/>
+          </a:p>
+        </p:txBody>
+      </p:sp>
+      <p:sp>
+        <p:nvSpPr>
+          <p:cNvPr id="15" name="Google Shape;1390;p72">
+            <a:extLst>
+              <a:ext uri="{FF2B5EF4-FFF2-40B4-BE49-F238E27FC236}">
+                <a16:creationId xmlns:a16="http://schemas.microsoft.com/office/drawing/2014/main" id="{F9B7C543-1A2F-4C84-ADD3-B57BE46C2ECC}"/>
+              </a:ext>
+            </a:extLst>
+          </p:cNvPr>
+          <p:cNvSpPr/>
+          <p:nvPr/>
+        </p:nvSpPr>
+        <p:spPr>
+          <a:xfrm rot="20271403">
+            <a:off x="1200461" y="2905862"/>
+            <a:ext cx="237747" cy="221511"/>
+          </a:xfrm>
+          <a:custGeom>
+            <a:avLst/>
+            <a:gdLst/>
+            <a:ahLst/>
+            <a:cxnLst/>
+            <a:rect l="l" t="t" r="r" b="b"/>
+            <a:pathLst>
+              <a:path w="2756" h="1918" extrusionOk="0">
+                <a:moveTo>
+                  <a:pt x="1757" y="0"/>
+                </a:moveTo>
+                <a:cubicBezTo>
+                  <a:pt x="1693" y="0"/>
+                  <a:pt x="1630" y="25"/>
+                  <a:pt x="1580" y="75"/>
+                </a:cubicBezTo>
+                <a:cubicBezTo>
+                  <a:pt x="1479" y="176"/>
+                  <a:pt x="1479" y="335"/>
+                  <a:pt x="1580" y="436"/>
+                </a:cubicBezTo>
+                <a:lnTo>
+                  <a:pt x="1768" y="623"/>
+                </a:lnTo>
+                <a:cubicBezTo>
+                  <a:pt x="1797" y="652"/>
+                  <a:pt x="1775" y="702"/>
+                  <a:pt x="1739" y="702"/>
+                </a:cubicBezTo>
+                <a:lnTo>
+                  <a:pt x="253" y="702"/>
+                </a:lnTo>
+                <a:cubicBezTo>
+                  <a:pt x="116" y="702"/>
+                  <a:pt x="1" y="818"/>
+                  <a:pt x="1" y="962"/>
+                </a:cubicBezTo>
+                <a:cubicBezTo>
+                  <a:pt x="1" y="1099"/>
+                  <a:pt x="116" y="1215"/>
+                  <a:pt x="253" y="1215"/>
+                </a:cubicBezTo>
+                <a:lnTo>
+                  <a:pt x="1739" y="1215"/>
+                </a:lnTo>
+                <a:cubicBezTo>
+                  <a:pt x="1775" y="1215"/>
+                  <a:pt x="1797" y="1265"/>
+                  <a:pt x="1768" y="1294"/>
+                </a:cubicBezTo>
+                <a:lnTo>
+                  <a:pt x="1580" y="1481"/>
+                </a:lnTo>
+                <a:cubicBezTo>
+                  <a:pt x="1479" y="1582"/>
+                  <a:pt x="1479" y="1741"/>
+                  <a:pt x="1580" y="1842"/>
+                </a:cubicBezTo>
+                <a:cubicBezTo>
+                  <a:pt x="1631" y="1892"/>
+                  <a:pt x="1696" y="1918"/>
+                  <a:pt x="1760" y="1918"/>
+                </a:cubicBezTo>
+                <a:cubicBezTo>
+                  <a:pt x="1825" y="1918"/>
+                  <a:pt x="1890" y="1892"/>
+                  <a:pt x="1941" y="1842"/>
+                </a:cubicBezTo>
+                <a:lnTo>
+                  <a:pt x="2676" y="1106"/>
+                </a:lnTo>
+                <a:cubicBezTo>
+                  <a:pt x="2756" y="1027"/>
+                  <a:pt x="2756" y="897"/>
+                  <a:pt x="2676" y="811"/>
+                </a:cubicBezTo>
+                <a:lnTo>
+                  <a:pt x="1941" y="82"/>
+                </a:lnTo>
+                <a:cubicBezTo>
+                  <a:pt x="1889" y="27"/>
+                  <a:pt x="1823" y="0"/>
+                  <a:pt x="1757" y="0"/>
+                </a:cubicBezTo>
+                <a:close/>
+              </a:path>
+            </a:pathLst>
+          </a:custGeom>
+          <a:noFill/>
+          <a:ln w="9525" cap="flat" cmpd="sng">
+            <a:solidFill>
+              <a:schemeClr val="accent1"/>
+            </a:solidFill>
+            <a:prstDash val="solid"/>
+            <a:round/>
+            <a:headEnd type="none" w="sm" len="sm"/>
+            <a:tailEnd type="none" w="sm" len="sm"/>
+          </a:ln>
+        </p:spPr>
+        <p:txBody>
+          <a:bodyPr spcFirstLastPara="1" wrap="square" lIns="91425" tIns="91425" rIns="91425" bIns="91425" anchor="ctr" anchorCtr="0">
+            <a:noAutofit/>
+          </a:bodyPr>
+          <a:lstStyle/>
+          <a:p>
+            <a:pPr marL="0" lvl="0" indent="0" algn="l" rtl="0">
+              <a:spcBef>
+                <a:spcPts val="0"/>
+              </a:spcBef>
+              <a:spcAft>
+                <a:spcPts val="0"/>
+              </a:spcAft>
+              <a:buNone/>
+            </a:pPr>
+            <a:endParaRPr dirty="0"/>
+          </a:p>
+        </p:txBody>
+      </p:sp>
+      <p:pic>
+        <p:nvPicPr>
+          <p:cNvPr id="16" name="Imagem 15">
+            <a:extLst>
+              <a:ext uri="{FF2B5EF4-FFF2-40B4-BE49-F238E27FC236}">
+                <a16:creationId xmlns:a16="http://schemas.microsoft.com/office/drawing/2014/main" id="{9F57CD9E-CB97-45AB-95A9-AB4E5FED04C3}"/>
+              </a:ext>
+            </a:extLst>
+          </p:cNvPr>
+          <p:cNvPicPr>
+            <a:picLocks noChangeAspect="1"/>
+          </p:cNvPicPr>
+          <p:nvPr/>
+        </p:nvPicPr>
+        <p:blipFill>
+          <a:blip r:embed="rId6"/>
+          <a:stretch>
+            <a:fillRect/>
+          </a:stretch>
+        </p:blipFill>
+        <p:spPr>
+          <a:xfrm>
+            <a:off x="4090150" y="1724087"/>
+            <a:ext cx="843836" cy="843836"/>
+          </a:xfrm>
+          <a:prstGeom prst="rect">
+            <a:avLst/>
+          </a:prstGeom>
+        </p:spPr>
+      </p:pic>
+      <p:sp>
+        <p:nvSpPr>
+          <p:cNvPr id="17" name="CaixaDeTexto 16">
+            <a:extLst>
+              <a:ext uri="{FF2B5EF4-FFF2-40B4-BE49-F238E27FC236}">
+                <a16:creationId xmlns:a16="http://schemas.microsoft.com/office/drawing/2014/main" id="{2E897222-D2D9-4F96-A4DF-153F5C65E122}"/>
+              </a:ext>
+            </a:extLst>
+          </p:cNvPr>
+          <p:cNvSpPr txBox="1"/>
+          <p:nvPr/>
+        </p:nvSpPr>
+        <p:spPr>
+          <a:xfrm>
+            <a:off x="2172589" y="1361030"/>
+            <a:ext cx="4572000" cy="307777"/>
+          </a:xfrm>
+          <a:prstGeom prst="rect">
+            <a:avLst/>
+          </a:prstGeom>
+          <a:noFill/>
+        </p:spPr>
+        <p:txBody>
+          <a:bodyPr wrap="square">
+            <a:spAutoFit/>
+          </a:bodyPr>
+          <a:lstStyle/>
+          <a:p>
+            <a:pPr marL="0" lvl="0" indent="0" algn="ctr" rtl="0">
+              <a:spcBef>
+                <a:spcPts val="0"/>
+              </a:spcBef>
+              <a:spcAft>
+                <a:spcPts val="0"/>
+              </a:spcAft>
+              <a:buNone/>
+            </a:pPr>
+            <a:r>
+              <a:rPr lang="pt-BR" b="1" dirty="0">
+                <a:solidFill>
+                  <a:schemeClr val="dk1"/>
+                </a:solidFill>
+                <a:latin typeface="Poiret One"/>
+                <a:ea typeface="Poiret One"/>
+                <a:cs typeface="Poiret One"/>
+                <a:sym typeface="Poiret One"/>
+              </a:rPr>
+              <a:t>Nuvem/Cloud</a:t>
+            </a:r>
+            <a:endParaRPr lang="pt-BR" sz="1400" b="1" dirty="0">
+              <a:solidFill>
+                <a:schemeClr val="dk1"/>
+              </a:solidFill>
+              <a:latin typeface="Poiret One"/>
+              <a:ea typeface="Poiret One"/>
+              <a:cs typeface="Poiret One"/>
+              <a:sym typeface="Poiret One"/>
+            </a:endParaRPr>
+          </a:p>
+        </p:txBody>
+      </p:sp>
+      <p:sp>
+        <p:nvSpPr>
+          <p:cNvPr id="18" name="Elipse 17">
+            <a:extLst>
+              <a:ext uri="{FF2B5EF4-FFF2-40B4-BE49-F238E27FC236}">
+                <a16:creationId xmlns:a16="http://schemas.microsoft.com/office/drawing/2014/main" id="{EA9556AC-6CCB-4E1F-A950-9B01F1D239B4}"/>
+              </a:ext>
+            </a:extLst>
+          </p:cNvPr>
+          <p:cNvSpPr/>
+          <p:nvPr/>
+        </p:nvSpPr>
+        <p:spPr>
+          <a:xfrm>
+            <a:off x="3834992" y="3165636"/>
+            <a:ext cx="1358657" cy="1255101"/>
+          </a:xfrm>
+          <a:prstGeom prst="ellipse">
+            <a:avLst/>
+          </a:prstGeom>
+          <a:solidFill>
+            <a:schemeClr val="bg2">
+              <a:lumMod val="40000"/>
+              <a:lumOff val="60000"/>
+            </a:schemeClr>
+          </a:solidFill>
+          <a:ln>
+            <a:solidFill>
+              <a:schemeClr val="tx2">
+                <a:lumMod val="60000"/>
+                <a:lumOff val="40000"/>
+              </a:schemeClr>
+            </a:solidFill>
+          </a:ln>
+        </p:spPr>
+        <p:style>
+          <a:lnRef idx="2">
+            <a:schemeClr val="dk1"/>
+          </a:lnRef>
+          <a:fillRef idx="1">
+            <a:schemeClr val="lt1"/>
+          </a:fillRef>
+          <a:effectRef idx="0">
+            <a:schemeClr val="dk1"/>
+          </a:effectRef>
+          <a:fontRef idx="minor">
+            <a:schemeClr val="dk1"/>
+          </a:fontRef>
+        </p:style>
+        <p:txBody>
+          <a:bodyPr rtlCol="0" anchor="ctr"/>
+          <a:lstStyle/>
+          <a:p>
+            <a:pPr algn="ctr"/>
+            <a:endParaRPr lang="pt-BR" dirty="0"/>
+          </a:p>
+        </p:txBody>
+      </p:sp>
+      <p:sp>
+        <p:nvSpPr>
+          <p:cNvPr id="19" name="Elipse 18">
+            <a:extLst>
+              <a:ext uri="{FF2B5EF4-FFF2-40B4-BE49-F238E27FC236}">
+                <a16:creationId xmlns:a16="http://schemas.microsoft.com/office/drawing/2014/main" id="{795889E3-949D-4C28-8A1E-0CAC1CD6CCEB}"/>
+              </a:ext>
+            </a:extLst>
+          </p:cNvPr>
+          <p:cNvSpPr/>
+          <p:nvPr/>
+        </p:nvSpPr>
+        <p:spPr>
+          <a:xfrm>
+            <a:off x="6257920" y="2764960"/>
+            <a:ext cx="1775945" cy="1666126"/>
+          </a:xfrm>
+          <a:prstGeom prst="ellipse">
+            <a:avLst/>
+          </a:prstGeom>
+          <a:solidFill>
+            <a:schemeClr val="accent6">
+              <a:lumMod val="75000"/>
+            </a:schemeClr>
+          </a:solidFill>
+          <a:ln>
+            <a:solidFill>
+              <a:schemeClr val="tx2">
+                <a:lumMod val="60000"/>
+                <a:lumOff val="40000"/>
+              </a:schemeClr>
+            </a:solidFill>
+          </a:ln>
+        </p:spPr>
+        <p:style>
+          <a:lnRef idx="2">
+            <a:schemeClr val="dk1"/>
+          </a:lnRef>
+          <a:fillRef idx="1">
+            <a:schemeClr val="lt1"/>
+          </a:fillRef>
+          <a:effectRef idx="0">
+            <a:schemeClr val="dk1"/>
+          </a:effectRef>
+          <a:fontRef idx="minor">
+            <a:schemeClr val="dk1"/>
+          </a:fontRef>
+        </p:style>
+        <p:txBody>
+          <a:bodyPr rtlCol="0" anchor="ctr"/>
+          <a:lstStyle/>
+          <a:p>
+            <a:pPr algn="ctr"/>
+            <a:endParaRPr lang="pt-BR" dirty="0"/>
+          </a:p>
+        </p:txBody>
+      </p:sp>
+      <p:sp>
+        <p:nvSpPr>
+          <p:cNvPr id="20" name="CaixaDeTexto 19">
+            <a:extLst>
+              <a:ext uri="{FF2B5EF4-FFF2-40B4-BE49-F238E27FC236}">
+                <a16:creationId xmlns:a16="http://schemas.microsoft.com/office/drawing/2014/main" id="{00D23364-8057-438A-9FE3-41EEC17F8197}"/>
+              </a:ext>
+            </a:extLst>
+          </p:cNvPr>
+          <p:cNvSpPr txBox="1"/>
+          <p:nvPr/>
+        </p:nvSpPr>
+        <p:spPr>
+          <a:xfrm>
+            <a:off x="2245161" y="4504419"/>
+            <a:ext cx="4572000" cy="307777"/>
+          </a:xfrm>
+          <a:prstGeom prst="rect">
+            <a:avLst/>
+          </a:prstGeom>
+          <a:noFill/>
+        </p:spPr>
+        <p:txBody>
+          <a:bodyPr wrap="square">
+            <a:spAutoFit/>
+          </a:bodyPr>
+          <a:lstStyle/>
+          <a:p>
+            <a:pPr marL="0" lvl="0" indent="0" algn="ctr" rtl="0">
+              <a:spcBef>
+                <a:spcPts val="0"/>
+              </a:spcBef>
+              <a:spcAft>
+                <a:spcPts val="0"/>
+              </a:spcAft>
+              <a:buNone/>
+            </a:pPr>
+            <a:r>
+              <a:rPr lang="pt-BR" sz="1400" b="1" dirty="0">
+                <a:solidFill>
+                  <a:schemeClr val="dk1"/>
+                </a:solidFill>
+                <a:latin typeface="Poiret One"/>
+                <a:ea typeface="Poiret One"/>
+                <a:cs typeface="Poiret One"/>
+                <a:sym typeface="Poiret One"/>
+              </a:rPr>
+              <a:t>Página </a:t>
+            </a:r>
+            <a:r>
+              <a:rPr lang="pt-BR" b="1" dirty="0">
+                <a:solidFill>
+                  <a:schemeClr val="dk1"/>
+                </a:solidFill>
+                <a:latin typeface="Poiret One"/>
+                <a:ea typeface="Poiret One"/>
+                <a:cs typeface="Poiret One"/>
+                <a:sym typeface="Poiret One"/>
+              </a:rPr>
+              <a:t>Web</a:t>
+            </a:r>
+            <a:endParaRPr lang="pt-BR" sz="1400" b="1" dirty="0">
+              <a:solidFill>
+                <a:schemeClr val="dk1"/>
+              </a:solidFill>
+              <a:latin typeface="Poiret One"/>
+              <a:ea typeface="Poiret One"/>
+              <a:cs typeface="Poiret One"/>
+              <a:sym typeface="Poiret One"/>
+            </a:endParaRPr>
+          </a:p>
+        </p:txBody>
+      </p:sp>
+      <p:sp>
+        <p:nvSpPr>
+          <p:cNvPr id="21" name="CaixaDeTexto 20">
+            <a:extLst>
+              <a:ext uri="{FF2B5EF4-FFF2-40B4-BE49-F238E27FC236}">
+                <a16:creationId xmlns:a16="http://schemas.microsoft.com/office/drawing/2014/main" id="{5178AA61-E912-4F9E-969A-E941E406ECDC}"/>
+              </a:ext>
+            </a:extLst>
+          </p:cNvPr>
+          <p:cNvSpPr txBox="1"/>
+          <p:nvPr/>
+        </p:nvSpPr>
+        <p:spPr>
+          <a:xfrm>
+            <a:off x="4824371" y="4420737"/>
+            <a:ext cx="4572000" cy="307777"/>
+          </a:xfrm>
+          <a:prstGeom prst="rect">
+            <a:avLst/>
+          </a:prstGeom>
+          <a:noFill/>
+        </p:spPr>
+        <p:txBody>
+          <a:bodyPr wrap="square">
+            <a:spAutoFit/>
+          </a:bodyPr>
+          <a:lstStyle/>
+          <a:p>
+            <a:pPr marL="0" lvl="0" indent="0" algn="ctr" rtl="0">
+              <a:spcBef>
+                <a:spcPts val="0"/>
+              </a:spcBef>
+              <a:spcAft>
+                <a:spcPts val="0"/>
+              </a:spcAft>
+              <a:buNone/>
+            </a:pPr>
+            <a:r>
+              <a:rPr lang="pt-BR" sz="1400" b="1" dirty="0">
+                <a:solidFill>
+                  <a:schemeClr val="dk1"/>
+                </a:solidFill>
+                <a:latin typeface="Poiret One"/>
+                <a:ea typeface="Poiret One"/>
+                <a:cs typeface="Poiret One"/>
+                <a:sym typeface="Poiret One"/>
+              </a:rPr>
+              <a:t>Empresa TecChicken</a:t>
+            </a:r>
+          </a:p>
+        </p:txBody>
+      </p:sp>
+      <p:pic>
+        <p:nvPicPr>
+          <p:cNvPr id="22" name="Imagem 21">
+            <a:extLst>
+              <a:ext uri="{FF2B5EF4-FFF2-40B4-BE49-F238E27FC236}">
+                <a16:creationId xmlns:a16="http://schemas.microsoft.com/office/drawing/2014/main" id="{B7A197BC-F7A7-4516-8F7E-5ADF6673A10E}"/>
+              </a:ext>
+            </a:extLst>
+          </p:cNvPr>
+          <p:cNvPicPr>
+            <a:picLocks noChangeAspect="1"/>
+          </p:cNvPicPr>
+          <p:nvPr/>
+        </p:nvPicPr>
+        <p:blipFill>
+          <a:blip r:embed="rId3"/>
+          <a:stretch>
+            <a:fillRect/>
+          </a:stretch>
+        </p:blipFill>
+        <p:spPr>
+          <a:xfrm flipH="1">
+            <a:off x="6659908" y="2865573"/>
+            <a:ext cx="586421" cy="586421"/>
+          </a:xfrm>
+          <a:prstGeom prst="rect">
+            <a:avLst/>
+          </a:prstGeom>
+        </p:spPr>
+      </p:pic>
+      <p:pic>
+        <p:nvPicPr>
+          <p:cNvPr id="23" name="Imagem 22">
+            <a:extLst>
+              <a:ext uri="{FF2B5EF4-FFF2-40B4-BE49-F238E27FC236}">
+                <a16:creationId xmlns:a16="http://schemas.microsoft.com/office/drawing/2014/main" id="{2C5F6830-5243-443E-9242-8ADD4E346189}"/>
+              </a:ext>
+            </a:extLst>
+          </p:cNvPr>
+          <p:cNvPicPr>
+            <a:picLocks noChangeAspect="1"/>
+          </p:cNvPicPr>
+          <p:nvPr/>
+        </p:nvPicPr>
+        <p:blipFill>
+          <a:blip r:embed="rId7"/>
+          <a:stretch>
+            <a:fillRect/>
+          </a:stretch>
+        </p:blipFill>
+        <p:spPr>
+          <a:xfrm>
+            <a:off x="6744589" y="3430897"/>
+            <a:ext cx="724580" cy="724580"/>
+          </a:xfrm>
+          <a:prstGeom prst="rect">
+            <a:avLst/>
+          </a:prstGeom>
+        </p:spPr>
+      </p:pic>
+      <p:pic>
+        <p:nvPicPr>
+          <p:cNvPr id="24" name="Imagem 23">
+            <a:extLst>
+              <a:ext uri="{FF2B5EF4-FFF2-40B4-BE49-F238E27FC236}">
+                <a16:creationId xmlns:a16="http://schemas.microsoft.com/office/drawing/2014/main" id="{5CFC9013-ABB8-4AB1-A491-003D363356EC}"/>
+              </a:ext>
+            </a:extLst>
+          </p:cNvPr>
+          <p:cNvPicPr>
+            <a:picLocks noChangeAspect="1"/>
+          </p:cNvPicPr>
+          <p:nvPr/>
+        </p:nvPicPr>
+        <p:blipFill>
+          <a:blip r:embed="rId8"/>
+          <a:stretch>
+            <a:fillRect/>
+          </a:stretch>
+        </p:blipFill>
+        <p:spPr>
+          <a:xfrm>
+            <a:off x="4273604" y="3883252"/>
+            <a:ext cx="537485" cy="537485"/>
+          </a:xfrm>
+          <a:prstGeom prst="rect">
+            <a:avLst/>
+          </a:prstGeom>
+        </p:spPr>
+      </p:pic>
+      <p:pic>
+        <p:nvPicPr>
+          <p:cNvPr id="25" name="Imagem 24">
+            <a:extLst>
+              <a:ext uri="{FF2B5EF4-FFF2-40B4-BE49-F238E27FC236}">
+                <a16:creationId xmlns:a16="http://schemas.microsoft.com/office/drawing/2014/main" id="{EAEF9063-9D02-4799-A629-141A8929BEBE}"/>
+              </a:ext>
+            </a:extLst>
+          </p:cNvPr>
+          <p:cNvPicPr>
+            <a:picLocks noChangeAspect="1"/>
+          </p:cNvPicPr>
+          <p:nvPr/>
+        </p:nvPicPr>
+        <p:blipFill>
+          <a:blip r:embed="rId9"/>
+          <a:stretch>
+            <a:fillRect/>
+          </a:stretch>
+        </p:blipFill>
+        <p:spPr>
+          <a:xfrm>
+            <a:off x="4330876" y="3395890"/>
+            <a:ext cx="362384" cy="362384"/>
+          </a:xfrm>
+          <a:prstGeom prst="rect">
+            <a:avLst/>
+          </a:prstGeom>
+        </p:spPr>
+      </p:pic>
+      <p:cxnSp>
+        <p:nvCxnSpPr>
+          <p:cNvPr id="26" name="Conector de Seta Reta 25">
+            <a:extLst>
+              <a:ext uri="{FF2B5EF4-FFF2-40B4-BE49-F238E27FC236}">
+                <a16:creationId xmlns:a16="http://schemas.microsoft.com/office/drawing/2014/main" id="{26B2A33B-02FC-46BD-A1B9-8EF8139994F8}"/>
+              </a:ext>
+            </a:extLst>
+          </p:cNvPr>
+          <p:cNvCxnSpPr>
+            <a:cxnSpLocks/>
+            <a:stCxn id="3" idx="7"/>
+          </p:cNvCxnSpPr>
+          <p:nvPr/>
+        </p:nvCxnSpPr>
+        <p:spPr>
+          <a:xfrm flipV="1">
+            <a:off x="2542379" y="2217420"/>
+            <a:ext cx="1292613" cy="539764"/>
+          </a:xfrm>
+          <a:prstGeom prst="straightConnector1">
+            <a:avLst/>
+          </a:prstGeom>
+          <a:ln>
+            <a:tailEnd type="triangle"/>
+          </a:ln>
+        </p:spPr>
+        <p:style>
+          <a:lnRef idx="1">
+            <a:schemeClr val="accent1"/>
+          </a:lnRef>
+          <a:fillRef idx="0">
+            <a:schemeClr val="accent1"/>
+          </a:fillRef>
+          <a:effectRef idx="0">
+            <a:schemeClr val="accent1"/>
+          </a:effectRef>
+          <a:fontRef idx="minor">
+            <a:schemeClr val="tx1"/>
+          </a:fontRef>
+        </p:style>
+      </p:cxnSp>
+      <p:cxnSp>
+        <p:nvCxnSpPr>
+          <p:cNvPr id="27" name="Conector de Seta Reta 26">
+            <a:extLst>
+              <a:ext uri="{FF2B5EF4-FFF2-40B4-BE49-F238E27FC236}">
+                <a16:creationId xmlns:a16="http://schemas.microsoft.com/office/drawing/2014/main" id="{3B03BA91-6971-4A0E-B8E4-5A483D7C4B27}"/>
+              </a:ext>
+            </a:extLst>
+          </p:cNvPr>
+          <p:cNvCxnSpPr>
+            <a:cxnSpLocks/>
+          </p:cNvCxnSpPr>
+          <p:nvPr/>
+        </p:nvCxnSpPr>
+        <p:spPr>
+          <a:xfrm flipH="1" flipV="1">
+            <a:off x="5268541" y="2217420"/>
+            <a:ext cx="1350023" cy="713340"/>
+          </a:xfrm>
+          <a:prstGeom prst="straightConnector1">
+            <a:avLst/>
+          </a:prstGeom>
+          <a:ln>
+            <a:tailEnd type="triangle"/>
+          </a:ln>
+        </p:spPr>
+        <p:style>
+          <a:lnRef idx="1">
+            <a:schemeClr val="accent1"/>
+          </a:lnRef>
+          <a:fillRef idx="0">
+            <a:schemeClr val="accent1"/>
+          </a:fillRef>
+          <a:effectRef idx="0">
+            <a:schemeClr val="accent1"/>
+          </a:effectRef>
+          <a:fontRef idx="minor">
+            <a:schemeClr val="tx1"/>
+          </a:fontRef>
+        </p:style>
+      </p:cxnSp>
+      <p:cxnSp>
+        <p:nvCxnSpPr>
+          <p:cNvPr id="28" name="Conector de Seta Reta 27">
+            <a:extLst>
+              <a:ext uri="{FF2B5EF4-FFF2-40B4-BE49-F238E27FC236}">
+                <a16:creationId xmlns:a16="http://schemas.microsoft.com/office/drawing/2014/main" id="{9D3B11AA-0C84-490E-B6C3-93462A951300}"/>
+              </a:ext>
+            </a:extLst>
+          </p:cNvPr>
+          <p:cNvCxnSpPr>
+            <a:cxnSpLocks/>
+            <a:stCxn id="16" idx="2"/>
+            <a:endCxn id="18" idx="0"/>
+          </p:cNvCxnSpPr>
+          <p:nvPr/>
+        </p:nvCxnSpPr>
+        <p:spPr>
+          <a:xfrm>
+            <a:off x="4512068" y="2567923"/>
+            <a:ext cx="2253" cy="597713"/>
+          </a:xfrm>
+          <a:prstGeom prst="straightConnector1">
+            <a:avLst/>
+          </a:prstGeom>
+          <a:ln>
+            <a:tailEnd type="triangle"/>
+          </a:ln>
+        </p:spPr>
+        <p:style>
+          <a:lnRef idx="1">
+            <a:schemeClr val="accent1"/>
+          </a:lnRef>
+          <a:fillRef idx="0">
+            <a:schemeClr val="accent1"/>
+          </a:fillRef>
+          <a:effectRef idx="0">
+            <a:schemeClr val="accent1"/>
+          </a:effectRef>
+          <a:fontRef idx="minor">
+            <a:schemeClr val="tx1"/>
+          </a:fontRef>
+        </p:style>
+      </p:cxnSp>
+      <p:sp>
+        <p:nvSpPr>
+          <p:cNvPr id="29" name="CaixaDeTexto 28">
+            <a:extLst>
+              <a:ext uri="{FF2B5EF4-FFF2-40B4-BE49-F238E27FC236}">
+                <a16:creationId xmlns:a16="http://schemas.microsoft.com/office/drawing/2014/main" id="{849D9125-BCA8-47AB-B726-857200571B8B}"/>
+              </a:ext>
+            </a:extLst>
+          </p:cNvPr>
+          <p:cNvSpPr txBox="1"/>
+          <p:nvPr/>
+        </p:nvSpPr>
+        <p:spPr>
+          <a:xfrm>
+            <a:off x="-481850" y="4459958"/>
+            <a:ext cx="4572000" cy="307777"/>
+          </a:xfrm>
+          <a:prstGeom prst="rect">
+            <a:avLst/>
+          </a:prstGeom>
+          <a:noFill/>
+        </p:spPr>
+        <p:txBody>
+          <a:bodyPr wrap="square">
+            <a:spAutoFit/>
+          </a:bodyPr>
+          <a:lstStyle/>
+          <a:p>
+            <a:pPr marL="0" lvl="0" indent="0" algn="ctr" rtl="0">
+              <a:spcBef>
+                <a:spcPts val="0"/>
+              </a:spcBef>
+              <a:spcAft>
+                <a:spcPts val="0"/>
+              </a:spcAft>
+              <a:buNone/>
+            </a:pPr>
+            <a:r>
+              <a:rPr lang="pt-BR" b="1" dirty="0">
+                <a:solidFill>
+                  <a:schemeClr val="dk1"/>
+                </a:solidFill>
+                <a:latin typeface="Poiret One"/>
+                <a:ea typeface="Poiret One"/>
+                <a:cs typeface="Poiret One"/>
+                <a:sym typeface="Poiret One"/>
+              </a:rPr>
+              <a:t>Granja</a:t>
+            </a:r>
+            <a:endParaRPr lang="pt-BR" sz="1400" b="1" dirty="0">
+              <a:solidFill>
+                <a:schemeClr val="dk1"/>
+              </a:solidFill>
+              <a:latin typeface="Poiret One"/>
+              <a:ea typeface="Poiret One"/>
+              <a:cs typeface="Poiret One"/>
+              <a:sym typeface="Poiret One"/>
+            </a:endParaRPr>
+          </a:p>
+        </p:txBody>
+      </p:sp>
+    </p:spTree>
+    <p:extLst>
+      <p:ext uri="{BB962C8B-B14F-4D97-AF65-F5344CB8AC3E}">
+        <p14:creationId xmlns:p14="http://schemas.microsoft.com/office/powerpoint/2010/main" val="1952652696"/>
+      </p:ext>
+    </p:extLst>
+  </p:cSld>
+  <p:clrMapOvr>
+    <a:masterClrMapping/>
+  </p:clrMapOvr>
+</p:sld>
+</file>
+
+<file path=ppt/slides/slide17.xml><?xml version="1.0" encoding="utf-8"?>
+<p:sld xmlns:a="http://schemas.openxmlformats.org/drawingml/2006/main" xmlns:r="http://schemas.openxmlformats.org/officeDocument/2006/relationships" xmlns:p="http://schemas.openxmlformats.org/presentationml/2006/main">
+  <p:cSld>
     <p:spTree>
       <p:nvGrpSpPr>
         <p:cNvPr id="1" name=""/>
@@ -15688,7 +17808,7 @@
             <a:fld id="{00000000-1234-1234-1234-123412341234}" type="slidenum">
               <a:rPr lang="pt-BR" sz="1100"/>
               <a:pPr/>
-              <a:t>16</a:t>
+              <a:t>17</a:t>
             </a:fld>
             <a:endParaRPr lang="pt-BR" sz="1100" dirty="0"/>
           </a:p>

--- a/SPRINT2/slide pi.pptx
+++ b/SPRINT2/slide pi.pptx
@@ -15734,36 +15734,30 @@
         </p:nvSpPr>
         <p:spPr>
           <a:xfrm>
-            <a:off x="778910" y="2455580"/>
+            <a:off x="713958" y="2419171"/>
             <a:ext cx="2066032" cy="2059484"/>
           </a:xfrm>
           <a:prstGeom prst="ellipse">
             <a:avLst/>
           </a:prstGeom>
-          <a:solidFill>
-            <a:schemeClr val="accent4">
-              <a:lumMod val="60000"/>
-              <a:lumOff val="40000"/>
-            </a:schemeClr>
-          </a:solidFill>
           <a:ln>
             <a:solidFill>
-              <a:schemeClr val="tx2">
-                <a:lumMod val="60000"/>
-                <a:lumOff val="40000"/>
+              <a:schemeClr val="accent1">
+                <a:lumMod val="40000"/>
+                <a:lumOff val="60000"/>
               </a:schemeClr>
             </a:solidFill>
           </a:ln>
         </p:spPr>
         <p:style>
           <a:lnRef idx="2">
-            <a:schemeClr val="dk1"/>
+            <a:schemeClr val="accent4"/>
           </a:lnRef>
           <a:fillRef idx="1">
             <a:schemeClr val="lt1"/>
           </a:fillRef>
           <a:effectRef idx="0">
-            <a:schemeClr val="dk1"/>
+            <a:schemeClr val="accent4"/>
           </a:effectRef>
           <a:fontRef idx="minor">
             <a:schemeClr val="dk1"/>
@@ -15794,7 +15788,7 @@
         </p:nvSpPr>
         <p:spPr>
           <a:xfrm>
-            <a:off x="720000" y="445025"/>
+            <a:off x="699513" y="286732"/>
             <a:ext cx="7704000" cy="572700"/>
           </a:xfrm>
           <a:prstGeom prst="rect">
@@ -16037,7 +16031,7 @@
           <a:p>
             <a:pPr algn="ctr"/>
             <a:r>
-              <a:rPr lang="pt-BR" sz="2400" dirty="0">
+              <a:rPr lang="pt-BR" sz="4000" dirty="0">
                 <a:solidFill>
                   <a:schemeClr val="accent4"/>
                 </a:solidFill>
@@ -16122,7 +16116,7 @@
         </p:nvGrpSpPr>
         <p:grpSpPr>
           <a:xfrm>
-            <a:off x="2081400" y="3366181"/>
+            <a:off x="2084369" y="3313948"/>
             <a:ext cx="232955" cy="340318"/>
             <a:chOff x="3662144" y="4135505"/>
             <a:chExt cx="232955" cy="340318"/>
@@ -16833,7 +16827,7 @@
         </p:blipFill>
         <p:spPr>
           <a:xfrm>
-            <a:off x="1052501" y="3159448"/>
+            <a:off x="1042549" y="3165287"/>
             <a:ext cx="433943" cy="433943"/>
           </a:xfrm>
           <a:prstGeom prst="rect">
@@ -16855,7 +16849,7 @@
         </p:nvSpPr>
         <p:spPr>
           <a:xfrm rot="10800000">
-            <a:off x="1691419" y="3263810"/>
+            <a:off x="1668141" y="3259648"/>
             <a:ext cx="237747" cy="221511"/>
           </a:xfrm>
           <a:custGeom>
@@ -17133,7 +17127,7 @@
         </p:blipFill>
         <p:spPr>
           <a:xfrm>
-            <a:off x="4090150" y="1724087"/>
+            <a:off x="4031055" y="1185864"/>
             <a:ext cx="843836" cy="843836"/>
           </a:xfrm>
           <a:prstGeom prst="rect">
@@ -17155,7 +17149,7 @@
         </p:nvSpPr>
         <p:spPr>
           <a:xfrm>
-            <a:off x="2172589" y="1361030"/>
+            <a:off x="2145409" y="1939745"/>
             <a:ext cx="4572000" cy="307777"/>
           </a:xfrm>
           <a:prstGeom prst="rect">
@@ -17179,20 +17173,20 @@
               <a:buNone/>
             </a:pPr>
             <a:r>
-              <a:rPr lang="pt-BR" b="1" dirty="0">
+              <a:rPr lang="pt-BR" dirty="0">
                 <a:solidFill>
-                  <a:schemeClr val="dk1"/>
+                  <a:schemeClr val="accent1"/>
                 </a:solidFill>
                 <a:latin typeface="Poiret One"/>
                 <a:ea typeface="Poiret One"/>
                 <a:cs typeface="Poiret One"/>
                 <a:sym typeface="Poiret One"/>
               </a:rPr>
-              <a:t>Nuvem/Cloud</a:t>
+              <a:t>Nuvem</a:t>
             </a:r>
-            <a:endParaRPr lang="pt-BR" sz="1400" b="1" dirty="0">
+            <a:endParaRPr lang="pt-BR" sz="1400" dirty="0">
               <a:solidFill>
-                <a:schemeClr val="dk1"/>
+                <a:schemeClr val="accent1"/>
               </a:solidFill>
               <a:latin typeface="Poiret One"/>
               <a:ea typeface="Poiret One"/>
@@ -17216,36 +17210,30 @@
         </p:nvSpPr>
         <p:spPr>
           <a:xfrm>
-            <a:off x="3834992" y="3165636"/>
+            <a:off x="3815693" y="3236532"/>
             <a:ext cx="1358657" cy="1255101"/>
           </a:xfrm>
           <a:prstGeom prst="ellipse">
             <a:avLst/>
           </a:prstGeom>
-          <a:solidFill>
-            <a:schemeClr val="bg2">
-              <a:lumMod val="40000"/>
-              <a:lumOff val="60000"/>
-            </a:schemeClr>
-          </a:solidFill>
           <a:ln>
             <a:solidFill>
-              <a:schemeClr val="tx2">
-                <a:lumMod val="60000"/>
-                <a:lumOff val="40000"/>
+              <a:schemeClr val="bg2">
+                <a:lumMod val="40000"/>
+                <a:lumOff val="60000"/>
               </a:schemeClr>
             </a:solidFill>
           </a:ln>
         </p:spPr>
         <p:style>
           <a:lnRef idx="2">
-            <a:schemeClr val="dk1"/>
+            <a:schemeClr val="accent4"/>
           </a:lnRef>
           <a:fillRef idx="1">
             <a:schemeClr val="lt1"/>
           </a:fillRef>
           <a:effectRef idx="0">
-            <a:schemeClr val="dk1"/>
+            <a:schemeClr val="accent4"/>
           </a:effectRef>
           <a:fontRef idx="minor">
             <a:schemeClr val="dk1"/>
@@ -17274,20 +17262,15 @@
         </p:nvSpPr>
         <p:spPr>
           <a:xfrm>
-            <a:off x="6257920" y="2764960"/>
+            <a:off x="6125955" y="2585896"/>
             <a:ext cx="1775945" cy="1666126"/>
           </a:xfrm>
           <a:prstGeom prst="ellipse">
             <a:avLst/>
           </a:prstGeom>
-          <a:solidFill>
-            <a:schemeClr val="accent6">
-              <a:lumMod val="75000"/>
-            </a:schemeClr>
-          </a:solidFill>
           <a:ln>
             <a:solidFill>
-              <a:schemeClr val="tx2">
+              <a:schemeClr val="bg2">
                 <a:lumMod val="60000"/>
                 <a:lumOff val="40000"/>
               </a:schemeClr>
@@ -17296,13 +17279,13 @@
         </p:spPr>
         <p:style>
           <a:lnRef idx="2">
-            <a:schemeClr val="dk1"/>
+            <a:schemeClr val="accent4"/>
           </a:lnRef>
           <a:fillRef idx="1">
             <a:schemeClr val="lt1"/>
           </a:fillRef>
           <a:effectRef idx="0">
-            <a:schemeClr val="dk1"/>
+            <a:schemeClr val="accent4"/>
           </a:effectRef>
           <a:fontRef idx="minor">
             <a:schemeClr val="dk1"/>
@@ -17331,7 +17314,7 @@
         </p:nvSpPr>
         <p:spPr>
           <a:xfrm>
-            <a:off x="2245161" y="4504419"/>
+            <a:off x="2235237" y="4494913"/>
             <a:ext cx="4572000" cy="307777"/>
           </a:xfrm>
           <a:prstGeom prst="rect">
@@ -17355,9 +17338,9 @@
               <a:buNone/>
             </a:pPr>
             <a:r>
-              <a:rPr lang="pt-BR" sz="1400" b="1" dirty="0">
+              <a:rPr lang="pt-BR" sz="1400" dirty="0">
                 <a:solidFill>
-                  <a:schemeClr val="dk1"/>
+                  <a:schemeClr val="accent1"/>
                 </a:solidFill>
                 <a:latin typeface="Poiret One"/>
                 <a:ea typeface="Poiret One"/>
@@ -17367,9 +17350,9 @@
               <a:t>Página </a:t>
             </a:r>
             <a:r>
-              <a:rPr lang="pt-BR" b="1" dirty="0">
+              <a:rPr lang="pt-BR" dirty="0">
                 <a:solidFill>
-                  <a:schemeClr val="dk1"/>
+                  <a:schemeClr val="accent1"/>
                 </a:solidFill>
                 <a:latin typeface="Poiret One"/>
                 <a:ea typeface="Poiret One"/>
@@ -17378,9 +17361,9 @@
               </a:rPr>
               <a:t>Web</a:t>
             </a:r>
-            <a:endParaRPr lang="pt-BR" sz="1400" b="1" dirty="0">
+            <a:endParaRPr lang="pt-BR" sz="1400" dirty="0">
               <a:solidFill>
-                <a:schemeClr val="dk1"/>
+                <a:schemeClr val="accent1"/>
               </a:solidFill>
               <a:latin typeface="Poiret One"/>
               <a:ea typeface="Poiret One"/>
@@ -17428,9 +17411,9 @@
               <a:buNone/>
             </a:pPr>
             <a:r>
-              <a:rPr lang="pt-BR" sz="1400" b="1" dirty="0">
+              <a:rPr lang="pt-BR" sz="1400" dirty="0">
                 <a:solidFill>
-                  <a:schemeClr val="dk1"/>
+                  <a:schemeClr val="accent1"/>
                 </a:solidFill>
                 <a:latin typeface="Poiret One"/>
                 <a:ea typeface="Poiret One"/>
@@ -17464,7 +17447,7 @@
         </p:blipFill>
         <p:spPr>
           <a:xfrm flipH="1">
-            <a:off x="6659908" y="2865573"/>
+            <a:off x="6386036" y="2865548"/>
             <a:ext cx="586421" cy="586421"/>
           </a:xfrm>
           <a:prstGeom prst="rect">
@@ -17494,7 +17477,7 @@
         </p:blipFill>
         <p:spPr>
           <a:xfrm>
-            <a:off x="6744589" y="3430897"/>
+            <a:off x="6726504" y="3304369"/>
             <a:ext cx="724580" cy="724580"/>
           </a:xfrm>
           <a:prstGeom prst="rect">
@@ -17524,7 +17507,7 @@
         </p:blipFill>
         <p:spPr>
           <a:xfrm>
-            <a:off x="4273604" y="3883252"/>
+            <a:off x="4208111" y="3885644"/>
             <a:ext cx="537485" cy="537485"/>
           </a:xfrm>
           <a:prstGeom prst="rect">
@@ -17554,7 +17537,7 @@
         </p:blipFill>
         <p:spPr>
           <a:xfrm>
-            <a:off x="4330876" y="3395890"/>
+            <a:off x="4295662" y="3443633"/>
             <a:ext cx="362384" cy="362384"/>
           </a:xfrm>
           <a:prstGeom prst="rect">
@@ -17562,132 +17545,6 @@
           </a:prstGeom>
         </p:spPr>
       </p:pic>
-      <p:cxnSp>
-        <p:nvCxnSpPr>
-          <p:cNvPr id="26" name="Conector de Seta Reta 25">
-            <a:extLst>
-              <a:ext uri="{FF2B5EF4-FFF2-40B4-BE49-F238E27FC236}">
-                <a16:creationId xmlns:a16="http://schemas.microsoft.com/office/drawing/2014/main" id="{26B2A33B-02FC-46BD-A1B9-8EF8139994F8}"/>
-              </a:ext>
-            </a:extLst>
-          </p:cNvPr>
-          <p:cNvCxnSpPr>
-            <a:cxnSpLocks/>
-            <a:stCxn id="3" idx="7"/>
-          </p:cNvCxnSpPr>
-          <p:nvPr/>
-        </p:nvCxnSpPr>
-        <p:spPr>
-          <a:xfrm flipV="1">
-            <a:off x="2542379" y="2217420"/>
-            <a:ext cx="1292613" cy="539764"/>
-          </a:xfrm>
-          <a:prstGeom prst="straightConnector1">
-            <a:avLst/>
-          </a:prstGeom>
-          <a:ln>
-            <a:tailEnd type="triangle"/>
-          </a:ln>
-        </p:spPr>
-        <p:style>
-          <a:lnRef idx="1">
-            <a:schemeClr val="accent1"/>
-          </a:lnRef>
-          <a:fillRef idx="0">
-            <a:schemeClr val="accent1"/>
-          </a:fillRef>
-          <a:effectRef idx="0">
-            <a:schemeClr val="accent1"/>
-          </a:effectRef>
-          <a:fontRef idx="minor">
-            <a:schemeClr val="tx1"/>
-          </a:fontRef>
-        </p:style>
-      </p:cxnSp>
-      <p:cxnSp>
-        <p:nvCxnSpPr>
-          <p:cNvPr id="27" name="Conector de Seta Reta 26">
-            <a:extLst>
-              <a:ext uri="{FF2B5EF4-FFF2-40B4-BE49-F238E27FC236}">
-                <a16:creationId xmlns:a16="http://schemas.microsoft.com/office/drawing/2014/main" id="{3B03BA91-6971-4A0E-B8E4-5A483D7C4B27}"/>
-              </a:ext>
-            </a:extLst>
-          </p:cNvPr>
-          <p:cNvCxnSpPr>
-            <a:cxnSpLocks/>
-          </p:cNvCxnSpPr>
-          <p:nvPr/>
-        </p:nvCxnSpPr>
-        <p:spPr>
-          <a:xfrm flipH="1" flipV="1">
-            <a:off x="5268541" y="2217420"/>
-            <a:ext cx="1350023" cy="713340"/>
-          </a:xfrm>
-          <a:prstGeom prst="straightConnector1">
-            <a:avLst/>
-          </a:prstGeom>
-          <a:ln>
-            <a:tailEnd type="triangle"/>
-          </a:ln>
-        </p:spPr>
-        <p:style>
-          <a:lnRef idx="1">
-            <a:schemeClr val="accent1"/>
-          </a:lnRef>
-          <a:fillRef idx="0">
-            <a:schemeClr val="accent1"/>
-          </a:fillRef>
-          <a:effectRef idx="0">
-            <a:schemeClr val="accent1"/>
-          </a:effectRef>
-          <a:fontRef idx="minor">
-            <a:schemeClr val="tx1"/>
-          </a:fontRef>
-        </p:style>
-      </p:cxnSp>
-      <p:cxnSp>
-        <p:nvCxnSpPr>
-          <p:cNvPr id="28" name="Conector de Seta Reta 27">
-            <a:extLst>
-              <a:ext uri="{FF2B5EF4-FFF2-40B4-BE49-F238E27FC236}">
-                <a16:creationId xmlns:a16="http://schemas.microsoft.com/office/drawing/2014/main" id="{9D3B11AA-0C84-490E-B6C3-93462A951300}"/>
-              </a:ext>
-            </a:extLst>
-          </p:cNvPr>
-          <p:cNvCxnSpPr>
-            <a:cxnSpLocks/>
-            <a:stCxn id="16" idx="2"/>
-            <a:endCxn id="18" idx="0"/>
-          </p:cNvCxnSpPr>
-          <p:nvPr/>
-        </p:nvCxnSpPr>
-        <p:spPr>
-          <a:xfrm>
-            <a:off x="4512068" y="2567923"/>
-            <a:ext cx="2253" cy="597713"/>
-          </a:xfrm>
-          <a:prstGeom prst="straightConnector1">
-            <a:avLst/>
-          </a:prstGeom>
-          <a:ln>
-            <a:tailEnd type="triangle"/>
-          </a:ln>
-        </p:spPr>
-        <p:style>
-          <a:lnRef idx="1">
-            <a:schemeClr val="accent1"/>
-          </a:lnRef>
-          <a:fillRef idx="0">
-            <a:schemeClr val="accent1"/>
-          </a:fillRef>
-          <a:effectRef idx="0">
-            <a:schemeClr val="accent1"/>
-          </a:effectRef>
-          <a:fontRef idx="minor">
-            <a:schemeClr val="tx1"/>
-          </a:fontRef>
-        </p:style>
-      </p:cxnSp>
       <p:sp>
         <p:nvSpPr>
           <p:cNvPr id="29" name="CaixaDeTexto 28">
@@ -17702,7 +17559,7 @@
         </p:nvSpPr>
         <p:spPr>
           <a:xfrm>
-            <a:off x="-481850" y="4459958"/>
+            <a:off x="-498986" y="4523823"/>
             <a:ext cx="4572000" cy="307777"/>
           </a:xfrm>
           <a:prstGeom prst="rect">
@@ -17726,9 +17583,9 @@
               <a:buNone/>
             </a:pPr>
             <a:r>
-              <a:rPr lang="pt-BR" b="1" dirty="0">
+              <a:rPr lang="pt-BR" dirty="0">
                 <a:solidFill>
-                  <a:schemeClr val="dk1"/>
+                  <a:schemeClr val="accent1"/>
                 </a:solidFill>
                 <a:latin typeface="Poiret One"/>
                 <a:ea typeface="Poiret One"/>
@@ -17737,15 +17594,420 @@
               </a:rPr>
               <a:t>Granja</a:t>
             </a:r>
-            <a:endParaRPr lang="pt-BR" sz="1400" b="1" dirty="0">
+            <a:endParaRPr lang="pt-BR" sz="1400" dirty="0">
               <a:solidFill>
-                <a:schemeClr val="dk1"/>
+                <a:schemeClr val="accent1"/>
               </a:solidFill>
               <a:latin typeface="Poiret One"/>
               <a:ea typeface="Poiret One"/>
               <a:cs typeface="Poiret One"/>
               <a:sym typeface="Poiret One"/>
             </a:endParaRPr>
+          </a:p>
+        </p:txBody>
+      </p:sp>
+      <p:sp>
+        <p:nvSpPr>
+          <p:cNvPr id="82" name="Google Shape;1390;p72">
+            <a:extLst>
+              <a:ext uri="{FF2B5EF4-FFF2-40B4-BE49-F238E27FC236}">
+                <a16:creationId xmlns:a16="http://schemas.microsoft.com/office/drawing/2014/main" id="{5D3B4C9D-9A1C-4B8F-A761-F6A314CC4E3F}"/>
+              </a:ext>
+            </a:extLst>
+          </p:cNvPr>
+          <p:cNvSpPr/>
+          <p:nvPr/>
+        </p:nvSpPr>
+        <p:spPr>
+          <a:xfrm rot="5400000">
+            <a:off x="4080261" y="2468917"/>
+            <a:ext cx="692399" cy="407304"/>
+          </a:xfrm>
+          <a:custGeom>
+            <a:avLst/>
+            <a:gdLst/>
+            <a:ahLst/>
+            <a:cxnLst/>
+            <a:rect l="l" t="t" r="r" b="b"/>
+            <a:pathLst>
+              <a:path w="2756" h="1918" extrusionOk="0">
+                <a:moveTo>
+                  <a:pt x="1757" y="0"/>
+                </a:moveTo>
+                <a:cubicBezTo>
+                  <a:pt x="1693" y="0"/>
+                  <a:pt x="1630" y="25"/>
+                  <a:pt x="1580" y="75"/>
+                </a:cubicBezTo>
+                <a:cubicBezTo>
+                  <a:pt x="1479" y="176"/>
+                  <a:pt x="1479" y="335"/>
+                  <a:pt x="1580" y="436"/>
+                </a:cubicBezTo>
+                <a:lnTo>
+                  <a:pt x="1768" y="623"/>
+                </a:lnTo>
+                <a:cubicBezTo>
+                  <a:pt x="1797" y="652"/>
+                  <a:pt x="1775" y="702"/>
+                  <a:pt x="1739" y="702"/>
+                </a:cubicBezTo>
+                <a:lnTo>
+                  <a:pt x="253" y="702"/>
+                </a:lnTo>
+                <a:cubicBezTo>
+                  <a:pt x="116" y="702"/>
+                  <a:pt x="1" y="818"/>
+                  <a:pt x="1" y="962"/>
+                </a:cubicBezTo>
+                <a:cubicBezTo>
+                  <a:pt x="1" y="1099"/>
+                  <a:pt x="116" y="1215"/>
+                  <a:pt x="253" y="1215"/>
+                </a:cubicBezTo>
+                <a:lnTo>
+                  <a:pt x="1739" y="1215"/>
+                </a:lnTo>
+                <a:cubicBezTo>
+                  <a:pt x="1775" y="1215"/>
+                  <a:pt x="1797" y="1265"/>
+                  <a:pt x="1768" y="1294"/>
+                </a:cubicBezTo>
+                <a:lnTo>
+                  <a:pt x="1580" y="1481"/>
+                </a:lnTo>
+                <a:cubicBezTo>
+                  <a:pt x="1479" y="1582"/>
+                  <a:pt x="1479" y="1741"/>
+                  <a:pt x="1580" y="1842"/>
+                </a:cubicBezTo>
+                <a:cubicBezTo>
+                  <a:pt x="1631" y="1892"/>
+                  <a:pt x="1696" y="1918"/>
+                  <a:pt x="1760" y="1918"/>
+                </a:cubicBezTo>
+                <a:cubicBezTo>
+                  <a:pt x="1825" y="1918"/>
+                  <a:pt x="1890" y="1892"/>
+                  <a:pt x="1941" y="1842"/>
+                </a:cubicBezTo>
+                <a:lnTo>
+                  <a:pt x="2676" y="1106"/>
+                </a:lnTo>
+                <a:cubicBezTo>
+                  <a:pt x="2756" y="1027"/>
+                  <a:pt x="2756" y="897"/>
+                  <a:pt x="2676" y="811"/>
+                </a:cubicBezTo>
+                <a:lnTo>
+                  <a:pt x="1941" y="82"/>
+                </a:lnTo>
+                <a:cubicBezTo>
+                  <a:pt x="1889" y="27"/>
+                  <a:pt x="1823" y="0"/>
+                  <a:pt x="1757" y="0"/>
+                </a:cubicBezTo>
+                <a:close/>
+              </a:path>
+            </a:pathLst>
+          </a:custGeom>
+          <a:noFill/>
+          <a:ln w="9525" cap="flat" cmpd="sng">
+            <a:solidFill>
+              <a:schemeClr val="accent4"/>
+            </a:solidFill>
+            <a:prstDash val="solid"/>
+            <a:round/>
+            <a:headEnd type="none" w="sm" len="sm"/>
+            <a:tailEnd type="none" w="sm" len="sm"/>
+          </a:ln>
+        </p:spPr>
+        <p:txBody>
+          <a:bodyPr spcFirstLastPara="1" wrap="square" lIns="91425" tIns="91425" rIns="91425" bIns="91425" anchor="ctr" anchorCtr="0">
+            <a:noAutofit/>
+          </a:bodyPr>
+          <a:lstStyle/>
+          <a:p>
+            <a:pPr marL="0" lvl="0" indent="0" algn="l" rtl="0">
+              <a:spcBef>
+                <a:spcPts val="0"/>
+              </a:spcBef>
+              <a:spcAft>
+                <a:spcPts val="0"/>
+              </a:spcAft>
+              <a:buNone/>
+            </a:pPr>
+            <a:endParaRPr/>
+          </a:p>
+        </p:txBody>
+      </p:sp>
+      <p:sp>
+        <p:nvSpPr>
+          <p:cNvPr id="83" name="Google Shape;1390;p72">
+            <a:extLst>
+              <a:ext uri="{FF2B5EF4-FFF2-40B4-BE49-F238E27FC236}">
+                <a16:creationId xmlns:a16="http://schemas.microsoft.com/office/drawing/2014/main" id="{8230E983-8E67-4478-842B-0D203A681556}"/>
+              </a:ext>
+            </a:extLst>
+          </p:cNvPr>
+          <p:cNvSpPr/>
+          <p:nvPr/>
+        </p:nvSpPr>
+        <p:spPr>
+          <a:xfrm rot="20044027">
+            <a:off x="2525481" y="2082653"/>
+            <a:ext cx="1143598" cy="606286"/>
+          </a:xfrm>
+          <a:custGeom>
+            <a:avLst/>
+            <a:gdLst/>
+            <a:ahLst/>
+            <a:cxnLst/>
+            <a:rect l="l" t="t" r="r" b="b"/>
+            <a:pathLst>
+              <a:path w="2756" h="1918" extrusionOk="0">
+                <a:moveTo>
+                  <a:pt x="1757" y="0"/>
+                </a:moveTo>
+                <a:cubicBezTo>
+                  <a:pt x="1693" y="0"/>
+                  <a:pt x="1630" y="25"/>
+                  <a:pt x="1580" y="75"/>
+                </a:cubicBezTo>
+                <a:cubicBezTo>
+                  <a:pt x="1479" y="176"/>
+                  <a:pt x="1479" y="335"/>
+                  <a:pt x="1580" y="436"/>
+                </a:cubicBezTo>
+                <a:lnTo>
+                  <a:pt x="1768" y="623"/>
+                </a:lnTo>
+                <a:cubicBezTo>
+                  <a:pt x="1797" y="652"/>
+                  <a:pt x="1775" y="702"/>
+                  <a:pt x="1739" y="702"/>
+                </a:cubicBezTo>
+                <a:lnTo>
+                  <a:pt x="253" y="702"/>
+                </a:lnTo>
+                <a:cubicBezTo>
+                  <a:pt x="116" y="702"/>
+                  <a:pt x="1" y="818"/>
+                  <a:pt x="1" y="962"/>
+                </a:cubicBezTo>
+                <a:cubicBezTo>
+                  <a:pt x="1" y="1099"/>
+                  <a:pt x="116" y="1215"/>
+                  <a:pt x="253" y="1215"/>
+                </a:cubicBezTo>
+                <a:lnTo>
+                  <a:pt x="1739" y="1215"/>
+                </a:lnTo>
+                <a:cubicBezTo>
+                  <a:pt x="1775" y="1215"/>
+                  <a:pt x="1797" y="1265"/>
+                  <a:pt x="1768" y="1294"/>
+                </a:cubicBezTo>
+                <a:lnTo>
+                  <a:pt x="1580" y="1481"/>
+                </a:lnTo>
+                <a:cubicBezTo>
+                  <a:pt x="1479" y="1582"/>
+                  <a:pt x="1479" y="1741"/>
+                  <a:pt x="1580" y="1842"/>
+                </a:cubicBezTo>
+                <a:cubicBezTo>
+                  <a:pt x="1631" y="1892"/>
+                  <a:pt x="1696" y="1918"/>
+                  <a:pt x="1760" y="1918"/>
+                </a:cubicBezTo>
+                <a:cubicBezTo>
+                  <a:pt x="1825" y="1918"/>
+                  <a:pt x="1890" y="1892"/>
+                  <a:pt x="1941" y="1842"/>
+                </a:cubicBezTo>
+                <a:lnTo>
+                  <a:pt x="2676" y="1106"/>
+                </a:lnTo>
+                <a:cubicBezTo>
+                  <a:pt x="2756" y="1027"/>
+                  <a:pt x="2756" y="897"/>
+                  <a:pt x="2676" y="811"/>
+                </a:cubicBezTo>
+                <a:lnTo>
+                  <a:pt x="1941" y="82"/>
+                </a:lnTo>
+                <a:cubicBezTo>
+                  <a:pt x="1889" y="27"/>
+                  <a:pt x="1823" y="0"/>
+                  <a:pt x="1757" y="0"/>
+                </a:cubicBezTo>
+                <a:close/>
+              </a:path>
+            </a:pathLst>
+          </a:custGeom>
+          <a:noFill/>
+          <a:ln w="9525" cap="flat" cmpd="sng">
+            <a:solidFill>
+              <a:schemeClr val="accent4"/>
+            </a:solidFill>
+            <a:prstDash val="solid"/>
+            <a:round/>
+            <a:headEnd type="none" w="sm" len="sm"/>
+            <a:tailEnd type="none" w="sm" len="sm"/>
+          </a:ln>
+        </p:spPr>
+        <p:txBody>
+          <a:bodyPr spcFirstLastPara="1" wrap="square" lIns="91425" tIns="91425" rIns="91425" bIns="91425" anchor="ctr" anchorCtr="0">
+            <a:noAutofit/>
+          </a:bodyPr>
+          <a:lstStyle/>
+          <a:p>
+            <a:pPr marL="0" lvl="0" indent="0" algn="l" rtl="0">
+              <a:spcBef>
+                <a:spcPts val="0"/>
+              </a:spcBef>
+              <a:spcAft>
+                <a:spcPts val="0"/>
+              </a:spcAft>
+              <a:buNone/>
+            </a:pPr>
+            <a:endParaRPr/>
+          </a:p>
+        </p:txBody>
+      </p:sp>
+      <p:sp>
+        <p:nvSpPr>
+          <p:cNvPr id="84" name="Google Shape;1390;p72">
+            <a:extLst>
+              <a:ext uri="{FF2B5EF4-FFF2-40B4-BE49-F238E27FC236}">
+                <a16:creationId xmlns:a16="http://schemas.microsoft.com/office/drawing/2014/main" id="{74ED71F4-5F93-4891-A58C-82A9E2916E49}"/>
+              </a:ext>
+            </a:extLst>
+          </p:cNvPr>
+          <p:cNvSpPr/>
+          <p:nvPr/>
+        </p:nvSpPr>
+        <p:spPr>
+          <a:xfrm rot="12634094">
+            <a:off x="5236973" y="2099844"/>
+            <a:ext cx="1137870" cy="606286"/>
+          </a:xfrm>
+          <a:custGeom>
+            <a:avLst/>
+            <a:gdLst/>
+            <a:ahLst/>
+            <a:cxnLst/>
+            <a:rect l="l" t="t" r="r" b="b"/>
+            <a:pathLst>
+              <a:path w="2756" h="1918" extrusionOk="0">
+                <a:moveTo>
+                  <a:pt x="1757" y="0"/>
+                </a:moveTo>
+                <a:cubicBezTo>
+                  <a:pt x="1693" y="0"/>
+                  <a:pt x="1630" y="25"/>
+                  <a:pt x="1580" y="75"/>
+                </a:cubicBezTo>
+                <a:cubicBezTo>
+                  <a:pt x="1479" y="176"/>
+                  <a:pt x="1479" y="335"/>
+                  <a:pt x="1580" y="436"/>
+                </a:cubicBezTo>
+                <a:lnTo>
+                  <a:pt x="1768" y="623"/>
+                </a:lnTo>
+                <a:cubicBezTo>
+                  <a:pt x="1797" y="652"/>
+                  <a:pt x="1775" y="702"/>
+                  <a:pt x="1739" y="702"/>
+                </a:cubicBezTo>
+                <a:lnTo>
+                  <a:pt x="253" y="702"/>
+                </a:lnTo>
+                <a:cubicBezTo>
+                  <a:pt x="116" y="702"/>
+                  <a:pt x="1" y="818"/>
+                  <a:pt x="1" y="962"/>
+                </a:cubicBezTo>
+                <a:cubicBezTo>
+                  <a:pt x="1" y="1099"/>
+                  <a:pt x="116" y="1215"/>
+                  <a:pt x="253" y="1215"/>
+                </a:cubicBezTo>
+                <a:lnTo>
+                  <a:pt x="1739" y="1215"/>
+                </a:lnTo>
+                <a:cubicBezTo>
+                  <a:pt x="1775" y="1215"/>
+                  <a:pt x="1797" y="1265"/>
+                  <a:pt x="1768" y="1294"/>
+                </a:cubicBezTo>
+                <a:lnTo>
+                  <a:pt x="1580" y="1481"/>
+                </a:lnTo>
+                <a:cubicBezTo>
+                  <a:pt x="1479" y="1582"/>
+                  <a:pt x="1479" y="1741"/>
+                  <a:pt x="1580" y="1842"/>
+                </a:cubicBezTo>
+                <a:cubicBezTo>
+                  <a:pt x="1631" y="1892"/>
+                  <a:pt x="1696" y="1918"/>
+                  <a:pt x="1760" y="1918"/>
+                </a:cubicBezTo>
+                <a:cubicBezTo>
+                  <a:pt x="1825" y="1918"/>
+                  <a:pt x="1890" y="1892"/>
+                  <a:pt x="1941" y="1842"/>
+                </a:cubicBezTo>
+                <a:lnTo>
+                  <a:pt x="2676" y="1106"/>
+                </a:lnTo>
+                <a:cubicBezTo>
+                  <a:pt x="2756" y="1027"/>
+                  <a:pt x="2756" y="897"/>
+                  <a:pt x="2676" y="811"/>
+                </a:cubicBezTo>
+                <a:lnTo>
+                  <a:pt x="1941" y="82"/>
+                </a:lnTo>
+                <a:cubicBezTo>
+                  <a:pt x="1889" y="27"/>
+                  <a:pt x="1823" y="0"/>
+                  <a:pt x="1757" y="0"/>
+                </a:cubicBezTo>
+                <a:close/>
+              </a:path>
+            </a:pathLst>
+          </a:custGeom>
+          <a:noFill/>
+          <a:ln w="9525" cap="flat" cmpd="sng">
+            <a:solidFill>
+              <a:schemeClr val="accent4"/>
+            </a:solidFill>
+            <a:prstDash val="solid"/>
+            <a:round/>
+            <a:headEnd type="none" w="sm" len="sm"/>
+            <a:tailEnd type="none" w="sm" len="sm"/>
+          </a:ln>
+        </p:spPr>
+        <p:txBody>
+          <a:bodyPr spcFirstLastPara="1" wrap="square" lIns="91425" tIns="91425" rIns="91425" bIns="91425" anchor="ctr" anchorCtr="0">
+            <a:noAutofit/>
+          </a:bodyPr>
+          <a:lstStyle/>
+          <a:p>
+            <a:pPr marL="0" lvl="0" indent="0" algn="l" rtl="0">
+              <a:spcBef>
+                <a:spcPts val="0"/>
+              </a:spcBef>
+              <a:spcAft>
+                <a:spcPts val="0"/>
+              </a:spcAft>
+              <a:buNone/>
+            </a:pPr>
+            <a:endParaRPr/>
           </a:p>
         </p:txBody>
       </p:sp>

--- a/SPRINT2/slide pi.pptx
+++ b/SPRINT2/slide pi.pptx
@@ -17210,7 +17210,7 @@
         </p:nvSpPr>
         <p:spPr>
           <a:xfrm>
-            <a:off x="3815693" y="3236532"/>
+            <a:off x="3773278" y="3259095"/>
             <a:ext cx="1358657" cy="1255101"/>
           </a:xfrm>
           <a:prstGeom prst="ellipse">
@@ -17314,7 +17314,7 @@
         </p:nvSpPr>
         <p:spPr>
           <a:xfrm>
-            <a:off x="2235237" y="4494913"/>
+            <a:off x="2183740" y="4563975"/>
             <a:ext cx="4572000" cy="307777"/>
           </a:xfrm>
           <a:prstGeom prst="rect">
@@ -17387,7 +17387,7 @@
         </p:nvSpPr>
         <p:spPr>
           <a:xfrm>
-            <a:off x="4824371" y="4420737"/>
+            <a:off x="4866466" y="4319390"/>
             <a:ext cx="4572000" cy="307777"/>
           </a:xfrm>
           <a:prstGeom prst="rect">
@@ -17507,8 +17507,8 @@
         </p:blipFill>
         <p:spPr>
           <a:xfrm>
-            <a:off x="4208111" y="3885644"/>
-            <a:ext cx="537485" cy="537485"/>
+            <a:off x="4110511" y="3823903"/>
+            <a:ext cx="690293" cy="690293"/>
           </a:xfrm>
           <a:prstGeom prst="rect">
             <a:avLst/>
@@ -17537,7 +17537,7 @@
         </p:blipFill>
         <p:spPr>
           <a:xfrm>
-            <a:off x="4295662" y="3443633"/>
+            <a:off x="4277350" y="3403882"/>
             <a:ext cx="362384" cy="362384"/>
           </a:xfrm>
           <a:prstGeom prst="rect">
@@ -17559,7 +17559,7 @@
         </p:nvSpPr>
         <p:spPr>
           <a:xfrm>
-            <a:off x="-498986" y="4523823"/>
+            <a:off x="-494002" y="4342527"/>
             <a:ext cx="4572000" cy="307777"/>
           </a:xfrm>
           <a:prstGeom prst="rect">
@@ -17620,7 +17620,7 @@
         </p:nvSpPr>
         <p:spPr>
           <a:xfrm rot="5400000">
-            <a:off x="4080261" y="2468917"/>
+            <a:off x="4089882" y="2568821"/>
             <a:ext cx="692399" cy="407304"/>
           </a:xfrm>
           <a:custGeom>

--- a/SPRINT2/slide pi.pptx
+++ b/SPRINT2/slide pi.pptx
@@ -15706,7 +15706,12 @@
             <p:ph type="sldNum" idx="12"/>
           </p:nvPr>
         </p:nvSpPr>
-        <p:spPr/>
+        <p:spPr>
+          <a:xfrm>
+            <a:off x="6907585" y="3620757"/>
+            <a:ext cx="909614" cy="645854"/>
+          </a:xfrm>
+        </p:spPr>
         <p:txBody>
           <a:bodyPr/>
           <a:lstStyle/>
@@ -15734,7 +15739,7 @@
         </p:nvSpPr>
         <p:spPr>
           <a:xfrm>
-            <a:off x="713958" y="2419171"/>
+            <a:off x="306417" y="1135630"/>
             <a:ext cx="2066032" cy="2059484"/>
           </a:xfrm>
           <a:prstGeom prst="ellipse">
@@ -15742,9 +15747,8 @@
           </a:prstGeom>
           <a:ln>
             <a:solidFill>
-              <a:schemeClr val="accent1">
-                <a:lumMod val="40000"/>
-                <a:lumOff val="60000"/>
+              <a:schemeClr val="tx2">
+                <a:lumMod val="75000"/>
               </a:schemeClr>
             </a:solidFill>
           </a:ln>
@@ -16064,7 +16068,7 @@
         </p:blipFill>
         <p:spPr>
           <a:xfrm>
-            <a:off x="1434938" y="3620636"/>
+            <a:off x="1027397" y="2337095"/>
             <a:ext cx="750711" cy="750711"/>
           </a:xfrm>
           <a:prstGeom prst="rect">
@@ -16094,7 +16098,7 @@
         </p:blipFill>
         <p:spPr>
           <a:xfrm>
-            <a:off x="1558988" y="2491770"/>
+            <a:off x="1151447" y="1208229"/>
             <a:ext cx="586421" cy="586421"/>
           </a:xfrm>
           <a:prstGeom prst="rect">
@@ -16116,7 +16120,7 @@
         </p:nvGrpSpPr>
         <p:grpSpPr>
           <a:xfrm>
-            <a:off x="2084369" y="3313948"/>
+            <a:off x="1676828" y="2030407"/>
             <a:ext cx="232955" cy="340318"/>
             <a:chOff x="3662144" y="4135505"/>
             <a:chExt cx="232955" cy="340318"/>
@@ -16797,7 +16801,7 @@
         </p:blipFill>
         <p:spPr>
           <a:xfrm flipH="1">
-            <a:off x="1313687" y="3995991"/>
+            <a:off x="906146" y="2712450"/>
             <a:ext cx="242501" cy="242501"/>
           </a:xfrm>
           <a:prstGeom prst="rect">
@@ -16827,7 +16831,7 @@
         </p:blipFill>
         <p:spPr>
           <a:xfrm>
-            <a:off x="1042549" y="3165287"/>
+            <a:off x="635008" y="1881746"/>
             <a:ext cx="433943" cy="433943"/>
           </a:xfrm>
           <a:prstGeom prst="rect">
@@ -16849,7 +16853,7 @@
         </p:nvSpPr>
         <p:spPr>
           <a:xfrm rot="10800000">
-            <a:off x="1668141" y="3259648"/>
+            <a:off x="1260600" y="1976107"/>
             <a:ext cx="237747" cy="221511"/>
           </a:xfrm>
           <a:custGeom>
@@ -16984,7 +16988,7 @@
         </p:nvSpPr>
         <p:spPr>
           <a:xfrm rot="20271403">
-            <a:off x="1200461" y="2905862"/>
+            <a:off x="792920" y="1622321"/>
             <a:ext cx="237747" cy="221511"/>
           </a:xfrm>
           <a:custGeom>
@@ -17127,7 +17131,7 @@
         </p:blipFill>
         <p:spPr>
           <a:xfrm>
-            <a:off x="4031055" y="1185864"/>
+            <a:off x="4402402" y="1252112"/>
             <a:ext cx="843836" cy="843836"/>
           </a:xfrm>
           <a:prstGeom prst="rect">
@@ -17149,7 +17153,7 @@
         </p:nvSpPr>
         <p:spPr>
           <a:xfrm>
-            <a:off x="2145409" y="1939745"/>
+            <a:off x="2564097" y="2093819"/>
             <a:ext cx="4572000" cy="307777"/>
           </a:xfrm>
           <a:prstGeom prst="rect">
@@ -17210,17 +17214,16 @@
         </p:nvSpPr>
         <p:spPr>
           <a:xfrm>
-            <a:off x="3773278" y="3259095"/>
-            <a:ext cx="1358657" cy="1255101"/>
+            <a:off x="6384492" y="2712450"/>
+            <a:ext cx="2252329" cy="2059483"/>
           </a:xfrm>
           <a:prstGeom prst="ellipse">
             <a:avLst/>
           </a:prstGeom>
           <a:ln>
             <a:solidFill>
-              <a:schemeClr val="bg2">
-                <a:lumMod val="40000"/>
-                <a:lumOff val="60000"/>
+              <a:schemeClr val="tx2">
+                <a:lumMod val="75000"/>
               </a:schemeClr>
             </a:solidFill>
           </a:ln>
@@ -17262,7 +17265,7 @@
         </p:nvSpPr>
         <p:spPr>
           <a:xfrm>
-            <a:off x="6125955" y="2585896"/>
+            <a:off x="2002768" y="3052237"/>
             <a:ext cx="1775945" cy="1666126"/>
           </a:xfrm>
           <a:prstGeom prst="ellipse">
@@ -17270,9 +17273,8 @@
           </a:prstGeom>
           <a:ln>
             <a:solidFill>
-              <a:schemeClr val="bg2">
-                <a:lumMod val="60000"/>
-                <a:lumOff val="40000"/>
+              <a:schemeClr val="tx2">
+                <a:lumMod val="75000"/>
               </a:schemeClr>
             </a:solidFill>
           </a:ln>
@@ -17314,7 +17316,7 @@
         </p:nvSpPr>
         <p:spPr>
           <a:xfrm>
-            <a:off x="2183740" y="4563975"/>
+            <a:off x="5224656" y="4716757"/>
             <a:ext cx="4572000" cy="307777"/>
           </a:xfrm>
           <a:prstGeom prst="rect">
@@ -17387,7 +17389,7 @@
         </p:nvSpPr>
         <p:spPr>
           <a:xfrm>
-            <a:off x="4866466" y="4319390"/>
+            <a:off x="635008" y="4711403"/>
             <a:ext cx="4572000" cy="307777"/>
           </a:xfrm>
           <a:prstGeom prst="rect">
@@ -17425,36 +17427,6 @@
           </a:p>
         </p:txBody>
       </p:sp>
-      <p:pic>
-        <p:nvPicPr>
-          <p:cNvPr id="22" name="Imagem 21">
-            <a:extLst>
-              <a:ext uri="{FF2B5EF4-FFF2-40B4-BE49-F238E27FC236}">
-                <a16:creationId xmlns:a16="http://schemas.microsoft.com/office/drawing/2014/main" id="{B7A197BC-F7A7-4516-8F7E-5ADF6673A10E}"/>
-              </a:ext>
-            </a:extLst>
-          </p:cNvPr>
-          <p:cNvPicPr>
-            <a:picLocks noChangeAspect="1"/>
-          </p:cNvPicPr>
-          <p:nvPr/>
-        </p:nvPicPr>
-        <p:blipFill>
-          <a:blip r:embed="rId3"/>
-          <a:stretch>
-            <a:fillRect/>
-          </a:stretch>
-        </p:blipFill>
-        <p:spPr>
-          <a:xfrm flipH="1">
-            <a:off x="6386036" y="2865548"/>
-            <a:ext cx="586421" cy="586421"/>
-          </a:xfrm>
-          <a:prstGeom prst="rect">
-            <a:avLst/>
-          </a:prstGeom>
-        </p:spPr>
-      </p:pic>
       <p:pic>
         <p:nvPicPr>
           <p:cNvPr id="23" name="Imagem 22">
@@ -17477,8 +17449,38 @@
         </p:blipFill>
         <p:spPr>
           <a:xfrm>
-            <a:off x="6726504" y="3304369"/>
-            <a:ext cx="724580" cy="724580"/>
+            <a:off x="2336637" y="3671385"/>
+            <a:ext cx="835976" cy="835976"/>
+          </a:xfrm>
+          <a:prstGeom prst="rect">
+            <a:avLst/>
+          </a:prstGeom>
+        </p:spPr>
+      </p:pic>
+      <p:pic>
+        <p:nvPicPr>
+          <p:cNvPr id="22" name="Imagem 21">
+            <a:extLst>
+              <a:ext uri="{FF2B5EF4-FFF2-40B4-BE49-F238E27FC236}">
+                <a16:creationId xmlns:a16="http://schemas.microsoft.com/office/drawing/2014/main" id="{B7A197BC-F7A7-4516-8F7E-5ADF6673A10E}"/>
+              </a:ext>
+            </a:extLst>
+          </p:cNvPr>
+          <p:cNvPicPr>
+            <a:picLocks noChangeAspect="1"/>
+          </p:cNvPicPr>
+          <p:nvPr/>
+        </p:nvPicPr>
+        <p:blipFill>
+          <a:blip r:embed="rId3"/>
+          <a:stretch>
+            <a:fillRect/>
+          </a:stretch>
+        </p:blipFill>
+        <p:spPr>
+          <a:xfrm>
+            <a:off x="2586192" y="3053067"/>
+            <a:ext cx="586421" cy="586421"/>
           </a:xfrm>
           <a:prstGeom prst="rect">
             <a:avLst/>
@@ -17507,8 +17509,8 @@
         </p:blipFill>
         <p:spPr>
           <a:xfrm>
-            <a:off x="4110511" y="3823903"/>
-            <a:ext cx="690293" cy="690293"/>
+            <a:off x="6938485" y="3574022"/>
+            <a:ext cx="1144341" cy="1144341"/>
           </a:xfrm>
           <a:prstGeom prst="rect">
             <a:avLst/>
@@ -17537,8 +17539,8 @@
         </p:blipFill>
         <p:spPr>
           <a:xfrm>
-            <a:off x="4277350" y="3403882"/>
-            <a:ext cx="362384" cy="362384"/>
+            <a:off x="7210282" y="2996644"/>
+            <a:ext cx="600746" cy="600746"/>
           </a:xfrm>
           <a:prstGeom prst="rect">
             <a:avLst/>
@@ -17559,7 +17561,7 @@
         </p:nvSpPr>
         <p:spPr>
           <a:xfrm>
-            <a:off x="-494002" y="4342527"/>
+            <a:off x="-958852" y="3227011"/>
             <a:ext cx="4572000" cy="307777"/>
           </a:xfrm>
           <a:prstGeom prst="rect">
@@ -17606,411 +17608,864 @@
           </a:p>
         </p:txBody>
       </p:sp>
-      <p:sp>
-        <p:nvSpPr>
-          <p:cNvPr id="82" name="Google Shape;1390;p72">
+      <p:pic>
+        <p:nvPicPr>
+          <p:cNvPr id="27" name="Imagem 26">
             <a:extLst>
               <a:ext uri="{FF2B5EF4-FFF2-40B4-BE49-F238E27FC236}">
-                <a16:creationId xmlns:a16="http://schemas.microsoft.com/office/drawing/2014/main" id="{5D3B4C9D-9A1C-4B8F-A761-F6A314CC4E3F}"/>
+                <a16:creationId xmlns:a16="http://schemas.microsoft.com/office/drawing/2014/main" id="{6F5A9EF9-013D-4FF1-A6A3-C08CE2555F94}"/>
               </a:ext>
             </a:extLst>
           </p:cNvPr>
-          <p:cNvSpPr/>
+          <p:cNvPicPr>
+            <a:picLocks noChangeAspect="1"/>
+          </p:cNvPicPr>
           <p:nvPr/>
-        </p:nvSpPr>
+        </p:nvPicPr>
+        <p:blipFill>
+          <a:blip r:embed="rId10"/>
+          <a:stretch>
+            <a:fillRect/>
+          </a:stretch>
+        </p:blipFill>
         <p:spPr>
-          <a:xfrm rot="5400000">
-            <a:off x="4089882" y="2568821"/>
-            <a:ext cx="692399" cy="407304"/>
+          <a:xfrm>
+            <a:off x="2655854" y="2197618"/>
+            <a:ext cx="650694" cy="650694"/>
           </a:xfrm>
-          <a:custGeom>
+          <a:prstGeom prst="rect">
             <a:avLst/>
-            <a:gdLst/>
-            <a:ahLst/>
-            <a:cxnLst/>
-            <a:rect l="l" t="t" r="r" b="b"/>
-            <a:pathLst>
-              <a:path w="2756" h="1918" extrusionOk="0">
-                <a:moveTo>
-                  <a:pt x="1757" y="0"/>
-                </a:moveTo>
-                <a:cubicBezTo>
-                  <a:pt x="1693" y="0"/>
-                  <a:pt x="1630" y="25"/>
-                  <a:pt x="1580" y="75"/>
-                </a:cubicBezTo>
-                <a:cubicBezTo>
-                  <a:pt x="1479" y="176"/>
-                  <a:pt x="1479" y="335"/>
-                  <a:pt x="1580" y="436"/>
-                </a:cubicBezTo>
-                <a:lnTo>
-                  <a:pt x="1768" y="623"/>
-                </a:lnTo>
-                <a:cubicBezTo>
-                  <a:pt x="1797" y="652"/>
-                  <a:pt x="1775" y="702"/>
-                  <a:pt x="1739" y="702"/>
-                </a:cubicBezTo>
-                <a:lnTo>
-                  <a:pt x="253" y="702"/>
-                </a:lnTo>
-                <a:cubicBezTo>
-                  <a:pt x="116" y="702"/>
-                  <a:pt x="1" y="818"/>
-                  <a:pt x="1" y="962"/>
-                </a:cubicBezTo>
-                <a:cubicBezTo>
-                  <a:pt x="1" y="1099"/>
-                  <a:pt x="116" y="1215"/>
-                  <a:pt x="253" y="1215"/>
-                </a:cubicBezTo>
-                <a:lnTo>
-                  <a:pt x="1739" y="1215"/>
-                </a:lnTo>
-                <a:cubicBezTo>
-                  <a:pt x="1775" y="1215"/>
-                  <a:pt x="1797" y="1265"/>
-                  <a:pt x="1768" y="1294"/>
-                </a:cubicBezTo>
-                <a:lnTo>
-                  <a:pt x="1580" y="1481"/>
-                </a:lnTo>
-                <a:cubicBezTo>
-                  <a:pt x="1479" y="1582"/>
-                  <a:pt x="1479" y="1741"/>
-                  <a:pt x="1580" y="1842"/>
-                </a:cubicBezTo>
-                <a:cubicBezTo>
-                  <a:pt x="1631" y="1892"/>
-                  <a:pt x="1696" y="1918"/>
-                  <a:pt x="1760" y="1918"/>
-                </a:cubicBezTo>
-                <a:cubicBezTo>
-                  <a:pt x="1825" y="1918"/>
-                  <a:pt x="1890" y="1892"/>
-                  <a:pt x="1941" y="1842"/>
-                </a:cubicBezTo>
-                <a:lnTo>
-                  <a:pt x="2676" y="1106"/>
-                </a:lnTo>
-                <a:cubicBezTo>
-                  <a:pt x="2756" y="1027"/>
-                  <a:pt x="2756" y="897"/>
-                  <a:pt x="2676" y="811"/>
-                </a:cubicBezTo>
-                <a:lnTo>
-                  <a:pt x="1941" y="82"/>
-                </a:lnTo>
-                <a:cubicBezTo>
-                  <a:pt x="1889" y="27"/>
-                  <a:pt x="1823" y="0"/>
-                  <a:pt x="1757" y="0"/>
-                </a:cubicBezTo>
-                <a:close/>
-              </a:path>
-            </a:pathLst>
-          </a:custGeom>
-          <a:noFill/>
-          <a:ln w="9525" cap="flat" cmpd="sng">
-            <a:solidFill>
-              <a:schemeClr val="accent4"/>
-            </a:solidFill>
-            <a:prstDash val="solid"/>
-            <a:round/>
-            <a:headEnd type="none" w="sm" len="sm"/>
-            <a:tailEnd type="none" w="sm" len="sm"/>
-          </a:ln>
+          </a:prstGeom>
         </p:spPr>
-        <p:txBody>
-          <a:bodyPr spcFirstLastPara="1" wrap="square" lIns="91425" tIns="91425" rIns="91425" bIns="91425" anchor="ctr" anchorCtr="0">
-            <a:noAutofit/>
-          </a:bodyPr>
-          <a:lstStyle/>
-          <a:p>
-            <a:pPr marL="0" lvl="0" indent="0" algn="l" rtl="0">
-              <a:spcBef>
-                <a:spcPts val="0"/>
-              </a:spcBef>
-              <a:spcAft>
-                <a:spcPts val="0"/>
-              </a:spcAft>
-              <a:buNone/>
-            </a:pPr>
-            <a:endParaRPr/>
-          </a:p>
-        </p:txBody>
-      </p:sp>
-      <p:sp>
-        <p:nvSpPr>
-          <p:cNvPr id="83" name="Google Shape;1390;p72">
+      </p:pic>
+      <p:pic>
+        <p:nvPicPr>
+          <p:cNvPr id="32" name="Imagem 31">
             <a:extLst>
               <a:ext uri="{FF2B5EF4-FFF2-40B4-BE49-F238E27FC236}">
-                <a16:creationId xmlns:a16="http://schemas.microsoft.com/office/drawing/2014/main" id="{8230E983-8E67-4478-842B-0D203A681556}"/>
+                <a16:creationId xmlns:a16="http://schemas.microsoft.com/office/drawing/2014/main" id="{5AE6A8CE-9C85-4CC1-9DE9-A2743BE75E3B}"/>
               </a:ext>
             </a:extLst>
           </p:cNvPr>
-          <p:cNvSpPr/>
+          <p:cNvPicPr>
+            <a:picLocks noChangeAspect="1"/>
+          </p:cNvPicPr>
           <p:nvPr/>
-        </p:nvSpPr>
+        </p:nvPicPr>
+        <p:blipFill>
+          <a:blip r:embed="rId10"/>
+          <a:stretch>
+            <a:fillRect/>
+          </a:stretch>
+        </p:blipFill>
         <p:spPr>
-          <a:xfrm rot="20044027">
-            <a:off x="2525481" y="2082653"/>
-            <a:ext cx="1143598" cy="606286"/>
+          <a:xfrm flipH="1">
+            <a:off x="6197774" y="2275491"/>
+            <a:ext cx="650694" cy="650694"/>
           </a:xfrm>
-          <a:custGeom>
+          <a:prstGeom prst="rect">
             <a:avLst/>
-            <a:gdLst/>
-            <a:ahLst/>
-            <a:cxnLst/>
-            <a:rect l="l" t="t" r="r" b="b"/>
-            <a:pathLst>
-              <a:path w="2756" h="1918" extrusionOk="0">
-                <a:moveTo>
-                  <a:pt x="1757" y="0"/>
-                </a:moveTo>
-                <a:cubicBezTo>
-                  <a:pt x="1693" y="0"/>
-                  <a:pt x="1630" y="25"/>
-                  <a:pt x="1580" y="75"/>
-                </a:cubicBezTo>
-                <a:cubicBezTo>
-                  <a:pt x="1479" y="176"/>
-                  <a:pt x="1479" y="335"/>
-                  <a:pt x="1580" y="436"/>
-                </a:cubicBezTo>
-                <a:lnTo>
-                  <a:pt x="1768" y="623"/>
-                </a:lnTo>
-                <a:cubicBezTo>
-                  <a:pt x="1797" y="652"/>
-                  <a:pt x="1775" y="702"/>
-                  <a:pt x="1739" y="702"/>
-                </a:cubicBezTo>
-                <a:lnTo>
-                  <a:pt x="253" y="702"/>
-                </a:lnTo>
-                <a:cubicBezTo>
-                  <a:pt x="116" y="702"/>
-                  <a:pt x="1" y="818"/>
-                  <a:pt x="1" y="962"/>
-                </a:cubicBezTo>
-                <a:cubicBezTo>
-                  <a:pt x="1" y="1099"/>
-                  <a:pt x="116" y="1215"/>
-                  <a:pt x="253" y="1215"/>
-                </a:cubicBezTo>
-                <a:lnTo>
-                  <a:pt x="1739" y="1215"/>
-                </a:lnTo>
-                <a:cubicBezTo>
-                  <a:pt x="1775" y="1215"/>
-                  <a:pt x="1797" y="1265"/>
-                  <a:pt x="1768" y="1294"/>
-                </a:cubicBezTo>
-                <a:lnTo>
-                  <a:pt x="1580" y="1481"/>
-                </a:lnTo>
-                <a:cubicBezTo>
-                  <a:pt x="1479" y="1582"/>
-                  <a:pt x="1479" y="1741"/>
-                  <a:pt x="1580" y="1842"/>
-                </a:cubicBezTo>
-                <a:cubicBezTo>
-                  <a:pt x="1631" y="1892"/>
-                  <a:pt x="1696" y="1918"/>
-                  <a:pt x="1760" y="1918"/>
-                </a:cubicBezTo>
-                <a:cubicBezTo>
-                  <a:pt x="1825" y="1918"/>
-                  <a:pt x="1890" y="1892"/>
-                  <a:pt x="1941" y="1842"/>
-                </a:cubicBezTo>
-                <a:lnTo>
-                  <a:pt x="2676" y="1106"/>
-                </a:lnTo>
-                <a:cubicBezTo>
-                  <a:pt x="2756" y="1027"/>
-                  <a:pt x="2756" y="897"/>
-                  <a:pt x="2676" y="811"/>
-                </a:cubicBezTo>
-                <a:lnTo>
-                  <a:pt x="1941" y="82"/>
-                </a:lnTo>
-                <a:cubicBezTo>
-                  <a:pt x="1889" y="27"/>
-                  <a:pt x="1823" y="0"/>
-                  <a:pt x="1757" y="0"/>
-                </a:cubicBezTo>
-                <a:close/>
-              </a:path>
-            </a:pathLst>
-          </a:custGeom>
-          <a:noFill/>
-          <a:ln w="9525" cap="flat" cmpd="sng">
-            <a:solidFill>
-              <a:schemeClr val="accent4"/>
-            </a:solidFill>
-            <a:prstDash val="solid"/>
-            <a:round/>
-            <a:headEnd type="none" w="sm" len="sm"/>
-            <a:tailEnd type="none" w="sm" len="sm"/>
-          </a:ln>
+          </a:prstGeom>
         </p:spPr>
-        <p:txBody>
-          <a:bodyPr spcFirstLastPara="1" wrap="square" lIns="91425" tIns="91425" rIns="91425" bIns="91425" anchor="ctr" anchorCtr="0">
-            <a:noAutofit/>
-          </a:bodyPr>
-          <a:lstStyle/>
-          <a:p>
-            <a:pPr marL="0" lvl="0" indent="0" algn="l" rtl="0">
-              <a:spcBef>
-                <a:spcPts val="0"/>
-              </a:spcBef>
-              <a:spcAft>
-                <a:spcPts val="0"/>
-              </a:spcAft>
-              <a:buNone/>
-            </a:pPr>
-            <a:endParaRPr/>
-          </a:p>
-        </p:txBody>
-      </p:sp>
-      <p:sp>
-        <p:nvSpPr>
-          <p:cNvPr id="84" name="Google Shape;1390;p72">
+      </p:pic>
+      <p:grpSp>
+        <p:nvGrpSpPr>
+          <p:cNvPr id="33" name="Google Shape;8180;p74">
             <a:extLst>
               <a:ext uri="{FF2B5EF4-FFF2-40B4-BE49-F238E27FC236}">
-                <a16:creationId xmlns:a16="http://schemas.microsoft.com/office/drawing/2014/main" id="{74ED71F4-5F93-4891-A58C-82A9E2916E49}"/>
+                <a16:creationId xmlns:a16="http://schemas.microsoft.com/office/drawing/2014/main" id="{359C85E7-AC08-4617-A91E-B802E0CFA0ED}"/>
               </a:ext>
             </a:extLst>
           </p:cNvPr>
-          <p:cNvSpPr/>
+          <p:cNvGrpSpPr/>
           <p:nvPr/>
-        </p:nvSpPr>
-        <p:spPr>
-          <a:xfrm rot="12634094">
-            <a:off x="5236973" y="2099844"/>
-            <a:ext cx="1137870" cy="606286"/>
+        </p:nvGrpSpPr>
+        <p:grpSpPr>
+          <a:xfrm rot="12973498" flipV="1">
+            <a:off x="5522718" y="2034761"/>
+            <a:ext cx="747222" cy="45719"/>
+            <a:chOff x="1464850" y="436376"/>
+            <a:chExt cx="6001362" cy="222300"/>
           </a:xfrm>
-          <a:custGeom>
-            <a:avLst/>
-            <a:gdLst/>
-            <a:ahLst/>
-            <a:cxnLst/>
-            <a:rect l="l" t="t" r="r" b="b"/>
-            <a:pathLst>
-              <a:path w="2756" h="1918" extrusionOk="0">
-                <a:moveTo>
-                  <a:pt x="1757" y="0"/>
-                </a:moveTo>
-                <a:cubicBezTo>
-                  <a:pt x="1693" y="0"/>
-                  <a:pt x="1630" y="25"/>
-                  <a:pt x="1580" y="75"/>
-                </a:cubicBezTo>
-                <a:cubicBezTo>
-                  <a:pt x="1479" y="176"/>
-                  <a:pt x="1479" y="335"/>
-                  <a:pt x="1580" y="436"/>
-                </a:cubicBezTo>
-                <a:lnTo>
-                  <a:pt x="1768" y="623"/>
-                </a:lnTo>
-                <a:cubicBezTo>
-                  <a:pt x="1797" y="652"/>
-                  <a:pt x="1775" y="702"/>
-                  <a:pt x="1739" y="702"/>
-                </a:cubicBezTo>
-                <a:lnTo>
-                  <a:pt x="253" y="702"/>
-                </a:lnTo>
-                <a:cubicBezTo>
-                  <a:pt x="116" y="702"/>
-                  <a:pt x="1" y="818"/>
-                  <a:pt x="1" y="962"/>
-                </a:cubicBezTo>
-                <a:cubicBezTo>
-                  <a:pt x="1" y="1099"/>
-                  <a:pt x="116" y="1215"/>
-                  <a:pt x="253" y="1215"/>
-                </a:cubicBezTo>
-                <a:lnTo>
-                  <a:pt x="1739" y="1215"/>
-                </a:lnTo>
-                <a:cubicBezTo>
-                  <a:pt x="1775" y="1215"/>
-                  <a:pt x="1797" y="1265"/>
-                  <a:pt x="1768" y="1294"/>
-                </a:cubicBezTo>
-                <a:lnTo>
-                  <a:pt x="1580" y="1481"/>
-                </a:lnTo>
-                <a:cubicBezTo>
-                  <a:pt x="1479" y="1582"/>
-                  <a:pt x="1479" y="1741"/>
-                  <a:pt x="1580" y="1842"/>
-                </a:cubicBezTo>
-                <a:cubicBezTo>
-                  <a:pt x="1631" y="1892"/>
-                  <a:pt x="1696" y="1918"/>
-                  <a:pt x="1760" y="1918"/>
-                </a:cubicBezTo>
-                <a:cubicBezTo>
-                  <a:pt x="1825" y="1918"/>
-                  <a:pt x="1890" y="1892"/>
-                  <a:pt x="1941" y="1842"/>
-                </a:cubicBezTo>
-                <a:lnTo>
-                  <a:pt x="2676" y="1106"/>
-                </a:lnTo>
-                <a:cubicBezTo>
-                  <a:pt x="2756" y="1027"/>
-                  <a:pt x="2756" y="897"/>
-                  <a:pt x="2676" y="811"/>
-                </a:cubicBezTo>
-                <a:lnTo>
-                  <a:pt x="1941" y="82"/>
-                </a:lnTo>
-                <a:cubicBezTo>
-                  <a:pt x="1889" y="27"/>
-                  <a:pt x="1823" y="0"/>
-                  <a:pt x="1757" y="0"/>
-                </a:cubicBezTo>
-                <a:close/>
-              </a:path>
-            </a:pathLst>
-          </a:custGeom>
-          <a:noFill/>
-          <a:ln w="9525" cap="flat" cmpd="sng">
-            <a:solidFill>
-              <a:schemeClr val="accent4"/>
-            </a:solidFill>
-            <a:prstDash val="solid"/>
-            <a:round/>
-            <a:headEnd type="none" w="sm" len="sm"/>
-            <a:tailEnd type="none" w="sm" len="sm"/>
-          </a:ln>
-        </p:spPr>
-        <p:txBody>
-          <a:bodyPr spcFirstLastPara="1" wrap="square" lIns="91425" tIns="91425" rIns="91425" bIns="91425" anchor="ctr" anchorCtr="0">
-            <a:noAutofit/>
-          </a:bodyPr>
-          <a:lstStyle/>
-          <a:p>
-            <a:pPr marL="0" lvl="0" indent="0" algn="l" rtl="0">
-              <a:spcBef>
-                <a:spcPts val="0"/>
-              </a:spcBef>
-              <a:spcAft>
-                <a:spcPts val="0"/>
-              </a:spcAft>
-              <a:buNone/>
-            </a:pPr>
-            <a:endParaRPr/>
-          </a:p>
-        </p:txBody>
-      </p:sp>
+        </p:grpSpPr>
+        <p:sp>
+          <p:nvSpPr>
+            <p:cNvPr id="34" name="Google Shape;8181;p74">
+              <a:extLst>
+                <a:ext uri="{FF2B5EF4-FFF2-40B4-BE49-F238E27FC236}">
+                  <a16:creationId xmlns:a16="http://schemas.microsoft.com/office/drawing/2014/main" id="{F437D8E7-4AA7-4F97-B736-3276F93EB671}"/>
+                </a:ext>
+              </a:extLst>
+            </p:cNvPr>
+            <p:cNvSpPr/>
+            <p:nvPr/>
+          </p:nvSpPr>
+          <p:spPr>
+            <a:xfrm>
+              <a:off x="1464850" y="436376"/>
+              <a:ext cx="222300" cy="222300"/>
+            </a:xfrm>
+            <a:prstGeom prst="diamond">
+              <a:avLst/>
+            </a:prstGeom>
+            <a:noFill/>
+            <a:ln w="9525" cap="flat" cmpd="sng">
+              <a:solidFill>
+                <a:srgbClr val="374957"/>
+              </a:solidFill>
+              <a:prstDash val="solid"/>
+              <a:round/>
+              <a:headEnd type="none" w="sm" len="sm"/>
+              <a:tailEnd type="none" w="sm" len="sm"/>
+            </a:ln>
+          </p:spPr>
+          <p:txBody>
+            <a:bodyPr spcFirstLastPara="1" wrap="square" lIns="91425" tIns="91425" rIns="91425" bIns="91425" anchor="ctr" anchorCtr="0">
+              <a:noAutofit/>
+            </a:bodyPr>
+            <a:lstStyle/>
+            <a:p>
+              <a:pPr marL="0" lvl="0" indent="0" algn="l" rtl="0">
+                <a:spcBef>
+                  <a:spcPts val="0"/>
+                </a:spcBef>
+                <a:spcAft>
+                  <a:spcPts val="0"/>
+                </a:spcAft>
+                <a:buNone/>
+              </a:pPr>
+              <a:endParaRPr/>
+            </a:p>
+          </p:txBody>
+        </p:sp>
+        <p:sp>
+          <p:nvSpPr>
+            <p:cNvPr id="35" name="Google Shape;8182;p74">
+              <a:extLst>
+                <a:ext uri="{FF2B5EF4-FFF2-40B4-BE49-F238E27FC236}">
+                  <a16:creationId xmlns:a16="http://schemas.microsoft.com/office/drawing/2014/main" id="{EB5728A3-79CC-445B-858B-66EA9D5B644C}"/>
+                </a:ext>
+              </a:extLst>
+            </p:cNvPr>
+            <p:cNvSpPr/>
+            <p:nvPr/>
+          </p:nvSpPr>
+          <p:spPr>
+            <a:xfrm>
+              <a:off x="4410215" y="436376"/>
+              <a:ext cx="222300" cy="222300"/>
+            </a:xfrm>
+            <a:prstGeom prst="diamond">
+              <a:avLst/>
+            </a:prstGeom>
+            <a:noFill/>
+            <a:ln w="9525" cap="flat" cmpd="sng">
+              <a:solidFill>
+                <a:srgbClr val="374957"/>
+              </a:solidFill>
+              <a:prstDash val="solid"/>
+              <a:round/>
+              <a:headEnd type="none" w="sm" len="sm"/>
+              <a:tailEnd type="none" w="sm" len="sm"/>
+            </a:ln>
+          </p:spPr>
+          <p:txBody>
+            <a:bodyPr spcFirstLastPara="1" wrap="square" lIns="91425" tIns="91425" rIns="91425" bIns="91425" anchor="ctr" anchorCtr="0">
+              <a:noAutofit/>
+            </a:bodyPr>
+            <a:lstStyle/>
+            <a:p>
+              <a:pPr marL="0" lvl="0" indent="0" algn="l" rtl="0">
+                <a:spcBef>
+                  <a:spcPts val="0"/>
+                </a:spcBef>
+                <a:spcAft>
+                  <a:spcPts val="0"/>
+                </a:spcAft>
+                <a:buNone/>
+              </a:pPr>
+              <a:endParaRPr/>
+            </a:p>
+          </p:txBody>
+        </p:sp>
+        <p:sp>
+          <p:nvSpPr>
+            <p:cNvPr id="36" name="Google Shape;8183;p74">
+              <a:extLst>
+                <a:ext uri="{FF2B5EF4-FFF2-40B4-BE49-F238E27FC236}">
+                  <a16:creationId xmlns:a16="http://schemas.microsoft.com/office/drawing/2014/main" id="{7E1F275C-D035-48FA-9E62-77758E31A923}"/>
+                </a:ext>
+              </a:extLst>
+            </p:cNvPr>
+            <p:cNvSpPr/>
+            <p:nvPr/>
+          </p:nvSpPr>
+          <p:spPr>
+            <a:xfrm>
+              <a:off x="7243912" y="436376"/>
+              <a:ext cx="222300" cy="222300"/>
+            </a:xfrm>
+            <a:prstGeom prst="diamond">
+              <a:avLst/>
+            </a:prstGeom>
+            <a:noFill/>
+            <a:ln w="9525" cap="flat" cmpd="sng">
+              <a:solidFill>
+                <a:srgbClr val="374957"/>
+              </a:solidFill>
+              <a:prstDash val="solid"/>
+              <a:round/>
+              <a:headEnd type="none" w="sm" len="sm"/>
+              <a:tailEnd type="none" w="sm" len="sm"/>
+            </a:ln>
+          </p:spPr>
+          <p:txBody>
+            <a:bodyPr spcFirstLastPara="1" wrap="square" lIns="91425" tIns="91425" rIns="91425" bIns="91425" anchor="ctr" anchorCtr="0">
+              <a:noAutofit/>
+            </a:bodyPr>
+            <a:lstStyle/>
+            <a:p>
+              <a:pPr marL="0" lvl="0" indent="0" algn="l" rtl="0">
+                <a:spcBef>
+                  <a:spcPts val="0"/>
+                </a:spcBef>
+                <a:spcAft>
+                  <a:spcPts val="0"/>
+                </a:spcAft>
+                <a:buNone/>
+              </a:pPr>
+              <a:endParaRPr/>
+            </a:p>
+          </p:txBody>
+        </p:sp>
+        <p:sp>
+          <p:nvSpPr>
+            <p:cNvPr id="37" name="Google Shape;8184;p74">
+              <a:extLst>
+                <a:ext uri="{FF2B5EF4-FFF2-40B4-BE49-F238E27FC236}">
+                  <a16:creationId xmlns:a16="http://schemas.microsoft.com/office/drawing/2014/main" id="{0E98056A-E642-4A21-84F5-2AEBD0B55367}"/>
+                </a:ext>
+              </a:extLst>
+            </p:cNvPr>
+            <p:cNvSpPr/>
+            <p:nvPr/>
+          </p:nvSpPr>
+          <p:spPr>
+            <a:xfrm>
+              <a:off x="2920366" y="436376"/>
+              <a:ext cx="222300" cy="222300"/>
+            </a:xfrm>
+            <a:prstGeom prst="diamond">
+              <a:avLst/>
+            </a:prstGeom>
+            <a:noFill/>
+            <a:ln w="9525" cap="flat" cmpd="sng">
+              <a:solidFill>
+                <a:srgbClr val="374957"/>
+              </a:solidFill>
+              <a:prstDash val="solid"/>
+              <a:round/>
+              <a:headEnd type="none" w="sm" len="sm"/>
+              <a:tailEnd type="none" w="sm" len="sm"/>
+            </a:ln>
+          </p:spPr>
+          <p:txBody>
+            <a:bodyPr spcFirstLastPara="1" wrap="square" lIns="91425" tIns="91425" rIns="91425" bIns="91425" anchor="ctr" anchorCtr="0">
+              <a:noAutofit/>
+            </a:bodyPr>
+            <a:lstStyle/>
+            <a:p>
+              <a:pPr marL="0" lvl="0" indent="0" algn="l" rtl="0">
+                <a:spcBef>
+                  <a:spcPts val="0"/>
+                </a:spcBef>
+                <a:spcAft>
+                  <a:spcPts val="0"/>
+                </a:spcAft>
+                <a:buNone/>
+              </a:pPr>
+              <a:endParaRPr/>
+            </a:p>
+          </p:txBody>
+        </p:sp>
+        <p:sp>
+          <p:nvSpPr>
+            <p:cNvPr id="38" name="Google Shape;8185;p74">
+              <a:extLst>
+                <a:ext uri="{FF2B5EF4-FFF2-40B4-BE49-F238E27FC236}">
+                  <a16:creationId xmlns:a16="http://schemas.microsoft.com/office/drawing/2014/main" id="{AD38323B-C373-4347-BE0B-DE75D05F8AD1}"/>
+                </a:ext>
+              </a:extLst>
+            </p:cNvPr>
+            <p:cNvSpPr/>
+            <p:nvPr/>
+          </p:nvSpPr>
+          <p:spPr>
+            <a:xfrm>
+              <a:off x="5831847" y="436376"/>
+              <a:ext cx="222300" cy="222300"/>
+            </a:xfrm>
+            <a:prstGeom prst="diamond">
+              <a:avLst/>
+            </a:prstGeom>
+            <a:noFill/>
+            <a:ln w="9525" cap="flat" cmpd="sng">
+              <a:solidFill>
+                <a:srgbClr val="374957"/>
+              </a:solidFill>
+              <a:prstDash val="solid"/>
+              <a:round/>
+              <a:headEnd type="none" w="sm" len="sm"/>
+              <a:tailEnd type="none" w="sm" len="sm"/>
+            </a:ln>
+          </p:spPr>
+          <p:txBody>
+            <a:bodyPr spcFirstLastPara="1" wrap="square" lIns="91425" tIns="91425" rIns="91425" bIns="91425" anchor="ctr" anchorCtr="0">
+              <a:noAutofit/>
+            </a:bodyPr>
+            <a:lstStyle/>
+            <a:p>
+              <a:pPr marL="0" lvl="0" indent="0" algn="l" rtl="0">
+                <a:spcBef>
+                  <a:spcPts val="0"/>
+                </a:spcBef>
+                <a:spcAft>
+                  <a:spcPts val="0"/>
+                </a:spcAft>
+                <a:buNone/>
+              </a:pPr>
+              <a:endParaRPr/>
+            </a:p>
+          </p:txBody>
+        </p:sp>
+        <p:cxnSp>
+          <p:nvCxnSpPr>
+            <p:cNvPr id="39" name="Google Shape;8186;p74">
+              <a:extLst>
+                <a:ext uri="{FF2B5EF4-FFF2-40B4-BE49-F238E27FC236}">
+                  <a16:creationId xmlns:a16="http://schemas.microsoft.com/office/drawing/2014/main" id="{60C2460D-1FE0-4F46-953F-D04FBD4CEBA0}"/>
+                </a:ext>
+              </a:extLst>
+            </p:cNvPr>
+            <p:cNvCxnSpPr/>
+            <p:nvPr/>
+          </p:nvCxnSpPr>
+          <p:spPr>
+            <a:xfrm>
+              <a:off x="1798637" y="547513"/>
+              <a:ext cx="988200" cy="0"/>
+            </a:xfrm>
+            <a:prstGeom prst="straightConnector1">
+              <a:avLst/>
+            </a:prstGeom>
+            <a:noFill/>
+            <a:ln w="9525" cap="flat" cmpd="sng">
+              <a:solidFill>
+                <a:srgbClr val="5F7D95"/>
+              </a:solidFill>
+              <a:prstDash val="solid"/>
+              <a:round/>
+              <a:headEnd type="none" w="med" len="med"/>
+              <a:tailEnd type="none" w="med" len="med"/>
+            </a:ln>
+          </p:spPr>
+        </p:cxnSp>
+        <p:cxnSp>
+          <p:nvCxnSpPr>
+            <p:cNvPr id="40" name="Google Shape;8187;p74">
+              <a:extLst>
+                <a:ext uri="{FF2B5EF4-FFF2-40B4-BE49-F238E27FC236}">
+                  <a16:creationId xmlns:a16="http://schemas.microsoft.com/office/drawing/2014/main" id="{D4BF44F0-2C46-4E9D-AE7E-20468903A71E}"/>
+                </a:ext>
+              </a:extLst>
+            </p:cNvPr>
+            <p:cNvCxnSpPr/>
+            <p:nvPr/>
+          </p:nvCxnSpPr>
+          <p:spPr>
+            <a:xfrm>
+              <a:off x="3276248" y="547513"/>
+              <a:ext cx="988200" cy="0"/>
+            </a:xfrm>
+            <a:prstGeom prst="straightConnector1">
+              <a:avLst/>
+            </a:prstGeom>
+            <a:noFill/>
+            <a:ln w="9525" cap="flat" cmpd="sng">
+              <a:solidFill>
+                <a:srgbClr val="5F7D95"/>
+              </a:solidFill>
+              <a:prstDash val="solid"/>
+              <a:round/>
+              <a:headEnd type="none" w="med" len="med"/>
+              <a:tailEnd type="none" w="med" len="med"/>
+            </a:ln>
+          </p:spPr>
+        </p:cxnSp>
+        <p:cxnSp>
+          <p:nvCxnSpPr>
+            <p:cNvPr id="41" name="Google Shape;8188;p74">
+              <a:extLst>
+                <a:ext uri="{FF2B5EF4-FFF2-40B4-BE49-F238E27FC236}">
+                  <a16:creationId xmlns:a16="http://schemas.microsoft.com/office/drawing/2014/main" id="{730AEF90-D99D-4FAA-8A6F-60EA331FD3BD}"/>
+                </a:ext>
+              </a:extLst>
+            </p:cNvPr>
+            <p:cNvCxnSpPr/>
+            <p:nvPr/>
+          </p:nvCxnSpPr>
+          <p:spPr>
+            <a:xfrm>
+              <a:off x="4753898" y="547513"/>
+              <a:ext cx="988200" cy="0"/>
+            </a:xfrm>
+            <a:prstGeom prst="straightConnector1">
+              <a:avLst/>
+            </a:prstGeom>
+            <a:noFill/>
+            <a:ln w="9525" cap="flat" cmpd="sng">
+              <a:solidFill>
+                <a:srgbClr val="5F7D95"/>
+              </a:solidFill>
+              <a:prstDash val="solid"/>
+              <a:round/>
+              <a:headEnd type="none" w="med" len="med"/>
+              <a:tailEnd type="none" w="med" len="med"/>
+            </a:ln>
+          </p:spPr>
+        </p:cxnSp>
+        <p:cxnSp>
+          <p:nvCxnSpPr>
+            <p:cNvPr id="42" name="Google Shape;8189;p74">
+              <a:extLst>
+                <a:ext uri="{FF2B5EF4-FFF2-40B4-BE49-F238E27FC236}">
+                  <a16:creationId xmlns:a16="http://schemas.microsoft.com/office/drawing/2014/main" id="{C908C2B5-2DE3-46F5-B0D3-99FAFFAE8B04}"/>
+                </a:ext>
+              </a:extLst>
+            </p:cNvPr>
+            <p:cNvCxnSpPr/>
+            <p:nvPr/>
+          </p:nvCxnSpPr>
+          <p:spPr>
+            <a:xfrm>
+              <a:off x="6143961" y="547513"/>
+              <a:ext cx="988200" cy="0"/>
+            </a:xfrm>
+            <a:prstGeom prst="straightConnector1">
+              <a:avLst/>
+            </a:prstGeom>
+            <a:noFill/>
+            <a:ln w="9525" cap="flat" cmpd="sng">
+              <a:solidFill>
+                <a:srgbClr val="5F7D95"/>
+              </a:solidFill>
+              <a:prstDash val="solid"/>
+              <a:round/>
+              <a:headEnd type="none" w="med" len="med"/>
+              <a:tailEnd type="none" w="med" len="med"/>
+            </a:ln>
+          </p:spPr>
+        </p:cxnSp>
+      </p:grpSp>
+      <p:grpSp>
+        <p:nvGrpSpPr>
+          <p:cNvPr id="43" name="Google Shape;8180;p74">
+            <a:extLst>
+              <a:ext uri="{FF2B5EF4-FFF2-40B4-BE49-F238E27FC236}">
+                <a16:creationId xmlns:a16="http://schemas.microsoft.com/office/drawing/2014/main" id="{A27889FB-ACED-419A-A0B5-44FE4534334F}"/>
+              </a:ext>
+            </a:extLst>
+          </p:cNvPr>
+          <p:cNvGrpSpPr/>
+          <p:nvPr/>
+        </p:nvGrpSpPr>
+        <p:grpSpPr>
+          <a:xfrm rot="19653876">
+            <a:off x="3290086" y="1997348"/>
+            <a:ext cx="861012" cy="52681"/>
+            <a:chOff x="1464850" y="436375"/>
+            <a:chExt cx="6001364" cy="222301"/>
+          </a:xfrm>
+        </p:grpSpPr>
+        <p:sp>
+          <p:nvSpPr>
+            <p:cNvPr id="44" name="Google Shape;8181;p74">
+              <a:extLst>
+                <a:ext uri="{FF2B5EF4-FFF2-40B4-BE49-F238E27FC236}">
+                  <a16:creationId xmlns:a16="http://schemas.microsoft.com/office/drawing/2014/main" id="{BB915BB8-0D28-49CF-95B4-96A373681AB5}"/>
+                </a:ext>
+              </a:extLst>
+            </p:cNvPr>
+            <p:cNvSpPr/>
+            <p:nvPr/>
+          </p:nvSpPr>
+          <p:spPr>
+            <a:xfrm>
+              <a:off x="1464850" y="436376"/>
+              <a:ext cx="222300" cy="222300"/>
+            </a:xfrm>
+            <a:prstGeom prst="diamond">
+              <a:avLst/>
+            </a:prstGeom>
+            <a:noFill/>
+            <a:ln w="9525" cap="flat" cmpd="sng">
+              <a:solidFill>
+                <a:srgbClr val="374957"/>
+              </a:solidFill>
+              <a:prstDash val="solid"/>
+              <a:round/>
+              <a:headEnd type="none" w="sm" len="sm"/>
+              <a:tailEnd type="none" w="sm" len="sm"/>
+            </a:ln>
+          </p:spPr>
+          <p:txBody>
+            <a:bodyPr spcFirstLastPara="1" wrap="square" lIns="91425" tIns="91425" rIns="91425" bIns="91425" anchor="ctr" anchorCtr="0">
+              <a:noAutofit/>
+            </a:bodyPr>
+            <a:lstStyle/>
+            <a:p>
+              <a:pPr marL="0" lvl="0" indent="0" algn="l" rtl="0">
+                <a:spcBef>
+                  <a:spcPts val="0"/>
+                </a:spcBef>
+                <a:spcAft>
+                  <a:spcPts val="0"/>
+                </a:spcAft>
+                <a:buNone/>
+              </a:pPr>
+              <a:endParaRPr/>
+            </a:p>
+          </p:txBody>
+        </p:sp>
+        <p:sp>
+          <p:nvSpPr>
+            <p:cNvPr id="45" name="Google Shape;8182;p74">
+              <a:extLst>
+                <a:ext uri="{FF2B5EF4-FFF2-40B4-BE49-F238E27FC236}">
+                  <a16:creationId xmlns:a16="http://schemas.microsoft.com/office/drawing/2014/main" id="{D4EE5960-C23E-4199-9142-8948095479E3}"/>
+                </a:ext>
+              </a:extLst>
+            </p:cNvPr>
+            <p:cNvSpPr/>
+            <p:nvPr/>
+          </p:nvSpPr>
+          <p:spPr>
+            <a:xfrm>
+              <a:off x="4410215" y="436376"/>
+              <a:ext cx="222300" cy="222300"/>
+            </a:xfrm>
+            <a:prstGeom prst="diamond">
+              <a:avLst/>
+            </a:prstGeom>
+            <a:noFill/>
+            <a:ln w="9525" cap="flat" cmpd="sng">
+              <a:solidFill>
+                <a:srgbClr val="374957"/>
+              </a:solidFill>
+              <a:prstDash val="solid"/>
+              <a:round/>
+              <a:headEnd type="none" w="sm" len="sm"/>
+              <a:tailEnd type="none" w="sm" len="sm"/>
+            </a:ln>
+          </p:spPr>
+          <p:txBody>
+            <a:bodyPr spcFirstLastPara="1" wrap="square" lIns="91425" tIns="91425" rIns="91425" bIns="91425" anchor="ctr" anchorCtr="0">
+              <a:noAutofit/>
+            </a:bodyPr>
+            <a:lstStyle/>
+            <a:p>
+              <a:pPr marL="0" lvl="0" indent="0" algn="l" rtl="0">
+                <a:spcBef>
+                  <a:spcPts val="0"/>
+                </a:spcBef>
+                <a:spcAft>
+                  <a:spcPts val="0"/>
+                </a:spcAft>
+                <a:buNone/>
+              </a:pPr>
+              <a:endParaRPr/>
+            </a:p>
+          </p:txBody>
+        </p:sp>
+        <p:sp>
+          <p:nvSpPr>
+            <p:cNvPr id="46" name="Google Shape;8183;p74">
+              <a:extLst>
+                <a:ext uri="{FF2B5EF4-FFF2-40B4-BE49-F238E27FC236}">
+                  <a16:creationId xmlns:a16="http://schemas.microsoft.com/office/drawing/2014/main" id="{1619FC61-9327-4F5F-B827-9D3A018B7FC1}"/>
+                </a:ext>
+              </a:extLst>
+            </p:cNvPr>
+            <p:cNvSpPr/>
+            <p:nvPr/>
+          </p:nvSpPr>
+          <p:spPr>
+            <a:xfrm>
+              <a:off x="7243912" y="436375"/>
+              <a:ext cx="222302" cy="222300"/>
+            </a:xfrm>
+            <a:prstGeom prst="diamond">
+              <a:avLst/>
+            </a:prstGeom>
+            <a:noFill/>
+            <a:ln w="9525" cap="flat" cmpd="sng">
+              <a:solidFill>
+                <a:srgbClr val="374957"/>
+              </a:solidFill>
+              <a:prstDash val="solid"/>
+              <a:round/>
+              <a:headEnd type="none" w="sm" len="sm"/>
+              <a:tailEnd type="none" w="sm" len="sm"/>
+            </a:ln>
+          </p:spPr>
+          <p:txBody>
+            <a:bodyPr spcFirstLastPara="1" wrap="square" lIns="91425" tIns="91425" rIns="91425" bIns="91425" anchor="ctr" anchorCtr="0">
+              <a:noAutofit/>
+            </a:bodyPr>
+            <a:lstStyle/>
+            <a:p>
+              <a:pPr marL="0" lvl="0" indent="0" algn="l" rtl="0">
+                <a:spcBef>
+                  <a:spcPts val="0"/>
+                </a:spcBef>
+                <a:spcAft>
+                  <a:spcPts val="0"/>
+                </a:spcAft>
+                <a:buNone/>
+              </a:pPr>
+              <a:endParaRPr/>
+            </a:p>
+          </p:txBody>
+        </p:sp>
+        <p:sp>
+          <p:nvSpPr>
+            <p:cNvPr id="47" name="Google Shape;8184;p74">
+              <a:extLst>
+                <a:ext uri="{FF2B5EF4-FFF2-40B4-BE49-F238E27FC236}">
+                  <a16:creationId xmlns:a16="http://schemas.microsoft.com/office/drawing/2014/main" id="{0455FD50-19AB-480C-BF2A-348523A1711E}"/>
+                </a:ext>
+              </a:extLst>
+            </p:cNvPr>
+            <p:cNvSpPr/>
+            <p:nvPr/>
+          </p:nvSpPr>
+          <p:spPr>
+            <a:xfrm>
+              <a:off x="2920366" y="436376"/>
+              <a:ext cx="222300" cy="222300"/>
+            </a:xfrm>
+            <a:prstGeom prst="diamond">
+              <a:avLst/>
+            </a:prstGeom>
+            <a:noFill/>
+            <a:ln w="9525" cap="flat" cmpd="sng">
+              <a:solidFill>
+                <a:srgbClr val="374957"/>
+              </a:solidFill>
+              <a:prstDash val="solid"/>
+              <a:round/>
+              <a:headEnd type="none" w="sm" len="sm"/>
+              <a:tailEnd type="none" w="sm" len="sm"/>
+            </a:ln>
+          </p:spPr>
+          <p:txBody>
+            <a:bodyPr spcFirstLastPara="1" wrap="square" lIns="91425" tIns="91425" rIns="91425" bIns="91425" anchor="ctr" anchorCtr="0">
+              <a:noAutofit/>
+            </a:bodyPr>
+            <a:lstStyle/>
+            <a:p>
+              <a:pPr marL="0" lvl="0" indent="0" algn="l" rtl="0">
+                <a:spcBef>
+                  <a:spcPts val="0"/>
+                </a:spcBef>
+                <a:spcAft>
+                  <a:spcPts val="0"/>
+                </a:spcAft>
+                <a:buNone/>
+              </a:pPr>
+              <a:endParaRPr/>
+            </a:p>
+          </p:txBody>
+        </p:sp>
+        <p:sp>
+          <p:nvSpPr>
+            <p:cNvPr id="48" name="Google Shape;8185;p74">
+              <a:extLst>
+                <a:ext uri="{FF2B5EF4-FFF2-40B4-BE49-F238E27FC236}">
+                  <a16:creationId xmlns:a16="http://schemas.microsoft.com/office/drawing/2014/main" id="{18B1E05E-494B-45B4-B999-9CA49EABDD1B}"/>
+                </a:ext>
+              </a:extLst>
+            </p:cNvPr>
+            <p:cNvSpPr/>
+            <p:nvPr/>
+          </p:nvSpPr>
+          <p:spPr>
+            <a:xfrm>
+              <a:off x="5831847" y="436376"/>
+              <a:ext cx="222300" cy="222300"/>
+            </a:xfrm>
+            <a:prstGeom prst="diamond">
+              <a:avLst/>
+            </a:prstGeom>
+            <a:noFill/>
+            <a:ln w="9525" cap="flat" cmpd="sng">
+              <a:solidFill>
+                <a:srgbClr val="374957"/>
+              </a:solidFill>
+              <a:prstDash val="solid"/>
+              <a:round/>
+              <a:headEnd type="none" w="sm" len="sm"/>
+              <a:tailEnd type="none" w="sm" len="sm"/>
+            </a:ln>
+          </p:spPr>
+          <p:txBody>
+            <a:bodyPr spcFirstLastPara="1" wrap="square" lIns="91425" tIns="91425" rIns="91425" bIns="91425" anchor="ctr" anchorCtr="0">
+              <a:noAutofit/>
+            </a:bodyPr>
+            <a:lstStyle/>
+            <a:p>
+              <a:pPr marL="0" lvl="0" indent="0" algn="l" rtl="0">
+                <a:spcBef>
+                  <a:spcPts val="0"/>
+                </a:spcBef>
+                <a:spcAft>
+                  <a:spcPts val="0"/>
+                </a:spcAft>
+                <a:buNone/>
+              </a:pPr>
+              <a:endParaRPr/>
+            </a:p>
+          </p:txBody>
+        </p:sp>
+        <p:cxnSp>
+          <p:nvCxnSpPr>
+            <p:cNvPr id="49" name="Google Shape;8186;p74">
+              <a:extLst>
+                <a:ext uri="{FF2B5EF4-FFF2-40B4-BE49-F238E27FC236}">
+                  <a16:creationId xmlns:a16="http://schemas.microsoft.com/office/drawing/2014/main" id="{6C191010-3DD0-4346-A3D3-92940CA3F5DB}"/>
+                </a:ext>
+              </a:extLst>
+            </p:cNvPr>
+            <p:cNvCxnSpPr/>
+            <p:nvPr/>
+          </p:nvCxnSpPr>
+          <p:spPr>
+            <a:xfrm>
+              <a:off x="1798637" y="547513"/>
+              <a:ext cx="988200" cy="0"/>
+            </a:xfrm>
+            <a:prstGeom prst="straightConnector1">
+              <a:avLst/>
+            </a:prstGeom>
+            <a:noFill/>
+            <a:ln w="9525" cap="flat" cmpd="sng">
+              <a:solidFill>
+                <a:srgbClr val="5F7D95"/>
+              </a:solidFill>
+              <a:prstDash val="solid"/>
+              <a:round/>
+              <a:headEnd type="none" w="med" len="med"/>
+              <a:tailEnd type="none" w="med" len="med"/>
+            </a:ln>
+          </p:spPr>
+        </p:cxnSp>
+        <p:cxnSp>
+          <p:nvCxnSpPr>
+            <p:cNvPr id="50" name="Google Shape;8187;p74">
+              <a:extLst>
+                <a:ext uri="{FF2B5EF4-FFF2-40B4-BE49-F238E27FC236}">
+                  <a16:creationId xmlns:a16="http://schemas.microsoft.com/office/drawing/2014/main" id="{28C4B0E8-D67A-42A2-8DE8-E4A0DED66813}"/>
+                </a:ext>
+              </a:extLst>
+            </p:cNvPr>
+            <p:cNvCxnSpPr/>
+            <p:nvPr/>
+          </p:nvCxnSpPr>
+          <p:spPr>
+            <a:xfrm>
+              <a:off x="3276248" y="547513"/>
+              <a:ext cx="988200" cy="0"/>
+            </a:xfrm>
+            <a:prstGeom prst="straightConnector1">
+              <a:avLst/>
+            </a:prstGeom>
+            <a:noFill/>
+            <a:ln w="9525" cap="flat" cmpd="sng">
+              <a:solidFill>
+                <a:srgbClr val="5F7D95"/>
+              </a:solidFill>
+              <a:prstDash val="solid"/>
+              <a:round/>
+              <a:headEnd type="none" w="med" len="med"/>
+              <a:tailEnd type="none" w="med" len="med"/>
+            </a:ln>
+          </p:spPr>
+        </p:cxnSp>
+        <p:cxnSp>
+          <p:nvCxnSpPr>
+            <p:cNvPr id="51" name="Google Shape;8188;p74">
+              <a:extLst>
+                <a:ext uri="{FF2B5EF4-FFF2-40B4-BE49-F238E27FC236}">
+                  <a16:creationId xmlns:a16="http://schemas.microsoft.com/office/drawing/2014/main" id="{EE591289-43F8-48AD-8B2F-43CD0CFE744C}"/>
+                </a:ext>
+              </a:extLst>
+            </p:cNvPr>
+            <p:cNvCxnSpPr/>
+            <p:nvPr/>
+          </p:nvCxnSpPr>
+          <p:spPr>
+            <a:xfrm>
+              <a:off x="4753898" y="547513"/>
+              <a:ext cx="988200" cy="0"/>
+            </a:xfrm>
+            <a:prstGeom prst="straightConnector1">
+              <a:avLst/>
+            </a:prstGeom>
+            <a:noFill/>
+            <a:ln w="9525" cap="flat" cmpd="sng">
+              <a:solidFill>
+                <a:srgbClr val="5F7D95"/>
+              </a:solidFill>
+              <a:prstDash val="solid"/>
+              <a:round/>
+              <a:headEnd type="none" w="med" len="med"/>
+              <a:tailEnd type="none" w="med" len="med"/>
+            </a:ln>
+          </p:spPr>
+        </p:cxnSp>
+        <p:cxnSp>
+          <p:nvCxnSpPr>
+            <p:cNvPr id="52" name="Google Shape;8189;p74">
+              <a:extLst>
+                <a:ext uri="{FF2B5EF4-FFF2-40B4-BE49-F238E27FC236}">
+                  <a16:creationId xmlns:a16="http://schemas.microsoft.com/office/drawing/2014/main" id="{92421C5A-8F1E-4432-8463-F62C1B42BB21}"/>
+                </a:ext>
+              </a:extLst>
+            </p:cNvPr>
+            <p:cNvCxnSpPr/>
+            <p:nvPr/>
+          </p:nvCxnSpPr>
+          <p:spPr>
+            <a:xfrm>
+              <a:off x="6143961" y="547513"/>
+              <a:ext cx="988200" cy="0"/>
+            </a:xfrm>
+            <a:prstGeom prst="straightConnector1">
+              <a:avLst/>
+            </a:prstGeom>
+            <a:noFill/>
+            <a:ln w="9525" cap="flat" cmpd="sng">
+              <a:solidFill>
+                <a:srgbClr val="5F7D95"/>
+              </a:solidFill>
+              <a:prstDash val="solid"/>
+              <a:round/>
+              <a:headEnd type="none" w="med" len="med"/>
+              <a:tailEnd type="none" w="med" len="med"/>
+            </a:ln>
+          </p:spPr>
+        </p:cxnSp>
+      </p:grpSp>
     </p:spTree>
     <p:extLst>
       <p:ext uri="{BB962C8B-B14F-4D97-AF65-F5344CB8AC3E}">

--- a/SPRINT2/slide pi.pptx
+++ b/SPRINT2/slide pi.pptx
@@ -17214,7 +17214,7 @@
         </p:nvSpPr>
         <p:spPr>
           <a:xfrm>
-            <a:off x="6384492" y="2712450"/>
+            <a:off x="6504374" y="2724097"/>
             <a:ext cx="2252329" cy="2059483"/>
           </a:xfrm>
           <a:prstGeom prst="ellipse">
@@ -17316,7 +17316,7 @@
         </p:nvSpPr>
         <p:spPr>
           <a:xfrm>
-            <a:off x="5224656" y="4716757"/>
+            <a:off x="5403233" y="4730213"/>
             <a:ext cx="4572000" cy="307777"/>
           </a:xfrm>
           <a:prstGeom prst="rect">
@@ -17509,7 +17509,7 @@
         </p:blipFill>
         <p:spPr>
           <a:xfrm>
-            <a:off x="6938485" y="3574022"/>
+            <a:off x="7117063" y="3584903"/>
             <a:ext cx="1144341" cy="1144341"/>
           </a:xfrm>
           <a:prstGeom prst="rect">
@@ -17539,7 +17539,7 @@
         </p:blipFill>
         <p:spPr>
           <a:xfrm>
-            <a:off x="7210282" y="2996644"/>
+            <a:off x="7362392" y="3012114"/>
             <a:ext cx="600746" cy="600746"/>
           </a:xfrm>
           <a:prstGeom prst="rect">
@@ -17784,7 +17784,7 @@
                 </a:spcAft>
                 <a:buNone/>
               </a:pPr>
-              <a:endParaRPr/>
+              <a:endParaRPr dirty="0"/>
             </a:p>
           </p:txBody>
         </p:sp>
@@ -18081,7 +18081,7 @@
         </p:nvGrpSpPr>
         <p:grpSpPr>
           <a:xfrm rot="19653876">
-            <a:off x="3290086" y="1997348"/>
+            <a:off x="3321139" y="2066528"/>
             <a:ext cx="861012" cy="52681"/>
             <a:chOff x="1464850" y="436375"/>
             <a:chExt cx="6001364" cy="222301"/>

--- a/SPRINT2/slide pi.pptx
+++ b/SPRINT2/slide pi.pptx
@@ -14701,7 +14701,7 @@
 </file>
 
 <file path=ppt/slides/slide15.xml><?xml version="1.0" encoding="utf-8"?>
-<p:sld xmlns:a="http://schemas.openxmlformats.org/drawingml/2006/main" xmlns:r="http://schemas.openxmlformats.org/officeDocument/2006/relationships" xmlns:p="http://schemas.openxmlformats.org/presentationml/2006/main">
+<p:sld xmlns:a="http://schemas.openxmlformats.org/drawingml/2006/main" xmlns:r="http://schemas.openxmlformats.org/officeDocument/2006/relationships" xmlns:p="http://schemas.openxmlformats.org/presentationml/2006/main" show="0">
   <p:cSld>
     <p:spTree>
       <p:nvGrpSpPr>

--- a/SPRINT2/slide pi.pptx
+++ b/SPRINT2/slide pi.pptx
@@ -12766,12 +12766,8 @@
               <a:buChar char="•"/>
             </a:pPr>
             <a:r>
-              <a:rPr lang="pt-BR" b="1" dirty="0" err="1"/>
-              <a:t>Smart</a:t>
-            </a:r>
-            <a:r>
               <a:rPr lang="pt-BR" b="1" dirty="0"/>
-              <a:t> Sensor</a:t>
+              <a:t>Smart Sensor</a:t>
             </a:r>
           </a:p>
           <a:p>

--- a/SPRINT2/slide pi.pptx
+++ b/SPRINT2/slide pi.pptx
@@ -12730,7 +12730,7 @@
                   <a:schemeClr val="accent5"/>
                 </a:solidFill>
               </a:rPr>
-              <a:t>CONTEXTO RESUMIDO</a:t>
+              <a:t>CONTEXTO</a:t>
             </a:r>
             <a:endParaRPr dirty="0"/>
           </a:p>
@@ -12748,7 +12748,7 @@
         </p:nvSpPr>
         <p:spPr>
           <a:xfrm>
-            <a:off x="402193" y="1268676"/>
+            <a:off x="457200" y="1396267"/>
             <a:ext cx="4566300" cy="327300"/>
           </a:xfrm>
           <a:prstGeom prst="rect">
@@ -12807,16 +12807,6 @@
             </a:pPr>
             <a:r>
               <a:rPr lang="pt-BR" b="1" dirty="0"/>
-              <a:t>Decisões </a:t>
-            </a:r>
-          </a:p>
-          <a:p>
-            <a:pPr marL="342900" indent="-342900">
-              <a:buFont typeface="Arial" panose="020B0604020202020204" pitchFamily="34" charset="0"/>
-              <a:buChar char="•"/>
-            </a:pPr>
-            <a:r>
-              <a:rPr lang="pt-BR" b="1" dirty="0"/>
               <a:t>Visão Ampla</a:t>
             </a:r>
           </a:p>
@@ -12827,7 +12817,7 @@
             </a:pPr>
             <a:r>
               <a:rPr lang="pt-BR" b="1" dirty="0"/>
-              <a:t>Controle de temperatura</a:t>
+              <a:t>Decisões </a:t>
             </a:r>
           </a:p>
         </p:txBody>
@@ -13247,67 +13237,6 @@
                       </p:childTnLst>
                     </p:cTn>
                   </p:par>
-                  <p:par>
-                    <p:cTn id="33" fill="hold">
-                      <p:stCondLst>
-                        <p:cond delay="indefinite"/>
-                      </p:stCondLst>
-                      <p:childTnLst>
-                        <p:par>
-                          <p:cTn id="34" fill="hold">
-                            <p:stCondLst>
-                              <p:cond delay="0"/>
-                            </p:stCondLst>
-                            <p:childTnLst>
-                              <p:par>
-                                <p:cTn id="35" presetID="10" presetClass="entr" presetSubtype="0" fill="hold" grpId="0" nodeType="clickEffect">
-                                  <p:stCondLst>
-                                    <p:cond delay="0"/>
-                                  </p:stCondLst>
-                                  <p:childTnLst>
-                                    <p:set>
-                                      <p:cBhvr>
-                                        <p:cTn id="36" dur="1" fill="hold">
-                                          <p:stCondLst>
-                                            <p:cond delay="0"/>
-                                          </p:stCondLst>
-                                        </p:cTn>
-                                        <p:tgtEl>
-                                          <p:spTgt spid="170">
-                                            <p:txEl>
-                                              <p:pRg st="6" end="6"/>
-                                            </p:txEl>
-                                          </p:spTgt>
-                                        </p:tgtEl>
-                                        <p:attrNameLst>
-                                          <p:attrName>style.visibility</p:attrName>
-                                        </p:attrNameLst>
-                                      </p:cBhvr>
-                                      <p:to>
-                                        <p:strVal val="visible"/>
-                                      </p:to>
-                                    </p:set>
-                                    <p:animEffect transition="in" filter="fade">
-                                      <p:cBhvr>
-                                        <p:cTn id="37" dur="500"/>
-                                        <p:tgtEl>
-                                          <p:spTgt spid="170">
-                                            <p:txEl>
-                                              <p:pRg st="6" end="6"/>
-                                            </p:txEl>
-                                          </p:spTgt>
-                                        </p:tgtEl>
-                                      </p:cBhvr>
-                                    </p:animEffect>
-                                  </p:childTnLst>
-                                </p:cTn>
-                              </p:par>
-                            </p:childTnLst>
-                          </p:cTn>
-                        </p:par>
-                      </p:childTnLst>
-                    </p:cTn>
-                  </p:par>
                 </p:childTnLst>
               </p:cTn>
               <p:prevCondLst>
@@ -14519,7 +14448,7 @@
         </p:blipFill>
         <p:spPr>
           <a:xfrm>
-            <a:off x="635008" y="1881746"/>
+            <a:off x="661751" y="1891797"/>
             <a:ext cx="433943" cy="433943"/>
           </a:xfrm>
           <a:prstGeom prst="rect">
@@ -16154,6 +16083,36 @@
           </p:spPr>
         </p:cxnSp>
       </p:grpSp>
+      <p:pic>
+        <p:nvPicPr>
+          <p:cNvPr id="53" name="Imagem 52">
+            <a:extLst>
+              <a:ext uri="{FF2B5EF4-FFF2-40B4-BE49-F238E27FC236}">
+                <a16:creationId xmlns:a16="http://schemas.microsoft.com/office/drawing/2014/main" id="{B696D60D-A925-4925-87A6-0FD09065AD30}"/>
+              </a:ext>
+            </a:extLst>
+          </p:cNvPr>
+          <p:cNvPicPr>
+            <a:picLocks noChangeAspect="1"/>
+          </p:cNvPicPr>
+          <p:nvPr/>
+        </p:nvPicPr>
+        <p:blipFill>
+          <a:blip r:embed="rId11"/>
+          <a:stretch>
+            <a:fillRect/>
+          </a:stretch>
+        </p:blipFill>
+        <p:spPr>
+          <a:xfrm>
+            <a:off x="698722" y="2163480"/>
+            <a:ext cx="360000" cy="360000"/>
+          </a:xfrm>
+          <a:prstGeom prst="rect">
+            <a:avLst/>
+          </a:prstGeom>
+        </p:spPr>
+      </p:pic>
     </p:spTree>
     <p:extLst>
       <p:ext uri="{BB962C8B-B14F-4D97-AF65-F5344CB8AC3E}">
